--- a/Het onderhouden van kamerplanten automatiseren.pptx
+++ b/Het onderhouden van kamerplanten automatiseren.pptx
@@ -4,6 +4,9 @@
   <p:sldMasterIdLst>
     <p:sldMasterId id="2147483697" r:id="rId1"/>
   </p:sldMasterIdLst>
+  <p:notesMasterIdLst>
+    <p:notesMasterId r:id="rId6"/>
+  </p:notesMasterIdLst>
   <p:sldIdLst>
     <p:sldId id="256" r:id="rId2"/>
     <p:sldId id="257" r:id="rId3"/>
@@ -107,7 +110,399 @@
       </a:defRPr>
     </a:lvl9pPr>
   </p:defaultTextStyle>
+  <p:extLst>
+    <p:ext uri="{EFAFB233-063F-42B5-8137-9DF3F51BA10A}">
+      <p15:sldGuideLst xmlns:p15="http://schemas.microsoft.com/office/powerpoint/2012/main"/>
+    </p:ext>
+  </p:extLst>
 </p:presentation>
+</file>
+
+<file path=ppt/revisionInfo.xml><?xml version="1.0" encoding="utf-8"?>
+<p1510:revInfo xmlns:a="http://schemas.openxmlformats.org/drawingml/2006/main" xmlns:r="http://schemas.openxmlformats.org/officeDocument/2006/relationships" xmlns:p1510="http://schemas.microsoft.com/office/powerpoint/2015/10/main">
+  <p1510:revLst>
+    <p1510:client id="{CAFBDC5C-5816-42CF-99C5-5B3638C2C622}" v="4" dt="2023-01-20T10:08:44.555"/>
+  </p1510:revLst>
+</p1510:revInfo>
+</file>
+
+<file path=ppt/changesInfos/changesInfo1.xml><?xml version="1.0" encoding="utf-8"?>
+<pc:chgInfo xmlns:a="http://schemas.openxmlformats.org/drawingml/2006/main" xmlns:r="http://schemas.openxmlformats.org/officeDocument/2006/relationships" xmlns:ac="http://schemas.microsoft.com/office/drawing/2013/main/command" xmlns:pc="http://schemas.microsoft.com/office/powerpoint/2013/main/command">
+  <pc:docChgLst>
+    <pc:chgData name="Eduard Smet" userId="581b2c1f-6fdd-4ef8-98bb-64928c83cb18" providerId="ADAL" clId="{CAFBDC5C-5816-42CF-99C5-5B3638C2C622}"/>
+    <pc:docChg chg="custSel modSld">
+      <pc:chgData name="Eduard Smet" userId="581b2c1f-6fdd-4ef8-98bb-64928c83cb18" providerId="ADAL" clId="{CAFBDC5C-5816-42CF-99C5-5B3638C2C622}" dt="2023-01-20T10:04:36.982" v="0" actId="27636"/>
+      <pc:docMkLst>
+        <pc:docMk/>
+      </pc:docMkLst>
+      <pc:sldChg chg="modSp mod">
+        <pc:chgData name="Eduard Smet" userId="581b2c1f-6fdd-4ef8-98bb-64928c83cb18" providerId="ADAL" clId="{CAFBDC5C-5816-42CF-99C5-5B3638C2C622}" dt="2023-01-20T10:04:36.982" v="0" actId="27636"/>
+        <pc:sldMkLst>
+          <pc:docMk/>
+          <pc:sldMk cId="2308610929" sldId="257"/>
+        </pc:sldMkLst>
+        <pc:spChg chg="mod">
+          <ac:chgData name="Eduard Smet" userId="581b2c1f-6fdd-4ef8-98bb-64928c83cb18" providerId="ADAL" clId="{CAFBDC5C-5816-42CF-99C5-5B3638C2C622}" dt="2023-01-20T10:04:36.982" v="0" actId="27636"/>
+          <ac:spMkLst>
+            <pc:docMk/>
+            <pc:sldMk cId="2308610929" sldId="257"/>
+            <ac:spMk id="3" creationId="{6E25F141-97FE-D4F8-A34E-A4989E36CF8A}"/>
+          </ac:spMkLst>
+        </pc:spChg>
+      </pc:sldChg>
+    </pc:docChg>
+  </pc:docChgLst>
+</pc:chgInfo>
+</file>
+
+<file path=ppt/notesMasters/notesMaster1.xml><?xml version="1.0" encoding="utf-8"?>
+<p:notesMaster xmlns:a="http://schemas.openxmlformats.org/drawingml/2006/main" xmlns:r="http://schemas.openxmlformats.org/officeDocument/2006/relationships" xmlns:p="http://schemas.openxmlformats.org/presentationml/2006/main">
+  <p:cSld>
+    <p:bg>
+      <p:bgRef idx="1001">
+        <a:schemeClr val="bg1"/>
+      </p:bgRef>
+    </p:bg>
+    <p:spTree>
+      <p:nvGrpSpPr>
+        <p:cNvPr id="1" name=""/>
+        <p:cNvGrpSpPr/>
+        <p:nvPr/>
+      </p:nvGrpSpPr>
+      <p:grpSpPr>
+        <a:xfrm>
+          <a:off x="0" y="0"/>
+          <a:ext cx="0" cy="0"/>
+          <a:chOff x="0" y="0"/>
+          <a:chExt cx="0" cy="0"/>
+        </a:xfrm>
+      </p:grpSpPr>
+      <p:sp>
+        <p:nvSpPr>
+          <p:cNvPr id="2" name="Header Placeholder 1"/>
+          <p:cNvSpPr>
+            <a:spLocks noGrp="1"/>
+          </p:cNvSpPr>
+          <p:nvPr>
+            <p:ph type="hdr" sz="quarter"/>
+          </p:nvPr>
+        </p:nvSpPr>
+        <p:spPr>
+          <a:xfrm>
+            <a:off x="0" y="0"/>
+            <a:ext cx="2971800" cy="458788"/>
+          </a:xfrm>
+          <a:prstGeom prst="rect">
+            <a:avLst/>
+          </a:prstGeom>
+        </p:spPr>
+        <p:txBody>
+          <a:bodyPr vert="horz" lIns="91440" tIns="45720" rIns="91440" bIns="45720" rtlCol="0"/>
+          <a:lstStyle>
+            <a:lvl1pPr algn="l">
+              <a:defRPr sz="1200"/>
+            </a:lvl1pPr>
+          </a:lstStyle>
+          <a:p>
+            <a:endParaRPr lang="nl-BE"/>
+          </a:p>
+        </p:txBody>
+      </p:sp>
+      <p:sp>
+        <p:nvSpPr>
+          <p:cNvPr id="3" name="Date Placeholder 2"/>
+          <p:cNvSpPr>
+            <a:spLocks noGrp="1"/>
+          </p:cNvSpPr>
+          <p:nvPr>
+            <p:ph type="dt" idx="1"/>
+          </p:nvPr>
+        </p:nvSpPr>
+        <p:spPr>
+          <a:xfrm>
+            <a:off x="3884613" y="0"/>
+            <a:ext cx="2971800" cy="458788"/>
+          </a:xfrm>
+          <a:prstGeom prst="rect">
+            <a:avLst/>
+          </a:prstGeom>
+        </p:spPr>
+        <p:txBody>
+          <a:bodyPr vert="horz" lIns="91440" tIns="45720" rIns="91440" bIns="45720" rtlCol="0"/>
+          <a:lstStyle>
+            <a:lvl1pPr algn="r">
+              <a:defRPr sz="1200"/>
+            </a:lvl1pPr>
+          </a:lstStyle>
+          <a:p>
+            <a:fld id="{B6C65716-52C3-48B9-BFE2-3CAB747895F7}" type="datetimeFigureOut">
+              <a:rPr lang="nl-BE" smtClean="0"/>
+              <a:t>20/01/2023</a:t>
+            </a:fld>
+            <a:endParaRPr lang="nl-BE"/>
+          </a:p>
+        </p:txBody>
+      </p:sp>
+      <p:sp>
+        <p:nvSpPr>
+          <p:cNvPr id="4" name="Slide Image Placeholder 3"/>
+          <p:cNvSpPr>
+            <a:spLocks noGrp="1" noRot="1" noChangeAspect="1"/>
+          </p:cNvSpPr>
+          <p:nvPr>
+            <p:ph type="sldImg" idx="2"/>
+          </p:nvPr>
+        </p:nvSpPr>
+        <p:spPr>
+          <a:xfrm>
+            <a:off x="685800" y="1143000"/>
+            <a:ext cx="5486400" cy="3086100"/>
+          </a:xfrm>
+          <a:prstGeom prst="rect">
+            <a:avLst/>
+          </a:prstGeom>
+          <a:noFill/>
+          <a:ln w="12700">
+            <a:solidFill>
+              <a:prstClr val="black"/>
+            </a:solidFill>
+          </a:ln>
+        </p:spPr>
+        <p:txBody>
+          <a:bodyPr vert="horz" lIns="91440" tIns="45720" rIns="91440" bIns="45720" rtlCol="0" anchor="ctr"/>
+          <a:lstStyle/>
+          <a:p>
+            <a:endParaRPr lang="nl-BE"/>
+          </a:p>
+        </p:txBody>
+      </p:sp>
+      <p:sp>
+        <p:nvSpPr>
+          <p:cNvPr id="5" name="Notes Placeholder 4"/>
+          <p:cNvSpPr>
+            <a:spLocks noGrp="1"/>
+          </p:cNvSpPr>
+          <p:nvPr>
+            <p:ph type="body" sz="quarter" idx="3"/>
+          </p:nvPr>
+        </p:nvSpPr>
+        <p:spPr>
+          <a:xfrm>
+            <a:off x="685800" y="4400550"/>
+            <a:ext cx="5486400" cy="3600450"/>
+          </a:xfrm>
+          <a:prstGeom prst="rect">
+            <a:avLst/>
+          </a:prstGeom>
+        </p:spPr>
+        <p:txBody>
+          <a:bodyPr vert="horz" lIns="91440" tIns="45720" rIns="91440" bIns="45720" rtlCol="0"/>
+          <a:lstStyle/>
+          <a:p>
+            <a:pPr lvl="0"/>
+            <a:r>
+              <a:rPr lang="en-US"/>
+              <a:t>Click to edit Master text styles</a:t>
+            </a:r>
+          </a:p>
+          <a:p>
+            <a:pPr lvl="1"/>
+            <a:r>
+              <a:rPr lang="en-US"/>
+              <a:t>Second level</a:t>
+            </a:r>
+          </a:p>
+          <a:p>
+            <a:pPr lvl="2"/>
+            <a:r>
+              <a:rPr lang="en-US"/>
+              <a:t>Third level</a:t>
+            </a:r>
+          </a:p>
+          <a:p>
+            <a:pPr lvl="3"/>
+            <a:r>
+              <a:rPr lang="en-US"/>
+              <a:t>Fourth level</a:t>
+            </a:r>
+          </a:p>
+          <a:p>
+            <a:pPr lvl="4"/>
+            <a:r>
+              <a:rPr lang="en-US"/>
+              <a:t>Fifth level</a:t>
+            </a:r>
+            <a:endParaRPr lang="nl-BE"/>
+          </a:p>
+        </p:txBody>
+      </p:sp>
+      <p:sp>
+        <p:nvSpPr>
+          <p:cNvPr id="6" name="Footer Placeholder 5"/>
+          <p:cNvSpPr>
+            <a:spLocks noGrp="1"/>
+          </p:cNvSpPr>
+          <p:nvPr>
+            <p:ph type="ftr" sz="quarter" idx="4"/>
+          </p:nvPr>
+        </p:nvSpPr>
+        <p:spPr>
+          <a:xfrm>
+            <a:off x="0" y="8685213"/>
+            <a:ext cx="2971800" cy="458787"/>
+          </a:xfrm>
+          <a:prstGeom prst="rect">
+            <a:avLst/>
+          </a:prstGeom>
+        </p:spPr>
+        <p:txBody>
+          <a:bodyPr vert="horz" lIns="91440" tIns="45720" rIns="91440" bIns="45720" rtlCol="0" anchor="b"/>
+          <a:lstStyle>
+            <a:lvl1pPr algn="l">
+              <a:defRPr sz="1200"/>
+            </a:lvl1pPr>
+          </a:lstStyle>
+          <a:p>
+            <a:endParaRPr lang="nl-BE"/>
+          </a:p>
+        </p:txBody>
+      </p:sp>
+      <p:sp>
+        <p:nvSpPr>
+          <p:cNvPr id="7" name="Slide Number Placeholder 6"/>
+          <p:cNvSpPr>
+            <a:spLocks noGrp="1"/>
+          </p:cNvSpPr>
+          <p:nvPr>
+            <p:ph type="sldNum" sz="quarter" idx="5"/>
+          </p:nvPr>
+        </p:nvSpPr>
+        <p:spPr>
+          <a:xfrm>
+            <a:off x="3884613" y="8685213"/>
+            <a:ext cx="2971800" cy="458787"/>
+          </a:xfrm>
+          <a:prstGeom prst="rect">
+            <a:avLst/>
+          </a:prstGeom>
+        </p:spPr>
+        <p:txBody>
+          <a:bodyPr vert="horz" lIns="91440" tIns="45720" rIns="91440" bIns="45720" rtlCol="0" anchor="b"/>
+          <a:lstStyle>
+            <a:lvl1pPr algn="r">
+              <a:defRPr sz="1200"/>
+            </a:lvl1pPr>
+          </a:lstStyle>
+          <a:p>
+            <a:fld id="{B9B04333-D8AA-4448-BD8A-03AA24477FCA}" type="slidenum">
+              <a:rPr lang="nl-BE" smtClean="0"/>
+              <a:t>‹#›</a:t>
+            </a:fld>
+            <a:endParaRPr lang="nl-BE"/>
+          </a:p>
+        </p:txBody>
+      </p:sp>
+    </p:spTree>
+    <p:extLst>
+      <p:ext uri="{BB962C8B-B14F-4D97-AF65-F5344CB8AC3E}">
+        <p14:creationId xmlns:p14="http://schemas.microsoft.com/office/powerpoint/2010/main" val="4275532507"/>
+      </p:ext>
+    </p:extLst>
+  </p:cSld>
+  <p:clrMap bg1="lt1" tx1="dk1" bg2="lt2" tx2="dk2" accent1="accent1" accent2="accent2" accent3="accent3" accent4="accent4" accent5="accent5" accent6="accent6" hlink="hlink" folHlink="folHlink"/>
+  <p:notesStyle>
+    <a:lvl1pPr marL="0" algn="l" defTabSz="914400" rtl="0" eaLnBrk="1" latinLnBrk="0" hangingPunct="1">
+      <a:defRPr sz="1200" kern="1200">
+        <a:solidFill>
+          <a:schemeClr val="tx1"/>
+        </a:solidFill>
+        <a:latin typeface="+mn-lt"/>
+        <a:ea typeface="+mn-ea"/>
+        <a:cs typeface="+mn-cs"/>
+      </a:defRPr>
+    </a:lvl1pPr>
+    <a:lvl2pPr marL="457200" algn="l" defTabSz="914400" rtl="0" eaLnBrk="1" latinLnBrk="0" hangingPunct="1">
+      <a:defRPr sz="1200" kern="1200">
+        <a:solidFill>
+          <a:schemeClr val="tx1"/>
+        </a:solidFill>
+        <a:latin typeface="+mn-lt"/>
+        <a:ea typeface="+mn-ea"/>
+        <a:cs typeface="+mn-cs"/>
+      </a:defRPr>
+    </a:lvl2pPr>
+    <a:lvl3pPr marL="914400" algn="l" defTabSz="914400" rtl="0" eaLnBrk="1" latinLnBrk="0" hangingPunct="1">
+      <a:defRPr sz="1200" kern="1200">
+        <a:solidFill>
+          <a:schemeClr val="tx1"/>
+        </a:solidFill>
+        <a:latin typeface="+mn-lt"/>
+        <a:ea typeface="+mn-ea"/>
+        <a:cs typeface="+mn-cs"/>
+      </a:defRPr>
+    </a:lvl3pPr>
+    <a:lvl4pPr marL="1371600" algn="l" defTabSz="914400" rtl="0" eaLnBrk="1" latinLnBrk="0" hangingPunct="1">
+      <a:defRPr sz="1200" kern="1200">
+        <a:solidFill>
+          <a:schemeClr val="tx1"/>
+        </a:solidFill>
+        <a:latin typeface="+mn-lt"/>
+        <a:ea typeface="+mn-ea"/>
+        <a:cs typeface="+mn-cs"/>
+      </a:defRPr>
+    </a:lvl4pPr>
+    <a:lvl5pPr marL="1828800" algn="l" defTabSz="914400" rtl="0" eaLnBrk="1" latinLnBrk="0" hangingPunct="1">
+      <a:defRPr sz="1200" kern="1200">
+        <a:solidFill>
+          <a:schemeClr val="tx1"/>
+        </a:solidFill>
+        <a:latin typeface="+mn-lt"/>
+        <a:ea typeface="+mn-ea"/>
+        <a:cs typeface="+mn-cs"/>
+      </a:defRPr>
+    </a:lvl5pPr>
+    <a:lvl6pPr marL="2286000" algn="l" defTabSz="914400" rtl="0" eaLnBrk="1" latinLnBrk="0" hangingPunct="1">
+      <a:defRPr sz="1200" kern="1200">
+        <a:solidFill>
+          <a:schemeClr val="tx1"/>
+        </a:solidFill>
+        <a:latin typeface="+mn-lt"/>
+        <a:ea typeface="+mn-ea"/>
+        <a:cs typeface="+mn-cs"/>
+      </a:defRPr>
+    </a:lvl6pPr>
+    <a:lvl7pPr marL="2743200" algn="l" defTabSz="914400" rtl="0" eaLnBrk="1" latinLnBrk="0" hangingPunct="1">
+      <a:defRPr sz="1200" kern="1200">
+        <a:solidFill>
+          <a:schemeClr val="tx1"/>
+        </a:solidFill>
+        <a:latin typeface="+mn-lt"/>
+        <a:ea typeface="+mn-ea"/>
+        <a:cs typeface="+mn-cs"/>
+      </a:defRPr>
+    </a:lvl7pPr>
+    <a:lvl8pPr marL="3200400" algn="l" defTabSz="914400" rtl="0" eaLnBrk="1" latinLnBrk="0" hangingPunct="1">
+      <a:defRPr sz="1200" kern="1200">
+        <a:solidFill>
+          <a:schemeClr val="tx1"/>
+        </a:solidFill>
+        <a:latin typeface="+mn-lt"/>
+        <a:ea typeface="+mn-ea"/>
+        <a:cs typeface="+mn-cs"/>
+      </a:defRPr>
+    </a:lvl8pPr>
+    <a:lvl9pPr marL="3657600" algn="l" defTabSz="914400" rtl="0" eaLnBrk="1" latinLnBrk="0" hangingPunct="1">
+      <a:defRPr sz="1200" kern="1200">
+        <a:solidFill>
+          <a:schemeClr val="tx1"/>
+        </a:solidFill>
+        <a:latin typeface="+mn-lt"/>
+        <a:ea typeface="+mn-ea"/>
+        <a:cs typeface="+mn-cs"/>
+      </a:defRPr>
+    </a:lvl9pPr>
+  </p:notesStyle>
+</p:notesMaster>
 </file>
 
 <file path=ppt/slideLayouts/slideLayout1.xml><?xml version="1.0" encoding="utf-8"?>
@@ -262,11 +657,10 @@
           <a:bodyPr/>
           <a:lstStyle/>
           <a:p>
-            <a:fld id="{A1E45834-53BD-4C8F-B791-CD5378F4150E}" type="datetimeFigureOut">
-              <a:rPr lang="en-US" smtClean="0"/>
-              <a:t>1/9/2023</a:t>
-            </a:fld>
-            <a:endParaRPr lang="en-US"/>
+            <a:r>
+              <a:rPr lang="en-US"/>
+              <a:t>31/1/2023</a:t>
+            </a:r>
           </a:p>
         </p:txBody>
       </p:sp>
@@ -291,6 +685,10 @@
           <a:bodyPr/>
           <a:lstStyle/>
           <a:p>
+            <a:r>
+              <a:rPr lang="nl-BE"/>
+              <a:t>Het onderhouden van kamerlanten automatiseren - Eduard Smet</a:t>
+            </a:r>
             <a:endParaRPr lang="en-US"/>
           </a:p>
         </p:txBody>
@@ -460,11 +858,10 @@
           <a:bodyPr/>
           <a:lstStyle/>
           <a:p>
-            <a:fld id="{A1E45834-53BD-4C8F-B791-CD5378F4150E}" type="datetimeFigureOut">
-              <a:rPr lang="en-US" smtClean="0"/>
-              <a:t>1/9/2023</a:t>
-            </a:fld>
-            <a:endParaRPr lang="en-US"/>
+            <a:r>
+              <a:rPr lang="en-US"/>
+              <a:t>31/1/2023</a:t>
+            </a:r>
           </a:p>
         </p:txBody>
       </p:sp>
@@ -489,6 +886,10 @@
           <a:bodyPr/>
           <a:lstStyle/>
           <a:p>
+            <a:r>
+              <a:rPr lang="nl-BE"/>
+              <a:t>Het onderhouden van kamerlanten automatiseren - Eduard Smet</a:t>
+            </a:r>
             <a:endParaRPr lang="en-US"/>
           </a:p>
         </p:txBody>
@@ -668,11 +1069,10 @@
           <a:bodyPr/>
           <a:lstStyle/>
           <a:p>
-            <a:fld id="{A1E45834-53BD-4C8F-B791-CD5378F4150E}" type="datetimeFigureOut">
-              <a:rPr lang="en-US" smtClean="0"/>
-              <a:t>1/9/2023</a:t>
-            </a:fld>
-            <a:endParaRPr lang="en-US"/>
+            <a:r>
+              <a:rPr lang="en-US"/>
+              <a:t>31/1/2023</a:t>
+            </a:r>
           </a:p>
         </p:txBody>
       </p:sp>
@@ -697,6 +1097,10 @@
           <a:bodyPr/>
           <a:lstStyle/>
           <a:p>
+            <a:r>
+              <a:rPr lang="nl-BE"/>
+              <a:t>Het onderhouden van kamerlanten automatiseren - Eduard Smet</a:t>
+            </a:r>
             <a:endParaRPr lang="en-US"/>
           </a:p>
         </p:txBody>
@@ -909,11 +1313,10 @@
           <a:bodyPr/>
           <a:lstStyle/>
           <a:p>
-            <a:fld id="{A1E45834-53BD-4C8F-B791-CD5378F4150E}" type="datetimeFigureOut">
-              <a:rPr lang="en-US" smtClean="0"/>
-              <a:t>1/9/2023</a:t>
-            </a:fld>
-            <a:endParaRPr lang="en-US"/>
+            <a:r>
+              <a:rPr lang="en-US"/>
+              <a:t>31/1/2023</a:t>
+            </a:r>
           </a:p>
         </p:txBody>
       </p:sp>
@@ -938,6 +1341,10 @@
           <a:bodyPr/>
           <a:lstStyle/>
           <a:p>
+            <a:r>
+              <a:rPr lang="nl-BE"/>
+              <a:t>Het onderhouden van kamerlanten automatiseren - Eduard Smet</a:t>
+            </a:r>
             <a:endParaRPr lang="en-US"/>
           </a:p>
         </p:txBody>
@@ -1187,11 +1594,10 @@
           <a:bodyPr/>
           <a:lstStyle/>
           <a:p>
-            <a:fld id="{A1E45834-53BD-4C8F-B791-CD5378F4150E}" type="datetimeFigureOut">
-              <a:rPr lang="en-US" smtClean="0"/>
-              <a:t>1/9/2023</a:t>
-            </a:fld>
-            <a:endParaRPr lang="en-US"/>
+            <a:r>
+              <a:rPr lang="en-US"/>
+              <a:t>31/1/2023</a:t>
+            </a:r>
           </a:p>
         </p:txBody>
       </p:sp>
@@ -1216,6 +1622,10 @@
           <a:bodyPr/>
           <a:lstStyle/>
           <a:p>
+            <a:r>
+              <a:rPr lang="nl-BE"/>
+              <a:t>Het onderhouden van kamerlanten automatiseren - Eduard Smet</a:t>
+            </a:r>
             <a:endParaRPr lang="en-US"/>
           </a:p>
         </p:txBody>
@@ -1457,11 +1867,10 @@
           <a:bodyPr/>
           <a:lstStyle/>
           <a:p>
-            <a:fld id="{A1E45834-53BD-4C8F-B791-CD5378F4150E}" type="datetimeFigureOut">
-              <a:rPr lang="en-US" smtClean="0"/>
-              <a:t>1/9/2023</a:t>
-            </a:fld>
-            <a:endParaRPr lang="en-US"/>
+            <a:r>
+              <a:rPr lang="en-US"/>
+              <a:t>31/1/2023</a:t>
+            </a:r>
           </a:p>
         </p:txBody>
       </p:sp>
@@ -1486,6 +1895,10 @@
           <a:bodyPr/>
           <a:lstStyle/>
           <a:p>
+            <a:r>
+              <a:rPr lang="nl-BE"/>
+              <a:t>Het onderhouden van kamerlanten automatiseren - Eduard Smet</a:t>
+            </a:r>
             <a:endParaRPr lang="en-US"/>
           </a:p>
         </p:txBody>
@@ -1879,11 +2292,10 @@
           <a:bodyPr/>
           <a:lstStyle/>
           <a:p>
-            <a:fld id="{A1E45834-53BD-4C8F-B791-CD5378F4150E}" type="datetimeFigureOut">
-              <a:rPr lang="en-US" smtClean="0"/>
-              <a:t>1/9/2023</a:t>
-            </a:fld>
-            <a:endParaRPr lang="en-US"/>
+            <a:r>
+              <a:rPr lang="en-US"/>
+              <a:t>31/1/2023</a:t>
+            </a:r>
           </a:p>
         </p:txBody>
       </p:sp>
@@ -1908,6 +2320,10 @@
           <a:bodyPr/>
           <a:lstStyle/>
           <a:p>
+            <a:r>
+              <a:rPr lang="nl-BE"/>
+              <a:t>Het onderhouden van kamerlanten automatiseren - Eduard Smet</a:t>
+            </a:r>
             <a:endParaRPr lang="en-US"/>
           </a:p>
         </p:txBody>
@@ -2024,11 +2440,10 @@
           <a:bodyPr/>
           <a:lstStyle/>
           <a:p>
-            <a:fld id="{A1E45834-53BD-4C8F-B791-CD5378F4150E}" type="datetimeFigureOut">
-              <a:rPr lang="en-US" smtClean="0"/>
-              <a:t>1/9/2023</a:t>
-            </a:fld>
-            <a:endParaRPr lang="en-US"/>
+            <a:r>
+              <a:rPr lang="en-US"/>
+              <a:t>31/1/2023</a:t>
+            </a:r>
           </a:p>
         </p:txBody>
       </p:sp>
@@ -2053,6 +2468,10 @@
           <a:bodyPr/>
           <a:lstStyle/>
           <a:p>
+            <a:r>
+              <a:rPr lang="nl-BE"/>
+              <a:t>Het onderhouden van kamerlanten automatiseren - Eduard Smet</a:t>
+            </a:r>
             <a:endParaRPr lang="en-US"/>
           </a:p>
         </p:txBody>
@@ -2137,11 +2556,10 @@
           <a:bodyPr/>
           <a:lstStyle/>
           <a:p>
-            <a:fld id="{A1E45834-53BD-4C8F-B791-CD5378F4150E}" type="datetimeFigureOut">
-              <a:rPr lang="en-US" smtClean="0"/>
-              <a:t>1/9/2023</a:t>
-            </a:fld>
-            <a:endParaRPr lang="en-US"/>
+            <a:r>
+              <a:rPr lang="en-US"/>
+              <a:t>31/1/2023</a:t>
+            </a:r>
           </a:p>
         </p:txBody>
       </p:sp>
@@ -2166,6 +2584,10 @@
           <a:bodyPr/>
           <a:lstStyle/>
           <a:p>
+            <a:r>
+              <a:rPr lang="nl-BE"/>
+              <a:t>Het onderhouden van kamerlanten automatiseren - Eduard Smet</a:t>
+            </a:r>
             <a:endParaRPr lang="en-US"/>
           </a:p>
         </p:txBody>
@@ -2451,11 +2873,10 @@
           <a:bodyPr/>
           <a:lstStyle/>
           <a:p>
-            <a:fld id="{A1E45834-53BD-4C8F-B791-CD5378F4150E}" type="datetimeFigureOut">
-              <a:rPr lang="en-US" smtClean="0"/>
-              <a:t>1/9/2023</a:t>
-            </a:fld>
-            <a:endParaRPr lang="en-US"/>
+            <a:r>
+              <a:rPr lang="en-US"/>
+              <a:t>31/1/2023</a:t>
+            </a:r>
           </a:p>
         </p:txBody>
       </p:sp>
@@ -2480,6 +2901,10 @@
           <a:bodyPr/>
           <a:lstStyle/>
           <a:p>
+            <a:r>
+              <a:rPr lang="nl-BE"/>
+              <a:t>Het onderhouden van kamerlanten automatiseren - Eduard Smet</a:t>
+            </a:r>
             <a:endParaRPr lang="en-US"/>
           </a:p>
         </p:txBody>
@@ -2745,11 +3170,10 @@
           <a:bodyPr/>
           <a:lstStyle/>
           <a:p>
-            <a:fld id="{A1E45834-53BD-4C8F-B791-CD5378F4150E}" type="datetimeFigureOut">
-              <a:rPr lang="en-US" smtClean="0"/>
-              <a:t>1/9/2023</a:t>
-            </a:fld>
-            <a:endParaRPr lang="en-US"/>
+            <a:r>
+              <a:rPr lang="en-US"/>
+              <a:t>31/1/2023</a:t>
+            </a:r>
           </a:p>
         </p:txBody>
       </p:sp>
@@ -2774,6 +3198,10 @@
           <a:bodyPr/>
           <a:lstStyle/>
           <a:p>
+            <a:r>
+              <a:rPr lang="nl-BE"/>
+              <a:t>Het onderhouden van kamerlanten automatiseren - Eduard Smet</a:t>
+            </a:r>
             <a:endParaRPr lang="en-US"/>
           </a:p>
         </p:txBody>
@@ -2984,11 +3412,10 @@
             </a:lvl1pPr>
           </a:lstStyle>
           <a:p>
-            <a:fld id="{A1E45834-53BD-4C8F-B791-CD5378F4150E}" type="datetimeFigureOut">
-              <a:rPr lang="en-US" smtClean="0"/>
-              <a:t>1/9/2023</a:t>
-            </a:fld>
-            <a:endParaRPr lang="en-US"/>
+            <a:r>
+              <a:rPr lang="en-US"/>
+              <a:t>31/1/2023</a:t>
+            </a:r>
           </a:p>
         </p:txBody>
       </p:sp>
@@ -3029,6 +3456,10 @@
             </a:lvl1pPr>
           </a:lstStyle>
           <a:p>
+            <a:r>
+              <a:rPr lang="nl-BE"/>
+              <a:t>Het onderhouden van kamerlanten automatiseren - Eduard Smet</a:t>
+            </a:r>
             <a:endParaRPr lang="en-US"/>
           </a:p>
         </p:txBody>
@@ -3142,6 +3573,7 @@
     <p:sldLayoutId id="2147483689" r:id="rId10"/>
     <p:sldLayoutId id="2147483691" r:id="rId11"/>
   </p:sldLayoutIdLst>
+  <p:hf hdr="0"/>
   <p:txStyles>
     <p:titleStyle>
       <a:lvl1pPr algn="l" defTabSz="914400" rtl="0" eaLnBrk="1" latinLnBrk="0" hangingPunct="1">
@@ -3812,6 +4244,92 @@
           </a:fontRef>
         </p:style>
       </p:cxnSp>
+      <p:sp>
+        <p:nvSpPr>
+          <p:cNvPr id="4" name="Slide Number Placeholder 3">
+            <a:extLst>
+              <a:ext uri="{FF2B5EF4-FFF2-40B4-BE49-F238E27FC236}">
+                <a16:creationId xmlns:a16="http://schemas.microsoft.com/office/drawing/2014/main" id="{6C9D2E33-ABCE-BD74-E000-25F5B55CED84}"/>
+              </a:ext>
+            </a:extLst>
+          </p:cNvPr>
+          <p:cNvSpPr>
+            <a:spLocks noGrp="1"/>
+          </p:cNvSpPr>
+          <p:nvPr>
+            <p:ph type="sldNum" sz="quarter" idx="12"/>
+          </p:nvPr>
+        </p:nvSpPr>
+        <p:spPr/>
+        <p:txBody>
+          <a:bodyPr/>
+          <a:lstStyle/>
+          <a:p>
+            <a:fld id="{719D7796-F675-488F-AC46-C88938C80352}" type="slidenum">
+              <a:rPr lang="en-US" smtClean="0"/>
+              <a:t>1</a:t>
+            </a:fld>
+            <a:endParaRPr lang="en-US"/>
+          </a:p>
+        </p:txBody>
+      </p:sp>
+      <p:sp>
+        <p:nvSpPr>
+          <p:cNvPr id="5" name="Footer Placeholder 4">
+            <a:extLst>
+              <a:ext uri="{FF2B5EF4-FFF2-40B4-BE49-F238E27FC236}">
+                <a16:creationId xmlns:a16="http://schemas.microsoft.com/office/drawing/2014/main" id="{A2749BD8-7E4B-291B-D39C-A459602B6B61}"/>
+              </a:ext>
+            </a:extLst>
+          </p:cNvPr>
+          <p:cNvSpPr>
+            <a:spLocks noGrp="1"/>
+          </p:cNvSpPr>
+          <p:nvPr>
+            <p:ph type="ftr" sz="quarter" idx="11"/>
+          </p:nvPr>
+        </p:nvSpPr>
+        <p:spPr/>
+        <p:txBody>
+          <a:bodyPr/>
+          <a:lstStyle/>
+          <a:p>
+            <a:r>
+              <a:rPr lang="nl-BE"/>
+              <a:t>Het onderhouden van kamerlanten automatiseren - Eduard Smet</a:t>
+            </a:r>
+            <a:endParaRPr lang="en-US"/>
+          </a:p>
+        </p:txBody>
+      </p:sp>
+      <p:sp>
+        <p:nvSpPr>
+          <p:cNvPr id="6" name="Date Placeholder 5">
+            <a:extLst>
+              <a:ext uri="{FF2B5EF4-FFF2-40B4-BE49-F238E27FC236}">
+                <a16:creationId xmlns:a16="http://schemas.microsoft.com/office/drawing/2014/main" id="{1BF2197F-1E17-0321-7C0E-A902EC986DA7}"/>
+              </a:ext>
+            </a:extLst>
+          </p:cNvPr>
+          <p:cNvSpPr>
+            <a:spLocks noGrp="1"/>
+          </p:cNvSpPr>
+          <p:nvPr>
+            <p:ph type="dt" sz="half" idx="10"/>
+          </p:nvPr>
+        </p:nvSpPr>
+        <p:spPr/>
+        <p:txBody>
+          <a:bodyPr/>
+          <a:lstStyle/>
+          <a:p>
+            <a:r>
+              <a:rPr lang="en-US"/>
+              <a:t>31/1/2023</a:t>
+            </a:r>
+          </a:p>
+        </p:txBody>
+      </p:sp>
     </p:spTree>
     <p:extLst>
       <p:ext uri="{BB962C8B-B14F-4D97-AF65-F5344CB8AC3E}">
@@ -4029,7 +4547,7 @@
         <p:spPr/>
         <p:txBody>
           <a:bodyPr>
-            <a:normAutofit/>
+            <a:normAutofit lnSpcReduction="10000"/>
           </a:bodyPr>
           <a:lstStyle/>
           <a:p>
@@ -4171,6 +4689,92 @@
               <a:t>factoren</a:t>
             </a:r>
             <a:endParaRPr lang="en-BE" dirty="0"/>
+          </a:p>
+        </p:txBody>
+      </p:sp>
+      <p:sp>
+        <p:nvSpPr>
+          <p:cNvPr id="4" name="Slide Number Placeholder 3">
+            <a:extLst>
+              <a:ext uri="{FF2B5EF4-FFF2-40B4-BE49-F238E27FC236}">
+                <a16:creationId xmlns:a16="http://schemas.microsoft.com/office/drawing/2014/main" id="{BE21E36D-9ADE-B65E-255D-F7D686638201}"/>
+              </a:ext>
+            </a:extLst>
+          </p:cNvPr>
+          <p:cNvSpPr>
+            <a:spLocks noGrp="1"/>
+          </p:cNvSpPr>
+          <p:nvPr>
+            <p:ph type="sldNum" sz="quarter" idx="12"/>
+          </p:nvPr>
+        </p:nvSpPr>
+        <p:spPr/>
+        <p:txBody>
+          <a:bodyPr/>
+          <a:lstStyle/>
+          <a:p>
+            <a:fld id="{719D7796-F675-488F-AC46-C88938C80352}" type="slidenum">
+              <a:rPr lang="en-US" smtClean="0"/>
+              <a:t>2</a:t>
+            </a:fld>
+            <a:endParaRPr lang="en-US"/>
+          </a:p>
+        </p:txBody>
+      </p:sp>
+      <p:sp>
+        <p:nvSpPr>
+          <p:cNvPr id="5" name="Footer Placeholder 4">
+            <a:extLst>
+              <a:ext uri="{FF2B5EF4-FFF2-40B4-BE49-F238E27FC236}">
+                <a16:creationId xmlns:a16="http://schemas.microsoft.com/office/drawing/2014/main" id="{32D3AD75-5125-42F4-8C56-256B3E44A858}"/>
+              </a:ext>
+            </a:extLst>
+          </p:cNvPr>
+          <p:cNvSpPr>
+            <a:spLocks noGrp="1"/>
+          </p:cNvSpPr>
+          <p:nvPr>
+            <p:ph type="ftr" sz="quarter" idx="11"/>
+          </p:nvPr>
+        </p:nvSpPr>
+        <p:spPr/>
+        <p:txBody>
+          <a:bodyPr/>
+          <a:lstStyle/>
+          <a:p>
+            <a:r>
+              <a:rPr lang="nl-BE"/>
+              <a:t>Het onderhouden van kamerlanten automatiseren - Eduard Smet</a:t>
+            </a:r>
+            <a:endParaRPr lang="en-US"/>
+          </a:p>
+        </p:txBody>
+      </p:sp>
+      <p:sp>
+        <p:nvSpPr>
+          <p:cNvPr id="6" name="Date Placeholder 5">
+            <a:extLst>
+              <a:ext uri="{FF2B5EF4-FFF2-40B4-BE49-F238E27FC236}">
+                <a16:creationId xmlns:a16="http://schemas.microsoft.com/office/drawing/2014/main" id="{92A0768E-42FB-CF56-882C-72EF5CAB8F44}"/>
+              </a:ext>
+            </a:extLst>
+          </p:cNvPr>
+          <p:cNvSpPr>
+            <a:spLocks noGrp="1"/>
+          </p:cNvSpPr>
+          <p:nvPr>
+            <p:ph type="dt" sz="half" idx="10"/>
+          </p:nvPr>
+        </p:nvSpPr>
+        <p:spPr/>
+        <p:txBody>
+          <a:bodyPr/>
+          <a:lstStyle/>
+          <a:p>
+            <a:r>
+              <a:rPr lang="en-US"/>
+              <a:t>31/1/2023</a:t>
+            </a:r>
           </a:p>
         </p:txBody>
       </p:sp>
@@ -4415,6 +5019,92 @@
           </a:p>
         </p:txBody>
       </p:sp>
+      <p:sp>
+        <p:nvSpPr>
+          <p:cNvPr id="4" name="Slide Number Placeholder 3">
+            <a:extLst>
+              <a:ext uri="{FF2B5EF4-FFF2-40B4-BE49-F238E27FC236}">
+                <a16:creationId xmlns:a16="http://schemas.microsoft.com/office/drawing/2014/main" id="{0006B4CE-1968-D335-9199-0C324229184F}"/>
+              </a:ext>
+            </a:extLst>
+          </p:cNvPr>
+          <p:cNvSpPr>
+            <a:spLocks noGrp="1"/>
+          </p:cNvSpPr>
+          <p:nvPr>
+            <p:ph type="sldNum" sz="quarter" idx="12"/>
+          </p:nvPr>
+        </p:nvSpPr>
+        <p:spPr/>
+        <p:txBody>
+          <a:bodyPr/>
+          <a:lstStyle/>
+          <a:p>
+            <a:fld id="{719D7796-F675-488F-AC46-C88938C80352}" type="slidenum">
+              <a:rPr lang="en-US" smtClean="0"/>
+              <a:t>3</a:t>
+            </a:fld>
+            <a:endParaRPr lang="en-US"/>
+          </a:p>
+        </p:txBody>
+      </p:sp>
+      <p:sp>
+        <p:nvSpPr>
+          <p:cNvPr id="5" name="Footer Placeholder 4">
+            <a:extLst>
+              <a:ext uri="{FF2B5EF4-FFF2-40B4-BE49-F238E27FC236}">
+                <a16:creationId xmlns:a16="http://schemas.microsoft.com/office/drawing/2014/main" id="{FA65188A-982F-4AC1-2A07-31B2D75225C8}"/>
+              </a:ext>
+            </a:extLst>
+          </p:cNvPr>
+          <p:cNvSpPr>
+            <a:spLocks noGrp="1"/>
+          </p:cNvSpPr>
+          <p:nvPr>
+            <p:ph type="ftr" sz="quarter" idx="11"/>
+          </p:nvPr>
+        </p:nvSpPr>
+        <p:spPr/>
+        <p:txBody>
+          <a:bodyPr/>
+          <a:lstStyle/>
+          <a:p>
+            <a:r>
+              <a:rPr lang="nl-BE"/>
+              <a:t>Het onderhouden van kamerlanten automatiseren - Eduard Smet</a:t>
+            </a:r>
+            <a:endParaRPr lang="en-US"/>
+          </a:p>
+        </p:txBody>
+      </p:sp>
+      <p:sp>
+        <p:nvSpPr>
+          <p:cNvPr id="6" name="Date Placeholder 5">
+            <a:extLst>
+              <a:ext uri="{FF2B5EF4-FFF2-40B4-BE49-F238E27FC236}">
+                <a16:creationId xmlns:a16="http://schemas.microsoft.com/office/drawing/2014/main" id="{7B477585-CE1F-2EA6-A6A8-9BBEBDF9B964}"/>
+              </a:ext>
+            </a:extLst>
+          </p:cNvPr>
+          <p:cNvSpPr>
+            <a:spLocks noGrp="1"/>
+          </p:cNvSpPr>
+          <p:nvPr>
+            <p:ph type="dt" sz="half" idx="10"/>
+          </p:nvPr>
+        </p:nvSpPr>
+        <p:spPr/>
+        <p:txBody>
+          <a:bodyPr/>
+          <a:lstStyle/>
+          <a:p>
+            <a:r>
+              <a:rPr lang="en-US"/>
+              <a:t>31/1/2023</a:t>
+            </a:r>
+          </a:p>
+        </p:txBody>
+      </p:sp>
     </p:spTree>
     <p:extLst>
       <p:ext uri="{BB962C8B-B14F-4D97-AF65-F5344CB8AC3E}">
@@ -4579,6 +5269,92 @@
               <a:t> LI</a:t>
             </a:r>
             <a:endParaRPr lang="nl-BE" u="sng" dirty="0"/>
+          </a:p>
+        </p:txBody>
+      </p:sp>
+      <p:sp>
+        <p:nvSpPr>
+          <p:cNvPr id="4" name="Slide Number Placeholder 3">
+            <a:extLst>
+              <a:ext uri="{FF2B5EF4-FFF2-40B4-BE49-F238E27FC236}">
+                <a16:creationId xmlns:a16="http://schemas.microsoft.com/office/drawing/2014/main" id="{969F26B4-5F4F-79B2-7552-CEEFE301EA8A}"/>
+              </a:ext>
+            </a:extLst>
+          </p:cNvPr>
+          <p:cNvSpPr>
+            <a:spLocks noGrp="1"/>
+          </p:cNvSpPr>
+          <p:nvPr>
+            <p:ph type="sldNum" sz="quarter" idx="12"/>
+          </p:nvPr>
+        </p:nvSpPr>
+        <p:spPr/>
+        <p:txBody>
+          <a:bodyPr/>
+          <a:lstStyle/>
+          <a:p>
+            <a:fld id="{719D7796-F675-488F-AC46-C88938C80352}" type="slidenum">
+              <a:rPr lang="en-US" smtClean="0"/>
+              <a:t>4</a:t>
+            </a:fld>
+            <a:endParaRPr lang="en-US"/>
+          </a:p>
+        </p:txBody>
+      </p:sp>
+      <p:sp>
+        <p:nvSpPr>
+          <p:cNvPr id="5" name="Footer Placeholder 4">
+            <a:extLst>
+              <a:ext uri="{FF2B5EF4-FFF2-40B4-BE49-F238E27FC236}">
+                <a16:creationId xmlns:a16="http://schemas.microsoft.com/office/drawing/2014/main" id="{4932B6EF-6175-FB9C-D503-54FBACD2C9DE}"/>
+              </a:ext>
+            </a:extLst>
+          </p:cNvPr>
+          <p:cNvSpPr>
+            <a:spLocks noGrp="1"/>
+          </p:cNvSpPr>
+          <p:nvPr>
+            <p:ph type="ftr" sz="quarter" idx="11"/>
+          </p:nvPr>
+        </p:nvSpPr>
+        <p:spPr/>
+        <p:txBody>
+          <a:bodyPr/>
+          <a:lstStyle/>
+          <a:p>
+            <a:r>
+              <a:rPr lang="nl-BE"/>
+              <a:t>Het onderhouden van kamerlanten automatiseren - Eduard Smet</a:t>
+            </a:r>
+            <a:endParaRPr lang="en-US"/>
+          </a:p>
+        </p:txBody>
+      </p:sp>
+      <p:sp>
+        <p:nvSpPr>
+          <p:cNvPr id="6" name="Date Placeholder 5">
+            <a:extLst>
+              <a:ext uri="{FF2B5EF4-FFF2-40B4-BE49-F238E27FC236}">
+                <a16:creationId xmlns:a16="http://schemas.microsoft.com/office/drawing/2014/main" id="{69DCB2FC-1780-C6ED-001F-99A44E69F3BF}"/>
+              </a:ext>
+            </a:extLst>
+          </p:cNvPr>
+          <p:cNvSpPr>
+            <a:spLocks noGrp="1"/>
+          </p:cNvSpPr>
+          <p:nvPr>
+            <p:ph type="dt" sz="half" idx="10"/>
+          </p:nvPr>
+        </p:nvSpPr>
+        <p:spPr/>
+        <p:txBody>
+          <a:bodyPr/>
+          <a:lstStyle/>
+          <a:p>
+            <a:r>
+              <a:rPr lang="en-US"/>
+              <a:t>31/1/2023</a:t>
+            </a:r>
           </a:p>
         </p:txBody>
       </p:sp>
@@ -4794,4 +5570,299 @@
     </a:ext>
   </a:extLst>
 </a:theme>
+</file>
+
+<file path=ppt/theme/theme2.xml><?xml version="1.0" encoding="utf-8"?>
+<a:theme xmlns:a="http://schemas.openxmlformats.org/drawingml/2006/main" name="Office Theme">
+  <a:themeElements>
+    <a:clrScheme name="Office">
+      <a:dk1>
+        <a:sysClr val="windowText" lastClr="000000"/>
+      </a:dk1>
+      <a:lt1>
+        <a:sysClr val="window" lastClr="FFFFFF"/>
+      </a:lt1>
+      <a:dk2>
+        <a:srgbClr val="44546A"/>
+      </a:dk2>
+      <a:lt2>
+        <a:srgbClr val="E7E6E6"/>
+      </a:lt2>
+      <a:accent1>
+        <a:srgbClr val="4472C4"/>
+      </a:accent1>
+      <a:accent2>
+        <a:srgbClr val="ED7D31"/>
+      </a:accent2>
+      <a:accent3>
+        <a:srgbClr val="A5A5A5"/>
+      </a:accent3>
+      <a:accent4>
+        <a:srgbClr val="FFC000"/>
+      </a:accent4>
+      <a:accent5>
+        <a:srgbClr val="5B9BD5"/>
+      </a:accent5>
+      <a:accent6>
+        <a:srgbClr val="70AD47"/>
+      </a:accent6>
+      <a:hlink>
+        <a:srgbClr val="0563C1"/>
+      </a:hlink>
+      <a:folHlink>
+        <a:srgbClr val="954F72"/>
+      </a:folHlink>
+    </a:clrScheme>
+    <a:fontScheme name="Office">
+      <a:majorFont>
+        <a:latin typeface="Calibri Light" panose="020F0302020204030204"/>
+        <a:ea typeface=""/>
+        <a:cs typeface=""/>
+        <a:font script="Jpan" typeface="游ゴシック Light"/>
+        <a:font script="Hang" typeface="맑은 고딕"/>
+        <a:font script="Hans" typeface="等线 Light"/>
+        <a:font script="Hant" typeface="新細明體"/>
+        <a:font script="Arab" typeface="Times New Roman"/>
+        <a:font script="Hebr" typeface="Times New Roman"/>
+        <a:font script="Thai" typeface="Angsana New"/>
+        <a:font script="Ethi" typeface="Nyala"/>
+        <a:font script="Beng" typeface="Vrinda"/>
+        <a:font script="Gujr" typeface="Shruti"/>
+        <a:font script="Khmr" typeface="MoolBoran"/>
+        <a:font script="Knda" typeface="Tunga"/>
+        <a:font script="Guru" typeface="Raavi"/>
+        <a:font script="Cans" typeface="Euphemia"/>
+        <a:font script="Cher" typeface="Plantagenet Cherokee"/>
+        <a:font script="Yiii" typeface="Microsoft Yi Baiti"/>
+        <a:font script="Tibt" typeface="Microsoft Himalaya"/>
+        <a:font script="Thaa" typeface="MV Boli"/>
+        <a:font script="Deva" typeface="Mangal"/>
+        <a:font script="Telu" typeface="Gautami"/>
+        <a:font script="Taml" typeface="Latha"/>
+        <a:font script="Syrc" typeface="Estrangelo Edessa"/>
+        <a:font script="Orya" typeface="Kalinga"/>
+        <a:font script="Mlym" typeface="Kartika"/>
+        <a:font script="Laoo" typeface="DokChampa"/>
+        <a:font script="Sinh" typeface="Iskoola Pota"/>
+        <a:font script="Mong" typeface="Mongolian Baiti"/>
+        <a:font script="Viet" typeface="Times New Roman"/>
+        <a:font script="Uigh" typeface="Microsoft Uighur"/>
+        <a:font script="Geor" typeface="Sylfaen"/>
+        <a:font script="Armn" typeface="Arial"/>
+        <a:font script="Bugi" typeface="Leelawadee UI"/>
+        <a:font script="Bopo" typeface="Microsoft JhengHei"/>
+        <a:font script="Java" typeface="Javanese Text"/>
+        <a:font script="Lisu" typeface="Segoe UI"/>
+        <a:font script="Mymr" typeface="Myanmar Text"/>
+        <a:font script="Nkoo" typeface="Ebrima"/>
+        <a:font script="Olck" typeface="Nirmala UI"/>
+        <a:font script="Osma" typeface="Ebrima"/>
+        <a:font script="Phag" typeface="Phagspa"/>
+        <a:font script="Syrn" typeface="Estrangelo Edessa"/>
+        <a:font script="Syrj" typeface="Estrangelo Edessa"/>
+        <a:font script="Syre" typeface="Estrangelo Edessa"/>
+        <a:font script="Sora" typeface="Nirmala UI"/>
+        <a:font script="Tale" typeface="Microsoft Tai Le"/>
+        <a:font script="Talu" typeface="Microsoft New Tai Lue"/>
+        <a:font script="Tfng" typeface="Ebrima"/>
+      </a:majorFont>
+      <a:minorFont>
+        <a:latin typeface="Calibri" panose="020F0502020204030204"/>
+        <a:ea typeface=""/>
+        <a:cs typeface=""/>
+        <a:font script="Jpan" typeface="游ゴシック"/>
+        <a:font script="Hang" typeface="맑은 고딕"/>
+        <a:font script="Hans" typeface="等线"/>
+        <a:font script="Hant" typeface="新細明體"/>
+        <a:font script="Arab" typeface="Arial"/>
+        <a:font script="Hebr" typeface="Arial"/>
+        <a:font script="Thai" typeface="Cordia New"/>
+        <a:font script="Ethi" typeface="Nyala"/>
+        <a:font script="Beng" typeface="Vrinda"/>
+        <a:font script="Gujr" typeface="Shruti"/>
+        <a:font script="Khmr" typeface="DaunPenh"/>
+        <a:font script="Knda" typeface="Tunga"/>
+        <a:font script="Guru" typeface="Raavi"/>
+        <a:font script="Cans" typeface="Euphemia"/>
+        <a:font script="Cher" typeface="Plantagenet Cherokee"/>
+        <a:font script="Yiii" typeface="Microsoft Yi Baiti"/>
+        <a:font script="Tibt" typeface="Microsoft Himalaya"/>
+        <a:font script="Thaa" typeface="MV Boli"/>
+        <a:font script="Deva" typeface="Mangal"/>
+        <a:font script="Telu" typeface="Gautami"/>
+        <a:font script="Taml" typeface="Latha"/>
+        <a:font script="Syrc" typeface="Estrangelo Edessa"/>
+        <a:font script="Orya" typeface="Kalinga"/>
+        <a:font script="Mlym" typeface="Kartika"/>
+        <a:font script="Laoo" typeface="DokChampa"/>
+        <a:font script="Sinh" typeface="Iskoola Pota"/>
+        <a:font script="Mong" typeface="Mongolian Baiti"/>
+        <a:font script="Viet" typeface="Arial"/>
+        <a:font script="Uigh" typeface="Microsoft Uighur"/>
+        <a:font script="Geor" typeface="Sylfaen"/>
+        <a:font script="Armn" typeface="Arial"/>
+        <a:font script="Bugi" typeface="Leelawadee UI"/>
+        <a:font script="Bopo" typeface="Microsoft JhengHei"/>
+        <a:font script="Java" typeface="Javanese Text"/>
+        <a:font script="Lisu" typeface="Segoe UI"/>
+        <a:font script="Mymr" typeface="Myanmar Text"/>
+        <a:font script="Nkoo" typeface="Ebrima"/>
+        <a:font script="Olck" typeface="Nirmala UI"/>
+        <a:font script="Osma" typeface="Ebrima"/>
+        <a:font script="Phag" typeface="Phagspa"/>
+        <a:font script="Syrn" typeface="Estrangelo Edessa"/>
+        <a:font script="Syrj" typeface="Estrangelo Edessa"/>
+        <a:font script="Syre" typeface="Estrangelo Edessa"/>
+        <a:font script="Sora" typeface="Nirmala UI"/>
+        <a:font script="Tale" typeface="Microsoft Tai Le"/>
+        <a:font script="Talu" typeface="Microsoft New Tai Lue"/>
+        <a:font script="Tfng" typeface="Ebrima"/>
+      </a:minorFont>
+    </a:fontScheme>
+    <a:fmtScheme name="Office">
+      <a:fillStyleLst>
+        <a:solidFill>
+          <a:schemeClr val="phClr"/>
+        </a:solidFill>
+        <a:gradFill rotWithShape="1">
+          <a:gsLst>
+            <a:gs pos="0">
+              <a:schemeClr val="phClr">
+                <a:lumMod val="110000"/>
+                <a:satMod val="105000"/>
+                <a:tint val="67000"/>
+              </a:schemeClr>
+            </a:gs>
+            <a:gs pos="50000">
+              <a:schemeClr val="phClr">
+                <a:lumMod val="105000"/>
+                <a:satMod val="103000"/>
+                <a:tint val="73000"/>
+              </a:schemeClr>
+            </a:gs>
+            <a:gs pos="100000">
+              <a:schemeClr val="phClr">
+                <a:lumMod val="105000"/>
+                <a:satMod val="109000"/>
+                <a:tint val="81000"/>
+              </a:schemeClr>
+            </a:gs>
+          </a:gsLst>
+          <a:lin ang="5400000" scaled="0"/>
+        </a:gradFill>
+        <a:gradFill rotWithShape="1">
+          <a:gsLst>
+            <a:gs pos="0">
+              <a:schemeClr val="phClr">
+                <a:satMod val="103000"/>
+                <a:lumMod val="102000"/>
+                <a:tint val="94000"/>
+              </a:schemeClr>
+            </a:gs>
+            <a:gs pos="50000">
+              <a:schemeClr val="phClr">
+                <a:satMod val="110000"/>
+                <a:lumMod val="100000"/>
+                <a:shade val="100000"/>
+              </a:schemeClr>
+            </a:gs>
+            <a:gs pos="100000">
+              <a:schemeClr val="phClr">
+                <a:lumMod val="99000"/>
+                <a:satMod val="120000"/>
+                <a:shade val="78000"/>
+              </a:schemeClr>
+            </a:gs>
+          </a:gsLst>
+          <a:lin ang="5400000" scaled="0"/>
+        </a:gradFill>
+      </a:fillStyleLst>
+      <a:lnStyleLst>
+        <a:ln w="6350" cap="flat" cmpd="sng" algn="ctr">
+          <a:solidFill>
+            <a:schemeClr val="phClr"/>
+          </a:solidFill>
+          <a:prstDash val="solid"/>
+          <a:miter lim="800000"/>
+        </a:ln>
+        <a:ln w="12700" cap="flat" cmpd="sng" algn="ctr">
+          <a:solidFill>
+            <a:schemeClr val="phClr"/>
+          </a:solidFill>
+          <a:prstDash val="solid"/>
+          <a:miter lim="800000"/>
+        </a:ln>
+        <a:ln w="19050" cap="flat" cmpd="sng" algn="ctr">
+          <a:solidFill>
+            <a:schemeClr val="phClr"/>
+          </a:solidFill>
+          <a:prstDash val="solid"/>
+          <a:miter lim="800000"/>
+        </a:ln>
+      </a:lnStyleLst>
+      <a:effectStyleLst>
+        <a:effectStyle>
+          <a:effectLst/>
+        </a:effectStyle>
+        <a:effectStyle>
+          <a:effectLst/>
+        </a:effectStyle>
+        <a:effectStyle>
+          <a:effectLst>
+            <a:outerShdw blurRad="57150" dist="19050" dir="5400000" algn="ctr" rotWithShape="0">
+              <a:srgbClr val="000000">
+                <a:alpha val="63000"/>
+              </a:srgbClr>
+            </a:outerShdw>
+          </a:effectLst>
+        </a:effectStyle>
+      </a:effectStyleLst>
+      <a:bgFillStyleLst>
+        <a:solidFill>
+          <a:schemeClr val="phClr"/>
+        </a:solidFill>
+        <a:solidFill>
+          <a:schemeClr val="phClr">
+            <a:tint val="95000"/>
+            <a:satMod val="170000"/>
+          </a:schemeClr>
+        </a:solidFill>
+        <a:gradFill rotWithShape="1">
+          <a:gsLst>
+            <a:gs pos="0">
+              <a:schemeClr val="phClr">
+                <a:tint val="93000"/>
+                <a:satMod val="150000"/>
+                <a:shade val="98000"/>
+                <a:lumMod val="102000"/>
+              </a:schemeClr>
+            </a:gs>
+            <a:gs pos="50000">
+              <a:schemeClr val="phClr">
+                <a:tint val="98000"/>
+                <a:satMod val="130000"/>
+                <a:shade val="90000"/>
+                <a:lumMod val="103000"/>
+              </a:schemeClr>
+            </a:gs>
+            <a:gs pos="100000">
+              <a:schemeClr val="phClr">
+                <a:shade val="63000"/>
+                <a:satMod val="120000"/>
+              </a:schemeClr>
+            </a:gs>
+          </a:gsLst>
+          <a:lin ang="5400000" scaled="0"/>
+        </a:gradFill>
+      </a:bgFillStyleLst>
+    </a:fmtScheme>
+  </a:themeElements>
+  <a:objectDefaults/>
+  <a:extraClrSchemeLst/>
+  <a:extLst>
+    <a:ext uri="{05A4C25C-085E-4340-85A3-A5531E510DB2}">
+      <thm15:themeFamily xmlns:thm15="http://schemas.microsoft.com/office/thememl/2012/main" name="Office Theme 2013 - 2022" id="{62F939B6-93AF-4DB8-9C6B-D6C7DFDC589F}" vid="{4A3C46E8-61CC-4603-A589-7422A47A8E4A}"/>
+    </a:ext>
+  </a:extLst>
+</a:theme>
 </file>
--- a/Het onderhouden van kamerplanten automatiseren.pptx
+++ b/Het onderhouden van kamerplanten automatiseren.pptx
@@ -5,13 +5,31 @@
     <p:sldMasterId id="2147483697" r:id="rId1"/>
   </p:sldMasterIdLst>
   <p:notesMasterIdLst>
-    <p:notesMasterId r:id="rId6"/>
+    <p:notesMasterId r:id="rId24"/>
   </p:notesMasterIdLst>
   <p:sldIdLst>
     <p:sldId id="256" r:id="rId2"/>
     <p:sldId id="257" r:id="rId3"/>
-    <p:sldId id="258" r:id="rId4"/>
-    <p:sldId id="259" r:id="rId5"/>
+    <p:sldId id="260" r:id="rId4"/>
+    <p:sldId id="265" r:id="rId5"/>
+    <p:sldId id="270" r:id="rId6"/>
+    <p:sldId id="269" r:id="rId7"/>
+    <p:sldId id="279" r:id="rId8"/>
+    <p:sldId id="271" r:id="rId9"/>
+    <p:sldId id="274" r:id="rId10"/>
+    <p:sldId id="275" r:id="rId11"/>
+    <p:sldId id="276" r:id="rId12"/>
+    <p:sldId id="277" r:id="rId13"/>
+    <p:sldId id="273" r:id="rId14"/>
+    <p:sldId id="278" r:id="rId15"/>
+    <p:sldId id="280" r:id="rId16"/>
+    <p:sldId id="281" r:id="rId17"/>
+    <p:sldId id="283" r:id="rId18"/>
+    <p:sldId id="282" r:id="rId19"/>
+    <p:sldId id="272" r:id="rId20"/>
+    <p:sldId id="268" r:id="rId21"/>
+    <p:sldId id="284" r:id="rId22"/>
+    <p:sldId id="267" r:id="rId23"/>
   </p:sldIdLst>
   <p:sldSz cx="12192000" cy="6858000"/>
   <p:notesSz cx="6858000" cy="9144000"/>
@@ -118,14 +136,6 @@
 </p:presentation>
 </file>
 
-<file path=ppt/revisionInfo.xml><?xml version="1.0" encoding="utf-8"?>
-<p1510:revInfo xmlns:a="http://schemas.openxmlformats.org/drawingml/2006/main" xmlns:r="http://schemas.openxmlformats.org/officeDocument/2006/relationships" xmlns:p1510="http://schemas.microsoft.com/office/powerpoint/2015/10/main">
-  <p1510:revLst>
-    <p1510:client id="{CAFBDC5C-5816-42CF-99C5-5B3638C2C622}" v="4" dt="2023-01-20T10:08:44.555"/>
-  </p1510:revLst>
-</p1510:revInfo>
-</file>
-
 <file path=ppt/changesInfos/changesInfo1.xml><?xml version="1.0" encoding="utf-8"?>
 <pc:chgInfo xmlns:a="http://schemas.openxmlformats.org/drawingml/2006/main" xmlns:r="http://schemas.openxmlformats.org/officeDocument/2006/relationships" xmlns:ac="http://schemas.microsoft.com/office/drawing/2013/main/command" xmlns:pc="http://schemas.microsoft.com/office/powerpoint/2013/main/command">
   <pc:docChgLst>
@@ -150,6 +160,1146 @@
           </ac:spMkLst>
         </pc:spChg>
       </pc:sldChg>
+    </pc:docChg>
+  </pc:docChgLst>
+  <pc:docChgLst>
+    <pc:chgData name="Eduard Smet" userId="2cd40547562b932f" providerId="LiveId" clId="{7B093AE7-3C45-42E5-B08F-9A0186070438}"/>
+    <pc:docChg chg="undo redo custSel addSld delSld modSld sldOrd modMainMaster">
+      <pc:chgData name="Eduard Smet" userId="2cd40547562b932f" providerId="LiveId" clId="{7B093AE7-3C45-42E5-B08F-9A0186070438}" dt="2023-01-23T02:27:43.581" v="3555" actId="20577"/>
+      <pc:docMkLst>
+        <pc:docMk/>
+      </pc:docMkLst>
+      <pc:sldChg chg="addSp delSp modSp mod modTransition modAnim delDesignElem">
+        <pc:chgData name="Eduard Smet" userId="2cd40547562b932f" providerId="LiveId" clId="{7B093AE7-3C45-42E5-B08F-9A0186070438}" dt="2023-01-23T00:47:00.855" v="888"/>
+        <pc:sldMkLst>
+          <pc:docMk/>
+          <pc:sldMk cId="3373251647" sldId="256"/>
+        </pc:sldMkLst>
+        <pc:spChg chg="mod">
+          <ac:chgData name="Eduard Smet" userId="2cd40547562b932f" providerId="LiveId" clId="{7B093AE7-3C45-42E5-B08F-9A0186070438}" dt="2023-01-22T20:57:20.829" v="23" actId="14100"/>
+          <ac:spMkLst>
+            <pc:docMk/>
+            <pc:sldMk cId="3373251647" sldId="256"/>
+            <ac:spMk id="2" creationId="{F836A839-88E5-EB52-832D-80C245369495}"/>
+          </ac:spMkLst>
+        </pc:spChg>
+        <pc:spChg chg="mod">
+          <ac:chgData name="Eduard Smet" userId="2cd40547562b932f" providerId="LiveId" clId="{7B093AE7-3C45-42E5-B08F-9A0186070438}" dt="2023-01-23T00:38:33.227" v="803" actId="20577"/>
+          <ac:spMkLst>
+            <pc:docMk/>
+            <pc:sldMk cId="3373251647" sldId="256"/>
+            <ac:spMk id="3" creationId="{965C97E4-8D24-D89D-03BE-7973594CAE09}"/>
+          </ac:spMkLst>
+        </pc:spChg>
+        <pc:spChg chg="mod">
+          <ac:chgData name="Eduard Smet" userId="2cd40547562b932f" providerId="LiveId" clId="{7B093AE7-3C45-42E5-B08F-9A0186070438}" dt="2023-01-22T20:57:22.605" v="25"/>
+          <ac:spMkLst>
+            <pc:docMk/>
+            <pc:sldMk cId="3373251647" sldId="256"/>
+            <ac:spMk id="4" creationId="{6C9D2E33-ABCE-BD74-E000-25F5B55CED84}"/>
+          </ac:spMkLst>
+        </pc:spChg>
+        <pc:spChg chg="mod">
+          <ac:chgData name="Eduard Smet" userId="2cd40547562b932f" providerId="LiveId" clId="{7B093AE7-3C45-42E5-B08F-9A0186070438}" dt="2023-01-23T00:45:36.141" v="877"/>
+          <ac:spMkLst>
+            <pc:docMk/>
+            <pc:sldMk cId="3373251647" sldId="256"/>
+            <ac:spMk id="5" creationId="{A2749BD8-7E4B-291B-D39C-A459602B6B61}"/>
+          </ac:spMkLst>
+        </pc:spChg>
+        <pc:spChg chg="mod">
+          <ac:chgData name="Eduard Smet" userId="2cd40547562b932f" providerId="LiveId" clId="{7B093AE7-3C45-42E5-B08F-9A0186070438}" dt="2023-01-22T20:57:22.605" v="25"/>
+          <ac:spMkLst>
+            <pc:docMk/>
+            <pc:sldMk cId="3373251647" sldId="256"/>
+            <ac:spMk id="6" creationId="{1BF2197F-1E17-0321-7C0E-A902EC986DA7}"/>
+          </ac:spMkLst>
+        </pc:spChg>
+        <pc:spChg chg="add del">
+          <ac:chgData name="Eduard Smet" userId="2cd40547562b932f" providerId="LiveId" clId="{7B093AE7-3C45-42E5-B08F-9A0186070438}" dt="2023-01-22T20:57:22.605" v="25"/>
+          <ac:spMkLst>
+            <pc:docMk/>
+            <pc:sldMk cId="3373251647" sldId="256"/>
+            <ac:spMk id="22" creationId="{8B8AF2F4-988C-C791-C43F-485C414961D8}"/>
+          </ac:spMkLst>
+        </pc:spChg>
+        <pc:spChg chg="add del">
+          <ac:chgData name="Eduard Smet" userId="2cd40547562b932f" providerId="LiveId" clId="{7B093AE7-3C45-42E5-B08F-9A0186070438}" dt="2023-01-22T20:57:22.605" v="25"/>
+          <ac:spMkLst>
+            <pc:docMk/>
+            <pc:sldMk cId="3373251647" sldId="256"/>
+            <ac:spMk id="24" creationId="{792209DF-5D11-6D72-1984-4887D51000F4}"/>
+          </ac:spMkLst>
+        </pc:spChg>
+        <pc:picChg chg="add mod">
+          <ac:chgData name="Eduard Smet" userId="2cd40547562b932f" providerId="LiveId" clId="{7B093AE7-3C45-42E5-B08F-9A0186070438}" dt="2023-01-22T21:23:20.010" v="33" actId="1076"/>
+          <ac:picMkLst>
+            <pc:docMk/>
+            <pc:sldMk cId="3373251647" sldId="256"/>
+            <ac:picMk id="8" creationId="{FC169488-EC73-9F80-2A07-E8275833B836}"/>
+          </ac:picMkLst>
+        </pc:picChg>
+        <pc:picChg chg="add del">
+          <ac:chgData name="Eduard Smet" userId="2cd40547562b932f" providerId="LiveId" clId="{7B093AE7-3C45-42E5-B08F-9A0186070438}" dt="2023-01-22T20:57:21.832" v="24" actId="478"/>
+          <ac:picMkLst>
+            <pc:docMk/>
+            <pc:sldMk cId="3373251647" sldId="256"/>
+            <ac:picMk id="16" creationId="{11D7C278-32FC-66B6-4800-5BBD4C218889}"/>
+          </ac:picMkLst>
+        </pc:picChg>
+        <pc:cxnChg chg="add del">
+          <ac:chgData name="Eduard Smet" userId="2cd40547562b932f" providerId="LiveId" clId="{7B093AE7-3C45-42E5-B08F-9A0186070438}" dt="2023-01-22T20:57:22.605" v="25"/>
+          <ac:cxnSpMkLst>
+            <pc:docMk/>
+            <pc:sldMk cId="3373251647" sldId="256"/>
+            <ac:cxnSpMk id="26" creationId="{1163B6C4-0500-4B1A-9149-4A6C7EDAF15F}"/>
+          </ac:cxnSpMkLst>
+        </pc:cxnChg>
+      </pc:sldChg>
+      <pc:sldChg chg="modSp mod modTransition">
+        <pc:chgData name="Eduard Smet" userId="2cd40547562b932f" providerId="LiveId" clId="{7B093AE7-3C45-42E5-B08F-9A0186070438}" dt="2023-01-23T01:39:16.933" v="1313" actId="20577"/>
+        <pc:sldMkLst>
+          <pc:docMk/>
+          <pc:sldMk cId="2308610929" sldId="257"/>
+        </pc:sldMkLst>
+        <pc:spChg chg="mod">
+          <ac:chgData name="Eduard Smet" userId="2cd40547562b932f" providerId="LiveId" clId="{7B093AE7-3C45-42E5-B08F-9A0186070438}" dt="2023-01-23T00:45:52.533" v="878" actId="790"/>
+          <ac:spMkLst>
+            <pc:docMk/>
+            <pc:sldMk cId="2308610929" sldId="257"/>
+            <ac:spMk id="2" creationId="{5A7265BD-9D76-B2B4-E1E4-0AA01C3A3E1F}"/>
+          </ac:spMkLst>
+        </pc:spChg>
+        <pc:spChg chg="mod">
+          <ac:chgData name="Eduard Smet" userId="2cd40547562b932f" providerId="LiveId" clId="{7B093AE7-3C45-42E5-B08F-9A0186070438}" dt="2023-01-23T01:39:16.933" v="1313" actId="20577"/>
+          <ac:spMkLst>
+            <pc:docMk/>
+            <pc:sldMk cId="2308610929" sldId="257"/>
+            <ac:spMk id="3" creationId="{6E25F141-97FE-D4F8-A34E-A4989E36CF8A}"/>
+          </ac:spMkLst>
+        </pc:spChg>
+        <pc:spChg chg="mod">
+          <ac:chgData name="Eduard Smet" userId="2cd40547562b932f" providerId="LiveId" clId="{7B093AE7-3C45-42E5-B08F-9A0186070438}" dt="2023-01-22T20:57:22.605" v="25"/>
+          <ac:spMkLst>
+            <pc:docMk/>
+            <pc:sldMk cId="2308610929" sldId="257"/>
+            <ac:spMk id="4" creationId="{BE21E36D-9ADE-B65E-255D-F7D686638201}"/>
+          </ac:spMkLst>
+        </pc:spChg>
+        <pc:spChg chg="mod">
+          <ac:chgData name="Eduard Smet" userId="2cd40547562b932f" providerId="LiveId" clId="{7B093AE7-3C45-42E5-B08F-9A0186070438}" dt="2023-01-23T00:45:36.141" v="877"/>
+          <ac:spMkLst>
+            <pc:docMk/>
+            <pc:sldMk cId="2308610929" sldId="257"/>
+            <ac:spMk id="5" creationId="{32D3AD75-5125-42F4-8C56-256B3E44A858}"/>
+          </ac:spMkLst>
+        </pc:spChg>
+        <pc:spChg chg="mod">
+          <ac:chgData name="Eduard Smet" userId="2cd40547562b932f" providerId="LiveId" clId="{7B093AE7-3C45-42E5-B08F-9A0186070438}" dt="2023-01-22T20:57:22.605" v="25"/>
+          <ac:spMkLst>
+            <pc:docMk/>
+            <pc:sldMk cId="2308610929" sldId="257"/>
+            <ac:spMk id="6" creationId="{92A0768E-42FB-CF56-882C-72EF5CAB8F44}"/>
+          </ac:spMkLst>
+        </pc:spChg>
+      </pc:sldChg>
+      <pc:sldChg chg="modSp del mod">
+        <pc:chgData name="Eduard Smet" userId="2cd40547562b932f" providerId="LiveId" clId="{7B093AE7-3C45-42E5-B08F-9A0186070438}" dt="2023-01-22T21:23:38.777" v="36" actId="2696"/>
+        <pc:sldMkLst>
+          <pc:docMk/>
+          <pc:sldMk cId="3517074873" sldId="258"/>
+        </pc:sldMkLst>
+        <pc:spChg chg="mod">
+          <ac:chgData name="Eduard Smet" userId="2cd40547562b932f" providerId="LiveId" clId="{7B093AE7-3C45-42E5-B08F-9A0186070438}" dt="2023-01-22T20:57:22.605" v="25"/>
+          <ac:spMkLst>
+            <pc:docMk/>
+            <pc:sldMk cId="3517074873" sldId="258"/>
+            <ac:spMk id="2" creationId="{5A7265BD-9D76-B2B4-E1E4-0AA01C3A3E1F}"/>
+          </ac:spMkLst>
+        </pc:spChg>
+        <pc:spChg chg="mod">
+          <ac:chgData name="Eduard Smet" userId="2cd40547562b932f" providerId="LiveId" clId="{7B093AE7-3C45-42E5-B08F-9A0186070438}" dt="2023-01-22T21:23:36.639" v="35" actId="21"/>
+          <ac:spMkLst>
+            <pc:docMk/>
+            <pc:sldMk cId="3517074873" sldId="258"/>
+            <ac:spMk id="3" creationId="{6E25F141-97FE-D4F8-A34E-A4989E36CF8A}"/>
+          </ac:spMkLst>
+        </pc:spChg>
+        <pc:spChg chg="mod">
+          <ac:chgData name="Eduard Smet" userId="2cd40547562b932f" providerId="LiveId" clId="{7B093AE7-3C45-42E5-B08F-9A0186070438}" dt="2023-01-22T20:57:22.605" v="25"/>
+          <ac:spMkLst>
+            <pc:docMk/>
+            <pc:sldMk cId="3517074873" sldId="258"/>
+            <ac:spMk id="4" creationId="{0006B4CE-1968-D335-9199-0C324229184F}"/>
+          </ac:spMkLst>
+        </pc:spChg>
+        <pc:spChg chg="mod">
+          <ac:chgData name="Eduard Smet" userId="2cd40547562b932f" providerId="LiveId" clId="{7B093AE7-3C45-42E5-B08F-9A0186070438}" dt="2023-01-22T20:57:22.605" v="25"/>
+          <ac:spMkLst>
+            <pc:docMk/>
+            <pc:sldMk cId="3517074873" sldId="258"/>
+            <ac:spMk id="5" creationId="{FA65188A-982F-4AC1-2A07-31B2D75225C8}"/>
+          </ac:spMkLst>
+        </pc:spChg>
+        <pc:spChg chg="mod">
+          <ac:chgData name="Eduard Smet" userId="2cd40547562b932f" providerId="LiveId" clId="{7B093AE7-3C45-42E5-B08F-9A0186070438}" dt="2023-01-22T20:57:22.605" v="25"/>
+          <ac:spMkLst>
+            <pc:docMk/>
+            <pc:sldMk cId="3517074873" sldId="258"/>
+            <ac:spMk id="6" creationId="{7B477585-CE1F-2EA6-A6A8-9BBEBDF9B964}"/>
+          </ac:spMkLst>
+        </pc:spChg>
+      </pc:sldChg>
+      <pc:sldChg chg="modSp del mod modTransition">
+        <pc:chgData name="Eduard Smet" userId="2cd40547562b932f" providerId="LiveId" clId="{7B093AE7-3C45-42E5-B08F-9A0186070438}" dt="2023-01-23T01:13:39.080" v="980" actId="2696"/>
+        <pc:sldMkLst>
+          <pc:docMk/>
+          <pc:sldMk cId="2934695177" sldId="259"/>
+        </pc:sldMkLst>
+        <pc:spChg chg="mod">
+          <ac:chgData name="Eduard Smet" userId="2cd40547562b932f" providerId="LiveId" clId="{7B093AE7-3C45-42E5-B08F-9A0186070438}" dt="2023-01-23T00:46:03.526" v="880" actId="790"/>
+          <ac:spMkLst>
+            <pc:docMk/>
+            <pc:sldMk cId="2934695177" sldId="259"/>
+            <ac:spMk id="2" creationId="{37DB6E5D-F63B-5AD9-5625-F48A199B88F0}"/>
+          </ac:spMkLst>
+        </pc:spChg>
+        <pc:spChg chg="mod">
+          <ac:chgData name="Eduard Smet" userId="2cd40547562b932f" providerId="LiveId" clId="{7B093AE7-3C45-42E5-B08F-9A0186070438}" dt="2023-01-23T00:45:07.652" v="874" actId="790"/>
+          <ac:spMkLst>
+            <pc:docMk/>
+            <pc:sldMk cId="2934695177" sldId="259"/>
+            <ac:spMk id="3" creationId="{C622AD41-31E2-F167-8562-15A4DD1701A8}"/>
+          </ac:spMkLst>
+        </pc:spChg>
+        <pc:spChg chg="mod">
+          <ac:chgData name="Eduard Smet" userId="2cd40547562b932f" providerId="LiveId" clId="{7B093AE7-3C45-42E5-B08F-9A0186070438}" dt="2023-01-22T20:57:22.605" v="25"/>
+          <ac:spMkLst>
+            <pc:docMk/>
+            <pc:sldMk cId="2934695177" sldId="259"/>
+            <ac:spMk id="4" creationId="{969F26B4-5F4F-79B2-7552-CEEFE301EA8A}"/>
+          </ac:spMkLst>
+        </pc:spChg>
+        <pc:spChg chg="mod">
+          <ac:chgData name="Eduard Smet" userId="2cd40547562b932f" providerId="LiveId" clId="{7B093AE7-3C45-42E5-B08F-9A0186070438}" dt="2023-01-23T00:45:36.141" v="877"/>
+          <ac:spMkLst>
+            <pc:docMk/>
+            <pc:sldMk cId="2934695177" sldId="259"/>
+            <ac:spMk id="5" creationId="{4932B6EF-6175-FB9C-D503-54FBACD2C9DE}"/>
+          </ac:spMkLst>
+        </pc:spChg>
+        <pc:spChg chg="mod">
+          <ac:chgData name="Eduard Smet" userId="2cd40547562b932f" providerId="LiveId" clId="{7B093AE7-3C45-42E5-B08F-9A0186070438}" dt="2023-01-22T20:57:22.605" v="25"/>
+          <ac:spMkLst>
+            <pc:docMk/>
+            <pc:sldMk cId="2934695177" sldId="259"/>
+            <ac:spMk id="6" creationId="{69DCB2FC-1780-C6ED-001F-99A44E69F3BF}"/>
+          </ac:spMkLst>
+        </pc:spChg>
+      </pc:sldChg>
+      <pc:sldChg chg="modSp add mod modTransition">
+        <pc:chgData name="Eduard Smet" userId="2cd40547562b932f" providerId="LiveId" clId="{7B093AE7-3C45-42E5-B08F-9A0186070438}" dt="2023-01-23T00:46:51.029" v="884"/>
+        <pc:sldMkLst>
+          <pc:docMk/>
+          <pc:sldMk cId="528228046" sldId="260"/>
+        </pc:sldMkLst>
+        <pc:spChg chg="mod">
+          <ac:chgData name="Eduard Smet" userId="2cd40547562b932f" providerId="LiveId" clId="{7B093AE7-3C45-42E5-B08F-9A0186070438}" dt="2023-01-23T00:45:59.012" v="879" actId="790"/>
+          <ac:spMkLst>
+            <pc:docMk/>
+            <pc:sldMk cId="528228046" sldId="260"/>
+            <ac:spMk id="2" creationId="{5A7265BD-9D76-B2B4-E1E4-0AA01C3A3E1F}"/>
+          </ac:spMkLst>
+        </pc:spChg>
+        <pc:spChg chg="mod">
+          <ac:chgData name="Eduard Smet" userId="2cd40547562b932f" providerId="LiveId" clId="{7B093AE7-3C45-42E5-B08F-9A0186070438}" dt="2023-01-23T00:44:56.807" v="872" actId="790"/>
+          <ac:spMkLst>
+            <pc:docMk/>
+            <pc:sldMk cId="528228046" sldId="260"/>
+            <ac:spMk id="3" creationId="{6E25F141-97FE-D4F8-A34E-A4989E36CF8A}"/>
+          </ac:spMkLst>
+        </pc:spChg>
+        <pc:spChg chg="mod">
+          <ac:chgData name="Eduard Smet" userId="2cd40547562b932f" providerId="LiveId" clId="{7B093AE7-3C45-42E5-B08F-9A0186070438}" dt="2023-01-23T00:45:36.141" v="877"/>
+          <ac:spMkLst>
+            <pc:docMk/>
+            <pc:sldMk cId="528228046" sldId="260"/>
+            <ac:spMk id="5" creationId="{32D3AD75-5125-42F4-8C56-256B3E44A858}"/>
+          </ac:spMkLst>
+        </pc:spChg>
+      </pc:sldChg>
+      <pc:sldChg chg="modSp new del mod modTransition">
+        <pc:chgData name="Eduard Smet" userId="2cd40547562b932f" providerId="LiveId" clId="{7B093AE7-3C45-42E5-B08F-9A0186070438}" dt="2023-01-23T01:13:58.439" v="983" actId="2696"/>
+        <pc:sldMkLst>
+          <pc:docMk/>
+          <pc:sldMk cId="1181184047" sldId="261"/>
+        </pc:sldMkLst>
+        <pc:spChg chg="mod">
+          <ac:chgData name="Eduard Smet" userId="2cd40547562b932f" providerId="LiveId" clId="{7B093AE7-3C45-42E5-B08F-9A0186070438}" dt="2023-01-23T00:46:08.111" v="881" actId="790"/>
+          <ac:spMkLst>
+            <pc:docMk/>
+            <pc:sldMk cId="1181184047" sldId="261"/>
+            <ac:spMk id="2" creationId="{1F6BE707-1325-CBE3-93BD-AA75025D34A0}"/>
+          </ac:spMkLst>
+        </pc:spChg>
+        <pc:spChg chg="mod">
+          <ac:chgData name="Eduard Smet" userId="2cd40547562b932f" providerId="LiveId" clId="{7B093AE7-3C45-42E5-B08F-9A0186070438}" dt="2023-01-23T00:45:16.311" v="875" actId="790"/>
+          <ac:spMkLst>
+            <pc:docMk/>
+            <pc:sldMk cId="1181184047" sldId="261"/>
+            <ac:spMk id="3" creationId="{E1FD7905-3987-573A-AE33-14114C847230}"/>
+          </ac:spMkLst>
+        </pc:spChg>
+        <pc:spChg chg="mod">
+          <ac:chgData name="Eduard Smet" userId="2cd40547562b932f" providerId="LiveId" clId="{7B093AE7-3C45-42E5-B08F-9A0186070438}" dt="2023-01-23T00:45:36.141" v="877"/>
+          <ac:spMkLst>
+            <pc:docMk/>
+            <pc:sldMk cId="1181184047" sldId="261"/>
+            <ac:spMk id="5" creationId="{2A5BF83D-988B-8B85-3700-3D2FDE8930B7}"/>
+          </ac:spMkLst>
+        </pc:spChg>
+      </pc:sldChg>
+      <pc:sldChg chg="modSp new add del mod modTransition">
+        <pc:chgData name="Eduard Smet" userId="2cd40547562b932f" providerId="LiveId" clId="{7B093AE7-3C45-42E5-B08F-9A0186070438}" dt="2023-01-23T01:14:31.767" v="988" actId="2696"/>
+        <pc:sldMkLst>
+          <pc:docMk/>
+          <pc:sldMk cId="1667986723" sldId="262"/>
+        </pc:sldMkLst>
+        <pc:spChg chg="mod">
+          <ac:chgData name="Eduard Smet" userId="2cd40547562b932f" providerId="LiveId" clId="{7B093AE7-3C45-42E5-B08F-9A0186070438}" dt="2023-01-23T00:46:19.076" v="882" actId="790"/>
+          <ac:spMkLst>
+            <pc:docMk/>
+            <pc:sldMk cId="1667986723" sldId="262"/>
+            <ac:spMk id="2" creationId="{124AD77B-8F9D-E5A9-54BA-D38F0F455489}"/>
+          </ac:spMkLst>
+        </pc:spChg>
+        <pc:spChg chg="mod">
+          <ac:chgData name="Eduard Smet" userId="2cd40547562b932f" providerId="LiveId" clId="{7B093AE7-3C45-42E5-B08F-9A0186070438}" dt="2023-01-23T00:45:21.779" v="876" actId="790"/>
+          <ac:spMkLst>
+            <pc:docMk/>
+            <pc:sldMk cId="1667986723" sldId="262"/>
+            <ac:spMk id="3" creationId="{C5E8A438-B1C4-E6B2-F8C1-18E7DD76FB2A}"/>
+          </ac:spMkLst>
+        </pc:spChg>
+        <pc:spChg chg="mod">
+          <ac:chgData name="Eduard Smet" userId="2cd40547562b932f" providerId="LiveId" clId="{7B093AE7-3C45-42E5-B08F-9A0186070438}" dt="2023-01-23T00:45:36.141" v="877"/>
+          <ac:spMkLst>
+            <pc:docMk/>
+            <pc:sldMk cId="1667986723" sldId="262"/>
+            <ac:spMk id="5" creationId="{F2BD13E6-6355-DAF9-EA5E-565B4469D33C}"/>
+          </ac:spMkLst>
+        </pc:spChg>
+      </pc:sldChg>
+      <pc:sldChg chg="modSp new del mod">
+        <pc:chgData name="Eduard Smet" userId="2cd40547562b932f" providerId="LiveId" clId="{7B093AE7-3C45-42E5-B08F-9A0186070438}" dt="2023-01-23T01:14:57.378" v="991" actId="2696"/>
+        <pc:sldMkLst>
+          <pc:docMk/>
+          <pc:sldMk cId="1432431822" sldId="263"/>
+        </pc:sldMkLst>
+        <pc:spChg chg="mod">
+          <ac:chgData name="Eduard Smet" userId="2cd40547562b932f" providerId="LiveId" clId="{7B093AE7-3C45-42E5-B08F-9A0186070438}" dt="2023-01-23T01:10:47.711" v="926" actId="20577"/>
+          <ac:spMkLst>
+            <pc:docMk/>
+            <pc:sldMk cId="1432431822" sldId="263"/>
+            <ac:spMk id="2" creationId="{9503278F-A6AA-E11D-70DC-7ED6767D7CC9}"/>
+          </ac:spMkLst>
+        </pc:spChg>
+        <pc:spChg chg="mod">
+          <ac:chgData name="Eduard Smet" userId="2cd40547562b932f" providerId="LiveId" clId="{7B093AE7-3C45-42E5-B08F-9A0186070438}" dt="2023-01-23T01:12:27.872" v="967" actId="20577"/>
+          <ac:spMkLst>
+            <pc:docMk/>
+            <pc:sldMk cId="1432431822" sldId="263"/>
+            <ac:spMk id="3" creationId="{FA2F65E9-6FCA-FDD8-6A15-34633D6EAB03}"/>
+          </ac:spMkLst>
+        </pc:spChg>
+      </pc:sldChg>
+      <pc:sldChg chg="modSp new del mod">
+        <pc:chgData name="Eduard Smet" userId="2cd40547562b932f" providerId="LiveId" clId="{7B093AE7-3C45-42E5-B08F-9A0186070438}" dt="2023-01-23T01:15:16.113" v="994" actId="2696"/>
+        <pc:sldMkLst>
+          <pc:docMk/>
+          <pc:sldMk cId="2055498090" sldId="264"/>
+        </pc:sldMkLst>
+        <pc:spChg chg="mod">
+          <ac:chgData name="Eduard Smet" userId="2cd40547562b932f" providerId="LiveId" clId="{7B093AE7-3C45-42E5-B08F-9A0186070438}" dt="2023-01-23T01:11:03.181" v="949" actId="20577"/>
+          <ac:spMkLst>
+            <pc:docMk/>
+            <pc:sldMk cId="2055498090" sldId="264"/>
+            <ac:spMk id="2" creationId="{F504AFDF-FD35-C1FB-5ABC-4E9904261BC6}"/>
+          </ac:spMkLst>
+        </pc:spChg>
+      </pc:sldChg>
+      <pc:sldChg chg="new del">
+        <pc:chgData name="Eduard Smet" userId="2cd40547562b932f" providerId="LiveId" clId="{7B093AE7-3C45-42E5-B08F-9A0186070438}" dt="2023-01-23T01:12:56.903" v="969" actId="2696"/>
+        <pc:sldMkLst>
+          <pc:docMk/>
+          <pc:sldMk cId="611935485" sldId="265"/>
+        </pc:sldMkLst>
+      </pc:sldChg>
+      <pc:sldChg chg="modSp add mod">
+        <pc:chgData name="Eduard Smet" userId="2cd40547562b932f" providerId="LiveId" clId="{7B093AE7-3C45-42E5-B08F-9A0186070438}" dt="2023-01-23T01:53:58.210" v="1684" actId="20577"/>
+        <pc:sldMkLst>
+          <pc:docMk/>
+          <pc:sldMk cId="2085698948" sldId="265"/>
+        </pc:sldMkLst>
+        <pc:spChg chg="mod">
+          <ac:chgData name="Eduard Smet" userId="2cd40547562b932f" providerId="LiveId" clId="{7B093AE7-3C45-42E5-B08F-9A0186070438}" dt="2023-01-23T01:13:18.920" v="975"/>
+          <ac:spMkLst>
+            <pc:docMk/>
+            <pc:sldMk cId="2085698948" sldId="265"/>
+            <ac:spMk id="2" creationId="{5A7265BD-9D76-B2B4-E1E4-0AA01C3A3E1F}"/>
+          </ac:spMkLst>
+        </pc:spChg>
+        <pc:spChg chg="mod">
+          <ac:chgData name="Eduard Smet" userId="2cd40547562b932f" providerId="LiveId" clId="{7B093AE7-3C45-42E5-B08F-9A0186070438}" dt="2023-01-23T01:53:58.210" v="1684" actId="20577"/>
+          <ac:spMkLst>
+            <pc:docMk/>
+            <pc:sldMk cId="2085698948" sldId="265"/>
+            <ac:spMk id="3" creationId="{6E25F141-97FE-D4F8-A34E-A4989E36CF8A}"/>
+          </ac:spMkLst>
+        </pc:spChg>
+      </pc:sldChg>
+      <pc:sldChg chg="add del">
+        <pc:chgData name="Eduard Smet" userId="2cd40547562b932f" providerId="LiveId" clId="{7B093AE7-3C45-42E5-B08F-9A0186070438}" dt="2023-01-23T01:13:32.037" v="978" actId="2696"/>
+        <pc:sldMkLst>
+          <pc:docMk/>
+          <pc:sldMk cId="1374507901" sldId="266"/>
+        </pc:sldMkLst>
+      </pc:sldChg>
+      <pc:sldChg chg="modSp add mod">
+        <pc:chgData name="Eduard Smet" userId="2cd40547562b932f" providerId="LiveId" clId="{7B093AE7-3C45-42E5-B08F-9A0186070438}" dt="2023-01-23T02:27:43.581" v="3555" actId="20577"/>
+        <pc:sldMkLst>
+          <pc:docMk/>
+          <pc:sldMk cId="3371319163" sldId="267"/>
+        </pc:sldMkLst>
+        <pc:spChg chg="mod">
+          <ac:chgData name="Eduard Smet" userId="2cd40547562b932f" providerId="LiveId" clId="{7B093AE7-3C45-42E5-B08F-9A0186070438}" dt="2023-01-23T01:16:51.238" v="1029" actId="20577"/>
+          <ac:spMkLst>
+            <pc:docMk/>
+            <pc:sldMk cId="3371319163" sldId="267"/>
+            <ac:spMk id="2" creationId="{5A7265BD-9D76-B2B4-E1E4-0AA01C3A3E1F}"/>
+          </ac:spMkLst>
+        </pc:spChg>
+        <pc:spChg chg="mod">
+          <ac:chgData name="Eduard Smet" userId="2cd40547562b932f" providerId="LiveId" clId="{7B093AE7-3C45-42E5-B08F-9A0186070438}" dt="2023-01-23T02:27:43.581" v="3555" actId="20577"/>
+          <ac:spMkLst>
+            <pc:docMk/>
+            <pc:sldMk cId="3371319163" sldId="267"/>
+            <ac:spMk id="3" creationId="{6E25F141-97FE-D4F8-A34E-A4989E36CF8A}"/>
+          </ac:spMkLst>
+        </pc:spChg>
+      </pc:sldChg>
+      <pc:sldChg chg="modSp add mod">
+        <pc:chgData name="Eduard Smet" userId="2cd40547562b932f" providerId="LiveId" clId="{7B093AE7-3C45-42E5-B08F-9A0186070438}" dt="2023-01-23T02:23:43.986" v="3125" actId="27636"/>
+        <pc:sldMkLst>
+          <pc:docMk/>
+          <pc:sldMk cId="3732866858" sldId="268"/>
+        </pc:sldMkLst>
+        <pc:spChg chg="mod">
+          <ac:chgData name="Eduard Smet" userId="2cd40547562b932f" providerId="LiveId" clId="{7B093AE7-3C45-42E5-B08F-9A0186070438}" dt="2023-01-23T01:15:38.914" v="1005" actId="790"/>
+          <ac:spMkLst>
+            <pc:docMk/>
+            <pc:sldMk cId="3732866858" sldId="268"/>
+            <ac:spMk id="2" creationId="{5A7265BD-9D76-B2B4-E1E4-0AA01C3A3E1F}"/>
+          </ac:spMkLst>
+        </pc:spChg>
+        <pc:spChg chg="mod">
+          <ac:chgData name="Eduard Smet" userId="2cd40547562b932f" providerId="LiveId" clId="{7B093AE7-3C45-42E5-B08F-9A0186070438}" dt="2023-01-23T02:23:43.986" v="3125" actId="27636"/>
+          <ac:spMkLst>
+            <pc:docMk/>
+            <pc:sldMk cId="3732866858" sldId="268"/>
+            <ac:spMk id="3" creationId="{6E25F141-97FE-D4F8-A34E-A4989E36CF8A}"/>
+          </ac:spMkLst>
+        </pc:spChg>
+      </pc:sldChg>
+      <pc:sldChg chg="addSp delSp modSp add mod">
+        <pc:chgData name="Eduard Smet" userId="2cd40547562b932f" providerId="LiveId" clId="{7B093AE7-3C45-42E5-B08F-9A0186070438}" dt="2023-01-23T01:59:54.371" v="1782" actId="12"/>
+        <pc:sldMkLst>
+          <pc:docMk/>
+          <pc:sldMk cId="2544947178" sldId="269"/>
+        </pc:sldMkLst>
+        <pc:spChg chg="mod">
+          <ac:chgData name="Eduard Smet" userId="2cd40547562b932f" providerId="LiveId" clId="{7B093AE7-3C45-42E5-B08F-9A0186070438}" dt="2023-01-23T01:14:05.276" v="984"/>
+          <ac:spMkLst>
+            <pc:docMk/>
+            <pc:sldMk cId="2544947178" sldId="269"/>
+            <ac:spMk id="2" creationId="{5A7265BD-9D76-B2B4-E1E4-0AA01C3A3E1F}"/>
+          </ac:spMkLst>
+        </pc:spChg>
+        <pc:spChg chg="mod">
+          <ac:chgData name="Eduard Smet" userId="2cd40547562b932f" providerId="LiveId" clId="{7B093AE7-3C45-42E5-B08F-9A0186070438}" dt="2023-01-23T01:59:54.371" v="1782" actId="12"/>
+          <ac:spMkLst>
+            <pc:docMk/>
+            <pc:sldMk cId="2544947178" sldId="269"/>
+            <ac:spMk id="3" creationId="{6E25F141-97FE-D4F8-A34E-A4989E36CF8A}"/>
+          </ac:spMkLst>
+        </pc:spChg>
+        <pc:spChg chg="add del mod">
+          <ac:chgData name="Eduard Smet" userId="2cd40547562b932f" providerId="LiveId" clId="{7B093AE7-3C45-42E5-B08F-9A0186070438}" dt="2023-01-23T01:50:46.992" v="1507" actId="478"/>
+          <ac:spMkLst>
+            <pc:docMk/>
+            <pc:sldMk cId="2544947178" sldId="269"/>
+            <ac:spMk id="13" creationId="{F3E439D1-0FFA-F997-12D2-5297B7865BAA}"/>
+          </ac:spMkLst>
+        </pc:spChg>
+        <pc:spChg chg="add del mod">
+          <ac:chgData name="Eduard Smet" userId="2cd40547562b932f" providerId="LiveId" clId="{7B093AE7-3C45-42E5-B08F-9A0186070438}" dt="2023-01-23T01:50:46.992" v="1507" actId="478"/>
+          <ac:spMkLst>
+            <pc:docMk/>
+            <pc:sldMk cId="2544947178" sldId="269"/>
+            <ac:spMk id="14" creationId="{5031D135-BCA7-477C-F429-9E551302E437}"/>
+          </ac:spMkLst>
+        </pc:spChg>
+        <pc:spChg chg="add del mod">
+          <ac:chgData name="Eduard Smet" userId="2cd40547562b932f" providerId="LiveId" clId="{7B093AE7-3C45-42E5-B08F-9A0186070438}" dt="2023-01-23T01:50:46.992" v="1507" actId="478"/>
+          <ac:spMkLst>
+            <pc:docMk/>
+            <pc:sldMk cId="2544947178" sldId="269"/>
+            <ac:spMk id="15" creationId="{C630D9B3-8989-D124-3F82-AE34E54398EC}"/>
+          </ac:spMkLst>
+        </pc:spChg>
+        <pc:spChg chg="add del mod">
+          <ac:chgData name="Eduard Smet" userId="2cd40547562b932f" providerId="LiveId" clId="{7B093AE7-3C45-42E5-B08F-9A0186070438}" dt="2023-01-23T01:50:46.992" v="1507" actId="478"/>
+          <ac:spMkLst>
+            <pc:docMk/>
+            <pc:sldMk cId="2544947178" sldId="269"/>
+            <ac:spMk id="16" creationId="{978D4540-36E2-7B18-2044-BEEFADC29D66}"/>
+          </ac:spMkLst>
+        </pc:spChg>
+        <pc:spChg chg="add del mod">
+          <ac:chgData name="Eduard Smet" userId="2cd40547562b932f" providerId="LiveId" clId="{7B093AE7-3C45-42E5-B08F-9A0186070438}" dt="2023-01-23T01:50:46.992" v="1507" actId="478"/>
+          <ac:spMkLst>
+            <pc:docMk/>
+            <pc:sldMk cId="2544947178" sldId="269"/>
+            <ac:spMk id="17" creationId="{3DEE3DBD-9B26-C009-15CD-6897CB2B4CE4}"/>
+          </ac:spMkLst>
+        </pc:spChg>
+        <pc:spChg chg="add del mod">
+          <ac:chgData name="Eduard Smet" userId="2cd40547562b932f" providerId="LiveId" clId="{7B093AE7-3C45-42E5-B08F-9A0186070438}" dt="2023-01-23T01:50:46.992" v="1507" actId="478"/>
+          <ac:spMkLst>
+            <pc:docMk/>
+            <pc:sldMk cId="2544947178" sldId="269"/>
+            <ac:spMk id="18" creationId="{C7C37F86-2005-76EA-5B5F-A1D16B699D00}"/>
+          </ac:spMkLst>
+        </pc:spChg>
+        <pc:picChg chg="add del mod">
+          <ac:chgData name="Eduard Smet" userId="2cd40547562b932f" providerId="LiveId" clId="{7B093AE7-3C45-42E5-B08F-9A0186070438}" dt="2023-01-23T01:50:46.992" v="1507" actId="478"/>
+          <ac:picMkLst>
+            <pc:docMk/>
+            <pc:sldMk cId="2544947178" sldId="269"/>
+            <ac:picMk id="7" creationId="{22AA3C0D-8757-22BB-164B-E5559A781E6D}"/>
+          </ac:picMkLst>
+        </pc:picChg>
+        <pc:picChg chg="add del mod">
+          <ac:chgData name="Eduard Smet" userId="2cd40547562b932f" providerId="LiveId" clId="{7B093AE7-3C45-42E5-B08F-9A0186070438}" dt="2023-01-23T01:50:46.992" v="1507" actId="478"/>
+          <ac:picMkLst>
+            <pc:docMk/>
+            <pc:sldMk cId="2544947178" sldId="269"/>
+            <ac:picMk id="8" creationId="{C069D5C5-F1A3-6E9C-C2EB-A317B18E20BB}"/>
+          </ac:picMkLst>
+        </pc:picChg>
+        <pc:picChg chg="add del mod">
+          <ac:chgData name="Eduard Smet" userId="2cd40547562b932f" providerId="LiveId" clId="{7B093AE7-3C45-42E5-B08F-9A0186070438}" dt="2023-01-23T01:50:46.992" v="1507" actId="478"/>
+          <ac:picMkLst>
+            <pc:docMk/>
+            <pc:sldMk cId="2544947178" sldId="269"/>
+            <ac:picMk id="9" creationId="{29458D32-E12B-A8C5-9375-CF424A16EA2D}"/>
+          </ac:picMkLst>
+        </pc:picChg>
+        <pc:picChg chg="add del mod">
+          <ac:chgData name="Eduard Smet" userId="2cd40547562b932f" providerId="LiveId" clId="{7B093AE7-3C45-42E5-B08F-9A0186070438}" dt="2023-01-23T01:50:46.992" v="1507" actId="478"/>
+          <ac:picMkLst>
+            <pc:docMk/>
+            <pc:sldMk cId="2544947178" sldId="269"/>
+            <ac:picMk id="10" creationId="{EE696913-6DDC-D990-BF1F-41F7CE1E6AB7}"/>
+          </ac:picMkLst>
+        </pc:picChg>
+        <pc:picChg chg="add del mod">
+          <ac:chgData name="Eduard Smet" userId="2cd40547562b932f" providerId="LiveId" clId="{7B093AE7-3C45-42E5-B08F-9A0186070438}" dt="2023-01-23T01:50:46.992" v="1507" actId="478"/>
+          <ac:picMkLst>
+            <pc:docMk/>
+            <pc:sldMk cId="2544947178" sldId="269"/>
+            <ac:picMk id="11" creationId="{AB275553-AA2A-A4E6-0541-997723E93836}"/>
+          </ac:picMkLst>
+        </pc:picChg>
+        <pc:picChg chg="add del mod">
+          <ac:chgData name="Eduard Smet" userId="2cd40547562b932f" providerId="LiveId" clId="{7B093AE7-3C45-42E5-B08F-9A0186070438}" dt="2023-01-23T01:50:46.992" v="1507" actId="478"/>
+          <ac:picMkLst>
+            <pc:docMk/>
+            <pc:sldMk cId="2544947178" sldId="269"/>
+            <ac:picMk id="12" creationId="{835187CB-6434-4901-CA89-1EBD68E30357}"/>
+          </ac:picMkLst>
+        </pc:picChg>
+        <pc:picChg chg="add mod">
+          <ac:chgData name="Eduard Smet" userId="2cd40547562b932f" providerId="LiveId" clId="{7B093AE7-3C45-42E5-B08F-9A0186070438}" dt="2023-01-23T01:53:03.556" v="1664" actId="1076"/>
+          <ac:picMkLst>
+            <pc:docMk/>
+            <pc:sldMk cId="2544947178" sldId="269"/>
+            <ac:picMk id="19" creationId="{ACCB1BE5-7DBF-216E-D1D6-3C9064DBB459}"/>
+          </ac:picMkLst>
+        </pc:picChg>
+      </pc:sldChg>
+      <pc:sldChg chg="modSp add mod">
+        <pc:chgData name="Eduard Smet" userId="2cd40547562b932f" providerId="LiveId" clId="{7B093AE7-3C45-42E5-B08F-9A0186070438}" dt="2023-01-23T02:10:13.169" v="2294" actId="20577"/>
+        <pc:sldMkLst>
+          <pc:docMk/>
+          <pc:sldMk cId="1181276330" sldId="270"/>
+        </pc:sldMkLst>
+        <pc:spChg chg="mod">
+          <ac:chgData name="Eduard Smet" userId="2cd40547562b932f" providerId="LiveId" clId="{7B093AE7-3C45-42E5-B08F-9A0186070438}" dt="2023-01-23T02:10:13.169" v="2294" actId="20577"/>
+          <ac:spMkLst>
+            <pc:docMk/>
+            <pc:sldMk cId="1181276330" sldId="270"/>
+            <ac:spMk id="3" creationId="{6E25F141-97FE-D4F8-A34E-A4989E36CF8A}"/>
+          </ac:spMkLst>
+        </pc:spChg>
+      </pc:sldChg>
+      <pc:sldChg chg="addSp modSp add mod">
+        <pc:chgData name="Eduard Smet" userId="2cd40547562b932f" providerId="LiveId" clId="{7B093AE7-3C45-42E5-B08F-9A0186070438}" dt="2023-01-23T02:00:20.763" v="1789" actId="20577"/>
+        <pc:sldMkLst>
+          <pc:docMk/>
+          <pc:sldMk cId="1683592126" sldId="271"/>
+        </pc:sldMkLst>
+        <pc:spChg chg="mod">
+          <ac:chgData name="Eduard Smet" userId="2cd40547562b932f" providerId="LiveId" clId="{7B093AE7-3C45-42E5-B08F-9A0186070438}" dt="2023-01-23T02:00:20.763" v="1789" actId="20577"/>
+          <ac:spMkLst>
+            <pc:docMk/>
+            <pc:sldMk cId="1683592126" sldId="271"/>
+            <ac:spMk id="3" creationId="{6E25F141-97FE-D4F8-A34E-A4989E36CF8A}"/>
+          </ac:spMkLst>
+        </pc:spChg>
+        <pc:picChg chg="add mod">
+          <ac:chgData name="Eduard Smet" userId="2cd40547562b932f" providerId="LiveId" clId="{7B093AE7-3C45-42E5-B08F-9A0186070438}" dt="2023-01-23T01:44:22.678" v="1380" actId="14100"/>
+          <ac:picMkLst>
+            <pc:docMk/>
+            <pc:sldMk cId="1683592126" sldId="271"/>
+            <ac:picMk id="7" creationId="{E6EFA5D0-479D-62CB-2316-2B88A06444E6}"/>
+          </ac:picMkLst>
+        </pc:picChg>
+      </pc:sldChg>
+      <pc:sldChg chg="addSp modSp add mod ord">
+        <pc:chgData name="Eduard Smet" userId="2cd40547562b932f" providerId="LiveId" clId="{7B093AE7-3C45-42E5-B08F-9A0186070438}" dt="2023-01-23T02:17:50.751" v="2548" actId="20577"/>
+        <pc:sldMkLst>
+          <pc:docMk/>
+          <pc:sldMk cId="943185572" sldId="272"/>
+        </pc:sldMkLst>
+        <pc:spChg chg="mod">
+          <ac:chgData name="Eduard Smet" userId="2cd40547562b932f" providerId="LiveId" clId="{7B093AE7-3C45-42E5-B08F-9A0186070438}" dt="2023-01-23T02:17:50.751" v="2548" actId="20577"/>
+          <ac:spMkLst>
+            <pc:docMk/>
+            <pc:sldMk cId="943185572" sldId="272"/>
+            <ac:spMk id="3" creationId="{6E25F141-97FE-D4F8-A34E-A4989E36CF8A}"/>
+          </ac:spMkLst>
+        </pc:spChg>
+        <pc:picChg chg="add mod">
+          <ac:chgData name="Eduard Smet" userId="2cd40547562b932f" providerId="LiveId" clId="{7B093AE7-3C45-42E5-B08F-9A0186070438}" dt="2023-01-23T02:17:43.280" v="2544" actId="1076"/>
+          <ac:picMkLst>
+            <pc:docMk/>
+            <pc:sldMk cId="943185572" sldId="272"/>
+            <ac:picMk id="7" creationId="{DB7BA2C3-6632-CA64-98E5-90F602E66D86}"/>
+          </ac:picMkLst>
+        </pc:picChg>
+      </pc:sldChg>
+      <pc:sldChg chg="addSp modSp add mod">
+        <pc:chgData name="Eduard Smet" userId="2cd40547562b932f" providerId="LiveId" clId="{7B093AE7-3C45-42E5-B08F-9A0186070438}" dt="2023-01-23T02:02:45.445" v="1915" actId="115"/>
+        <pc:sldMkLst>
+          <pc:docMk/>
+          <pc:sldMk cId="745126630" sldId="273"/>
+        </pc:sldMkLst>
+        <pc:spChg chg="mod">
+          <ac:chgData name="Eduard Smet" userId="2cd40547562b932f" providerId="LiveId" clId="{7B093AE7-3C45-42E5-B08F-9A0186070438}" dt="2023-01-23T01:48:33.490" v="1458" actId="1076"/>
+          <ac:spMkLst>
+            <pc:docMk/>
+            <pc:sldMk cId="745126630" sldId="273"/>
+            <ac:spMk id="2" creationId="{5A7265BD-9D76-B2B4-E1E4-0AA01C3A3E1F}"/>
+          </ac:spMkLst>
+        </pc:spChg>
+        <pc:spChg chg="mod">
+          <ac:chgData name="Eduard Smet" userId="2cd40547562b932f" providerId="LiveId" clId="{7B093AE7-3C45-42E5-B08F-9A0186070438}" dt="2023-01-23T02:02:45.445" v="1915" actId="115"/>
+          <ac:spMkLst>
+            <pc:docMk/>
+            <pc:sldMk cId="745126630" sldId="273"/>
+            <ac:spMk id="3" creationId="{6E25F141-97FE-D4F8-A34E-A4989E36CF8A}"/>
+          </ac:spMkLst>
+        </pc:spChg>
+        <pc:picChg chg="add mod">
+          <ac:chgData name="Eduard Smet" userId="2cd40547562b932f" providerId="LiveId" clId="{7B093AE7-3C45-42E5-B08F-9A0186070438}" dt="2023-01-23T01:49:18.814" v="1463" actId="14100"/>
+          <ac:picMkLst>
+            <pc:docMk/>
+            <pc:sldMk cId="745126630" sldId="273"/>
+            <ac:picMk id="7" creationId="{C1FA8966-60C5-2D89-FE3F-DE38EBAA4017}"/>
+          </ac:picMkLst>
+        </pc:picChg>
+      </pc:sldChg>
+      <pc:sldChg chg="addSp delSp modSp add mod">
+        <pc:chgData name="Eduard Smet" userId="2cd40547562b932f" providerId="LiveId" clId="{7B093AE7-3C45-42E5-B08F-9A0186070438}" dt="2023-01-23T02:00:34.035" v="1796" actId="115"/>
+        <pc:sldMkLst>
+          <pc:docMk/>
+          <pc:sldMk cId="244971730" sldId="274"/>
+        </pc:sldMkLst>
+        <pc:spChg chg="mod">
+          <ac:chgData name="Eduard Smet" userId="2cd40547562b932f" providerId="LiveId" clId="{7B093AE7-3C45-42E5-B08F-9A0186070438}" dt="2023-01-23T02:00:34.035" v="1796" actId="115"/>
+          <ac:spMkLst>
+            <pc:docMk/>
+            <pc:sldMk cId="244971730" sldId="274"/>
+            <ac:spMk id="3" creationId="{6E25F141-97FE-D4F8-A34E-A4989E36CF8A}"/>
+          </ac:spMkLst>
+        </pc:spChg>
+        <pc:picChg chg="del">
+          <ac:chgData name="Eduard Smet" userId="2cd40547562b932f" providerId="LiveId" clId="{7B093AE7-3C45-42E5-B08F-9A0186070438}" dt="2023-01-23T01:46:16.262" v="1437" actId="478"/>
+          <ac:picMkLst>
+            <pc:docMk/>
+            <pc:sldMk cId="244971730" sldId="274"/>
+            <ac:picMk id="7" creationId="{E6EFA5D0-479D-62CB-2316-2B88A06444E6}"/>
+          </ac:picMkLst>
+        </pc:picChg>
+        <pc:picChg chg="add mod">
+          <ac:chgData name="Eduard Smet" userId="2cd40547562b932f" providerId="LiveId" clId="{7B093AE7-3C45-42E5-B08F-9A0186070438}" dt="2023-01-23T01:46:39.788" v="1442" actId="1076"/>
+          <ac:picMkLst>
+            <pc:docMk/>
+            <pc:sldMk cId="244971730" sldId="274"/>
+            <ac:picMk id="8" creationId="{F13930FD-1F0E-3867-6DDE-956F5FDA174E}"/>
+          </ac:picMkLst>
+        </pc:picChg>
+      </pc:sldChg>
+      <pc:sldChg chg="addSp delSp modSp add mod">
+        <pc:chgData name="Eduard Smet" userId="2cd40547562b932f" providerId="LiveId" clId="{7B093AE7-3C45-42E5-B08F-9A0186070438}" dt="2023-01-23T02:00:45.062" v="1802" actId="5793"/>
+        <pc:sldMkLst>
+          <pc:docMk/>
+          <pc:sldMk cId="684901069" sldId="275"/>
+        </pc:sldMkLst>
+        <pc:spChg chg="mod">
+          <ac:chgData name="Eduard Smet" userId="2cd40547562b932f" providerId="LiveId" clId="{7B093AE7-3C45-42E5-B08F-9A0186070438}" dt="2023-01-23T02:00:45.062" v="1802" actId="5793"/>
+          <ac:spMkLst>
+            <pc:docMk/>
+            <pc:sldMk cId="684901069" sldId="275"/>
+            <ac:spMk id="3" creationId="{6E25F141-97FE-D4F8-A34E-A4989E36CF8A}"/>
+          </ac:spMkLst>
+        </pc:spChg>
+        <pc:picChg chg="del">
+          <ac:chgData name="Eduard Smet" userId="2cd40547562b932f" providerId="LiveId" clId="{7B093AE7-3C45-42E5-B08F-9A0186070438}" dt="2023-01-23T01:46:17.960" v="1438" actId="478"/>
+          <ac:picMkLst>
+            <pc:docMk/>
+            <pc:sldMk cId="684901069" sldId="275"/>
+            <ac:picMk id="7" creationId="{E6EFA5D0-479D-62CB-2316-2B88A06444E6}"/>
+          </ac:picMkLst>
+        </pc:picChg>
+        <pc:picChg chg="add mod">
+          <ac:chgData name="Eduard Smet" userId="2cd40547562b932f" providerId="LiveId" clId="{7B093AE7-3C45-42E5-B08F-9A0186070438}" dt="2023-01-23T01:46:53.635" v="1444" actId="1076"/>
+          <ac:picMkLst>
+            <pc:docMk/>
+            <pc:sldMk cId="684901069" sldId="275"/>
+            <ac:picMk id="8" creationId="{29F4C569-2BDC-4EAC-C6BC-8EC05BE5773C}"/>
+          </ac:picMkLst>
+        </pc:picChg>
+      </pc:sldChg>
+      <pc:sldChg chg="addSp delSp modSp add mod">
+        <pc:chgData name="Eduard Smet" userId="2cd40547562b932f" providerId="LiveId" clId="{7B093AE7-3C45-42E5-B08F-9A0186070438}" dt="2023-01-23T02:00:53.150" v="1808" actId="5793"/>
+        <pc:sldMkLst>
+          <pc:docMk/>
+          <pc:sldMk cId="660447279" sldId="276"/>
+        </pc:sldMkLst>
+        <pc:spChg chg="mod">
+          <ac:chgData name="Eduard Smet" userId="2cd40547562b932f" providerId="LiveId" clId="{7B093AE7-3C45-42E5-B08F-9A0186070438}" dt="2023-01-23T02:00:53.150" v="1808" actId="5793"/>
+          <ac:spMkLst>
+            <pc:docMk/>
+            <pc:sldMk cId="660447279" sldId="276"/>
+            <ac:spMk id="3" creationId="{6E25F141-97FE-D4F8-A34E-A4989E36CF8A}"/>
+          </ac:spMkLst>
+        </pc:spChg>
+        <pc:picChg chg="del">
+          <ac:chgData name="Eduard Smet" userId="2cd40547562b932f" providerId="LiveId" clId="{7B093AE7-3C45-42E5-B08F-9A0186070438}" dt="2023-01-23T01:46:19.450" v="1439" actId="478"/>
+          <ac:picMkLst>
+            <pc:docMk/>
+            <pc:sldMk cId="660447279" sldId="276"/>
+            <ac:picMk id="7" creationId="{E6EFA5D0-479D-62CB-2316-2B88A06444E6}"/>
+          </ac:picMkLst>
+        </pc:picChg>
+        <pc:picChg chg="add mod">
+          <ac:chgData name="Eduard Smet" userId="2cd40547562b932f" providerId="LiveId" clId="{7B093AE7-3C45-42E5-B08F-9A0186070438}" dt="2023-01-23T01:47:15.908" v="1446" actId="1076"/>
+          <ac:picMkLst>
+            <pc:docMk/>
+            <pc:sldMk cId="660447279" sldId="276"/>
+            <ac:picMk id="8" creationId="{6DDC6BA8-A6E4-0BFF-05B6-E965472E1CC9}"/>
+          </ac:picMkLst>
+        </pc:picChg>
+      </pc:sldChg>
+      <pc:sldChg chg="addSp delSp modSp add mod">
+        <pc:chgData name="Eduard Smet" userId="2cd40547562b932f" providerId="LiveId" clId="{7B093AE7-3C45-42E5-B08F-9A0186070438}" dt="2023-01-23T02:01:06.128" v="1817" actId="115"/>
+        <pc:sldMkLst>
+          <pc:docMk/>
+          <pc:sldMk cId="1338051705" sldId="277"/>
+        </pc:sldMkLst>
+        <pc:spChg chg="mod">
+          <ac:chgData name="Eduard Smet" userId="2cd40547562b932f" providerId="LiveId" clId="{7B093AE7-3C45-42E5-B08F-9A0186070438}" dt="2023-01-23T02:01:06.128" v="1817" actId="115"/>
+          <ac:spMkLst>
+            <pc:docMk/>
+            <pc:sldMk cId="1338051705" sldId="277"/>
+            <ac:spMk id="3" creationId="{6E25F141-97FE-D4F8-A34E-A4989E36CF8A}"/>
+          </ac:spMkLst>
+        </pc:spChg>
+        <pc:picChg chg="del">
+          <ac:chgData name="Eduard Smet" userId="2cd40547562b932f" providerId="LiveId" clId="{7B093AE7-3C45-42E5-B08F-9A0186070438}" dt="2023-01-23T01:46:21.793" v="1440" actId="478"/>
+          <ac:picMkLst>
+            <pc:docMk/>
+            <pc:sldMk cId="1338051705" sldId="277"/>
+            <ac:picMk id="7" creationId="{E6EFA5D0-479D-62CB-2316-2B88A06444E6}"/>
+          </ac:picMkLst>
+        </pc:picChg>
+        <pc:picChg chg="add mod">
+          <ac:chgData name="Eduard Smet" userId="2cd40547562b932f" providerId="LiveId" clId="{7B093AE7-3C45-42E5-B08F-9A0186070438}" dt="2023-01-23T01:47:54.858" v="1449" actId="1076"/>
+          <ac:picMkLst>
+            <pc:docMk/>
+            <pc:sldMk cId="1338051705" sldId="277"/>
+            <ac:picMk id="8" creationId="{60DE4F24-771D-7CE1-A8A0-245E07F1E247}"/>
+          </ac:picMkLst>
+        </pc:picChg>
+      </pc:sldChg>
+      <pc:sldChg chg="modSp add mod">
+        <pc:chgData name="Eduard Smet" userId="2cd40547562b932f" providerId="LiveId" clId="{7B093AE7-3C45-42E5-B08F-9A0186070438}" dt="2023-01-23T02:03:32.361" v="1975" actId="20577"/>
+        <pc:sldMkLst>
+          <pc:docMk/>
+          <pc:sldMk cId="1178567681" sldId="278"/>
+        </pc:sldMkLst>
+        <pc:spChg chg="mod">
+          <ac:chgData name="Eduard Smet" userId="2cd40547562b932f" providerId="LiveId" clId="{7B093AE7-3C45-42E5-B08F-9A0186070438}" dt="2023-01-23T02:03:32.361" v="1975" actId="20577"/>
+          <ac:spMkLst>
+            <pc:docMk/>
+            <pc:sldMk cId="1178567681" sldId="278"/>
+            <ac:spMk id="3" creationId="{6E25F141-97FE-D4F8-A34E-A4989E36CF8A}"/>
+          </ac:spMkLst>
+        </pc:spChg>
+      </pc:sldChg>
+      <pc:sldChg chg="modSp add mod">
+        <pc:chgData name="Eduard Smet" userId="2cd40547562b932f" providerId="LiveId" clId="{7B093AE7-3C45-42E5-B08F-9A0186070438}" dt="2023-01-23T02:00:08.654" v="1783" actId="115"/>
+        <pc:sldMkLst>
+          <pc:docMk/>
+          <pc:sldMk cId="29323263" sldId="279"/>
+        </pc:sldMkLst>
+        <pc:spChg chg="mod">
+          <ac:chgData name="Eduard Smet" userId="2cd40547562b932f" providerId="LiveId" clId="{7B093AE7-3C45-42E5-B08F-9A0186070438}" dt="2023-01-23T02:00:08.654" v="1783" actId="115"/>
+          <ac:spMkLst>
+            <pc:docMk/>
+            <pc:sldMk cId="29323263" sldId="279"/>
+            <ac:spMk id="3" creationId="{6E25F141-97FE-D4F8-A34E-A4989E36CF8A}"/>
+          </ac:spMkLst>
+        </pc:spChg>
+      </pc:sldChg>
+      <pc:sldChg chg="modSp add mod">
+        <pc:chgData name="Eduard Smet" userId="2cd40547562b932f" providerId="LiveId" clId="{7B093AE7-3C45-42E5-B08F-9A0186070438}" dt="2023-01-23T02:06:38.226" v="2034" actId="20577"/>
+        <pc:sldMkLst>
+          <pc:docMk/>
+          <pc:sldMk cId="190577845" sldId="280"/>
+        </pc:sldMkLst>
+        <pc:spChg chg="mod">
+          <ac:chgData name="Eduard Smet" userId="2cd40547562b932f" providerId="LiveId" clId="{7B093AE7-3C45-42E5-B08F-9A0186070438}" dt="2023-01-23T02:06:38.226" v="2034" actId="20577"/>
+          <ac:spMkLst>
+            <pc:docMk/>
+            <pc:sldMk cId="190577845" sldId="280"/>
+            <ac:spMk id="3" creationId="{6E25F141-97FE-D4F8-A34E-A4989E36CF8A}"/>
+          </ac:spMkLst>
+        </pc:spChg>
+      </pc:sldChg>
+      <pc:sldChg chg="modSp add mod">
+        <pc:chgData name="Eduard Smet" userId="2cd40547562b932f" providerId="LiveId" clId="{7B093AE7-3C45-42E5-B08F-9A0186070438}" dt="2023-01-23T02:13:43.944" v="2468" actId="115"/>
+        <pc:sldMkLst>
+          <pc:docMk/>
+          <pc:sldMk cId="3500048364" sldId="281"/>
+        </pc:sldMkLst>
+        <pc:spChg chg="mod">
+          <ac:chgData name="Eduard Smet" userId="2cd40547562b932f" providerId="LiveId" clId="{7B093AE7-3C45-42E5-B08F-9A0186070438}" dt="2023-01-23T02:13:43.944" v="2468" actId="115"/>
+          <ac:spMkLst>
+            <pc:docMk/>
+            <pc:sldMk cId="3500048364" sldId="281"/>
+            <ac:spMk id="3" creationId="{6E25F141-97FE-D4F8-A34E-A4989E36CF8A}"/>
+          </ac:spMkLst>
+        </pc:spChg>
+      </pc:sldChg>
+      <pc:sldChg chg="addSp delSp modSp add mod">
+        <pc:chgData name="Eduard Smet" userId="2cd40547562b932f" providerId="LiveId" clId="{7B093AE7-3C45-42E5-B08F-9A0186070438}" dt="2023-01-23T02:17:25.021" v="2537" actId="21"/>
+        <pc:sldMkLst>
+          <pc:docMk/>
+          <pc:sldMk cId="2213123749" sldId="282"/>
+        </pc:sldMkLst>
+        <pc:spChg chg="mod">
+          <ac:chgData name="Eduard Smet" userId="2cd40547562b932f" providerId="LiveId" clId="{7B093AE7-3C45-42E5-B08F-9A0186070438}" dt="2023-01-23T02:16:55.679" v="2531" actId="5793"/>
+          <ac:spMkLst>
+            <pc:docMk/>
+            <pc:sldMk cId="2213123749" sldId="282"/>
+            <ac:spMk id="3" creationId="{6E25F141-97FE-D4F8-A34E-A4989E36CF8A}"/>
+          </ac:spMkLst>
+        </pc:spChg>
+        <pc:picChg chg="add mod">
+          <ac:chgData name="Eduard Smet" userId="2cd40547562b932f" providerId="LiveId" clId="{7B093AE7-3C45-42E5-B08F-9A0186070438}" dt="2023-01-23T02:17:10.428" v="2533" actId="1076"/>
+          <ac:picMkLst>
+            <pc:docMk/>
+            <pc:sldMk cId="2213123749" sldId="282"/>
+            <ac:picMk id="7" creationId="{C17B7B94-90C7-CAB8-0551-9541ABA0B934}"/>
+          </ac:picMkLst>
+        </pc:picChg>
+        <pc:picChg chg="add del mod">
+          <ac:chgData name="Eduard Smet" userId="2cd40547562b932f" providerId="LiveId" clId="{7B093AE7-3C45-42E5-B08F-9A0186070438}" dt="2023-01-23T02:17:25.021" v="2537" actId="21"/>
+          <ac:picMkLst>
+            <pc:docMk/>
+            <pc:sldMk cId="2213123749" sldId="282"/>
+            <ac:picMk id="8" creationId="{6358C278-7E85-ADBA-A6D9-8CB3D5AF9A8E}"/>
+          </ac:picMkLst>
+        </pc:picChg>
+      </pc:sldChg>
+      <pc:sldChg chg="addSp delSp modSp add mod">
+        <pc:chgData name="Eduard Smet" userId="2cd40547562b932f" providerId="LiveId" clId="{7B093AE7-3C45-42E5-B08F-9A0186070438}" dt="2023-01-23T02:16:48.410" v="2522" actId="21"/>
+        <pc:sldMkLst>
+          <pc:docMk/>
+          <pc:sldMk cId="1261481180" sldId="283"/>
+        </pc:sldMkLst>
+        <pc:spChg chg="mod">
+          <ac:chgData name="Eduard Smet" userId="2cd40547562b932f" providerId="LiveId" clId="{7B093AE7-3C45-42E5-B08F-9A0186070438}" dt="2023-01-23T02:15:58.661" v="2514" actId="5793"/>
+          <ac:spMkLst>
+            <pc:docMk/>
+            <pc:sldMk cId="1261481180" sldId="283"/>
+            <ac:spMk id="3" creationId="{6E25F141-97FE-D4F8-A34E-A4989E36CF8A}"/>
+          </ac:spMkLst>
+        </pc:spChg>
+        <pc:picChg chg="add mod">
+          <ac:chgData name="Eduard Smet" userId="2cd40547562b932f" providerId="LiveId" clId="{7B093AE7-3C45-42E5-B08F-9A0186070438}" dt="2023-01-23T02:16:19.666" v="2518" actId="1076"/>
+          <ac:picMkLst>
+            <pc:docMk/>
+            <pc:sldMk cId="1261481180" sldId="283"/>
+            <ac:picMk id="7" creationId="{DA00B34A-FB86-57FE-0C8A-B9D546A0FF72}"/>
+          </ac:picMkLst>
+        </pc:picChg>
+        <pc:picChg chg="add del mod">
+          <ac:chgData name="Eduard Smet" userId="2cd40547562b932f" providerId="LiveId" clId="{7B093AE7-3C45-42E5-B08F-9A0186070438}" dt="2023-01-23T02:16:48.410" v="2522" actId="21"/>
+          <ac:picMkLst>
+            <pc:docMk/>
+            <pc:sldMk cId="1261481180" sldId="283"/>
+            <ac:picMk id="8" creationId="{6C93F074-C429-4DFD-C627-2FAB71C1404A}"/>
+          </ac:picMkLst>
+        </pc:picChg>
+      </pc:sldChg>
+      <pc:sldChg chg="modSp add mod">
+        <pc:chgData name="Eduard Smet" userId="2cd40547562b932f" providerId="LiveId" clId="{7B093AE7-3C45-42E5-B08F-9A0186070438}" dt="2023-01-23T02:24:51.109" v="3217" actId="20577"/>
+        <pc:sldMkLst>
+          <pc:docMk/>
+          <pc:sldMk cId="33546057" sldId="284"/>
+        </pc:sldMkLst>
+        <pc:spChg chg="mod">
+          <ac:chgData name="Eduard Smet" userId="2cd40547562b932f" providerId="LiveId" clId="{7B093AE7-3C45-42E5-B08F-9A0186070438}" dt="2023-01-23T02:24:51.109" v="3217" actId="20577"/>
+          <ac:spMkLst>
+            <pc:docMk/>
+            <pc:sldMk cId="33546057" sldId="284"/>
+            <ac:spMk id="3" creationId="{6E25F141-97FE-D4F8-A34E-A4989E36CF8A}"/>
+          </ac:spMkLst>
+        </pc:spChg>
+      </pc:sldChg>
+      <pc:sldChg chg="new del">
+        <pc:chgData name="Eduard Smet" userId="2cd40547562b932f" providerId="LiveId" clId="{7B093AE7-3C45-42E5-B08F-9A0186070438}" dt="2023-01-23T02:20:18.064" v="2797" actId="2696"/>
+        <pc:sldMkLst>
+          <pc:docMk/>
+          <pc:sldMk cId="1123867939" sldId="284"/>
+        </pc:sldMkLst>
+      </pc:sldChg>
+      <pc:sldMasterChg chg="modSp modSldLayout">
+        <pc:chgData name="Eduard Smet" userId="2cd40547562b932f" providerId="LiveId" clId="{7B093AE7-3C45-42E5-B08F-9A0186070438}" dt="2023-01-23T00:45:36.141" v="877"/>
+        <pc:sldMasterMkLst>
+          <pc:docMk/>
+          <pc:sldMasterMk cId="4179734361" sldId="2147483697"/>
+        </pc:sldMasterMkLst>
+        <pc:spChg chg="mod">
+          <ac:chgData name="Eduard Smet" userId="2cd40547562b932f" providerId="LiveId" clId="{7B093AE7-3C45-42E5-B08F-9A0186070438}" dt="2023-01-23T00:45:36.141" v="877"/>
+          <ac:spMkLst>
+            <pc:docMk/>
+            <pc:sldMasterMk cId="4179734361" sldId="2147483697"/>
+            <ac:spMk id="5" creationId="{FD1D5844-8163-4D82-BEFC-BC2D8D511B7E}"/>
+          </ac:spMkLst>
+        </pc:spChg>
+        <pc:sldLayoutChg chg="modSp">
+          <pc:chgData name="Eduard Smet" userId="2cd40547562b932f" providerId="LiveId" clId="{7B093AE7-3C45-42E5-B08F-9A0186070438}" dt="2023-01-23T00:45:36.141" v="877"/>
+          <pc:sldLayoutMkLst>
+            <pc:docMk/>
+            <pc:sldMasterMk cId="4179734361" sldId="2147483697"/>
+            <pc:sldLayoutMk cId="3710227463" sldId="2147483686"/>
+          </pc:sldLayoutMkLst>
+          <pc:spChg chg="mod">
+            <ac:chgData name="Eduard Smet" userId="2cd40547562b932f" providerId="LiveId" clId="{7B093AE7-3C45-42E5-B08F-9A0186070438}" dt="2023-01-23T00:45:36.141" v="877"/>
+            <ac:spMkLst>
+              <pc:docMk/>
+              <pc:sldMasterMk cId="4179734361" sldId="2147483697"/>
+              <pc:sldLayoutMk cId="3710227463" sldId="2147483686"/>
+              <ac:spMk id="3" creationId="{FCFF7E77-47E0-4F9E-9148-8D0C59C0CFCE}"/>
+            </ac:spMkLst>
+          </pc:spChg>
+        </pc:sldLayoutChg>
+        <pc:sldLayoutChg chg="modSp">
+          <pc:chgData name="Eduard Smet" userId="2cd40547562b932f" providerId="LiveId" clId="{7B093AE7-3C45-42E5-B08F-9A0186070438}" dt="2023-01-23T00:45:36.141" v="877"/>
+          <pc:sldLayoutMkLst>
+            <pc:docMk/>
+            <pc:sldMasterMk cId="4179734361" sldId="2147483697"/>
+            <pc:sldLayoutMk cId="3915687653" sldId="2147483687"/>
+          </pc:sldLayoutMkLst>
+          <pc:spChg chg="mod">
+            <ac:chgData name="Eduard Smet" userId="2cd40547562b932f" providerId="LiveId" clId="{7B093AE7-3C45-42E5-B08F-9A0186070438}" dt="2023-01-23T00:45:36.141" v="877"/>
+            <ac:spMkLst>
+              <pc:docMk/>
+              <pc:sldMasterMk cId="4179734361" sldId="2147483697"/>
+              <pc:sldLayoutMk cId="3915687653" sldId="2147483687"/>
+              <ac:spMk id="6" creationId="{E4C7B6CC-1C13-4F34-AC86-CCD442C8C3DA}"/>
+            </ac:spMkLst>
+          </pc:spChg>
+        </pc:sldLayoutChg>
+        <pc:sldLayoutChg chg="modSp">
+          <pc:chgData name="Eduard Smet" userId="2cd40547562b932f" providerId="LiveId" clId="{7B093AE7-3C45-42E5-B08F-9A0186070438}" dt="2023-01-23T00:45:36.141" v="877"/>
+          <pc:sldLayoutMkLst>
+            <pc:docMk/>
+            <pc:sldMasterMk cId="4179734361" sldId="2147483697"/>
+            <pc:sldLayoutMk cId="4154942712" sldId="2147483688"/>
+          </pc:sldLayoutMkLst>
+          <pc:spChg chg="mod">
+            <ac:chgData name="Eduard Smet" userId="2cd40547562b932f" providerId="LiveId" clId="{7B093AE7-3C45-42E5-B08F-9A0186070438}" dt="2023-01-23T00:45:36.141" v="877"/>
+            <ac:spMkLst>
+              <pc:docMk/>
+              <pc:sldMasterMk cId="4179734361" sldId="2147483697"/>
+              <pc:sldLayoutMk cId="4154942712" sldId="2147483688"/>
+              <ac:spMk id="6" creationId="{E9936470-561D-49AE-AC84-B79D483FDA77}"/>
+            </ac:spMkLst>
+          </pc:spChg>
+        </pc:sldLayoutChg>
+        <pc:sldLayoutChg chg="modSp">
+          <pc:chgData name="Eduard Smet" userId="2cd40547562b932f" providerId="LiveId" clId="{7B093AE7-3C45-42E5-B08F-9A0186070438}" dt="2023-01-23T00:45:36.141" v="877"/>
+          <pc:sldLayoutMkLst>
+            <pc:docMk/>
+            <pc:sldMasterMk cId="4179734361" sldId="2147483697"/>
+            <pc:sldLayoutMk cId="3742456973" sldId="2147483689"/>
+          </pc:sldLayoutMkLst>
+          <pc:spChg chg="mod">
+            <ac:chgData name="Eduard Smet" userId="2cd40547562b932f" providerId="LiveId" clId="{7B093AE7-3C45-42E5-B08F-9A0186070438}" dt="2023-01-23T00:45:36.141" v="877"/>
+            <ac:spMkLst>
+              <pc:docMk/>
+              <pc:sldMasterMk cId="4179734361" sldId="2147483697"/>
+              <pc:sldLayoutMk cId="3742456973" sldId="2147483689"/>
+              <ac:spMk id="5" creationId="{80459378-C430-49DB-B2D6-E32FBBCD4A6F}"/>
+            </ac:spMkLst>
+          </pc:spChg>
+        </pc:sldLayoutChg>
+        <pc:sldLayoutChg chg="modSp">
+          <pc:chgData name="Eduard Smet" userId="2cd40547562b932f" providerId="LiveId" clId="{7B093AE7-3C45-42E5-B08F-9A0186070438}" dt="2023-01-23T00:45:36.141" v="877"/>
+          <pc:sldLayoutMkLst>
+            <pc:docMk/>
+            <pc:sldMasterMk cId="4179734361" sldId="2147483697"/>
+            <pc:sldLayoutMk cId="356371293" sldId="2147483690"/>
+          </pc:sldLayoutMkLst>
+          <pc:spChg chg="mod">
+            <ac:chgData name="Eduard Smet" userId="2cd40547562b932f" providerId="LiveId" clId="{7B093AE7-3C45-42E5-B08F-9A0186070438}" dt="2023-01-23T00:45:36.141" v="877"/>
+            <ac:spMkLst>
+              <pc:docMk/>
+              <pc:sldMasterMk cId="4179734361" sldId="2147483697"/>
+              <pc:sldLayoutMk cId="356371293" sldId="2147483690"/>
+              <ac:spMk id="4" creationId="{D7E36922-9A4C-453D-9B70-0C3A70281C03}"/>
+            </ac:spMkLst>
+          </pc:spChg>
+        </pc:sldLayoutChg>
+        <pc:sldLayoutChg chg="modSp">
+          <pc:chgData name="Eduard Smet" userId="2cd40547562b932f" providerId="LiveId" clId="{7B093AE7-3C45-42E5-B08F-9A0186070438}" dt="2023-01-23T00:45:36.141" v="877"/>
+          <pc:sldLayoutMkLst>
+            <pc:docMk/>
+            <pc:sldMasterMk cId="4179734361" sldId="2147483697"/>
+            <pc:sldLayoutMk cId="3809791752" sldId="2147483691"/>
+          </pc:sldLayoutMkLst>
+          <pc:spChg chg="mod">
+            <ac:chgData name="Eduard Smet" userId="2cd40547562b932f" providerId="LiveId" clId="{7B093AE7-3C45-42E5-B08F-9A0186070438}" dt="2023-01-23T00:45:36.141" v="877"/>
+            <ac:spMkLst>
+              <pc:docMk/>
+              <pc:sldMasterMk cId="4179734361" sldId="2147483697"/>
+              <pc:sldLayoutMk cId="3809791752" sldId="2147483691"/>
+              <ac:spMk id="5" creationId="{F7728CC3-5830-4EFA-B28E-1648904DE189}"/>
+            </ac:spMkLst>
+          </pc:spChg>
+        </pc:sldLayoutChg>
+        <pc:sldLayoutChg chg="modSp">
+          <pc:chgData name="Eduard Smet" userId="2cd40547562b932f" providerId="LiveId" clId="{7B093AE7-3C45-42E5-B08F-9A0186070438}" dt="2023-01-23T00:45:36.141" v="877"/>
+          <pc:sldLayoutMkLst>
+            <pc:docMk/>
+            <pc:sldMasterMk cId="4179734361" sldId="2147483697"/>
+            <pc:sldLayoutMk cId="2103415081" sldId="2147483692"/>
+          </pc:sldLayoutMkLst>
+          <pc:spChg chg="mod">
+            <ac:chgData name="Eduard Smet" userId="2cd40547562b932f" providerId="LiveId" clId="{7B093AE7-3C45-42E5-B08F-9A0186070438}" dt="2023-01-23T00:45:36.141" v="877"/>
+            <ac:spMkLst>
+              <pc:docMk/>
+              <pc:sldMasterMk cId="4179734361" sldId="2147483697"/>
+              <pc:sldLayoutMk cId="2103415081" sldId="2147483692"/>
+              <ac:spMk id="5" creationId="{011422A5-3076-413B-84CB-ED3BA4171CC0}"/>
+            </ac:spMkLst>
+          </pc:spChg>
+        </pc:sldLayoutChg>
+        <pc:sldLayoutChg chg="modSp">
+          <pc:chgData name="Eduard Smet" userId="2cd40547562b932f" providerId="LiveId" clId="{7B093AE7-3C45-42E5-B08F-9A0186070438}" dt="2023-01-23T00:45:36.141" v="877"/>
+          <pc:sldLayoutMkLst>
+            <pc:docMk/>
+            <pc:sldMasterMk cId="4179734361" sldId="2147483697"/>
+            <pc:sldLayoutMk cId="877870603" sldId="2147483693"/>
+          </pc:sldLayoutMkLst>
+          <pc:spChg chg="mod">
+            <ac:chgData name="Eduard Smet" userId="2cd40547562b932f" providerId="LiveId" clId="{7B093AE7-3C45-42E5-B08F-9A0186070438}" dt="2023-01-23T00:45:36.141" v="877"/>
+            <ac:spMkLst>
+              <pc:docMk/>
+              <pc:sldMasterMk cId="4179734361" sldId="2147483697"/>
+              <pc:sldLayoutMk cId="877870603" sldId="2147483693"/>
+              <ac:spMk id="5" creationId="{6151AB30-CD74-471D-9FA6-ADC0C901E6D0}"/>
+            </ac:spMkLst>
+          </pc:spChg>
+        </pc:sldLayoutChg>
+        <pc:sldLayoutChg chg="modSp">
+          <pc:chgData name="Eduard Smet" userId="2cd40547562b932f" providerId="LiveId" clId="{7B093AE7-3C45-42E5-B08F-9A0186070438}" dt="2023-01-23T00:45:36.141" v="877"/>
+          <pc:sldLayoutMkLst>
+            <pc:docMk/>
+            <pc:sldMasterMk cId="4179734361" sldId="2147483697"/>
+            <pc:sldLayoutMk cId="2881727565" sldId="2147483694"/>
+          </pc:sldLayoutMkLst>
+          <pc:spChg chg="mod">
+            <ac:chgData name="Eduard Smet" userId="2cd40547562b932f" providerId="LiveId" clId="{7B093AE7-3C45-42E5-B08F-9A0186070438}" dt="2023-01-23T00:45:36.141" v="877"/>
+            <ac:spMkLst>
+              <pc:docMk/>
+              <pc:sldMasterMk cId="4179734361" sldId="2147483697"/>
+              <pc:sldLayoutMk cId="2881727565" sldId="2147483694"/>
+              <ac:spMk id="5" creationId="{4C094542-CAEF-4D6C-BE6A-BC100F0590F9}"/>
+            </ac:spMkLst>
+          </pc:spChg>
+        </pc:sldLayoutChg>
+        <pc:sldLayoutChg chg="modSp">
+          <pc:chgData name="Eduard Smet" userId="2cd40547562b932f" providerId="LiveId" clId="{7B093AE7-3C45-42E5-B08F-9A0186070438}" dt="2023-01-23T00:45:36.141" v="877"/>
+          <pc:sldLayoutMkLst>
+            <pc:docMk/>
+            <pc:sldMasterMk cId="4179734361" sldId="2147483697"/>
+            <pc:sldLayoutMk cId="1313421915" sldId="2147483695"/>
+          </pc:sldLayoutMkLst>
+          <pc:spChg chg="mod">
+            <ac:chgData name="Eduard Smet" userId="2cd40547562b932f" providerId="LiveId" clId="{7B093AE7-3C45-42E5-B08F-9A0186070438}" dt="2023-01-23T00:45:36.141" v="877"/>
+            <ac:spMkLst>
+              <pc:docMk/>
+              <pc:sldMasterMk cId="4179734361" sldId="2147483697"/>
+              <pc:sldLayoutMk cId="1313421915" sldId="2147483695"/>
+              <ac:spMk id="6" creationId="{40629E05-3F6C-40BF-9324-118588B6CAE6}"/>
+            </ac:spMkLst>
+          </pc:spChg>
+        </pc:sldLayoutChg>
+        <pc:sldLayoutChg chg="modSp">
+          <pc:chgData name="Eduard Smet" userId="2cd40547562b932f" providerId="LiveId" clId="{7B093AE7-3C45-42E5-B08F-9A0186070438}" dt="2023-01-23T00:45:36.141" v="877"/>
+          <pc:sldLayoutMkLst>
+            <pc:docMk/>
+            <pc:sldMasterMk cId="4179734361" sldId="2147483697"/>
+            <pc:sldLayoutMk cId="1083347015" sldId="2147483696"/>
+          </pc:sldLayoutMkLst>
+          <pc:spChg chg="mod">
+            <ac:chgData name="Eduard Smet" userId="2cd40547562b932f" providerId="LiveId" clId="{7B093AE7-3C45-42E5-B08F-9A0186070438}" dt="2023-01-23T00:45:36.141" v="877"/>
+            <ac:spMkLst>
+              <pc:docMk/>
+              <pc:sldMasterMk cId="4179734361" sldId="2147483697"/>
+              <pc:sldLayoutMk cId="1083347015" sldId="2147483696"/>
+              <ac:spMk id="8" creationId="{F340A80D-4CCB-4899-9E1D-A5967F4E649A}"/>
+            </ac:spMkLst>
+          </pc:spChg>
+        </pc:sldLayoutChg>
+      </pc:sldMasterChg>
     </pc:docChg>
   </pc:docChgLst>
 </pc:chgInfo>
@@ -204,7 +1354,7 @@
             </a:lvl1pPr>
           </a:lstStyle>
           <a:p>
-            <a:endParaRPr lang="nl-BE"/>
+            <a:endParaRPr lang="nl-BE" dirty="0"/>
           </a:p>
         </p:txBody>
       </p:sp>
@@ -237,9 +1387,9 @@
           <a:p>
             <a:fld id="{B6C65716-52C3-48B9-BFE2-3CAB747895F7}" type="datetimeFigureOut">
               <a:rPr lang="nl-BE" smtClean="0"/>
-              <a:t>20/01/2023</a:t>
+              <a:t>23/01/2023</a:t>
             </a:fld>
-            <a:endParaRPr lang="nl-BE"/>
+            <a:endParaRPr lang="nl-BE" dirty="0"/>
           </a:p>
         </p:txBody>
       </p:sp>
@@ -272,7 +1422,7 @@
           <a:bodyPr vert="horz" lIns="91440" tIns="45720" rIns="91440" bIns="45720" rtlCol="0" anchor="ctr"/>
           <a:lstStyle/>
           <a:p>
-            <a:endParaRPr lang="nl-BE"/>
+            <a:endParaRPr lang="nl-BE" dirty="0"/>
           </a:p>
         </p:txBody>
       </p:sp>
@@ -363,7 +1513,7 @@
             </a:lvl1pPr>
           </a:lstStyle>
           <a:p>
-            <a:endParaRPr lang="nl-BE"/>
+            <a:endParaRPr lang="nl-BE" dirty="0"/>
           </a:p>
         </p:txBody>
       </p:sp>
@@ -398,7 +1548,7 @@
               <a:rPr lang="nl-BE" smtClean="0"/>
               <a:t>‹#›</a:t>
             </a:fld>
-            <a:endParaRPr lang="nl-BE"/>
+            <a:endParaRPr lang="nl-BE" dirty="0"/>
           </a:p>
         </p:txBody>
       </p:sp>
@@ -658,7 +1808,7 @@
           <a:lstStyle/>
           <a:p>
             <a:r>
-              <a:rPr lang="en-US"/>
+              <a:rPr lang="en-US" dirty="0"/>
               <a:t>31/1/2023</a:t>
             </a:r>
           </a:p>
@@ -686,10 +1836,10 @@
           <a:lstStyle/>
           <a:p>
             <a:r>
-              <a:rPr lang="nl-BE"/>
-              <a:t>Het onderhouden van kamerlanten automatiseren - Eduard Smet</a:t>
-            </a:r>
-            <a:endParaRPr lang="en-US"/>
+              <a:rPr lang="nl-BE" dirty="0"/>
+              <a:t>Het onderhouden van kamerplanten automatiseren - Eduard Smet</a:t>
+            </a:r>
+            <a:endParaRPr lang="en-US" dirty="0"/>
           </a:p>
         </p:txBody>
       </p:sp>
@@ -718,7 +1868,7 @@
               <a:rPr lang="en-US" smtClean="0"/>
               <a:t>‹#›</a:t>
             </a:fld>
-            <a:endParaRPr lang="en-US"/>
+            <a:endParaRPr lang="en-US" dirty="0"/>
           </a:p>
         </p:txBody>
       </p:sp>
@@ -859,7 +2009,7 @@
           <a:lstStyle/>
           <a:p>
             <a:r>
-              <a:rPr lang="en-US"/>
+              <a:rPr lang="en-US" dirty="0"/>
               <a:t>31/1/2023</a:t>
             </a:r>
           </a:p>
@@ -887,10 +2037,10 @@
           <a:lstStyle/>
           <a:p>
             <a:r>
-              <a:rPr lang="nl-BE"/>
-              <a:t>Het onderhouden van kamerlanten automatiseren - Eduard Smet</a:t>
-            </a:r>
-            <a:endParaRPr lang="en-US"/>
+              <a:rPr lang="nl-BE" dirty="0"/>
+              <a:t>Het onderhouden van kamerplanten automatiseren - Eduard Smet</a:t>
+            </a:r>
+            <a:endParaRPr lang="en-US" dirty="0"/>
           </a:p>
         </p:txBody>
       </p:sp>
@@ -919,7 +2069,7 @@
               <a:rPr lang="en-US" smtClean="0"/>
               <a:t>‹#›</a:t>
             </a:fld>
-            <a:endParaRPr lang="en-US"/>
+            <a:endParaRPr lang="en-US" dirty="0"/>
           </a:p>
         </p:txBody>
       </p:sp>
@@ -1070,7 +2220,7 @@
           <a:lstStyle/>
           <a:p>
             <a:r>
-              <a:rPr lang="en-US"/>
+              <a:rPr lang="en-US" dirty="0"/>
               <a:t>31/1/2023</a:t>
             </a:r>
           </a:p>
@@ -1098,10 +2248,10 @@
           <a:lstStyle/>
           <a:p>
             <a:r>
-              <a:rPr lang="nl-BE"/>
-              <a:t>Het onderhouden van kamerlanten automatiseren - Eduard Smet</a:t>
-            </a:r>
-            <a:endParaRPr lang="en-US"/>
+              <a:rPr lang="nl-BE" dirty="0"/>
+              <a:t>Het onderhouden van kamerplanten automatiseren - Eduard Smet</a:t>
+            </a:r>
+            <a:endParaRPr lang="en-US" dirty="0"/>
           </a:p>
         </p:txBody>
       </p:sp>
@@ -1130,7 +2280,7 @@
               <a:rPr lang="en-US" smtClean="0"/>
               <a:t>‹#›</a:t>
             </a:fld>
-            <a:endParaRPr lang="en-US"/>
+            <a:endParaRPr lang="en-US" dirty="0"/>
           </a:p>
         </p:txBody>
       </p:sp>
@@ -1314,7 +2464,7 @@
           <a:lstStyle/>
           <a:p>
             <a:r>
-              <a:rPr lang="en-US"/>
+              <a:rPr lang="en-US" dirty="0"/>
               <a:t>31/1/2023</a:t>
             </a:r>
           </a:p>
@@ -1342,10 +2492,10 @@
           <a:lstStyle/>
           <a:p>
             <a:r>
-              <a:rPr lang="nl-BE"/>
-              <a:t>Het onderhouden van kamerlanten automatiseren - Eduard Smet</a:t>
-            </a:r>
-            <a:endParaRPr lang="en-US"/>
+              <a:rPr lang="nl-BE" dirty="0"/>
+              <a:t>Het onderhouden van kamerplanten automatiseren - Eduard Smet</a:t>
+            </a:r>
+            <a:endParaRPr lang="en-US" dirty="0"/>
           </a:p>
         </p:txBody>
       </p:sp>
@@ -1374,7 +2524,7 @@
               <a:rPr lang="en-US" smtClean="0"/>
               <a:t>‹#›</a:t>
             </a:fld>
-            <a:endParaRPr lang="en-US"/>
+            <a:endParaRPr lang="en-US" dirty="0"/>
           </a:p>
         </p:txBody>
       </p:sp>
@@ -1595,7 +2745,7 @@
           <a:lstStyle/>
           <a:p>
             <a:r>
-              <a:rPr lang="en-US"/>
+              <a:rPr lang="en-US" dirty="0"/>
               <a:t>31/1/2023</a:t>
             </a:r>
           </a:p>
@@ -1623,10 +2773,10 @@
           <a:lstStyle/>
           <a:p>
             <a:r>
-              <a:rPr lang="nl-BE"/>
-              <a:t>Het onderhouden van kamerlanten automatiseren - Eduard Smet</a:t>
-            </a:r>
-            <a:endParaRPr lang="en-US"/>
+              <a:rPr lang="nl-BE" dirty="0"/>
+              <a:t>Het onderhouden van kamerplanten automatiseren - Eduard Smet</a:t>
+            </a:r>
+            <a:endParaRPr lang="en-US" dirty="0"/>
           </a:p>
         </p:txBody>
       </p:sp>
@@ -1655,7 +2805,7 @@
               <a:rPr lang="en-US" smtClean="0"/>
               <a:t>‹#›</a:t>
             </a:fld>
-            <a:endParaRPr lang="en-US"/>
+            <a:endParaRPr lang="en-US" dirty="0"/>
           </a:p>
         </p:txBody>
       </p:sp>
@@ -1868,7 +3018,7 @@
           <a:lstStyle/>
           <a:p>
             <a:r>
-              <a:rPr lang="en-US"/>
+              <a:rPr lang="en-US" dirty="0"/>
               <a:t>31/1/2023</a:t>
             </a:r>
           </a:p>
@@ -1896,10 +3046,10 @@
           <a:lstStyle/>
           <a:p>
             <a:r>
-              <a:rPr lang="nl-BE"/>
-              <a:t>Het onderhouden van kamerlanten automatiseren - Eduard Smet</a:t>
-            </a:r>
-            <a:endParaRPr lang="en-US"/>
+              <a:rPr lang="nl-BE" dirty="0"/>
+              <a:t>Het onderhouden van kamerplanten automatiseren - Eduard Smet</a:t>
+            </a:r>
+            <a:endParaRPr lang="en-US" dirty="0"/>
           </a:p>
         </p:txBody>
       </p:sp>
@@ -1928,7 +3078,7 @@
               <a:rPr lang="en-US" smtClean="0"/>
               <a:t>‹#›</a:t>
             </a:fld>
-            <a:endParaRPr lang="en-US"/>
+            <a:endParaRPr lang="en-US" dirty="0"/>
           </a:p>
         </p:txBody>
       </p:sp>
@@ -2293,7 +3443,7 @@
           <a:lstStyle/>
           <a:p>
             <a:r>
-              <a:rPr lang="en-US"/>
+              <a:rPr lang="en-US" dirty="0"/>
               <a:t>31/1/2023</a:t>
             </a:r>
           </a:p>
@@ -2321,10 +3471,10 @@
           <a:lstStyle/>
           <a:p>
             <a:r>
-              <a:rPr lang="nl-BE"/>
-              <a:t>Het onderhouden van kamerlanten automatiseren - Eduard Smet</a:t>
-            </a:r>
-            <a:endParaRPr lang="en-US"/>
+              <a:rPr lang="nl-BE" dirty="0"/>
+              <a:t>Het onderhouden van kamerplanten automatiseren - Eduard Smet</a:t>
+            </a:r>
+            <a:endParaRPr lang="en-US" dirty="0"/>
           </a:p>
         </p:txBody>
       </p:sp>
@@ -2353,7 +3503,7 @@
               <a:rPr lang="en-US" smtClean="0"/>
               <a:t>‹#›</a:t>
             </a:fld>
-            <a:endParaRPr lang="en-US"/>
+            <a:endParaRPr lang="en-US" dirty="0"/>
           </a:p>
         </p:txBody>
       </p:sp>
@@ -2441,7 +3591,7 @@
           <a:lstStyle/>
           <a:p>
             <a:r>
-              <a:rPr lang="en-US"/>
+              <a:rPr lang="en-US" dirty="0"/>
               <a:t>31/1/2023</a:t>
             </a:r>
           </a:p>
@@ -2469,10 +3619,10 @@
           <a:lstStyle/>
           <a:p>
             <a:r>
-              <a:rPr lang="nl-BE"/>
-              <a:t>Het onderhouden van kamerlanten automatiseren - Eduard Smet</a:t>
-            </a:r>
-            <a:endParaRPr lang="en-US"/>
+              <a:rPr lang="nl-BE" dirty="0"/>
+              <a:t>Het onderhouden van kamerplanten automatiseren - Eduard Smet</a:t>
+            </a:r>
+            <a:endParaRPr lang="en-US" dirty="0"/>
           </a:p>
         </p:txBody>
       </p:sp>
@@ -2501,7 +3651,7 @@
               <a:rPr lang="en-US" smtClean="0"/>
               <a:t>‹#›</a:t>
             </a:fld>
-            <a:endParaRPr lang="en-US"/>
+            <a:endParaRPr lang="en-US" dirty="0"/>
           </a:p>
         </p:txBody>
       </p:sp>
@@ -2557,7 +3707,7 @@
           <a:lstStyle/>
           <a:p>
             <a:r>
-              <a:rPr lang="en-US"/>
+              <a:rPr lang="en-US" dirty="0"/>
               <a:t>31/1/2023</a:t>
             </a:r>
           </a:p>
@@ -2585,10 +3735,10 @@
           <a:lstStyle/>
           <a:p>
             <a:r>
-              <a:rPr lang="nl-BE"/>
-              <a:t>Het onderhouden van kamerlanten automatiseren - Eduard Smet</a:t>
-            </a:r>
-            <a:endParaRPr lang="en-US"/>
+              <a:rPr lang="nl-BE" dirty="0"/>
+              <a:t>Het onderhouden van kamerplanten automatiseren - Eduard Smet</a:t>
+            </a:r>
+            <a:endParaRPr lang="en-US" dirty="0"/>
           </a:p>
         </p:txBody>
       </p:sp>
@@ -2617,7 +3767,7 @@
               <a:rPr lang="en-US" smtClean="0"/>
               <a:t>‹#›</a:t>
             </a:fld>
-            <a:endParaRPr lang="en-US"/>
+            <a:endParaRPr lang="en-US" dirty="0"/>
           </a:p>
         </p:txBody>
       </p:sp>
@@ -2874,7 +4024,7 @@
           <a:lstStyle/>
           <a:p>
             <a:r>
-              <a:rPr lang="en-US"/>
+              <a:rPr lang="en-US" dirty="0"/>
               <a:t>31/1/2023</a:t>
             </a:r>
           </a:p>
@@ -2902,10 +4052,10 @@
           <a:lstStyle/>
           <a:p>
             <a:r>
-              <a:rPr lang="nl-BE"/>
-              <a:t>Het onderhouden van kamerlanten automatiseren - Eduard Smet</a:t>
-            </a:r>
-            <a:endParaRPr lang="en-US"/>
+              <a:rPr lang="nl-BE" dirty="0"/>
+              <a:t>Het onderhouden van kamerplanten automatiseren - Eduard Smet</a:t>
+            </a:r>
+            <a:endParaRPr lang="en-US" dirty="0"/>
           </a:p>
         </p:txBody>
       </p:sp>
@@ -2934,7 +4084,7 @@
               <a:rPr lang="en-US" smtClean="0"/>
               <a:t>‹#›</a:t>
             </a:fld>
-            <a:endParaRPr lang="en-US"/>
+            <a:endParaRPr lang="en-US" dirty="0"/>
           </a:p>
         </p:txBody>
       </p:sp>
@@ -3171,7 +4321,7 @@
           <a:lstStyle/>
           <a:p>
             <a:r>
-              <a:rPr lang="en-US"/>
+              <a:rPr lang="en-US" dirty="0"/>
               <a:t>31/1/2023</a:t>
             </a:r>
           </a:p>
@@ -3199,10 +4349,10 @@
           <a:lstStyle/>
           <a:p>
             <a:r>
-              <a:rPr lang="nl-BE"/>
-              <a:t>Het onderhouden van kamerlanten automatiseren - Eduard Smet</a:t>
-            </a:r>
-            <a:endParaRPr lang="en-US"/>
+              <a:rPr lang="nl-BE" dirty="0"/>
+              <a:t>Het onderhouden van kamerplanten automatiseren - Eduard Smet</a:t>
+            </a:r>
+            <a:endParaRPr lang="en-US" dirty="0"/>
           </a:p>
         </p:txBody>
       </p:sp>
@@ -3231,7 +4381,7 @@
               <a:rPr lang="en-US" smtClean="0"/>
               <a:t>‹#›</a:t>
             </a:fld>
-            <a:endParaRPr lang="en-US"/>
+            <a:endParaRPr lang="en-US" dirty="0"/>
           </a:p>
         </p:txBody>
       </p:sp>
@@ -3413,7 +4563,7 @@
           </a:lstStyle>
           <a:p>
             <a:r>
-              <a:rPr lang="en-US"/>
+              <a:rPr lang="en-US" dirty="0"/>
               <a:t>31/1/2023</a:t>
             </a:r>
           </a:p>
@@ -3457,10 +4607,10 @@
           </a:lstStyle>
           <a:p>
             <a:r>
-              <a:rPr lang="nl-BE"/>
-              <a:t>Het onderhouden van kamerlanten automatiseren - Eduard Smet</a:t>
-            </a:r>
-            <a:endParaRPr lang="en-US"/>
+              <a:rPr lang="nl-BE" dirty="0"/>
+              <a:t>Het onderhouden van kamerplanten automatiseren - Eduard Smet</a:t>
+            </a:r>
+            <a:endParaRPr lang="en-US" dirty="0"/>
           </a:p>
         </p:txBody>
       </p:sp>
@@ -3505,7 +4655,7 @@
               <a:rPr lang="en-US" smtClean="0"/>
               <a:t>‹#›</a:t>
             </a:fld>
-            <a:endParaRPr lang="en-US"/>
+            <a:endParaRPr lang="en-US" dirty="0"/>
           </a:p>
         </p:txBody>
       </p:sp>
@@ -3984,7 +5134,7 @@
           <a:lstStyle/>
           <a:p>
             <a:pPr algn="ctr"/>
-            <a:endParaRPr lang="en-US"/>
+            <a:endParaRPr lang="en-US" dirty="0"/>
           </a:p>
         </p:txBody>
       </p:sp>
@@ -4059,7 +5209,7 @@
           <a:lstStyle/>
           <a:p>
             <a:pPr algn="ctr"/>
-            <a:endParaRPr lang="en-US"/>
+            <a:endParaRPr lang="en-US" dirty="0"/>
           </a:p>
         </p:txBody>
       </p:sp>
@@ -4092,58 +5242,13 @@
           <a:lstStyle/>
           <a:p>
             <a:r>
-              <a:rPr lang="en-BE" sz="8000" dirty="0">
+              <a:rPr lang="nl-BE" sz="8000" dirty="0">
                 <a:solidFill>
                   <a:srgbClr val="FFFFFF"/>
                 </a:solidFill>
               </a:rPr>
-              <a:t>Het </a:t>
-            </a:r>
-            <a:r>
-              <a:rPr lang="en-BE" sz="8000" dirty="0" err="1">
-                <a:solidFill>
-                  <a:srgbClr val="FFFFFF"/>
-                </a:solidFill>
-              </a:rPr>
-              <a:t>onderhouden</a:t>
-            </a:r>
-            <a:r>
-              <a:rPr lang="en-BE" sz="8000" dirty="0">
-                <a:solidFill>
-                  <a:srgbClr val="FFFFFF"/>
-                </a:solidFill>
-              </a:rPr>
-              <a:t> van </a:t>
-            </a:r>
-            <a:r>
-              <a:rPr lang="en-BE" sz="8000" dirty="0" err="1">
-                <a:solidFill>
-                  <a:srgbClr val="FFFFFF"/>
-                </a:solidFill>
-              </a:rPr>
-              <a:t>kamerplanten</a:t>
-            </a:r>
-            <a:r>
-              <a:rPr lang="en-BE" sz="8000" dirty="0">
-                <a:solidFill>
-                  <a:srgbClr val="FFFFFF"/>
-                </a:solidFill>
-              </a:rPr>
-              <a:t> </a:t>
-            </a:r>
-            <a:r>
-              <a:rPr lang="en-BE" sz="8000" dirty="0" err="1">
-                <a:solidFill>
-                  <a:srgbClr val="FFFFFF"/>
-                </a:solidFill>
-              </a:rPr>
-              <a:t>automatiseren</a:t>
-            </a:r>
-            <a:endParaRPr lang="nl-BE" sz="8000" dirty="0">
-              <a:solidFill>
-                <a:srgbClr val="FFFFFF"/>
-              </a:solidFill>
-            </a:endParaRPr>
+              <a:t>Het onderhouden van kamerplanten automatiseren</a:t>
+            </a:r>
           </a:p>
         </p:txBody>
       </p:sp>
@@ -4165,13 +5270,13 @@
         </p:nvSpPr>
         <p:spPr>
           <a:xfrm>
-            <a:off x="1181100" y="5003687"/>
+            <a:off x="1245268" y="5485697"/>
             <a:ext cx="9929231" cy="892068"/>
           </a:xfrm>
         </p:spPr>
         <p:txBody>
           <a:bodyPr anchor="b">
-            <a:normAutofit/>
+            <a:normAutofit lnSpcReduction="10000"/>
           </a:bodyPr>
           <a:lstStyle/>
           <a:p>
@@ -4179,16 +5284,27 @@
             <a:r>
               <a:rPr lang="en-BE" dirty="0">
                 <a:solidFill>
-                  <a:srgbClr val="FFFFFF"/>
+                  <a:schemeClr val="bg1"/>
                 </a:solidFill>
               </a:rPr>
               <a:t>Eduard Smet 6TW</a:t>
             </a:r>
-            <a:endParaRPr lang="nl-BE" dirty="0">
+            <a:endParaRPr lang="en-US" dirty="0">
               <a:solidFill>
-                <a:srgbClr val="FFFFFF"/>
+                <a:schemeClr val="bg1"/>
               </a:solidFill>
             </a:endParaRPr>
+          </a:p>
+          <a:p>
+            <a:pPr algn="r"/>
+            <a:r>
+              <a:rPr lang="nl-BE" dirty="0">
+                <a:solidFill>
+                  <a:schemeClr val="bg1"/>
+                </a:solidFill>
+              </a:rPr>
+              <a:t>Mentoren: S. Wesemael, M. Deleu, H. Van Havermaet</a:t>
+            </a:r>
           </a:p>
         </p:txBody>
       </p:sp>
@@ -4269,7 +5385,7 @@
               <a:rPr lang="en-US" smtClean="0"/>
               <a:t>1</a:t>
             </a:fld>
-            <a:endParaRPr lang="en-US"/>
+            <a:endParaRPr lang="en-US" dirty="0"/>
           </a:p>
         </p:txBody>
       </p:sp>
@@ -4295,10 +5411,10 @@
           <a:lstStyle/>
           <a:p>
             <a:r>
-              <a:rPr lang="nl-BE"/>
-              <a:t>Het onderhouden van kamerlanten automatiseren - Eduard Smet</a:t>
-            </a:r>
-            <a:endParaRPr lang="en-US"/>
+              <a:rPr lang="nl-BE" dirty="0"/>
+              <a:t>Het onderhouden van kamerplanten automatiseren - Eduard Smet</a:t>
+            </a:r>
+            <a:endParaRPr lang="en-US" dirty="0"/>
           </a:p>
         </p:txBody>
       </p:sp>
@@ -4324,12 +5440,48 @@
           <a:lstStyle/>
           <a:p>
             <a:r>
-              <a:rPr lang="en-US"/>
+              <a:rPr lang="en-US" dirty="0"/>
               <a:t>31/1/2023</a:t>
             </a:r>
           </a:p>
         </p:txBody>
       </p:sp>
+      <p:pic>
+        <p:nvPicPr>
+          <p:cNvPr id="8" name="Picture 7">
+            <a:extLst>
+              <a:ext uri="{FF2B5EF4-FFF2-40B4-BE49-F238E27FC236}">
+                <a16:creationId xmlns:a16="http://schemas.microsoft.com/office/drawing/2014/main" id="{FC169488-EC73-9F80-2A07-E8275833B836}"/>
+              </a:ext>
+            </a:extLst>
+          </p:cNvPr>
+          <p:cNvPicPr>
+            <a:picLocks noChangeAspect="1"/>
+          </p:cNvPicPr>
+          <p:nvPr/>
+        </p:nvPicPr>
+        <p:blipFill>
+          <a:blip r:embed="rId3">
+            <a:extLst>
+              <a:ext uri="{28A0092B-C50C-407E-A947-70E740481C1C}">
+                <a14:useLocalDpi xmlns:a14="http://schemas.microsoft.com/office/drawing/2010/main" val="0"/>
+              </a:ext>
+            </a:extLst>
+          </a:blip>
+          <a:stretch>
+            <a:fillRect/>
+          </a:stretch>
+        </p:blipFill>
+        <p:spPr>
+          <a:xfrm>
+            <a:off x="268514" y="5256690"/>
+            <a:ext cx="3505689" cy="1381318"/>
+          </a:xfrm>
+          <a:prstGeom prst="rect">
+            <a:avLst/>
+          </a:prstGeom>
+        </p:spPr>
+      </p:pic>
     </p:spTree>
     <p:extLst>
       <p:ext uri="{BB962C8B-B14F-4D97-AF65-F5344CB8AC3E}">
@@ -4340,6 +5492,18 @@
   <p:clrMapOvr>
     <a:masterClrMapping/>
   </p:clrMapOvr>
+  <mc:AlternateContent xmlns:mc="http://schemas.openxmlformats.org/markup-compatibility/2006" xmlns:p14="http://schemas.microsoft.com/office/powerpoint/2010/main">
+    <mc:Choice Requires="p14">
+      <p:transition spd="med" p14:dur="700">
+        <p:fade/>
+      </p:transition>
+    </mc:Choice>
+    <mc:Fallback xmlns="">
+      <p:transition spd="med">
+        <p:fade/>
+      </p:transition>
+    </mc:Fallback>
+  </mc:AlternateContent>
   <p:timing>
     <p:tnLst>
       <p:par>
@@ -4352,9 +5516,6 @@
                     <p:cTn id="3" fill="hold">
                       <p:stCondLst>
                         <p:cond delay="indefinite"/>
-                        <p:cond evt="onBegin" delay="0">
-                          <p:tn val="2"/>
-                        </p:cond>
                       </p:stCondLst>
                       <p:childTnLst>
                         <p:par>
@@ -4364,13 +5525,10 @@
                             </p:stCondLst>
                             <p:childTnLst>
                               <p:par>
-                                <p:cTn id="5" presetID="10" presetClass="entr" presetSubtype="0" fill="hold" grpId="0" nodeType="withEffect">
+                                <p:cTn id="5" presetID="10" presetClass="entr" presetSubtype="0" fill="hold" grpId="0" nodeType="clickEffect">
                                   <p:stCondLst>
-                                    <p:cond delay="1500"/>
+                                    <p:cond delay="0"/>
                                   </p:stCondLst>
-                                  <p:iterate>
-                                    <p:tmPct val="10000"/>
-                                  </p:iterate>
                                   <p:childTnLst>
                                     <p:set>
                                       <p:cBhvr>
@@ -4396,7 +5554,7 @@
                                     </p:set>
                                     <p:animEffect transition="in" filter="fade">
                                       <p:cBhvr>
-                                        <p:cTn id="7" dur="700"/>
+                                        <p:cTn id="7" dur="500"/>
                                         <p:tgtEl>
                                           <p:spTgt spid="3">
                                             <p:txEl>
@@ -4412,15 +5570,55 @@
                               <p:par>
                                 <p:cTn id="8" presetID="10" presetClass="entr" presetSubtype="0" fill="hold" grpId="0" nodeType="withEffect">
                                   <p:stCondLst>
-                                    <p:cond delay="1000"/>
+                                    <p:cond delay="0"/>
                                   </p:stCondLst>
-                                  <p:iterate>
-                                    <p:tmPct val="10000"/>
-                                  </p:iterate>
                                   <p:childTnLst>
                                     <p:set>
                                       <p:cBhvr>
                                         <p:cTn id="9" dur="1" fill="hold">
+                                          <p:stCondLst>
+                                            <p:cond delay="0"/>
+                                          </p:stCondLst>
+                                        </p:cTn>
+                                        <p:tgtEl>
+                                          <p:spTgt spid="3">
+                                            <p:txEl>
+                                              <p:pRg st="1" end="1"/>
+                                            </p:txEl>
+                                          </p:spTgt>
+                                        </p:tgtEl>
+                                        <p:attrNameLst>
+                                          <p:attrName>style.visibility</p:attrName>
+                                        </p:attrNameLst>
+                                      </p:cBhvr>
+                                      <p:to>
+                                        <p:strVal val="visible"/>
+                                      </p:to>
+                                    </p:set>
+                                    <p:animEffect transition="in" filter="fade">
+                                      <p:cBhvr>
+                                        <p:cTn id="10" dur="500"/>
+                                        <p:tgtEl>
+                                          <p:spTgt spid="3">
+                                            <p:txEl>
+                                              <p:pRg st="1" end="1"/>
+                                            </p:txEl>
+                                          </p:spTgt>
+                                        </p:tgtEl>
+                                      </p:cBhvr>
+                                    </p:animEffect>
+                                  </p:childTnLst>
+                                </p:cTn>
+                              </p:par>
+                              <p:par>
+                                <p:cTn id="11" presetID="10" presetClass="entr" presetSubtype="0" fill="hold" grpId="0" nodeType="withEffect">
+                                  <p:stCondLst>
+                                    <p:cond delay="0"/>
+                                  </p:stCondLst>
+                                  <p:childTnLst>
+                                    <p:set>
+                                      <p:cBhvr>
+                                        <p:cTn id="12" dur="1" fill="hold">
                                           <p:stCondLst>
                                             <p:cond delay="0"/>
                                           </p:stCondLst>
@@ -4438,9 +5636,44 @@
                                     </p:set>
                                     <p:animEffect transition="in" filter="fade">
                                       <p:cBhvr>
-                                        <p:cTn id="10" dur="700"/>
+                                        <p:cTn id="13" dur="500"/>
                                         <p:tgtEl>
                                           <p:spTgt spid="2"/>
+                                        </p:tgtEl>
+                                      </p:cBhvr>
+                                    </p:animEffect>
+                                  </p:childTnLst>
+                                </p:cTn>
+                              </p:par>
+                              <p:par>
+                                <p:cTn id="14" presetID="10" presetClass="entr" presetSubtype="0" fill="hold" nodeType="withEffect">
+                                  <p:stCondLst>
+                                    <p:cond delay="0"/>
+                                  </p:stCondLst>
+                                  <p:childTnLst>
+                                    <p:set>
+                                      <p:cBhvr>
+                                        <p:cTn id="15" dur="1" fill="hold">
+                                          <p:stCondLst>
+                                            <p:cond delay="0"/>
+                                          </p:stCondLst>
+                                        </p:cTn>
+                                        <p:tgtEl>
+                                          <p:spTgt spid="8"/>
+                                        </p:tgtEl>
+                                        <p:attrNameLst>
+                                          <p:attrName>style.visibility</p:attrName>
+                                        </p:attrNameLst>
+                                      </p:cBhvr>
+                                      <p:to>
+                                        <p:strVal val="visible"/>
+                                      </p:to>
+                                    </p:set>
+                                    <p:animEffect transition="in" filter="fade">
+                                      <p:cBhvr>
+                                        <p:cTn id="16" dur="500"/>
+                                        <p:tgtEl>
+                                          <p:spTgt spid="8"/>
                                         </p:tgtEl>
                                       </p:cBhvr>
                                     </p:animEffect>
@@ -4476,9 +5709,2667 @@
     </p:tnLst>
     <p:bldLst>
       <p:bldP spid="2" grpId="0"/>
-      <p:bldP spid="3" grpId="0" build="p"/>
+      <p:bldP spid="3" grpId="0" uiExpand="1" build="p"/>
     </p:bldLst>
   </p:timing>
+</p:sld>
+</file>
+
+<file path=ppt/slides/slide10.xml><?xml version="1.0" encoding="utf-8"?>
+<p:sld xmlns:a="http://schemas.openxmlformats.org/drawingml/2006/main" xmlns:r="http://schemas.openxmlformats.org/officeDocument/2006/relationships" xmlns:p="http://schemas.openxmlformats.org/presentationml/2006/main">
+  <p:cSld>
+    <p:spTree>
+      <p:nvGrpSpPr>
+        <p:cNvPr id="1" name=""/>
+        <p:cNvGrpSpPr/>
+        <p:nvPr/>
+      </p:nvGrpSpPr>
+      <p:grpSpPr>
+        <a:xfrm>
+          <a:off x="0" y="0"/>
+          <a:ext cx="0" cy="0"/>
+          <a:chOff x="0" y="0"/>
+          <a:chExt cx="0" cy="0"/>
+        </a:xfrm>
+      </p:grpSpPr>
+      <p:sp>
+        <p:nvSpPr>
+          <p:cNvPr id="2" name="Title 1">
+            <a:extLst>
+              <a:ext uri="{FF2B5EF4-FFF2-40B4-BE49-F238E27FC236}">
+                <a16:creationId xmlns:a16="http://schemas.microsoft.com/office/drawing/2014/main" id="{5A7265BD-9D76-B2B4-E1E4-0AA01C3A3E1F}"/>
+              </a:ext>
+            </a:extLst>
+          </p:cNvPr>
+          <p:cNvSpPr>
+            <a:spLocks noGrp="1"/>
+          </p:cNvSpPr>
+          <p:nvPr>
+            <p:ph type="title"/>
+          </p:nvPr>
+        </p:nvSpPr>
+        <p:spPr/>
+        <p:txBody>
+          <a:bodyPr/>
+          <a:lstStyle/>
+          <a:p>
+            <a:r>
+              <a:rPr lang="en-US" dirty="0"/>
+              <a:t>2. De </a:t>
+            </a:r>
+            <a:r>
+              <a:rPr lang="nl-BE" dirty="0"/>
+              <a:t>theorie</a:t>
+            </a:r>
+          </a:p>
+        </p:txBody>
+      </p:sp>
+      <p:sp>
+        <p:nvSpPr>
+          <p:cNvPr id="3" name="Content Placeholder 2">
+            <a:extLst>
+              <a:ext uri="{FF2B5EF4-FFF2-40B4-BE49-F238E27FC236}">
+                <a16:creationId xmlns:a16="http://schemas.microsoft.com/office/drawing/2014/main" id="{6E25F141-97FE-D4F8-A34E-A4989E36CF8A}"/>
+              </a:ext>
+            </a:extLst>
+          </p:cNvPr>
+          <p:cNvSpPr>
+            <a:spLocks noGrp="1"/>
+          </p:cNvSpPr>
+          <p:nvPr>
+            <p:ph idx="1"/>
+          </p:nvPr>
+        </p:nvSpPr>
+        <p:spPr>
+          <a:xfrm>
+            <a:off x="1088136" y="2062768"/>
+            <a:ext cx="9922764" cy="3838722"/>
+          </a:xfrm>
+        </p:spPr>
+        <p:txBody>
+          <a:bodyPr>
+            <a:normAutofit/>
+          </a:bodyPr>
+          <a:lstStyle/>
+          <a:p>
+            <a:pPr lvl="1"/>
+            <a:r>
+              <a:rPr lang="nl-BE" u="sng" dirty="0"/>
+              <a:t>De opbouw:</a:t>
+            </a:r>
+          </a:p>
+          <a:p>
+            <a:pPr marL="274320" lvl="1" indent="0">
+              <a:buNone/>
+            </a:pPr>
+            <a:r>
+              <a:rPr lang="nl-BE" sz="1800" dirty="0"/>
+              <a:t>Belangrijk om te begrijpen hoe ze werken.</a:t>
+            </a:r>
+          </a:p>
+          <a:p>
+            <a:pPr lvl="2"/>
+            <a:endParaRPr lang="nl-BE" sz="1800" dirty="0"/>
+          </a:p>
+          <a:p>
+            <a:pPr lvl="2"/>
+            <a:r>
+              <a:rPr lang="nl-BE" u="sng" dirty="0"/>
+              <a:t>Met het blote oog:</a:t>
+            </a:r>
+          </a:p>
+          <a:p>
+            <a:pPr lvl="3"/>
+            <a:r>
+              <a:rPr lang="nl-BE" dirty="0"/>
+              <a:t>De wortels</a:t>
+            </a:r>
+          </a:p>
+          <a:p>
+            <a:pPr lvl="3"/>
+            <a:r>
+              <a:rPr lang="nl-BE" dirty="0"/>
+              <a:t>De stengels</a:t>
+            </a:r>
+          </a:p>
+          <a:p>
+            <a:pPr lvl="3"/>
+            <a:r>
+              <a:rPr lang="nl-BE" dirty="0"/>
+              <a:t>De bladeren</a:t>
+            </a:r>
+          </a:p>
+          <a:p>
+            <a:pPr lvl="3"/>
+            <a:r>
+              <a:rPr lang="nl-BE" dirty="0"/>
+              <a:t>De bloemen</a:t>
+            </a:r>
+          </a:p>
+        </p:txBody>
+      </p:sp>
+      <p:sp>
+        <p:nvSpPr>
+          <p:cNvPr id="4" name="Slide Number Placeholder 3">
+            <a:extLst>
+              <a:ext uri="{FF2B5EF4-FFF2-40B4-BE49-F238E27FC236}">
+                <a16:creationId xmlns:a16="http://schemas.microsoft.com/office/drawing/2014/main" id="{BE21E36D-9ADE-B65E-255D-F7D686638201}"/>
+              </a:ext>
+            </a:extLst>
+          </p:cNvPr>
+          <p:cNvSpPr>
+            <a:spLocks noGrp="1"/>
+          </p:cNvSpPr>
+          <p:nvPr>
+            <p:ph type="sldNum" sz="quarter" idx="12"/>
+          </p:nvPr>
+        </p:nvSpPr>
+        <p:spPr/>
+        <p:txBody>
+          <a:bodyPr/>
+          <a:lstStyle/>
+          <a:p>
+            <a:fld id="{719D7796-F675-488F-AC46-C88938C80352}" type="slidenum">
+              <a:rPr lang="en-US" smtClean="0"/>
+              <a:t>10</a:t>
+            </a:fld>
+            <a:endParaRPr lang="en-US" dirty="0"/>
+          </a:p>
+        </p:txBody>
+      </p:sp>
+      <p:sp>
+        <p:nvSpPr>
+          <p:cNvPr id="5" name="Footer Placeholder 4">
+            <a:extLst>
+              <a:ext uri="{FF2B5EF4-FFF2-40B4-BE49-F238E27FC236}">
+                <a16:creationId xmlns:a16="http://schemas.microsoft.com/office/drawing/2014/main" id="{32D3AD75-5125-42F4-8C56-256B3E44A858}"/>
+              </a:ext>
+            </a:extLst>
+          </p:cNvPr>
+          <p:cNvSpPr>
+            <a:spLocks noGrp="1"/>
+          </p:cNvSpPr>
+          <p:nvPr>
+            <p:ph type="ftr" sz="quarter" idx="11"/>
+          </p:nvPr>
+        </p:nvSpPr>
+        <p:spPr/>
+        <p:txBody>
+          <a:bodyPr/>
+          <a:lstStyle/>
+          <a:p>
+            <a:r>
+              <a:rPr lang="nl-BE" dirty="0"/>
+              <a:t>Het onderhouden van kamerplanten automatiseren - Eduard Smet</a:t>
+            </a:r>
+            <a:endParaRPr lang="en-US" dirty="0"/>
+          </a:p>
+        </p:txBody>
+      </p:sp>
+      <p:sp>
+        <p:nvSpPr>
+          <p:cNvPr id="6" name="Date Placeholder 5">
+            <a:extLst>
+              <a:ext uri="{FF2B5EF4-FFF2-40B4-BE49-F238E27FC236}">
+                <a16:creationId xmlns:a16="http://schemas.microsoft.com/office/drawing/2014/main" id="{92A0768E-42FB-CF56-882C-72EF5CAB8F44}"/>
+              </a:ext>
+            </a:extLst>
+          </p:cNvPr>
+          <p:cNvSpPr>
+            <a:spLocks noGrp="1"/>
+          </p:cNvSpPr>
+          <p:nvPr>
+            <p:ph type="dt" sz="half" idx="10"/>
+          </p:nvPr>
+        </p:nvSpPr>
+        <p:spPr/>
+        <p:txBody>
+          <a:bodyPr/>
+          <a:lstStyle/>
+          <a:p>
+            <a:r>
+              <a:rPr lang="en-US" dirty="0"/>
+              <a:t>31/1/2023</a:t>
+            </a:r>
+          </a:p>
+        </p:txBody>
+      </p:sp>
+      <p:pic>
+        <p:nvPicPr>
+          <p:cNvPr id="8" name="Picture 7">
+            <a:extLst>
+              <a:ext uri="{FF2B5EF4-FFF2-40B4-BE49-F238E27FC236}">
+                <a16:creationId xmlns:a16="http://schemas.microsoft.com/office/drawing/2014/main" id="{29F4C569-2BDC-4EAC-C6BC-8EC05BE5773C}"/>
+              </a:ext>
+            </a:extLst>
+          </p:cNvPr>
+          <p:cNvPicPr>
+            <a:picLocks noChangeAspect="1"/>
+          </p:cNvPicPr>
+          <p:nvPr/>
+        </p:nvPicPr>
+        <p:blipFill>
+          <a:blip r:embed="rId2">
+            <a:extLst>
+              <a:ext uri="{28A0092B-C50C-407E-A947-70E740481C1C}">
+                <a14:useLocalDpi xmlns:a14="http://schemas.microsoft.com/office/drawing/2010/main" val="0"/>
+              </a:ext>
+            </a:extLst>
+          </a:blip>
+          <a:srcRect/>
+          <a:stretch>
+            <a:fillRect/>
+          </a:stretch>
+        </p:blipFill>
+        <p:spPr bwMode="auto">
+          <a:xfrm>
+            <a:off x="7554832" y="2582589"/>
+            <a:ext cx="3455670" cy="2799080"/>
+          </a:xfrm>
+          <a:prstGeom prst="rect">
+            <a:avLst/>
+          </a:prstGeom>
+          <a:noFill/>
+          <a:ln>
+            <a:noFill/>
+          </a:ln>
+        </p:spPr>
+      </p:pic>
+    </p:spTree>
+    <p:extLst>
+      <p:ext uri="{BB962C8B-B14F-4D97-AF65-F5344CB8AC3E}">
+        <p14:creationId xmlns:p14="http://schemas.microsoft.com/office/powerpoint/2010/main" val="684901069"/>
+      </p:ext>
+    </p:extLst>
+  </p:cSld>
+  <p:clrMapOvr>
+    <a:masterClrMapping/>
+  </p:clrMapOvr>
+  <mc:AlternateContent xmlns:mc="http://schemas.openxmlformats.org/markup-compatibility/2006">
+    <mc:Choice xmlns:p14="http://schemas.microsoft.com/office/powerpoint/2010/main" Requires="p14">
+      <p:transition spd="med" p14:dur="700">
+        <p:fade/>
+      </p:transition>
+    </mc:Choice>
+    <mc:Fallback>
+      <p:transition spd="med">
+        <p:fade/>
+      </p:transition>
+    </mc:Fallback>
+  </mc:AlternateContent>
+</p:sld>
+</file>
+
+<file path=ppt/slides/slide11.xml><?xml version="1.0" encoding="utf-8"?>
+<p:sld xmlns:a="http://schemas.openxmlformats.org/drawingml/2006/main" xmlns:r="http://schemas.openxmlformats.org/officeDocument/2006/relationships" xmlns:p="http://schemas.openxmlformats.org/presentationml/2006/main">
+  <p:cSld>
+    <p:spTree>
+      <p:nvGrpSpPr>
+        <p:cNvPr id="1" name=""/>
+        <p:cNvGrpSpPr/>
+        <p:nvPr/>
+      </p:nvGrpSpPr>
+      <p:grpSpPr>
+        <a:xfrm>
+          <a:off x="0" y="0"/>
+          <a:ext cx="0" cy="0"/>
+          <a:chOff x="0" y="0"/>
+          <a:chExt cx="0" cy="0"/>
+        </a:xfrm>
+      </p:grpSpPr>
+      <p:sp>
+        <p:nvSpPr>
+          <p:cNvPr id="2" name="Title 1">
+            <a:extLst>
+              <a:ext uri="{FF2B5EF4-FFF2-40B4-BE49-F238E27FC236}">
+                <a16:creationId xmlns:a16="http://schemas.microsoft.com/office/drawing/2014/main" id="{5A7265BD-9D76-B2B4-E1E4-0AA01C3A3E1F}"/>
+              </a:ext>
+            </a:extLst>
+          </p:cNvPr>
+          <p:cNvSpPr>
+            <a:spLocks noGrp="1"/>
+          </p:cNvSpPr>
+          <p:nvPr>
+            <p:ph type="title"/>
+          </p:nvPr>
+        </p:nvSpPr>
+        <p:spPr/>
+        <p:txBody>
+          <a:bodyPr/>
+          <a:lstStyle/>
+          <a:p>
+            <a:r>
+              <a:rPr lang="en-US" dirty="0"/>
+              <a:t>2. De </a:t>
+            </a:r>
+            <a:r>
+              <a:rPr lang="nl-BE" dirty="0"/>
+              <a:t>theorie</a:t>
+            </a:r>
+          </a:p>
+        </p:txBody>
+      </p:sp>
+      <p:sp>
+        <p:nvSpPr>
+          <p:cNvPr id="3" name="Content Placeholder 2">
+            <a:extLst>
+              <a:ext uri="{FF2B5EF4-FFF2-40B4-BE49-F238E27FC236}">
+                <a16:creationId xmlns:a16="http://schemas.microsoft.com/office/drawing/2014/main" id="{6E25F141-97FE-D4F8-A34E-A4989E36CF8A}"/>
+              </a:ext>
+            </a:extLst>
+          </p:cNvPr>
+          <p:cNvSpPr>
+            <a:spLocks noGrp="1"/>
+          </p:cNvSpPr>
+          <p:nvPr>
+            <p:ph idx="1"/>
+          </p:nvPr>
+        </p:nvSpPr>
+        <p:spPr>
+          <a:xfrm>
+            <a:off x="1088136" y="2062768"/>
+            <a:ext cx="9922764" cy="3838722"/>
+          </a:xfrm>
+        </p:spPr>
+        <p:txBody>
+          <a:bodyPr>
+            <a:normAutofit/>
+          </a:bodyPr>
+          <a:lstStyle/>
+          <a:p>
+            <a:pPr lvl="1"/>
+            <a:r>
+              <a:rPr lang="nl-BE" u="sng" dirty="0"/>
+              <a:t>De opbouw:</a:t>
+            </a:r>
+          </a:p>
+          <a:p>
+            <a:pPr marL="274320" lvl="1" indent="0">
+              <a:buNone/>
+            </a:pPr>
+            <a:r>
+              <a:rPr lang="nl-BE" sz="1800" dirty="0"/>
+              <a:t>Belangrijk om te begrijpen hoe ze werken.</a:t>
+            </a:r>
+          </a:p>
+          <a:p>
+            <a:pPr lvl="2"/>
+            <a:endParaRPr lang="nl-BE" sz="1800" dirty="0"/>
+          </a:p>
+          <a:p>
+            <a:pPr lvl="2"/>
+            <a:r>
+              <a:rPr lang="nl-BE" u="sng" dirty="0"/>
+              <a:t>Met het blote oog:</a:t>
+            </a:r>
+          </a:p>
+          <a:p>
+            <a:pPr lvl="3"/>
+            <a:r>
+              <a:rPr lang="nl-BE" dirty="0"/>
+              <a:t>De wortels</a:t>
+            </a:r>
+          </a:p>
+          <a:p>
+            <a:pPr lvl="3"/>
+            <a:r>
+              <a:rPr lang="nl-BE" dirty="0"/>
+              <a:t>De stengels</a:t>
+            </a:r>
+          </a:p>
+          <a:p>
+            <a:pPr lvl="3"/>
+            <a:r>
+              <a:rPr lang="nl-BE" dirty="0"/>
+              <a:t>De bladeren</a:t>
+            </a:r>
+          </a:p>
+          <a:p>
+            <a:pPr lvl="3"/>
+            <a:r>
+              <a:rPr lang="nl-BE" dirty="0"/>
+              <a:t>De bloemen</a:t>
+            </a:r>
+          </a:p>
+        </p:txBody>
+      </p:sp>
+      <p:sp>
+        <p:nvSpPr>
+          <p:cNvPr id="4" name="Slide Number Placeholder 3">
+            <a:extLst>
+              <a:ext uri="{FF2B5EF4-FFF2-40B4-BE49-F238E27FC236}">
+                <a16:creationId xmlns:a16="http://schemas.microsoft.com/office/drawing/2014/main" id="{BE21E36D-9ADE-B65E-255D-F7D686638201}"/>
+              </a:ext>
+            </a:extLst>
+          </p:cNvPr>
+          <p:cNvSpPr>
+            <a:spLocks noGrp="1"/>
+          </p:cNvSpPr>
+          <p:nvPr>
+            <p:ph type="sldNum" sz="quarter" idx="12"/>
+          </p:nvPr>
+        </p:nvSpPr>
+        <p:spPr/>
+        <p:txBody>
+          <a:bodyPr/>
+          <a:lstStyle/>
+          <a:p>
+            <a:fld id="{719D7796-F675-488F-AC46-C88938C80352}" type="slidenum">
+              <a:rPr lang="en-US" smtClean="0"/>
+              <a:t>11</a:t>
+            </a:fld>
+            <a:endParaRPr lang="en-US" dirty="0"/>
+          </a:p>
+        </p:txBody>
+      </p:sp>
+      <p:sp>
+        <p:nvSpPr>
+          <p:cNvPr id="5" name="Footer Placeholder 4">
+            <a:extLst>
+              <a:ext uri="{FF2B5EF4-FFF2-40B4-BE49-F238E27FC236}">
+                <a16:creationId xmlns:a16="http://schemas.microsoft.com/office/drawing/2014/main" id="{32D3AD75-5125-42F4-8C56-256B3E44A858}"/>
+              </a:ext>
+            </a:extLst>
+          </p:cNvPr>
+          <p:cNvSpPr>
+            <a:spLocks noGrp="1"/>
+          </p:cNvSpPr>
+          <p:nvPr>
+            <p:ph type="ftr" sz="quarter" idx="11"/>
+          </p:nvPr>
+        </p:nvSpPr>
+        <p:spPr/>
+        <p:txBody>
+          <a:bodyPr/>
+          <a:lstStyle/>
+          <a:p>
+            <a:r>
+              <a:rPr lang="nl-BE" dirty="0"/>
+              <a:t>Het onderhouden van kamerplanten automatiseren - Eduard Smet</a:t>
+            </a:r>
+            <a:endParaRPr lang="en-US" dirty="0"/>
+          </a:p>
+        </p:txBody>
+      </p:sp>
+      <p:sp>
+        <p:nvSpPr>
+          <p:cNvPr id="6" name="Date Placeholder 5">
+            <a:extLst>
+              <a:ext uri="{FF2B5EF4-FFF2-40B4-BE49-F238E27FC236}">
+                <a16:creationId xmlns:a16="http://schemas.microsoft.com/office/drawing/2014/main" id="{92A0768E-42FB-CF56-882C-72EF5CAB8F44}"/>
+              </a:ext>
+            </a:extLst>
+          </p:cNvPr>
+          <p:cNvSpPr>
+            <a:spLocks noGrp="1"/>
+          </p:cNvSpPr>
+          <p:nvPr>
+            <p:ph type="dt" sz="half" idx="10"/>
+          </p:nvPr>
+        </p:nvSpPr>
+        <p:spPr/>
+        <p:txBody>
+          <a:bodyPr/>
+          <a:lstStyle/>
+          <a:p>
+            <a:r>
+              <a:rPr lang="en-US" dirty="0"/>
+              <a:t>31/1/2023</a:t>
+            </a:r>
+          </a:p>
+        </p:txBody>
+      </p:sp>
+      <p:pic>
+        <p:nvPicPr>
+          <p:cNvPr id="8" name="Picture 7">
+            <a:extLst>
+              <a:ext uri="{FF2B5EF4-FFF2-40B4-BE49-F238E27FC236}">
+                <a16:creationId xmlns:a16="http://schemas.microsoft.com/office/drawing/2014/main" id="{6DDC6BA8-A6E4-0BFF-05B6-E965472E1CC9}"/>
+              </a:ext>
+            </a:extLst>
+          </p:cNvPr>
+          <p:cNvPicPr>
+            <a:picLocks noChangeAspect="1"/>
+          </p:cNvPicPr>
+          <p:nvPr/>
+        </p:nvPicPr>
+        <p:blipFill>
+          <a:blip r:embed="rId2">
+            <a:extLst>
+              <a:ext uri="{28A0092B-C50C-407E-A947-70E740481C1C}">
+                <a14:useLocalDpi xmlns:a14="http://schemas.microsoft.com/office/drawing/2010/main" val="0"/>
+              </a:ext>
+            </a:extLst>
+          </a:blip>
+          <a:srcRect/>
+          <a:stretch>
+            <a:fillRect/>
+          </a:stretch>
+        </p:blipFill>
+        <p:spPr bwMode="auto">
+          <a:xfrm>
+            <a:off x="7460210" y="2405741"/>
+            <a:ext cx="3522980" cy="3152775"/>
+          </a:xfrm>
+          <a:prstGeom prst="rect">
+            <a:avLst/>
+          </a:prstGeom>
+          <a:noFill/>
+          <a:ln>
+            <a:noFill/>
+          </a:ln>
+        </p:spPr>
+      </p:pic>
+    </p:spTree>
+    <p:extLst>
+      <p:ext uri="{BB962C8B-B14F-4D97-AF65-F5344CB8AC3E}">
+        <p14:creationId xmlns:p14="http://schemas.microsoft.com/office/powerpoint/2010/main" val="660447279"/>
+      </p:ext>
+    </p:extLst>
+  </p:cSld>
+  <p:clrMapOvr>
+    <a:masterClrMapping/>
+  </p:clrMapOvr>
+  <mc:AlternateContent xmlns:mc="http://schemas.openxmlformats.org/markup-compatibility/2006">
+    <mc:Choice xmlns:p14="http://schemas.microsoft.com/office/powerpoint/2010/main" Requires="p14">
+      <p:transition spd="med" p14:dur="700">
+        <p:fade/>
+      </p:transition>
+    </mc:Choice>
+    <mc:Fallback>
+      <p:transition spd="med">
+        <p:fade/>
+      </p:transition>
+    </mc:Fallback>
+  </mc:AlternateContent>
+</p:sld>
+</file>
+
+<file path=ppt/slides/slide12.xml><?xml version="1.0" encoding="utf-8"?>
+<p:sld xmlns:a="http://schemas.openxmlformats.org/drawingml/2006/main" xmlns:r="http://schemas.openxmlformats.org/officeDocument/2006/relationships" xmlns:p="http://schemas.openxmlformats.org/presentationml/2006/main">
+  <p:cSld>
+    <p:spTree>
+      <p:nvGrpSpPr>
+        <p:cNvPr id="1" name=""/>
+        <p:cNvGrpSpPr/>
+        <p:nvPr/>
+      </p:nvGrpSpPr>
+      <p:grpSpPr>
+        <a:xfrm>
+          <a:off x="0" y="0"/>
+          <a:ext cx="0" cy="0"/>
+          <a:chOff x="0" y="0"/>
+          <a:chExt cx="0" cy="0"/>
+        </a:xfrm>
+      </p:grpSpPr>
+      <p:sp>
+        <p:nvSpPr>
+          <p:cNvPr id="2" name="Title 1">
+            <a:extLst>
+              <a:ext uri="{FF2B5EF4-FFF2-40B4-BE49-F238E27FC236}">
+                <a16:creationId xmlns:a16="http://schemas.microsoft.com/office/drawing/2014/main" id="{5A7265BD-9D76-B2B4-E1E4-0AA01C3A3E1F}"/>
+              </a:ext>
+            </a:extLst>
+          </p:cNvPr>
+          <p:cNvSpPr>
+            <a:spLocks noGrp="1"/>
+          </p:cNvSpPr>
+          <p:nvPr>
+            <p:ph type="title"/>
+          </p:nvPr>
+        </p:nvSpPr>
+        <p:spPr/>
+        <p:txBody>
+          <a:bodyPr/>
+          <a:lstStyle/>
+          <a:p>
+            <a:r>
+              <a:rPr lang="en-US" dirty="0"/>
+              <a:t>2. De </a:t>
+            </a:r>
+            <a:r>
+              <a:rPr lang="nl-BE" dirty="0"/>
+              <a:t>theorie</a:t>
+            </a:r>
+          </a:p>
+        </p:txBody>
+      </p:sp>
+      <p:sp>
+        <p:nvSpPr>
+          <p:cNvPr id="3" name="Content Placeholder 2">
+            <a:extLst>
+              <a:ext uri="{FF2B5EF4-FFF2-40B4-BE49-F238E27FC236}">
+                <a16:creationId xmlns:a16="http://schemas.microsoft.com/office/drawing/2014/main" id="{6E25F141-97FE-D4F8-A34E-A4989E36CF8A}"/>
+              </a:ext>
+            </a:extLst>
+          </p:cNvPr>
+          <p:cNvSpPr>
+            <a:spLocks noGrp="1"/>
+          </p:cNvSpPr>
+          <p:nvPr>
+            <p:ph idx="1"/>
+          </p:nvPr>
+        </p:nvSpPr>
+        <p:spPr>
+          <a:xfrm>
+            <a:off x="1088136" y="2062768"/>
+            <a:ext cx="9922764" cy="3838722"/>
+          </a:xfrm>
+        </p:spPr>
+        <p:txBody>
+          <a:bodyPr>
+            <a:normAutofit/>
+          </a:bodyPr>
+          <a:lstStyle/>
+          <a:p>
+            <a:pPr lvl="1"/>
+            <a:r>
+              <a:rPr lang="nl-BE" u="sng" dirty="0"/>
+              <a:t>De opbouw:</a:t>
+            </a:r>
+          </a:p>
+          <a:p>
+            <a:pPr marL="274320" lvl="1" indent="0">
+              <a:buNone/>
+            </a:pPr>
+            <a:r>
+              <a:rPr lang="nl-BE" sz="1800" dirty="0"/>
+              <a:t>Belangrijk om te begrijpen hoe ze werken.</a:t>
+            </a:r>
+          </a:p>
+          <a:p>
+            <a:pPr lvl="2"/>
+            <a:endParaRPr lang="nl-BE" sz="1800" dirty="0"/>
+          </a:p>
+          <a:p>
+            <a:pPr lvl="2"/>
+            <a:r>
+              <a:rPr lang="nl-BE" u="sng" dirty="0"/>
+              <a:t>Met het blote oog:</a:t>
+            </a:r>
+          </a:p>
+          <a:p>
+            <a:pPr lvl="3"/>
+            <a:r>
+              <a:rPr lang="nl-BE" dirty="0"/>
+              <a:t>De wortels</a:t>
+            </a:r>
+          </a:p>
+          <a:p>
+            <a:pPr lvl="3"/>
+            <a:r>
+              <a:rPr lang="nl-BE" dirty="0"/>
+              <a:t>De stengels</a:t>
+            </a:r>
+          </a:p>
+          <a:p>
+            <a:pPr lvl="3"/>
+            <a:r>
+              <a:rPr lang="nl-BE" dirty="0"/>
+              <a:t>De bladeren</a:t>
+            </a:r>
+          </a:p>
+          <a:p>
+            <a:pPr lvl="3"/>
+            <a:r>
+              <a:rPr lang="nl-BE" dirty="0"/>
+              <a:t>De bloemen</a:t>
+            </a:r>
+          </a:p>
+        </p:txBody>
+      </p:sp>
+      <p:sp>
+        <p:nvSpPr>
+          <p:cNvPr id="4" name="Slide Number Placeholder 3">
+            <a:extLst>
+              <a:ext uri="{FF2B5EF4-FFF2-40B4-BE49-F238E27FC236}">
+                <a16:creationId xmlns:a16="http://schemas.microsoft.com/office/drawing/2014/main" id="{BE21E36D-9ADE-B65E-255D-F7D686638201}"/>
+              </a:ext>
+            </a:extLst>
+          </p:cNvPr>
+          <p:cNvSpPr>
+            <a:spLocks noGrp="1"/>
+          </p:cNvSpPr>
+          <p:nvPr>
+            <p:ph type="sldNum" sz="quarter" idx="12"/>
+          </p:nvPr>
+        </p:nvSpPr>
+        <p:spPr/>
+        <p:txBody>
+          <a:bodyPr/>
+          <a:lstStyle/>
+          <a:p>
+            <a:fld id="{719D7796-F675-488F-AC46-C88938C80352}" type="slidenum">
+              <a:rPr lang="en-US" smtClean="0"/>
+              <a:t>12</a:t>
+            </a:fld>
+            <a:endParaRPr lang="en-US" dirty="0"/>
+          </a:p>
+        </p:txBody>
+      </p:sp>
+      <p:sp>
+        <p:nvSpPr>
+          <p:cNvPr id="5" name="Footer Placeholder 4">
+            <a:extLst>
+              <a:ext uri="{FF2B5EF4-FFF2-40B4-BE49-F238E27FC236}">
+                <a16:creationId xmlns:a16="http://schemas.microsoft.com/office/drawing/2014/main" id="{32D3AD75-5125-42F4-8C56-256B3E44A858}"/>
+              </a:ext>
+            </a:extLst>
+          </p:cNvPr>
+          <p:cNvSpPr>
+            <a:spLocks noGrp="1"/>
+          </p:cNvSpPr>
+          <p:nvPr>
+            <p:ph type="ftr" sz="quarter" idx="11"/>
+          </p:nvPr>
+        </p:nvSpPr>
+        <p:spPr/>
+        <p:txBody>
+          <a:bodyPr/>
+          <a:lstStyle/>
+          <a:p>
+            <a:r>
+              <a:rPr lang="nl-BE" dirty="0"/>
+              <a:t>Het onderhouden van kamerplanten automatiseren - Eduard Smet</a:t>
+            </a:r>
+            <a:endParaRPr lang="en-US" dirty="0"/>
+          </a:p>
+        </p:txBody>
+      </p:sp>
+      <p:sp>
+        <p:nvSpPr>
+          <p:cNvPr id="6" name="Date Placeholder 5">
+            <a:extLst>
+              <a:ext uri="{FF2B5EF4-FFF2-40B4-BE49-F238E27FC236}">
+                <a16:creationId xmlns:a16="http://schemas.microsoft.com/office/drawing/2014/main" id="{92A0768E-42FB-CF56-882C-72EF5CAB8F44}"/>
+              </a:ext>
+            </a:extLst>
+          </p:cNvPr>
+          <p:cNvSpPr>
+            <a:spLocks noGrp="1"/>
+          </p:cNvSpPr>
+          <p:nvPr>
+            <p:ph type="dt" sz="half" idx="10"/>
+          </p:nvPr>
+        </p:nvSpPr>
+        <p:spPr/>
+        <p:txBody>
+          <a:bodyPr/>
+          <a:lstStyle/>
+          <a:p>
+            <a:r>
+              <a:rPr lang="en-US" dirty="0"/>
+              <a:t>31/1/2023</a:t>
+            </a:r>
+          </a:p>
+        </p:txBody>
+      </p:sp>
+      <p:pic>
+        <p:nvPicPr>
+          <p:cNvPr id="8" name="Picture 7">
+            <a:extLst>
+              <a:ext uri="{FF2B5EF4-FFF2-40B4-BE49-F238E27FC236}">
+                <a16:creationId xmlns:a16="http://schemas.microsoft.com/office/drawing/2014/main" id="{60DE4F24-771D-7CE1-A8A0-245E07F1E247}"/>
+              </a:ext>
+            </a:extLst>
+          </p:cNvPr>
+          <p:cNvPicPr>
+            <a:picLocks noChangeAspect="1"/>
+          </p:cNvPicPr>
+          <p:nvPr/>
+        </p:nvPicPr>
+        <p:blipFill>
+          <a:blip r:embed="rId2">
+            <a:extLst>
+              <a:ext uri="{28A0092B-C50C-407E-A947-70E740481C1C}">
+                <a14:useLocalDpi xmlns:a14="http://schemas.microsoft.com/office/drawing/2010/main" val="0"/>
+              </a:ext>
+            </a:extLst>
+          </a:blip>
+          <a:srcRect/>
+          <a:stretch>
+            <a:fillRect/>
+          </a:stretch>
+        </p:blipFill>
+        <p:spPr bwMode="auto">
+          <a:xfrm>
+            <a:off x="7555460" y="2848971"/>
+            <a:ext cx="3427730" cy="2266315"/>
+          </a:xfrm>
+          <a:prstGeom prst="rect">
+            <a:avLst/>
+          </a:prstGeom>
+          <a:noFill/>
+          <a:ln>
+            <a:noFill/>
+          </a:ln>
+        </p:spPr>
+      </p:pic>
+    </p:spTree>
+    <p:extLst>
+      <p:ext uri="{BB962C8B-B14F-4D97-AF65-F5344CB8AC3E}">
+        <p14:creationId xmlns:p14="http://schemas.microsoft.com/office/powerpoint/2010/main" val="1338051705"/>
+      </p:ext>
+    </p:extLst>
+  </p:cSld>
+  <p:clrMapOvr>
+    <a:masterClrMapping/>
+  </p:clrMapOvr>
+  <mc:AlternateContent xmlns:mc="http://schemas.openxmlformats.org/markup-compatibility/2006">
+    <mc:Choice xmlns:p14="http://schemas.microsoft.com/office/powerpoint/2010/main" Requires="p14">
+      <p:transition spd="med" p14:dur="700">
+        <p:fade/>
+      </p:transition>
+    </mc:Choice>
+    <mc:Fallback>
+      <p:transition spd="med">
+        <p:fade/>
+      </p:transition>
+    </mc:Fallback>
+  </mc:AlternateContent>
+</p:sld>
+</file>
+
+<file path=ppt/slides/slide13.xml><?xml version="1.0" encoding="utf-8"?>
+<p:sld xmlns:a="http://schemas.openxmlformats.org/drawingml/2006/main" xmlns:r="http://schemas.openxmlformats.org/officeDocument/2006/relationships" xmlns:p="http://schemas.openxmlformats.org/presentationml/2006/main">
+  <p:cSld>
+    <p:spTree>
+      <p:nvGrpSpPr>
+        <p:cNvPr id="1" name=""/>
+        <p:cNvGrpSpPr/>
+        <p:nvPr/>
+      </p:nvGrpSpPr>
+      <p:grpSpPr>
+        <a:xfrm>
+          <a:off x="0" y="0"/>
+          <a:ext cx="0" cy="0"/>
+          <a:chOff x="0" y="0"/>
+          <a:chExt cx="0" cy="0"/>
+        </a:xfrm>
+      </p:grpSpPr>
+      <p:sp>
+        <p:nvSpPr>
+          <p:cNvPr id="2" name="Title 1">
+            <a:extLst>
+              <a:ext uri="{FF2B5EF4-FFF2-40B4-BE49-F238E27FC236}">
+                <a16:creationId xmlns:a16="http://schemas.microsoft.com/office/drawing/2014/main" id="{5A7265BD-9D76-B2B4-E1E4-0AA01C3A3E1F}"/>
+              </a:ext>
+            </a:extLst>
+          </p:cNvPr>
+          <p:cNvSpPr>
+            <a:spLocks noGrp="1"/>
+          </p:cNvSpPr>
+          <p:nvPr>
+            <p:ph type="title"/>
+          </p:nvPr>
+        </p:nvSpPr>
+        <p:spPr/>
+        <p:txBody>
+          <a:bodyPr/>
+          <a:lstStyle/>
+          <a:p>
+            <a:r>
+              <a:rPr lang="en-US" dirty="0"/>
+              <a:t>2. De </a:t>
+            </a:r>
+            <a:r>
+              <a:rPr lang="nl-BE" dirty="0"/>
+              <a:t>theorie</a:t>
+            </a:r>
+          </a:p>
+        </p:txBody>
+      </p:sp>
+      <p:sp>
+        <p:nvSpPr>
+          <p:cNvPr id="3" name="Content Placeholder 2">
+            <a:extLst>
+              <a:ext uri="{FF2B5EF4-FFF2-40B4-BE49-F238E27FC236}">
+                <a16:creationId xmlns:a16="http://schemas.microsoft.com/office/drawing/2014/main" id="{6E25F141-97FE-D4F8-A34E-A4989E36CF8A}"/>
+              </a:ext>
+            </a:extLst>
+          </p:cNvPr>
+          <p:cNvSpPr>
+            <a:spLocks noGrp="1"/>
+          </p:cNvSpPr>
+          <p:nvPr>
+            <p:ph idx="1"/>
+          </p:nvPr>
+        </p:nvSpPr>
+        <p:spPr>
+          <a:xfrm>
+            <a:off x="1088136" y="2062768"/>
+            <a:ext cx="9922764" cy="3838722"/>
+          </a:xfrm>
+        </p:spPr>
+        <p:txBody>
+          <a:bodyPr>
+            <a:normAutofit/>
+          </a:bodyPr>
+          <a:lstStyle/>
+          <a:p>
+            <a:pPr lvl="2"/>
+            <a:r>
+              <a:rPr lang="nl-BE" u="sng" dirty="0"/>
+              <a:t>Op cellulair niveau:</a:t>
+            </a:r>
+          </a:p>
+          <a:p>
+            <a:pPr marL="502920" lvl="2" indent="0">
+              <a:buNone/>
+            </a:pPr>
+            <a:r>
+              <a:rPr lang="nl-BE" dirty="0"/>
+              <a:t>Bestaat uit vele celorganellen.</a:t>
+            </a:r>
+          </a:p>
+          <a:p>
+            <a:pPr marL="502920" lvl="2" indent="0">
+              <a:buNone/>
+            </a:pPr>
+            <a:endParaRPr lang="nl-BE" dirty="0"/>
+          </a:p>
+          <a:p>
+            <a:pPr lvl="3"/>
+            <a:r>
+              <a:rPr lang="nl-BE" u="sng" dirty="0"/>
+              <a:t>Bijzondere celorganellen:</a:t>
+            </a:r>
+          </a:p>
+          <a:p>
+            <a:pPr lvl="3"/>
+            <a:r>
+              <a:rPr lang="nl-BE" dirty="0"/>
+              <a:t>Celwand</a:t>
+            </a:r>
+          </a:p>
+          <a:p>
+            <a:pPr lvl="3"/>
+            <a:r>
+              <a:rPr lang="nl-BE" dirty="0"/>
+              <a:t>Tonoplast en vacuole</a:t>
+            </a:r>
+          </a:p>
+          <a:p>
+            <a:pPr lvl="3"/>
+            <a:r>
+              <a:rPr lang="nl-BE" dirty="0"/>
+              <a:t>Chloroplast</a:t>
+            </a:r>
+          </a:p>
+          <a:p>
+            <a:pPr marL="274320" lvl="1" indent="0">
+              <a:buNone/>
+            </a:pPr>
+            <a:endParaRPr lang="nl-BE" u="sng" dirty="0"/>
+          </a:p>
+        </p:txBody>
+      </p:sp>
+      <p:sp>
+        <p:nvSpPr>
+          <p:cNvPr id="4" name="Slide Number Placeholder 3">
+            <a:extLst>
+              <a:ext uri="{FF2B5EF4-FFF2-40B4-BE49-F238E27FC236}">
+                <a16:creationId xmlns:a16="http://schemas.microsoft.com/office/drawing/2014/main" id="{BE21E36D-9ADE-B65E-255D-F7D686638201}"/>
+              </a:ext>
+            </a:extLst>
+          </p:cNvPr>
+          <p:cNvSpPr>
+            <a:spLocks noGrp="1"/>
+          </p:cNvSpPr>
+          <p:nvPr>
+            <p:ph type="sldNum" sz="quarter" idx="12"/>
+          </p:nvPr>
+        </p:nvSpPr>
+        <p:spPr/>
+        <p:txBody>
+          <a:bodyPr/>
+          <a:lstStyle/>
+          <a:p>
+            <a:fld id="{719D7796-F675-488F-AC46-C88938C80352}" type="slidenum">
+              <a:rPr lang="en-US" smtClean="0"/>
+              <a:t>13</a:t>
+            </a:fld>
+            <a:endParaRPr lang="en-US" dirty="0"/>
+          </a:p>
+        </p:txBody>
+      </p:sp>
+      <p:sp>
+        <p:nvSpPr>
+          <p:cNvPr id="5" name="Footer Placeholder 4">
+            <a:extLst>
+              <a:ext uri="{FF2B5EF4-FFF2-40B4-BE49-F238E27FC236}">
+                <a16:creationId xmlns:a16="http://schemas.microsoft.com/office/drawing/2014/main" id="{32D3AD75-5125-42F4-8C56-256B3E44A858}"/>
+              </a:ext>
+            </a:extLst>
+          </p:cNvPr>
+          <p:cNvSpPr>
+            <a:spLocks noGrp="1"/>
+          </p:cNvSpPr>
+          <p:nvPr>
+            <p:ph type="ftr" sz="quarter" idx="11"/>
+          </p:nvPr>
+        </p:nvSpPr>
+        <p:spPr/>
+        <p:txBody>
+          <a:bodyPr/>
+          <a:lstStyle/>
+          <a:p>
+            <a:r>
+              <a:rPr lang="nl-BE" dirty="0"/>
+              <a:t>Het onderhouden van kamerplanten automatiseren - Eduard Smet</a:t>
+            </a:r>
+            <a:endParaRPr lang="en-US" dirty="0"/>
+          </a:p>
+        </p:txBody>
+      </p:sp>
+      <p:sp>
+        <p:nvSpPr>
+          <p:cNvPr id="6" name="Date Placeholder 5">
+            <a:extLst>
+              <a:ext uri="{FF2B5EF4-FFF2-40B4-BE49-F238E27FC236}">
+                <a16:creationId xmlns:a16="http://schemas.microsoft.com/office/drawing/2014/main" id="{92A0768E-42FB-CF56-882C-72EF5CAB8F44}"/>
+              </a:ext>
+            </a:extLst>
+          </p:cNvPr>
+          <p:cNvSpPr>
+            <a:spLocks noGrp="1"/>
+          </p:cNvSpPr>
+          <p:nvPr>
+            <p:ph type="dt" sz="half" idx="10"/>
+          </p:nvPr>
+        </p:nvSpPr>
+        <p:spPr/>
+        <p:txBody>
+          <a:bodyPr/>
+          <a:lstStyle/>
+          <a:p>
+            <a:r>
+              <a:rPr lang="en-US" dirty="0"/>
+              <a:t>31/1/2023</a:t>
+            </a:r>
+          </a:p>
+        </p:txBody>
+      </p:sp>
+      <p:pic>
+        <p:nvPicPr>
+          <p:cNvPr id="7" name="Afbeelding 6">
+            <a:extLst>
+              <a:ext uri="{FF2B5EF4-FFF2-40B4-BE49-F238E27FC236}">
+                <a16:creationId xmlns:a16="http://schemas.microsoft.com/office/drawing/2014/main" id="{C1FA8966-60C5-2D89-FE3F-DE38EBAA4017}"/>
+              </a:ext>
+            </a:extLst>
+          </p:cNvPr>
+          <p:cNvPicPr>
+            <a:picLocks noChangeAspect="1"/>
+          </p:cNvPicPr>
+          <p:nvPr/>
+        </p:nvPicPr>
+        <p:blipFill rotWithShape="1">
+          <a:blip r:embed="rId2"/>
+          <a:srcRect l="1336"/>
+          <a:stretch/>
+        </p:blipFill>
+        <p:spPr>
+          <a:xfrm>
+            <a:off x="6881662" y="1737359"/>
+            <a:ext cx="4101528" cy="4164131"/>
+          </a:xfrm>
+          <a:prstGeom prst="rect">
+            <a:avLst/>
+          </a:prstGeom>
+        </p:spPr>
+      </p:pic>
+    </p:spTree>
+    <p:extLst>
+      <p:ext uri="{BB962C8B-B14F-4D97-AF65-F5344CB8AC3E}">
+        <p14:creationId xmlns:p14="http://schemas.microsoft.com/office/powerpoint/2010/main" val="745126630"/>
+      </p:ext>
+    </p:extLst>
+  </p:cSld>
+  <p:clrMapOvr>
+    <a:masterClrMapping/>
+  </p:clrMapOvr>
+  <mc:AlternateContent xmlns:mc="http://schemas.openxmlformats.org/markup-compatibility/2006">
+    <mc:Choice xmlns:p14="http://schemas.microsoft.com/office/powerpoint/2010/main" Requires="p14">
+      <p:transition spd="med" p14:dur="700">
+        <p:fade/>
+      </p:transition>
+    </mc:Choice>
+    <mc:Fallback>
+      <p:transition spd="med">
+        <p:fade/>
+      </p:transition>
+    </mc:Fallback>
+  </mc:AlternateContent>
+</p:sld>
+</file>
+
+<file path=ppt/slides/slide14.xml><?xml version="1.0" encoding="utf-8"?>
+<p:sld xmlns:a="http://schemas.openxmlformats.org/drawingml/2006/main" xmlns:r="http://schemas.openxmlformats.org/officeDocument/2006/relationships" xmlns:p="http://schemas.openxmlformats.org/presentationml/2006/main">
+  <p:cSld>
+    <p:spTree>
+      <p:nvGrpSpPr>
+        <p:cNvPr id="1" name=""/>
+        <p:cNvGrpSpPr/>
+        <p:nvPr/>
+      </p:nvGrpSpPr>
+      <p:grpSpPr>
+        <a:xfrm>
+          <a:off x="0" y="0"/>
+          <a:ext cx="0" cy="0"/>
+          <a:chOff x="0" y="0"/>
+          <a:chExt cx="0" cy="0"/>
+        </a:xfrm>
+      </p:grpSpPr>
+      <p:sp>
+        <p:nvSpPr>
+          <p:cNvPr id="2" name="Title 1">
+            <a:extLst>
+              <a:ext uri="{FF2B5EF4-FFF2-40B4-BE49-F238E27FC236}">
+                <a16:creationId xmlns:a16="http://schemas.microsoft.com/office/drawing/2014/main" id="{5A7265BD-9D76-B2B4-E1E4-0AA01C3A3E1F}"/>
+              </a:ext>
+            </a:extLst>
+          </p:cNvPr>
+          <p:cNvSpPr>
+            <a:spLocks noGrp="1"/>
+          </p:cNvSpPr>
+          <p:nvPr>
+            <p:ph type="title"/>
+          </p:nvPr>
+        </p:nvSpPr>
+        <p:spPr/>
+        <p:txBody>
+          <a:bodyPr/>
+          <a:lstStyle/>
+          <a:p>
+            <a:r>
+              <a:rPr lang="en-US" dirty="0"/>
+              <a:t>2. De </a:t>
+            </a:r>
+            <a:r>
+              <a:rPr lang="nl-BE" dirty="0"/>
+              <a:t>theorie</a:t>
+            </a:r>
+          </a:p>
+        </p:txBody>
+      </p:sp>
+      <p:sp>
+        <p:nvSpPr>
+          <p:cNvPr id="3" name="Content Placeholder 2">
+            <a:extLst>
+              <a:ext uri="{FF2B5EF4-FFF2-40B4-BE49-F238E27FC236}">
+                <a16:creationId xmlns:a16="http://schemas.microsoft.com/office/drawing/2014/main" id="{6E25F141-97FE-D4F8-A34E-A4989E36CF8A}"/>
+              </a:ext>
+            </a:extLst>
+          </p:cNvPr>
+          <p:cNvSpPr>
+            <a:spLocks noGrp="1"/>
+          </p:cNvSpPr>
+          <p:nvPr>
+            <p:ph idx="1"/>
+          </p:nvPr>
+        </p:nvSpPr>
+        <p:spPr>
+          <a:xfrm>
+            <a:off x="1088136" y="2062768"/>
+            <a:ext cx="9922764" cy="3838722"/>
+          </a:xfrm>
+        </p:spPr>
+        <p:txBody>
+          <a:bodyPr>
+            <a:normAutofit/>
+          </a:bodyPr>
+          <a:lstStyle/>
+          <a:p>
+            <a:pPr lvl="1"/>
+            <a:r>
+              <a:rPr lang="nl-BE" u="sng" dirty="0"/>
+              <a:t>De werking:</a:t>
+            </a:r>
+          </a:p>
+          <a:p>
+            <a:pPr lvl="2"/>
+            <a:r>
+              <a:rPr lang="nl-BE" u="sng" dirty="0"/>
+              <a:t>Met het blote oog:</a:t>
+            </a:r>
+          </a:p>
+          <a:p>
+            <a:pPr marL="502920" lvl="2" indent="0">
+              <a:buNone/>
+            </a:pPr>
+            <a:r>
+              <a:rPr lang="nl-BE" dirty="0"/>
+              <a:t>Wordt in een latere versie besproken.</a:t>
+            </a:r>
+          </a:p>
+          <a:p>
+            <a:pPr marL="502920" lvl="2" indent="0">
+              <a:buNone/>
+            </a:pPr>
+            <a:endParaRPr lang="nl-BE" dirty="0"/>
+          </a:p>
+          <a:p>
+            <a:pPr lvl="2"/>
+            <a:r>
+              <a:rPr lang="nl-BE" u="sng" dirty="0"/>
+              <a:t>Op cellulair niveau:</a:t>
+            </a:r>
+          </a:p>
+          <a:p>
+            <a:pPr marL="502920" lvl="2" indent="0">
+              <a:buNone/>
+            </a:pPr>
+            <a:r>
+              <a:rPr lang="nl-BE" dirty="0"/>
+              <a:t>Wordt in een latere versie besproken.</a:t>
+            </a:r>
+          </a:p>
+        </p:txBody>
+      </p:sp>
+      <p:sp>
+        <p:nvSpPr>
+          <p:cNvPr id="4" name="Slide Number Placeholder 3">
+            <a:extLst>
+              <a:ext uri="{FF2B5EF4-FFF2-40B4-BE49-F238E27FC236}">
+                <a16:creationId xmlns:a16="http://schemas.microsoft.com/office/drawing/2014/main" id="{BE21E36D-9ADE-B65E-255D-F7D686638201}"/>
+              </a:ext>
+            </a:extLst>
+          </p:cNvPr>
+          <p:cNvSpPr>
+            <a:spLocks noGrp="1"/>
+          </p:cNvSpPr>
+          <p:nvPr>
+            <p:ph type="sldNum" sz="quarter" idx="12"/>
+          </p:nvPr>
+        </p:nvSpPr>
+        <p:spPr/>
+        <p:txBody>
+          <a:bodyPr/>
+          <a:lstStyle/>
+          <a:p>
+            <a:fld id="{719D7796-F675-488F-AC46-C88938C80352}" type="slidenum">
+              <a:rPr lang="en-US" smtClean="0"/>
+              <a:t>14</a:t>
+            </a:fld>
+            <a:endParaRPr lang="en-US" dirty="0"/>
+          </a:p>
+        </p:txBody>
+      </p:sp>
+      <p:sp>
+        <p:nvSpPr>
+          <p:cNvPr id="5" name="Footer Placeholder 4">
+            <a:extLst>
+              <a:ext uri="{FF2B5EF4-FFF2-40B4-BE49-F238E27FC236}">
+                <a16:creationId xmlns:a16="http://schemas.microsoft.com/office/drawing/2014/main" id="{32D3AD75-5125-42F4-8C56-256B3E44A858}"/>
+              </a:ext>
+            </a:extLst>
+          </p:cNvPr>
+          <p:cNvSpPr>
+            <a:spLocks noGrp="1"/>
+          </p:cNvSpPr>
+          <p:nvPr>
+            <p:ph type="ftr" sz="quarter" idx="11"/>
+          </p:nvPr>
+        </p:nvSpPr>
+        <p:spPr/>
+        <p:txBody>
+          <a:bodyPr/>
+          <a:lstStyle/>
+          <a:p>
+            <a:r>
+              <a:rPr lang="nl-BE" dirty="0"/>
+              <a:t>Het onderhouden van kamerplanten automatiseren - Eduard Smet</a:t>
+            </a:r>
+            <a:endParaRPr lang="en-US" dirty="0"/>
+          </a:p>
+        </p:txBody>
+      </p:sp>
+      <p:sp>
+        <p:nvSpPr>
+          <p:cNvPr id="6" name="Date Placeholder 5">
+            <a:extLst>
+              <a:ext uri="{FF2B5EF4-FFF2-40B4-BE49-F238E27FC236}">
+                <a16:creationId xmlns:a16="http://schemas.microsoft.com/office/drawing/2014/main" id="{92A0768E-42FB-CF56-882C-72EF5CAB8F44}"/>
+              </a:ext>
+            </a:extLst>
+          </p:cNvPr>
+          <p:cNvSpPr>
+            <a:spLocks noGrp="1"/>
+          </p:cNvSpPr>
+          <p:nvPr>
+            <p:ph type="dt" sz="half" idx="10"/>
+          </p:nvPr>
+        </p:nvSpPr>
+        <p:spPr/>
+        <p:txBody>
+          <a:bodyPr/>
+          <a:lstStyle/>
+          <a:p>
+            <a:r>
+              <a:rPr lang="en-US" dirty="0"/>
+              <a:t>31/1/2023</a:t>
+            </a:r>
+          </a:p>
+        </p:txBody>
+      </p:sp>
+    </p:spTree>
+    <p:extLst>
+      <p:ext uri="{BB962C8B-B14F-4D97-AF65-F5344CB8AC3E}">
+        <p14:creationId xmlns:p14="http://schemas.microsoft.com/office/powerpoint/2010/main" val="1178567681"/>
+      </p:ext>
+    </p:extLst>
+  </p:cSld>
+  <p:clrMapOvr>
+    <a:masterClrMapping/>
+  </p:clrMapOvr>
+  <mc:AlternateContent xmlns:mc="http://schemas.openxmlformats.org/markup-compatibility/2006">
+    <mc:Choice xmlns:p14="http://schemas.microsoft.com/office/powerpoint/2010/main" Requires="p14">
+      <p:transition spd="med" p14:dur="700">
+        <p:fade/>
+      </p:transition>
+    </mc:Choice>
+    <mc:Fallback>
+      <p:transition spd="med">
+        <p:fade/>
+      </p:transition>
+    </mc:Fallback>
+  </mc:AlternateContent>
+</p:sld>
+</file>
+
+<file path=ppt/slides/slide15.xml><?xml version="1.0" encoding="utf-8"?>
+<p:sld xmlns:a="http://schemas.openxmlformats.org/drawingml/2006/main" xmlns:r="http://schemas.openxmlformats.org/officeDocument/2006/relationships" xmlns:p="http://schemas.openxmlformats.org/presentationml/2006/main">
+  <p:cSld>
+    <p:spTree>
+      <p:nvGrpSpPr>
+        <p:cNvPr id="1" name=""/>
+        <p:cNvGrpSpPr/>
+        <p:nvPr/>
+      </p:nvGrpSpPr>
+      <p:grpSpPr>
+        <a:xfrm>
+          <a:off x="0" y="0"/>
+          <a:ext cx="0" cy="0"/>
+          <a:chOff x="0" y="0"/>
+          <a:chExt cx="0" cy="0"/>
+        </a:xfrm>
+      </p:grpSpPr>
+      <p:sp>
+        <p:nvSpPr>
+          <p:cNvPr id="2" name="Title 1">
+            <a:extLst>
+              <a:ext uri="{FF2B5EF4-FFF2-40B4-BE49-F238E27FC236}">
+                <a16:creationId xmlns:a16="http://schemas.microsoft.com/office/drawing/2014/main" id="{5A7265BD-9D76-B2B4-E1E4-0AA01C3A3E1F}"/>
+              </a:ext>
+            </a:extLst>
+          </p:cNvPr>
+          <p:cNvSpPr>
+            <a:spLocks noGrp="1"/>
+          </p:cNvSpPr>
+          <p:nvPr>
+            <p:ph type="title"/>
+          </p:nvPr>
+        </p:nvSpPr>
+        <p:spPr/>
+        <p:txBody>
+          <a:bodyPr/>
+          <a:lstStyle/>
+          <a:p>
+            <a:r>
+              <a:rPr lang="en-US" dirty="0"/>
+              <a:t>2. De </a:t>
+            </a:r>
+            <a:r>
+              <a:rPr lang="nl-BE" dirty="0"/>
+              <a:t>theorie</a:t>
+            </a:r>
+          </a:p>
+        </p:txBody>
+      </p:sp>
+      <p:sp>
+        <p:nvSpPr>
+          <p:cNvPr id="3" name="Content Placeholder 2">
+            <a:extLst>
+              <a:ext uri="{FF2B5EF4-FFF2-40B4-BE49-F238E27FC236}">
+                <a16:creationId xmlns:a16="http://schemas.microsoft.com/office/drawing/2014/main" id="{6E25F141-97FE-D4F8-A34E-A4989E36CF8A}"/>
+              </a:ext>
+            </a:extLst>
+          </p:cNvPr>
+          <p:cNvSpPr>
+            <a:spLocks noGrp="1"/>
+          </p:cNvSpPr>
+          <p:nvPr>
+            <p:ph idx="1"/>
+          </p:nvPr>
+        </p:nvSpPr>
+        <p:spPr>
+          <a:xfrm>
+            <a:off x="1088136" y="2062768"/>
+            <a:ext cx="9922764" cy="3838722"/>
+          </a:xfrm>
+        </p:spPr>
+        <p:txBody>
+          <a:bodyPr>
+            <a:normAutofit/>
+          </a:bodyPr>
+          <a:lstStyle/>
+          <a:p>
+            <a:pPr lvl="1"/>
+            <a:r>
+              <a:rPr lang="nl-BE" u="sng" dirty="0"/>
+              <a:t>De meetbare factoren:</a:t>
+            </a:r>
+          </a:p>
+          <a:p>
+            <a:pPr lvl="1"/>
+            <a:r>
+              <a:rPr lang="nl-BE" dirty="0"/>
+              <a:t>Temperatuur van de omgeving</a:t>
+            </a:r>
+          </a:p>
+          <a:p>
+            <a:pPr lvl="1"/>
+            <a:r>
+              <a:rPr lang="nl-BE" dirty="0"/>
+              <a:t>Luchtvochtigheid van de omgeving</a:t>
+            </a:r>
+          </a:p>
+          <a:p>
+            <a:pPr lvl="1"/>
+            <a:r>
+              <a:rPr lang="nl-BE" dirty="0"/>
+              <a:t>CO2 gehalte van de omgeving</a:t>
+            </a:r>
+          </a:p>
+          <a:p>
+            <a:pPr lvl="1"/>
+            <a:r>
+              <a:rPr lang="nl-BE" dirty="0"/>
+              <a:t>TVOC van de omgeving</a:t>
+            </a:r>
+          </a:p>
+          <a:p>
+            <a:pPr lvl="1"/>
+            <a:r>
+              <a:rPr lang="nl-BE" dirty="0"/>
+              <a:t>De bodemvochtigheid van de grond waar de plant in zit</a:t>
+            </a:r>
+          </a:p>
+        </p:txBody>
+      </p:sp>
+      <p:sp>
+        <p:nvSpPr>
+          <p:cNvPr id="4" name="Slide Number Placeholder 3">
+            <a:extLst>
+              <a:ext uri="{FF2B5EF4-FFF2-40B4-BE49-F238E27FC236}">
+                <a16:creationId xmlns:a16="http://schemas.microsoft.com/office/drawing/2014/main" id="{BE21E36D-9ADE-B65E-255D-F7D686638201}"/>
+              </a:ext>
+            </a:extLst>
+          </p:cNvPr>
+          <p:cNvSpPr>
+            <a:spLocks noGrp="1"/>
+          </p:cNvSpPr>
+          <p:nvPr>
+            <p:ph type="sldNum" sz="quarter" idx="12"/>
+          </p:nvPr>
+        </p:nvSpPr>
+        <p:spPr/>
+        <p:txBody>
+          <a:bodyPr/>
+          <a:lstStyle/>
+          <a:p>
+            <a:fld id="{719D7796-F675-488F-AC46-C88938C80352}" type="slidenum">
+              <a:rPr lang="en-US" smtClean="0"/>
+              <a:t>15</a:t>
+            </a:fld>
+            <a:endParaRPr lang="en-US" dirty="0"/>
+          </a:p>
+        </p:txBody>
+      </p:sp>
+      <p:sp>
+        <p:nvSpPr>
+          <p:cNvPr id="5" name="Footer Placeholder 4">
+            <a:extLst>
+              <a:ext uri="{FF2B5EF4-FFF2-40B4-BE49-F238E27FC236}">
+                <a16:creationId xmlns:a16="http://schemas.microsoft.com/office/drawing/2014/main" id="{32D3AD75-5125-42F4-8C56-256B3E44A858}"/>
+              </a:ext>
+            </a:extLst>
+          </p:cNvPr>
+          <p:cNvSpPr>
+            <a:spLocks noGrp="1"/>
+          </p:cNvSpPr>
+          <p:nvPr>
+            <p:ph type="ftr" sz="quarter" idx="11"/>
+          </p:nvPr>
+        </p:nvSpPr>
+        <p:spPr/>
+        <p:txBody>
+          <a:bodyPr/>
+          <a:lstStyle/>
+          <a:p>
+            <a:r>
+              <a:rPr lang="nl-BE" dirty="0"/>
+              <a:t>Het onderhouden van kamerplanten automatiseren - Eduard Smet</a:t>
+            </a:r>
+            <a:endParaRPr lang="en-US" dirty="0"/>
+          </a:p>
+        </p:txBody>
+      </p:sp>
+      <p:sp>
+        <p:nvSpPr>
+          <p:cNvPr id="6" name="Date Placeholder 5">
+            <a:extLst>
+              <a:ext uri="{FF2B5EF4-FFF2-40B4-BE49-F238E27FC236}">
+                <a16:creationId xmlns:a16="http://schemas.microsoft.com/office/drawing/2014/main" id="{92A0768E-42FB-CF56-882C-72EF5CAB8F44}"/>
+              </a:ext>
+            </a:extLst>
+          </p:cNvPr>
+          <p:cNvSpPr>
+            <a:spLocks noGrp="1"/>
+          </p:cNvSpPr>
+          <p:nvPr>
+            <p:ph type="dt" sz="half" idx="10"/>
+          </p:nvPr>
+        </p:nvSpPr>
+        <p:spPr/>
+        <p:txBody>
+          <a:bodyPr/>
+          <a:lstStyle/>
+          <a:p>
+            <a:r>
+              <a:rPr lang="en-US" dirty="0"/>
+              <a:t>31/1/2023</a:t>
+            </a:r>
+          </a:p>
+        </p:txBody>
+      </p:sp>
+    </p:spTree>
+    <p:extLst>
+      <p:ext uri="{BB962C8B-B14F-4D97-AF65-F5344CB8AC3E}">
+        <p14:creationId xmlns:p14="http://schemas.microsoft.com/office/powerpoint/2010/main" val="190577845"/>
+      </p:ext>
+    </p:extLst>
+  </p:cSld>
+  <p:clrMapOvr>
+    <a:masterClrMapping/>
+  </p:clrMapOvr>
+  <mc:AlternateContent xmlns:mc="http://schemas.openxmlformats.org/markup-compatibility/2006">
+    <mc:Choice xmlns:p14="http://schemas.microsoft.com/office/powerpoint/2010/main" Requires="p14">
+      <p:transition spd="med" p14:dur="700">
+        <p:fade/>
+      </p:transition>
+    </mc:Choice>
+    <mc:Fallback>
+      <p:transition spd="med">
+        <p:fade/>
+      </p:transition>
+    </mc:Fallback>
+  </mc:AlternateContent>
+</p:sld>
+</file>
+
+<file path=ppt/slides/slide16.xml><?xml version="1.0" encoding="utf-8"?>
+<p:sld xmlns:a="http://schemas.openxmlformats.org/drawingml/2006/main" xmlns:r="http://schemas.openxmlformats.org/officeDocument/2006/relationships" xmlns:p="http://schemas.openxmlformats.org/presentationml/2006/main">
+  <p:cSld>
+    <p:spTree>
+      <p:nvGrpSpPr>
+        <p:cNvPr id="1" name=""/>
+        <p:cNvGrpSpPr/>
+        <p:nvPr/>
+      </p:nvGrpSpPr>
+      <p:grpSpPr>
+        <a:xfrm>
+          <a:off x="0" y="0"/>
+          <a:ext cx="0" cy="0"/>
+          <a:chOff x="0" y="0"/>
+          <a:chExt cx="0" cy="0"/>
+        </a:xfrm>
+      </p:grpSpPr>
+      <p:sp>
+        <p:nvSpPr>
+          <p:cNvPr id="2" name="Title 1">
+            <a:extLst>
+              <a:ext uri="{FF2B5EF4-FFF2-40B4-BE49-F238E27FC236}">
+                <a16:creationId xmlns:a16="http://schemas.microsoft.com/office/drawing/2014/main" id="{5A7265BD-9D76-B2B4-E1E4-0AA01C3A3E1F}"/>
+              </a:ext>
+            </a:extLst>
+          </p:cNvPr>
+          <p:cNvSpPr>
+            <a:spLocks noGrp="1"/>
+          </p:cNvSpPr>
+          <p:nvPr>
+            <p:ph type="title"/>
+          </p:nvPr>
+        </p:nvSpPr>
+        <p:spPr/>
+        <p:txBody>
+          <a:bodyPr/>
+          <a:lstStyle/>
+          <a:p>
+            <a:r>
+              <a:rPr lang="en-US" dirty="0"/>
+              <a:t>2. De </a:t>
+            </a:r>
+            <a:r>
+              <a:rPr lang="nl-BE" dirty="0"/>
+              <a:t>theorie</a:t>
+            </a:r>
+          </a:p>
+        </p:txBody>
+      </p:sp>
+      <p:sp>
+        <p:nvSpPr>
+          <p:cNvPr id="3" name="Content Placeholder 2">
+            <a:extLst>
+              <a:ext uri="{FF2B5EF4-FFF2-40B4-BE49-F238E27FC236}">
+                <a16:creationId xmlns:a16="http://schemas.microsoft.com/office/drawing/2014/main" id="{6E25F141-97FE-D4F8-A34E-A4989E36CF8A}"/>
+              </a:ext>
+            </a:extLst>
+          </p:cNvPr>
+          <p:cNvSpPr>
+            <a:spLocks noGrp="1"/>
+          </p:cNvSpPr>
+          <p:nvPr>
+            <p:ph idx="1"/>
+          </p:nvPr>
+        </p:nvSpPr>
+        <p:spPr>
+          <a:xfrm>
+            <a:off x="1088136" y="2062768"/>
+            <a:ext cx="9922764" cy="3838722"/>
+          </a:xfrm>
+        </p:spPr>
+        <p:txBody>
+          <a:bodyPr>
+            <a:normAutofit/>
+          </a:bodyPr>
+          <a:lstStyle/>
+          <a:p>
+            <a:pPr lvl="1"/>
+            <a:r>
+              <a:rPr lang="nl-BE" u="sng" dirty="0"/>
+              <a:t>De reageerbare factoren:</a:t>
+            </a:r>
+          </a:p>
+          <a:p>
+            <a:pPr lvl="2"/>
+            <a:r>
+              <a:rPr lang="nl-BE" u="sng" dirty="0"/>
+              <a:t>Automatisch:</a:t>
+            </a:r>
+          </a:p>
+          <a:p>
+            <a:pPr lvl="3"/>
+            <a:r>
+              <a:rPr lang="nl-BE" u="sng" dirty="0"/>
+              <a:t>De bodemvochtigheid:</a:t>
+            </a:r>
+            <a:r>
+              <a:rPr lang="nl-BE" dirty="0"/>
+              <a:t> aan de hand van een waterpompje.</a:t>
+            </a:r>
+          </a:p>
+          <a:p>
+            <a:pPr marL="777240" lvl="3" indent="0">
+              <a:buNone/>
+            </a:pPr>
+            <a:endParaRPr lang="nl-BE" dirty="0"/>
+          </a:p>
+          <a:p>
+            <a:pPr lvl="2"/>
+            <a:r>
+              <a:rPr lang="nl-BE" u="sng" dirty="0"/>
+              <a:t>Niet automatisch:</a:t>
+            </a:r>
+            <a:r>
+              <a:rPr lang="nl-BE" dirty="0"/>
+              <a:t> via een melding of email.</a:t>
+            </a:r>
+            <a:endParaRPr lang="nl-BE" u="sng" dirty="0"/>
+          </a:p>
+          <a:p>
+            <a:pPr lvl="3"/>
+            <a:r>
+              <a:rPr lang="nl-BE" u="sng" dirty="0"/>
+              <a:t>De temperatuur:</a:t>
+            </a:r>
+            <a:r>
+              <a:rPr lang="nl-BE" dirty="0"/>
+              <a:t> Door het raam open te zetten.</a:t>
+            </a:r>
+          </a:p>
+          <a:p>
+            <a:pPr lvl="3"/>
+            <a:r>
+              <a:rPr lang="nl-BE" u="sng" dirty="0"/>
+              <a:t>De luchtvochtigheid:</a:t>
+            </a:r>
+            <a:r>
+              <a:rPr lang="nl-BE" dirty="0"/>
+              <a:t> Aan de hand van een spuitbusje.</a:t>
+            </a:r>
+          </a:p>
+          <a:p>
+            <a:pPr lvl="3"/>
+            <a:r>
+              <a:rPr lang="nl-BE" u="sng" dirty="0"/>
+              <a:t>De luchtkwaliteit (CO</a:t>
+            </a:r>
+            <a:r>
+              <a:rPr lang="nl-BE" baseline="-25000" dirty="0"/>
+              <a:t>2</a:t>
+            </a:r>
+            <a:r>
+              <a:rPr lang="nl-BE" u="sng" dirty="0"/>
+              <a:t> en TVOC):</a:t>
+            </a:r>
+            <a:r>
+              <a:rPr lang="nl-BE" dirty="0"/>
+              <a:t> Door het raam open te zetten.</a:t>
+            </a:r>
+          </a:p>
+          <a:p>
+            <a:pPr lvl="3"/>
+            <a:r>
+              <a:rPr lang="nl-BE" u="sng" dirty="0"/>
+              <a:t>De mineralen:</a:t>
+            </a:r>
+            <a:r>
+              <a:rPr lang="nl-BE" dirty="0"/>
+              <a:t> Door de plant te voeden.</a:t>
+            </a:r>
+          </a:p>
+        </p:txBody>
+      </p:sp>
+      <p:sp>
+        <p:nvSpPr>
+          <p:cNvPr id="4" name="Slide Number Placeholder 3">
+            <a:extLst>
+              <a:ext uri="{FF2B5EF4-FFF2-40B4-BE49-F238E27FC236}">
+                <a16:creationId xmlns:a16="http://schemas.microsoft.com/office/drawing/2014/main" id="{BE21E36D-9ADE-B65E-255D-F7D686638201}"/>
+              </a:ext>
+            </a:extLst>
+          </p:cNvPr>
+          <p:cNvSpPr>
+            <a:spLocks noGrp="1"/>
+          </p:cNvSpPr>
+          <p:nvPr>
+            <p:ph type="sldNum" sz="quarter" idx="12"/>
+          </p:nvPr>
+        </p:nvSpPr>
+        <p:spPr/>
+        <p:txBody>
+          <a:bodyPr/>
+          <a:lstStyle/>
+          <a:p>
+            <a:fld id="{719D7796-F675-488F-AC46-C88938C80352}" type="slidenum">
+              <a:rPr lang="en-US" smtClean="0"/>
+              <a:t>16</a:t>
+            </a:fld>
+            <a:endParaRPr lang="en-US" dirty="0"/>
+          </a:p>
+        </p:txBody>
+      </p:sp>
+      <p:sp>
+        <p:nvSpPr>
+          <p:cNvPr id="5" name="Footer Placeholder 4">
+            <a:extLst>
+              <a:ext uri="{FF2B5EF4-FFF2-40B4-BE49-F238E27FC236}">
+                <a16:creationId xmlns:a16="http://schemas.microsoft.com/office/drawing/2014/main" id="{32D3AD75-5125-42F4-8C56-256B3E44A858}"/>
+              </a:ext>
+            </a:extLst>
+          </p:cNvPr>
+          <p:cNvSpPr>
+            <a:spLocks noGrp="1"/>
+          </p:cNvSpPr>
+          <p:nvPr>
+            <p:ph type="ftr" sz="quarter" idx="11"/>
+          </p:nvPr>
+        </p:nvSpPr>
+        <p:spPr/>
+        <p:txBody>
+          <a:bodyPr/>
+          <a:lstStyle/>
+          <a:p>
+            <a:r>
+              <a:rPr lang="nl-BE" dirty="0"/>
+              <a:t>Het onderhouden van kamerplanten automatiseren - Eduard Smet</a:t>
+            </a:r>
+            <a:endParaRPr lang="en-US" dirty="0"/>
+          </a:p>
+        </p:txBody>
+      </p:sp>
+      <p:sp>
+        <p:nvSpPr>
+          <p:cNvPr id="6" name="Date Placeholder 5">
+            <a:extLst>
+              <a:ext uri="{FF2B5EF4-FFF2-40B4-BE49-F238E27FC236}">
+                <a16:creationId xmlns:a16="http://schemas.microsoft.com/office/drawing/2014/main" id="{92A0768E-42FB-CF56-882C-72EF5CAB8F44}"/>
+              </a:ext>
+            </a:extLst>
+          </p:cNvPr>
+          <p:cNvSpPr>
+            <a:spLocks noGrp="1"/>
+          </p:cNvSpPr>
+          <p:nvPr>
+            <p:ph type="dt" sz="half" idx="10"/>
+          </p:nvPr>
+        </p:nvSpPr>
+        <p:spPr/>
+        <p:txBody>
+          <a:bodyPr/>
+          <a:lstStyle/>
+          <a:p>
+            <a:r>
+              <a:rPr lang="en-US" dirty="0"/>
+              <a:t>31/1/2023</a:t>
+            </a:r>
+          </a:p>
+        </p:txBody>
+      </p:sp>
+    </p:spTree>
+    <p:extLst>
+      <p:ext uri="{BB962C8B-B14F-4D97-AF65-F5344CB8AC3E}">
+        <p14:creationId xmlns:p14="http://schemas.microsoft.com/office/powerpoint/2010/main" val="3500048364"/>
+      </p:ext>
+    </p:extLst>
+  </p:cSld>
+  <p:clrMapOvr>
+    <a:masterClrMapping/>
+  </p:clrMapOvr>
+  <mc:AlternateContent xmlns:mc="http://schemas.openxmlformats.org/markup-compatibility/2006">
+    <mc:Choice xmlns:p14="http://schemas.microsoft.com/office/powerpoint/2010/main" Requires="p14">
+      <p:transition spd="med" p14:dur="700">
+        <p:fade/>
+      </p:transition>
+    </mc:Choice>
+    <mc:Fallback>
+      <p:transition spd="med">
+        <p:fade/>
+      </p:transition>
+    </mc:Fallback>
+  </mc:AlternateContent>
+</p:sld>
+</file>
+
+<file path=ppt/slides/slide17.xml><?xml version="1.0" encoding="utf-8"?>
+<p:sld xmlns:a="http://schemas.openxmlformats.org/drawingml/2006/main" xmlns:r="http://schemas.openxmlformats.org/officeDocument/2006/relationships" xmlns:p="http://schemas.openxmlformats.org/presentationml/2006/main">
+  <p:cSld>
+    <p:spTree>
+      <p:nvGrpSpPr>
+        <p:cNvPr id="1" name=""/>
+        <p:cNvGrpSpPr/>
+        <p:nvPr/>
+      </p:nvGrpSpPr>
+      <p:grpSpPr>
+        <a:xfrm>
+          <a:off x="0" y="0"/>
+          <a:ext cx="0" cy="0"/>
+          <a:chOff x="0" y="0"/>
+          <a:chExt cx="0" cy="0"/>
+        </a:xfrm>
+      </p:grpSpPr>
+      <p:sp>
+        <p:nvSpPr>
+          <p:cNvPr id="2" name="Title 1">
+            <a:extLst>
+              <a:ext uri="{FF2B5EF4-FFF2-40B4-BE49-F238E27FC236}">
+                <a16:creationId xmlns:a16="http://schemas.microsoft.com/office/drawing/2014/main" id="{5A7265BD-9D76-B2B4-E1E4-0AA01C3A3E1F}"/>
+              </a:ext>
+            </a:extLst>
+          </p:cNvPr>
+          <p:cNvSpPr>
+            <a:spLocks noGrp="1"/>
+          </p:cNvSpPr>
+          <p:nvPr>
+            <p:ph type="title"/>
+          </p:nvPr>
+        </p:nvSpPr>
+        <p:spPr/>
+        <p:txBody>
+          <a:bodyPr/>
+          <a:lstStyle/>
+          <a:p>
+            <a:r>
+              <a:rPr lang="en-US" dirty="0"/>
+              <a:t>2. De </a:t>
+            </a:r>
+            <a:r>
+              <a:rPr lang="nl-BE" dirty="0"/>
+              <a:t>theorie</a:t>
+            </a:r>
+          </a:p>
+        </p:txBody>
+      </p:sp>
+      <p:sp>
+        <p:nvSpPr>
+          <p:cNvPr id="3" name="Content Placeholder 2">
+            <a:extLst>
+              <a:ext uri="{FF2B5EF4-FFF2-40B4-BE49-F238E27FC236}">
+                <a16:creationId xmlns:a16="http://schemas.microsoft.com/office/drawing/2014/main" id="{6E25F141-97FE-D4F8-A34E-A4989E36CF8A}"/>
+              </a:ext>
+            </a:extLst>
+          </p:cNvPr>
+          <p:cNvSpPr>
+            <a:spLocks noGrp="1"/>
+          </p:cNvSpPr>
+          <p:nvPr>
+            <p:ph idx="1"/>
+          </p:nvPr>
+        </p:nvSpPr>
+        <p:spPr>
+          <a:xfrm>
+            <a:off x="1088136" y="2062768"/>
+            <a:ext cx="9922764" cy="3838722"/>
+          </a:xfrm>
+        </p:spPr>
+        <p:txBody>
+          <a:bodyPr>
+            <a:normAutofit/>
+          </a:bodyPr>
+          <a:lstStyle/>
+          <a:p>
+            <a:pPr lvl="1"/>
+            <a:r>
+              <a:rPr lang="nl-BE" u="sng" dirty="0"/>
+              <a:t>Overzicht:</a:t>
+            </a:r>
+          </a:p>
+          <a:p>
+            <a:pPr lvl="1"/>
+            <a:r>
+              <a:rPr lang="nl-BE" u="sng" dirty="0"/>
+              <a:t>Keuze van planten:</a:t>
+            </a:r>
+          </a:p>
+          <a:p>
+            <a:pPr marL="617220" lvl="1" indent="-342900">
+              <a:buFont typeface="+mj-lt"/>
+              <a:buAutoNum type="arabicPeriod"/>
+            </a:pPr>
+            <a:r>
+              <a:rPr lang="nl-BE" dirty="0"/>
+              <a:t>Een bladplant:</a:t>
+            </a:r>
+          </a:p>
+          <a:p>
+            <a:pPr marL="274320" lvl="1" indent="0">
+              <a:buNone/>
+            </a:pPr>
+            <a:endParaRPr lang="nl-BE" dirty="0"/>
+          </a:p>
+        </p:txBody>
+      </p:sp>
+      <p:sp>
+        <p:nvSpPr>
+          <p:cNvPr id="4" name="Slide Number Placeholder 3">
+            <a:extLst>
+              <a:ext uri="{FF2B5EF4-FFF2-40B4-BE49-F238E27FC236}">
+                <a16:creationId xmlns:a16="http://schemas.microsoft.com/office/drawing/2014/main" id="{BE21E36D-9ADE-B65E-255D-F7D686638201}"/>
+              </a:ext>
+            </a:extLst>
+          </p:cNvPr>
+          <p:cNvSpPr>
+            <a:spLocks noGrp="1"/>
+          </p:cNvSpPr>
+          <p:nvPr>
+            <p:ph type="sldNum" sz="quarter" idx="12"/>
+          </p:nvPr>
+        </p:nvSpPr>
+        <p:spPr/>
+        <p:txBody>
+          <a:bodyPr/>
+          <a:lstStyle/>
+          <a:p>
+            <a:fld id="{719D7796-F675-488F-AC46-C88938C80352}" type="slidenum">
+              <a:rPr lang="en-US" smtClean="0"/>
+              <a:t>17</a:t>
+            </a:fld>
+            <a:endParaRPr lang="en-US" dirty="0"/>
+          </a:p>
+        </p:txBody>
+      </p:sp>
+      <p:sp>
+        <p:nvSpPr>
+          <p:cNvPr id="5" name="Footer Placeholder 4">
+            <a:extLst>
+              <a:ext uri="{FF2B5EF4-FFF2-40B4-BE49-F238E27FC236}">
+                <a16:creationId xmlns:a16="http://schemas.microsoft.com/office/drawing/2014/main" id="{32D3AD75-5125-42F4-8C56-256B3E44A858}"/>
+              </a:ext>
+            </a:extLst>
+          </p:cNvPr>
+          <p:cNvSpPr>
+            <a:spLocks noGrp="1"/>
+          </p:cNvSpPr>
+          <p:nvPr>
+            <p:ph type="ftr" sz="quarter" idx="11"/>
+          </p:nvPr>
+        </p:nvSpPr>
+        <p:spPr/>
+        <p:txBody>
+          <a:bodyPr/>
+          <a:lstStyle/>
+          <a:p>
+            <a:r>
+              <a:rPr lang="nl-BE" dirty="0"/>
+              <a:t>Het onderhouden van kamerplanten automatiseren - Eduard Smet</a:t>
+            </a:r>
+            <a:endParaRPr lang="en-US" dirty="0"/>
+          </a:p>
+        </p:txBody>
+      </p:sp>
+      <p:sp>
+        <p:nvSpPr>
+          <p:cNvPr id="6" name="Date Placeholder 5">
+            <a:extLst>
+              <a:ext uri="{FF2B5EF4-FFF2-40B4-BE49-F238E27FC236}">
+                <a16:creationId xmlns:a16="http://schemas.microsoft.com/office/drawing/2014/main" id="{92A0768E-42FB-CF56-882C-72EF5CAB8F44}"/>
+              </a:ext>
+            </a:extLst>
+          </p:cNvPr>
+          <p:cNvSpPr>
+            <a:spLocks noGrp="1"/>
+          </p:cNvSpPr>
+          <p:nvPr>
+            <p:ph type="dt" sz="half" idx="10"/>
+          </p:nvPr>
+        </p:nvSpPr>
+        <p:spPr/>
+        <p:txBody>
+          <a:bodyPr/>
+          <a:lstStyle/>
+          <a:p>
+            <a:r>
+              <a:rPr lang="en-US" dirty="0"/>
+              <a:t>31/1/2023</a:t>
+            </a:r>
+          </a:p>
+        </p:txBody>
+      </p:sp>
+      <p:pic>
+        <p:nvPicPr>
+          <p:cNvPr id="7" name="Picture 6">
+            <a:extLst>
+              <a:ext uri="{FF2B5EF4-FFF2-40B4-BE49-F238E27FC236}">
+                <a16:creationId xmlns:a16="http://schemas.microsoft.com/office/drawing/2014/main" id="{DA00B34A-FB86-57FE-0C8A-B9D546A0FF72}"/>
+              </a:ext>
+            </a:extLst>
+          </p:cNvPr>
+          <p:cNvPicPr>
+            <a:picLocks noChangeAspect="1"/>
+          </p:cNvPicPr>
+          <p:nvPr/>
+        </p:nvPicPr>
+        <p:blipFill>
+          <a:blip r:embed="rId2" cstate="print">
+            <a:extLst>
+              <a:ext uri="{28A0092B-C50C-407E-A947-70E740481C1C}">
+                <a14:useLocalDpi xmlns:a14="http://schemas.microsoft.com/office/drawing/2010/main" val="0"/>
+              </a:ext>
+            </a:extLst>
+          </a:blip>
+          <a:srcRect/>
+          <a:stretch>
+            <a:fillRect/>
+          </a:stretch>
+        </p:blipFill>
+        <p:spPr bwMode="auto">
+          <a:xfrm rot="5400000" flipV="1">
+            <a:off x="7312132" y="2408818"/>
+            <a:ext cx="4195495" cy="3146621"/>
+          </a:xfrm>
+          <a:prstGeom prst="rect">
+            <a:avLst/>
+          </a:prstGeom>
+          <a:noFill/>
+          <a:ln>
+            <a:noFill/>
+          </a:ln>
+        </p:spPr>
+      </p:pic>
+    </p:spTree>
+    <p:extLst>
+      <p:ext uri="{BB962C8B-B14F-4D97-AF65-F5344CB8AC3E}">
+        <p14:creationId xmlns:p14="http://schemas.microsoft.com/office/powerpoint/2010/main" val="1261481180"/>
+      </p:ext>
+    </p:extLst>
+  </p:cSld>
+  <p:clrMapOvr>
+    <a:masterClrMapping/>
+  </p:clrMapOvr>
+  <mc:AlternateContent xmlns:mc="http://schemas.openxmlformats.org/markup-compatibility/2006">
+    <mc:Choice xmlns:p14="http://schemas.microsoft.com/office/powerpoint/2010/main" Requires="p14">
+      <p:transition spd="med" p14:dur="700">
+        <p:fade/>
+      </p:transition>
+    </mc:Choice>
+    <mc:Fallback>
+      <p:transition spd="med">
+        <p:fade/>
+      </p:transition>
+    </mc:Fallback>
+  </mc:AlternateContent>
+</p:sld>
+</file>
+
+<file path=ppt/slides/slide18.xml><?xml version="1.0" encoding="utf-8"?>
+<p:sld xmlns:a="http://schemas.openxmlformats.org/drawingml/2006/main" xmlns:r="http://schemas.openxmlformats.org/officeDocument/2006/relationships" xmlns:p="http://schemas.openxmlformats.org/presentationml/2006/main">
+  <p:cSld>
+    <p:spTree>
+      <p:nvGrpSpPr>
+        <p:cNvPr id="1" name=""/>
+        <p:cNvGrpSpPr/>
+        <p:nvPr/>
+      </p:nvGrpSpPr>
+      <p:grpSpPr>
+        <a:xfrm>
+          <a:off x="0" y="0"/>
+          <a:ext cx="0" cy="0"/>
+          <a:chOff x="0" y="0"/>
+          <a:chExt cx="0" cy="0"/>
+        </a:xfrm>
+      </p:grpSpPr>
+      <p:sp>
+        <p:nvSpPr>
+          <p:cNvPr id="2" name="Title 1">
+            <a:extLst>
+              <a:ext uri="{FF2B5EF4-FFF2-40B4-BE49-F238E27FC236}">
+                <a16:creationId xmlns:a16="http://schemas.microsoft.com/office/drawing/2014/main" id="{5A7265BD-9D76-B2B4-E1E4-0AA01C3A3E1F}"/>
+              </a:ext>
+            </a:extLst>
+          </p:cNvPr>
+          <p:cNvSpPr>
+            <a:spLocks noGrp="1"/>
+          </p:cNvSpPr>
+          <p:nvPr>
+            <p:ph type="title"/>
+          </p:nvPr>
+        </p:nvSpPr>
+        <p:spPr/>
+        <p:txBody>
+          <a:bodyPr/>
+          <a:lstStyle/>
+          <a:p>
+            <a:r>
+              <a:rPr lang="en-US" dirty="0"/>
+              <a:t>2. De </a:t>
+            </a:r>
+            <a:r>
+              <a:rPr lang="nl-BE" dirty="0"/>
+              <a:t>theorie</a:t>
+            </a:r>
+          </a:p>
+        </p:txBody>
+      </p:sp>
+      <p:sp>
+        <p:nvSpPr>
+          <p:cNvPr id="3" name="Content Placeholder 2">
+            <a:extLst>
+              <a:ext uri="{FF2B5EF4-FFF2-40B4-BE49-F238E27FC236}">
+                <a16:creationId xmlns:a16="http://schemas.microsoft.com/office/drawing/2014/main" id="{6E25F141-97FE-D4F8-A34E-A4989E36CF8A}"/>
+              </a:ext>
+            </a:extLst>
+          </p:cNvPr>
+          <p:cNvSpPr>
+            <a:spLocks noGrp="1"/>
+          </p:cNvSpPr>
+          <p:nvPr>
+            <p:ph idx="1"/>
+          </p:nvPr>
+        </p:nvSpPr>
+        <p:spPr>
+          <a:xfrm>
+            <a:off x="1088136" y="2062768"/>
+            <a:ext cx="9922764" cy="3838722"/>
+          </a:xfrm>
+        </p:spPr>
+        <p:txBody>
+          <a:bodyPr>
+            <a:normAutofit/>
+          </a:bodyPr>
+          <a:lstStyle/>
+          <a:p>
+            <a:pPr lvl="1"/>
+            <a:r>
+              <a:rPr lang="nl-BE" u="sng" dirty="0"/>
+              <a:t>Overzicht:</a:t>
+            </a:r>
+          </a:p>
+          <a:p>
+            <a:pPr lvl="1"/>
+            <a:r>
+              <a:rPr lang="nl-BE" u="sng" dirty="0"/>
+              <a:t>Keuze van planten:</a:t>
+            </a:r>
+          </a:p>
+          <a:p>
+            <a:pPr marL="617220" lvl="1" indent="-342900">
+              <a:buFont typeface="+mj-lt"/>
+              <a:buAutoNum type="arabicPeriod"/>
+            </a:pPr>
+            <a:r>
+              <a:rPr lang="nl-BE" dirty="0"/>
+              <a:t>Een bladplant:</a:t>
+            </a:r>
+          </a:p>
+          <a:p>
+            <a:pPr marL="274320" lvl="1" indent="0">
+              <a:buNone/>
+            </a:pPr>
+            <a:endParaRPr lang="nl-BE" dirty="0"/>
+          </a:p>
+        </p:txBody>
+      </p:sp>
+      <p:sp>
+        <p:nvSpPr>
+          <p:cNvPr id="4" name="Slide Number Placeholder 3">
+            <a:extLst>
+              <a:ext uri="{FF2B5EF4-FFF2-40B4-BE49-F238E27FC236}">
+                <a16:creationId xmlns:a16="http://schemas.microsoft.com/office/drawing/2014/main" id="{BE21E36D-9ADE-B65E-255D-F7D686638201}"/>
+              </a:ext>
+            </a:extLst>
+          </p:cNvPr>
+          <p:cNvSpPr>
+            <a:spLocks noGrp="1"/>
+          </p:cNvSpPr>
+          <p:nvPr>
+            <p:ph type="sldNum" sz="quarter" idx="12"/>
+          </p:nvPr>
+        </p:nvSpPr>
+        <p:spPr/>
+        <p:txBody>
+          <a:bodyPr/>
+          <a:lstStyle/>
+          <a:p>
+            <a:fld id="{719D7796-F675-488F-AC46-C88938C80352}" type="slidenum">
+              <a:rPr lang="en-US" smtClean="0"/>
+              <a:t>18</a:t>
+            </a:fld>
+            <a:endParaRPr lang="en-US" dirty="0"/>
+          </a:p>
+        </p:txBody>
+      </p:sp>
+      <p:sp>
+        <p:nvSpPr>
+          <p:cNvPr id="5" name="Footer Placeholder 4">
+            <a:extLst>
+              <a:ext uri="{FF2B5EF4-FFF2-40B4-BE49-F238E27FC236}">
+                <a16:creationId xmlns:a16="http://schemas.microsoft.com/office/drawing/2014/main" id="{32D3AD75-5125-42F4-8C56-256B3E44A858}"/>
+              </a:ext>
+            </a:extLst>
+          </p:cNvPr>
+          <p:cNvSpPr>
+            <a:spLocks noGrp="1"/>
+          </p:cNvSpPr>
+          <p:nvPr>
+            <p:ph type="ftr" sz="quarter" idx="11"/>
+          </p:nvPr>
+        </p:nvSpPr>
+        <p:spPr/>
+        <p:txBody>
+          <a:bodyPr/>
+          <a:lstStyle/>
+          <a:p>
+            <a:r>
+              <a:rPr lang="nl-BE" dirty="0"/>
+              <a:t>Het onderhouden van kamerplanten automatiseren - Eduard Smet</a:t>
+            </a:r>
+            <a:endParaRPr lang="en-US" dirty="0"/>
+          </a:p>
+        </p:txBody>
+      </p:sp>
+      <p:sp>
+        <p:nvSpPr>
+          <p:cNvPr id="6" name="Date Placeholder 5">
+            <a:extLst>
+              <a:ext uri="{FF2B5EF4-FFF2-40B4-BE49-F238E27FC236}">
+                <a16:creationId xmlns:a16="http://schemas.microsoft.com/office/drawing/2014/main" id="{92A0768E-42FB-CF56-882C-72EF5CAB8F44}"/>
+              </a:ext>
+            </a:extLst>
+          </p:cNvPr>
+          <p:cNvSpPr>
+            <a:spLocks noGrp="1"/>
+          </p:cNvSpPr>
+          <p:nvPr>
+            <p:ph type="dt" sz="half" idx="10"/>
+          </p:nvPr>
+        </p:nvSpPr>
+        <p:spPr/>
+        <p:txBody>
+          <a:bodyPr/>
+          <a:lstStyle/>
+          <a:p>
+            <a:r>
+              <a:rPr lang="en-US" dirty="0"/>
+              <a:t>31/1/2023</a:t>
+            </a:r>
+          </a:p>
+        </p:txBody>
+      </p:sp>
+      <p:pic>
+        <p:nvPicPr>
+          <p:cNvPr id="7" name="Picture 6">
+            <a:extLst>
+              <a:ext uri="{FF2B5EF4-FFF2-40B4-BE49-F238E27FC236}">
+                <a16:creationId xmlns:a16="http://schemas.microsoft.com/office/drawing/2014/main" id="{C17B7B94-90C7-CAB8-0551-9541ABA0B934}"/>
+              </a:ext>
+            </a:extLst>
+          </p:cNvPr>
+          <p:cNvPicPr>
+            <a:picLocks noChangeAspect="1"/>
+          </p:cNvPicPr>
+          <p:nvPr/>
+        </p:nvPicPr>
+        <p:blipFill>
+          <a:blip r:embed="rId2" cstate="print">
+            <a:extLst>
+              <a:ext uri="{28A0092B-C50C-407E-A947-70E740481C1C}">
+                <a14:useLocalDpi xmlns:a14="http://schemas.microsoft.com/office/drawing/2010/main" val="0"/>
+              </a:ext>
+            </a:extLst>
+          </a:blip>
+          <a:srcRect/>
+          <a:stretch>
+            <a:fillRect/>
+          </a:stretch>
+        </p:blipFill>
+        <p:spPr bwMode="auto">
+          <a:xfrm rot="5400000">
+            <a:off x="7339444" y="2408818"/>
+            <a:ext cx="4195495" cy="3146621"/>
+          </a:xfrm>
+          <a:prstGeom prst="rect">
+            <a:avLst/>
+          </a:prstGeom>
+          <a:noFill/>
+          <a:ln>
+            <a:noFill/>
+          </a:ln>
+        </p:spPr>
+      </p:pic>
+    </p:spTree>
+    <p:extLst>
+      <p:ext uri="{BB962C8B-B14F-4D97-AF65-F5344CB8AC3E}">
+        <p14:creationId xmlns:p14="http://schemas.microsoft.com/office/powerpoint/2010/main" val="2213123749"/>
+      </p:ext>
+    </p:extLst>
+  </p:cSld>
+  <p:clrMapOvr>
+    <a:masterClrMapping/>
+  </p:clrMapOvr>
+  <mc:AlternateContent xmlns:mc="http://schemas.openxmlformats.org/markup-compatibility/2006">
+    <mc:Choice xmlns:p14="http://schemas.microsoft.com/office/powerpoint/2010/main" Requires="p14">
+      <p:transition spd="med" p14:dur="700">
+        <p:fade/>
+      </p:transition>
+    </mc:Choice>
+    <mc:Fallback>
+      <p:transition spd="med">
+        <p:fade/>
+      </p:transition>
+    </mc:Fallback>
+  </mc:AlternateContent>
+</p:sld>
+</file>
+
+<file path=ppt/slides/slide19.xml><?xml version="1.0" encoding="utf-8"?>
+<p:sld xmlns:a="http://schemas.openxmlformats.org/drawingml/2006/main" xmlns:r="http://schemas.openxmlformats.org/officeDocument/2006/relationships" xmlns:p="http://schemas.openxmlformats.org/presentationml/2006/main">
+  <p:cSld>
+    <p:spTree>
+      <p:nvGrpSpPr>
+        <p:cNvPr id="1" name=""/>
+        <p:cNvGrpSpPr/>
+        <p:nvPr/>
+      </p:nvGrpSpPr>
+      <p:grpSpPr>
+        <a:xfrm>
+          <a:off x="0" y="0"/>
+          <a:ext cx="0" cy="0"/>
+          <a:chOff x="0" y="0"/>
+          <a:chExt cx="0" cy="0"/>
+        </a:xfrm>
+      </p:grpSpPr>
+      <p:sp>
+        <p:nvSpPr>
+          <p:cNvPr id="2" name="Title 1">
+            <a:extLst>
+              <a:ext uri="{FF2B5EF4-FFF2-40B4-BE49-F238E27FC236}">
+                <a16:creationId xmlns:a16="http://schemas.microsoft.com/office/drawing/2014/main" id="{5A7265BD-9D76-B2B4-E1E4-0AA01C3A3E1F}"/>
+              </a:ext>
+            </a:extLst>
+          </p:cNvPr>
+          <p:cNvSpPr>
+            <a:spLocks noGrp="1"/>
+          </p:cNvSpPr>
+          <p:nvPr>
+            <p:ph type="title"/>
+          </p:nvPr>
+        </p:nvSpPr>
+        <p:spPr/>
+        <p:txBody>
+          <a:bodyPr/>
+          <a:lstStyle/>
+          <a:p>
+            <a:r>
+              <a:rPr lang="en-US" dirty="0"/>
+              <a:t>2. De </a:t>
+            </a:r>
+            <a:r>
+              <a:rPr lang="nl-BE" dirty="0"/>
+              <a:t>theorie</a:t>
+            </a:r>
+          </a:p>
+        </p:txBody>
+      </p:sp>
+      <p:sp>
+        <p:nvSpPr>
+          <p:cNvPr id="3" name="Content Placeholder 2">
+            <a:extLst>
+              <a:ext uri="{FF2B5EF4-FFF2-40B4-BE49-F238E27FC236}">
+                <a16:creationId xmlns:a16="http://schemas.microsoft.com/office/drawing/2014/main" id="{6E25F141-97FE-D4F8-A34E-A4989E36CF8A}"/>
+              </a:ext>
+            </a:extLst>
+          </p:cNvPr>
+          <p:cNvSpPr>
+            <a:spLocks noGrp="1"/>
+          </p:cNvSpPr>
+          <p:nvPr>
+            <p:ph idx="1"/>
+          </p:nvPr>
+        </p:nvSpPr>
+        <p:spPr>
+          <a:xfrm>
+            <a:off x="1088136" y="2062768"/>
+            <a:ext cx="9922764" cy="3838722"/>
+          </a:xfrm>
+        </p:spPr>
+        <p:txBody>
+          <a:bodyPr>
+            <a:normAutofit/>
+          </a:bodyPr>
+          <a:lstStyle/>
+          <a:p>
+            <a:pPr lvl="1"/>
+            <a:r>
+              <a:rPr lang="nl-BE" u="sng" dirty="0"/>
+              <a:t>Overzicht:</a:t>
+            </a:r>
+          </a:p>
+          <a:p>
+            <a:pPr lvl="1"/>
+            <a:r>
+              <a:rPr lang="nl-BE" u="sng" dirty="0"/>
+              <a:t>Keuze van planten:</a:t>
+            </a:r>
+          </a:p>
+          <a:p>
+            <a:pPr marL="617220" lvl="1" indent="-342900">
+              <a:buFont typeface="+mj-lt"/>
+              <a:buAutoNum type="arabicPeriod"/>
+            </a:pPr>
+            <a:r>
+              <a:rPr lang="nl-BE" dirty="0"/>
+              <a:t>Een palm:</a:t>
+            </a:r>
+          </a:p>
+          <a:p>
+            <a:pPr marL="274320" lvl="1" indent="0">
+              <a:buNone/>
+            </a:pPr>
+            <a:endParaRPr lang="nl-BE" dirty="0"/>
+          </a:p>
+        </p:txBody>
+      </p:sp>
+      <p:sp>
+        <p:nvSpPr>
+          <p:cNvPr id="4" name="Slide Number Placeholder 3">
+            <a:extLst>
+              <a:ext uri="{FF2B5EF4-FFF2-40B4-BE49-F238E27FC236}">
+                <a16:creationId xmlns:a16="http://schemas.microsoft.com/office/drawing/2014/main" id="{BE21E36D-9ADE-B65E-255D-F7D686638201}"/>
+              </a:ext>
+            </a:extLst>
+          </p:cNvPr>
+          <p:cNvSpPr>
+            <a:spLocks noGrp="1"/>
+          </p:cNvSpPr>
+          <p:nvPr>
+            <p:ph type="sldNum" sz="quarter" idx="12"/>
+          </p:nvPr>
+        </p:nvSpPr>
+        <p:spPr/>
+        <p:txBody>
+          <a:bodyPr/>
+          <a:lstStyle/>
+          <a:p>
+            <a:fld id="{719D7796-F675-488F-AC46-C88938C80352}" type="slidenum">
+              <a:rPr lang="en-US" smtClean="0"/>
+              <a:t>19</a:t>
+            </a:fld>
+            <a:endParaRPr lang="en-US" dirty="0"/>
+          </a:p>
+        </p:txBody>
+      </p:sp>
+      <p:sp>
+        <p:nvSpPr>
+          <p:cNvPr id="5" name="Footer Placeholder 4">
+            <a:extLst>
+              <a:ext uri="{FF2B5EF4-FFF2-40B4-BE49-F238E27FC236}">
+                <a16:creationId xmlns:a16="http://schemas.microsoft.com/office/drawing/2014/main" id="{32D3AD75-5125-42F4-8C56-256B3E44A858}"/>
+              </a:ext>
+            </a:extLst>
+          </p:cNvPr>
+          <p:cNvSpPr>
+            <a:spLocks noGrp="1"/>
+          </p:cNvSpPr>
+          <p:nvPr>
+            <p:ph type="ftr" sz="quarter" idx="11"/>
+          </p:nvPr>
+        </p:nvSpPr>
+        <p:spPr/>
+        <p:txBody>
+          <a:bodyPr/>
+          <a:lstStyle/>
+          <a:p>
+            <a:r>
+              <a:rPr lang="nl-BE" dirty="0"/>
+              <a:t>Het onderhouden van kamerplanten automatiseren - Eduard Smet</a:t>
+            </a:r>
+            <a:endParaRPr lang="en-US" dirty="0"/>
+          </a:p>
+        </p:txBody>
+      </p:sp>
+      <p:sp>
+        <p:nvSpPr>
+          <p:cNvPr id="6" name="Date Placeholder 5">
+            <a:extLst>
+              <a:ext uri="{FF2B5EF4-FFF2-40B4-BE49-F238E27FC236}">
+                <a16:creationId xmlns:a16="http://schemas.microsoft.com/office/drawing/2014/main" id="{92A0768E-42FB-CF56-882C-72EF5CAB8F44}"/>
+              </a:ext>
+            </a:extLst>
+          </p:cNvPr>
+          <p:cNvSpPr>
+            <a:spLocks noGrp="1"/>
+          </p:cNvSpPr>
+          <p:nvPr>
+            <p:ph type="dt" sz="half" idx="10"/>
+          </p:nvPr>
+        </p:nvSpPr>
+        <p:spPr/>
+        <p:txBody>
+          <a:bodyPr/>
+          <a:lstStyle/>
+          <a:p>
+            <a:r>
+              <a:rPr lang="en-US" dirty="0"/>
+              <a:t>31/1/2023</a:t>
+            </a:r>
+          </a:p>
+        </p:txBody>
+      </p:sp>
+      <p:pic>
+        <p:nvPicPr>
+          <p:cNvPr id="7" name="Picture 6">
+            <a:extLst>
+              <a:ext uri="{FF2B5EF4-FFF2-40B4-BE49-F238E27FC236}">
+                <a16:creationId xmlns:a16="http://schemas.microsoft.com/office/drawing/2014/main" id="{DB7BA2C3-6632-CA64-98E5-90F602E66D86}"/>
+              </a:ext>
+            </a:extLst>
+          </p:cNvPr>
+          <p:cNvPicPr>
+            <a:picLocks noChangeAspect="1"/>
+          </p:cNvPicPr>
+          <p:nvPr/>
+        </p:nvPicPr>
+        <p:blipFill>
+          <a:blip r:embed="rId2" cstate="print">
+            <a:extLst>
+              <a:ext uri="{28A0092B-C50C-407E-A947-70E740481C1C}">
+                <a14:useLocalDpi xmlns:a14="http://schemas.microsoft.com/office/drawing/2010/main" val="0"/>
+              </a:ext>
+            </a:extLst>
+          </a:blip>
+          <a:srcRect/>
+          <a:stretch>
+            <a:fillRect/>
+          </a:stretch>
+        </p:blipFill>
+        <p:spPr bwMode="auto">
+          <a:xfrm rot="5400000">
+            <a:off x="7312131" y="2408818"/>
+            <a:ext cx="4195496" cy="3146622"/>
+          </a:xfrm>
+          <a:prstGeom prst="rect">
+            <a:avLst/>
+          </a:prstGeom>
+          <a:noFill/>
+          <a:ln>
+            <a:noFill/>
+          </a:ln>
+        </p:spPr>
+      </p:pic>
+    </p:spTree>
+    <p:extLst>
+      <p:ext uri="{BB962C8B-B14F-4D97-AF65-F5344CB8AC3E}">
+        <p14:creationId xmlns:p14="http://schemas.microsoft.com/office/powerpoint/2010/main" val="943185572"/>
+      </p:ext>
+    </p:extLst>
+  </p:cSld>
+  <p:clrMapOvr>
+    <a:masterClrMapping/>
+  </p:clrMapOvr>
+  <mc:AlternateContent xmlns:mc="http://schemas.openxmlformats.org/markup-compatibility/2006" xmlns:p14="http://schemas.microsoft.com/office/powerpoint/2010/main">
+    <mc:Choice Requires="p14">
+      <p:transition spd="med" p14:dur="700">
+        <p:fade/>
+      </p:transition>
+    </mc:Choice>
+    <mc:Fallback xmlns="">
+      <p:transition spd="med">
+        <p:fade/>
+      </p:transition>
+    </mc:Fallback>
+  </mc:AlternateContent>
 </p:sld>
 </file>
 
@@ -4521,10 +8412,9 @@
           <a:lstStyle/>
           <a:p>
             <a:r>
-              <a:rPr lang="en-BE" dirty="0" err="1"/>
+              <a:rPr lang="nl-BE" dirty="0"/>
               <a:t>Inhoud</a:t>
             </a:r>
-            <a:endParaRPr lang="nl-BE" dirty="0"/>
           </a:p>
         </p:txBody>
       </p:sp>
@@ -4544,10 +8434,15 @@
             <p:ph idx="1"/>
           </p:nvPr>
         </p:nvSpPr>
-        <p:spPr/>
+        <p:spPr>
+          <a:xfrm>
+            <a:off x="1088136" y="2062768"/>
+            <a:ext cx="9922764" cy="3838722"/>
+          </a:xfrm>
+        </p:spPr>
         <p:txBody>
           <a:bodyPr>
-            <a:normAutofit lnSpcReduction="10000"/>
+            <a:normAutofit fontScale="85000" lnSpcReduction="10000"/>
           </a:bodyPr>
           <a:lstStyle/>
           <a:p>
@@ -4555,98 +8450,44 @@
               <a:buAutoNum type="arabicPeriod"/>
             </a:pPr>
             <a:r>
-              <a:rPr lang="en-BE" dirty="0"/>
-              <a:t>Het </a:t>
-            </a:r>
-            <a:r>
-              <a:rPr lang="en-BE" dirty="0" err="1"/>
-              <a:t>onderwerp</a:t>
-            </a:r>
-            <a:endParaRPr lang="en-BE" dirty="0"/>
+              <a:rPr lang="nl-BE" dirty="0"/>
+              <a:t>Het onderwerp</a:t>
+            </a:r>
           </a:p>
           <a:p>
             <a:pPr lvl="1"/>
             <a:r>
-              <a:rPr lang="en-BE" dirty="0"/>
-              <a:t>De </a:t>
-            </a:r>
-            <a:r>
-              <a:rPr lang="en-BE" dirty="0" err="1"/>
-              <a:t>onderzoeksvraag</a:t>
-            </a:r>
-            <a:endParaRPr lang="en-BE" dirty="0"/>
+              <a:rPr lang="nl-BE" dirty="0"/>
+              <a:t>De onderzoeksvraag</a:t>
+            </a:r>
           </a:p>
           <a:p>
             <a:pPr lvl="1"/>
             <a:r>
-              <a:rPr lang="en-BE" dirty="0" err="1"/>
-              <a:t>Toelichting</a:t>
-            </a:r>
-            <a:r>
-              <a:rPr lang="en-BE" dirty="0"/>
-              <a:t> </a:t>
-            </a:r>
-            <a:r>
-              <a:rPr lang="en-BE" dirty="0" err="1"/>
-              <a:t>maatschappelijke</a:t>
-            </a:r>
-            <a:r>
-              <a:rPr lang="en-BE" dirty="0"/>
-              <a:t> </a:t>
-            </a:r>
-            <a:r>
-              <a:rPr lang="en-BE" dirty="0" err="1"/>
-              <a:t>relevantie</a:t>
-            </a:r>
-            <a:endParaRPr lang="en-BE" dirty="0"/>
+              <a:rPr lang="nl-BE" dirty="0"/>
+              <a:t>Toelichting maatschappelijke relevantie</a:t>
+            </a:r>
           </a:p>
           <a:p>
             <a:pPr lvl="1"/>
             <a:r>
-              <a:rPr lang="en-BE" dirty="0" err="1"/>
-              <a:t>Toelichting</a:t>
-            </a:r>
-            <a:r>
-              <a:rPr lang="en-BE" dirty="0"/>
-              <a:t> </a:t>
-            </a:r>
-            <a:r>
-              <a:rPr lang="en-BE" dirty="0" err="1"/>
-              <a:t>keuze</a:t>
-            </a:r>
-            <a:endParaRPr lang="en-BE" dirty="0"/>
+              <a:rPr lang="nl-BE" dirty="0"/>
+              <a:t>Toelichting keuze</a:t>
+            </a:r>
           </a:p>
           <a:p>
             <a:pPr lvl="1"/>
             <a:r>
-              <a:rPr lang="en-BE" dirty="0" err="1"/>
-              <a:t>Toelichting</a:t>
-            </a:r>
-            <a:r>
-              <a:rPr lang="en-BE" dirty="0"/>
-              <a:t> </a:t>
-            </a:r>
-            <a:r>
-              <a:rPr lang="en-BE" dirty="0" err="1"/>
-              <a:t>oplossing</a:t>
-            </a:r>
-            <a:endParaRPr lang="en-BE" dirty="0"/>
+              <a:rPr lang="nl-BE" dirty="0"/>
+              <a:t>Toelichting oplossing</a:t>
+            </a:r>
           </a:p>
           <a:p>
             <a:pPr lvl="1"/>
             <a:r>
-              <a:rPr lang="en-BE" dirty="0" err="1"/>
-              <a:t>Huidige</a:t>
-            </a:r>
-            <a:r>
-              <a:rPr lang="en-BE" dirty="0"/>
-              <a:t> </a:t>
-            </a:r>
-            <a:r>
-              <a:rPr lang="en-BE" dirty="0" err="1"/>
-              <a:t>hypothese</a:t>
-            </a:r>
-            <a:endParaRPr lang="en-BE" dirty="0"/>
+              <a:rPr lang="nl-BE" dirty="0"/>
+              <a:t>Huidige hypothese</a:t>
+            </a:r>
           </a:p>
           <a:p>
             <a:pPr marL="342900" indent="-342900">
@@ -4654,41 +8495,37 @@
               <a:buAutoNum type="arabicPeriod"/>
             </a:pPr>
             <a:r>
-              <a:rPr lang="en-BE" dirty="0"/>
-              <a:t>De </a:t>
-            </a:r>
-            <a:r>
-              <a:rPr lang="en-BE" dirty="0" err="1"/>
-              <a:t>theorie</a:t>
-            </a:r>
-            <a:endParaRPr lang="en-BE" dirty="0"/>
+              <a:rPr lang="nl-BE" dirty="0"/>
+              <a:t>De theorie</a:t>
+            </a:r>
           </a:p>
           <a:p>
             <a:pPr lvl="1"/>
             <a:r>
-              <a:rPr lang="en-BE" dirty="0"/>
+              <a:rPr lang="nl-BE" dirty="0"/>
               <a:t>De plant</a:t>
             </a:r>
           </a:p>
           <a:p>
             <a:pPr lvl="1"/>
             <a:r>
-              <a:rPr lang="en-BE" dirty="0"/>
-              <a:t>De </a:t>
-            </a:r>
-            <a:r>
-              <a:rPr lang="en-BE" dirty="0" err="1"/>
-              <a:t>meetbare</a:t>
-            </a:r>
-            <a:r>
-              <a:rPr lang="en-BE" dirty="0"/>
-              <a:t> </a:t>
-            </a:r>
-            <a:r>
-              <a:rPr lang="en-BE" dirty="0" err="1"/>
-              <a:t>factoren</a:t>
-            </a:r>
-            <a:endParaRPr lang="en-BE" dirty="0"/>
+              <a:rPr lang="nl-BE" dirty="0"/>
+              <a:t>De meetbare factoren</a:t>
+            </a:r>
+          </a:p>
+          <a:p>
+            <a:pPr lvl="1"/>
+            <a:r>
+              <a:rPr lang="nl-BE" dirty="0"/>
+              <a:t>De reageerbare factoren</a:t>
+            </a:r>
+          </a:p>
+          <a:p>
+            <a:pPr lvl="1"/>
+            <a:r>
+              <a:rPr lang="nl-BE" dirty="0"/>
+              <a:t>Overzicht</a:t>
+            </a:r>
           </a:p>
         </p:txBody>
       </p:sp>
@@ -4717,7 +8554,7 @@
               <a:rPr lang="en-US" smtClean="0"/>
               <a:t>2</a:t>
             </a:fld>
-            <a:endParaRPr lang="en-US"/>
+            <a:endParaRPr lang="en-US" dirty="0"/>
           </a:p>
         </p:txBody>
       </p:sp>
@@ -4743,10 +8580,10 @@
           <a:lstStyle/>
           <a:p>
             <a:r>
-              <a:rPr lang="nl-BE"/>
-              <a:t>Het onderhouden van kamerlanten automatiseren - Eduard Smet</a:t>
-            </a:r>
-            <a:endParaRPr lang="en-US"/>
+              <a:rPr lang="nl-BE" dirty="0"/>
+              <a:t>Het onderhouden van kamerplanten automatiseren - Eduard Smet</a:t>
+            </a:r>
+            <a:endParaRPr lang="en-US" dirty="0"/>
           </a:p>
         </p:txBody>
       </p:sp>
@@ -4772,7 +8609,7 @@
           <a:lstStyle/>
           <a:p>
             <a:r>
-              <a:rPr lang="en-US"/>
+              <a:rPr lang="en-US" dirty="0"/>
               <a:t>31/1/2023</a:t>
             </a:r>
           </a:p>
@@ -4788,6 +8625,738 @@
   <p:clrMapOvr>
     <a:masterClrMapping/>
   </p:clrMapOvr>
+  <mc:AlternateContent xmlns:mc="http://schemas.openxmlformats.org/markup-compatibility/2006" xmlns:p14="http://schemas.microsoft.com/office/powerpoint/2010/main">
+    <mc:Choice Requires="p14">
+      <p:transition spd="med" p14:dur="700">
+        <p:fade/>
+      </p:transition>
+    </mc:Choice>
+    <mc:Fallback xmlns="">
+      <p:transition spd="med">
+        <p:fade/>
+      </p:transition>
+    </mc:Fallback>
+  </mc:AlternateContent>
+</p:sld>
+</file>
+
+<file path=ppt/slides/slide20.xml><?xml version="1.0" encoding="utf-8"?>
+<p:sld xmlns:a="http://schemas.openxmlformats.org/drawingml/2006/main" xmlns:r="http://schemas.openxmlformats.org/officeDocument/2006/relationships" xmlns:p="http://schemas.openxmlformats.org/presentationml/2006/main">
+  <p:cSld>
+    <p:spTree>
+      <p:nvGrpSpPr>
+        <p:cNvPr id="1" name=""/>
+        <p:cNvGrpSpPr/>
+        <p:nvPr/>
+      </p:nvGrpSpPr>
+      <p:grpSpPr>
+        <a:xfrm>
+          <a:off x="0" y="0"/>
+          <a:ext cx="0" cy="0"/>
+          <a:chOff x="0" y="0"/>
+          <a:chExt cx="0" cy="0"/>
+        </a:xfrm>
+      </p:grpSpPr>
+      <p:sp>
+        <p:nvSpPr>
+          <p:cNvPr id="2" name="Title 1">
+            <a:extLst>
+              <a:ext uri="{FF2B5EF4-FFF2-40B4-BE49-F238E27FC236}">
+                <a16:creationId xmlns:a16="http://schemas.microsoft.com/office/drawing/2014/main" id="{5A7265BD-9D76-B2B4-E1E4-0AA01C3A3E1F}"/>
+              </a:ext>
+            </a:extLst>
+          </p:cNvPr>
+          <p:cNvSpPr>
+            <a:spLocks noGrp="1"/>
+          </p:cNvSpPr>
+          <p:nvPr>
+            <p:ph type="title"/>
+          </p:nvPr>
+        </p:nvSpPr>
+        <p:spPr/>
+        <p:txBody>
+          <a:bodyPr/>
+          <a:lstStyle/>
+          <a:p>
+            <a:r>
+              <a:rPr lang="nl-BE" dirty="0"/>
+              <a:t>3. De praktische proef</a:t>
+            </a:r>
+          </a:p>
+        </p:txBody>
+      </p:sp>
+      <p:sp>
+        <p:nvSpPr>
+          <p:cNvPr id="3" name="Content Placeholder 2">
+            <a:extLst>
+              <a:ext uri="{FF2B5EF4-FFF2-40B4-BE49-F238E27FC236}">
+                <a16:creationId xmlns:a16="http://schemas.microsoft.com/office/drawing/2014/main" id="{6E25F141-97FE-D4F8-A34E-A4989E36CF8A}"/>
+              </a:ext>
+            </a:extLst>
+          </p:cNvPr>
+          <p:cNvSpPr>
+            <a:spLocks noGrp="1"/>
+          </p:cNvSpPr>
+          <p:nvPr>
+            <p:ph idx="1"/>
+          </p:nvPr>
+        </p:nvSpPr>
+        <p:spPr>
+          <a:xfrm>
+            <a:off x="1088136" y="2062768"/>
+            <a:ext cx="9922764" cy="3838722"/>
+          </a:xfrm>
+        </p:spPr>
+        <p:txBody>
+          <a:bodyPr>
+            <a:normAutofit lnSpcReduction="10000"/>
+          </a:bodyPr>
+          <a:lstStyle/>
+          <a:p>
+            <a:r>
+              <a:rPr lang="nl-BE" u="sng" dirty="0"/>
+              <a:t>De methode:</a:t>
+            </a:r>
+          </a:p>
+          <a:p>
+            <a:r>
+              <a:rPr lang="nl-BE" dirty="0"/>
+              <a:t>Aan de hand van sensoren.</a:t>
+            </a:r>
+          </a:p>
+          <a:p>
+            <a:r>
+              <a:rPr lang="nl-BE" dirty="0"/>
+              <a:t>Verbonden met een Raspberry Pi.</a:t>
+            </a:r>
+          </a:p>
+          <a:p>
+            <a:r>
+              <a:rPr lang="nl-BE" dirty="0"/>
+              <a:t>Stuurt de data naar een website die</a:t>
+            </a:r>
+            <a:br>
+              <a:rPr lang="nl-BE" dirty="0"/>
+            </a:br>
+            <a:r>
+              <a:rPr lang="nl-BE" dirty="0"/>
+              <a:t>dit verwerkt en automatisch op reageert.</a:t>
+            </a:r>
+          </a:p>
+          <a:p>
+            <a:r>
+              <a:rPr lang="nl-BE" dirty="0"/>
+              <a:t>Aan de hand van een waterpompje.</a:t>
+            </a:r>
+          </a:p>
+          <a:p>
+            <a:r>
+              <a:rPr lang="nl-BE" dirty="0"/>
+              <a:t>Aan de hand van een melding of email.</a:t>
+            </a:r>
+          </a:p>
+          <a:p>
+            <a:r>
+              <a:rPr lang="nl-BE" dirty="0"/>
+              <a:t>De website presenteert de date in een</a:t>
+            </a:r>
+            <a:br>
+              <a:rPr lang="nl-BE" dirty="0"/>
+            </a:br>
+            <a:r>
+              <a:rPr lang="nl-BE" dirty="0"/>
+              <a:t>aangename manier voor de gebruiker.</a:t>
+            </a:r>
+          </a:p>
+        </p:txBody>
+      </p:sp>
+      <p:sp>
+        <p:nvSpPr>
+          <p:cNvPr id="4" name="Slide Number Placeholder 3">
+            <a:extLst>
+              <a:ext uri="{FF2B5EF4-FFF2-40B4-BE49-F238E27FC236}">
+                <a16:creationId xmlns:a16="http://schemas.microsoft.com/office/drawing/2014/main" id="{BE21E36D-9ADE-B65E-255D-F7D686638201}"/>
+              </a:ext>
+            </a:extLst>
+          </p:cNvPr>
+          <p:cNvSpPr>
+            <a:spLocks noGrp="1"/>
+          </p:cNvSpPr>
+          <p:nvPr>
+            <p:ph type="sldNum" sz="quarter" idx="12"/>
+          </p:nvPr>
+        </p:nvSpPr>
+        <p:spPr/>
+        <p:txBody>
+          <a:bodyPr/>
+          <a:lstStyle/>
+          <a:p>
+            <a:fld id="{719D7796-F675-488F-AC46-C88938C80352}" type="slidenum">
+              <a:rPr lang="en-US" smtClean="0"/>
+              <a:t>20</a:t>
+            </a:fld>
+            <a:endParaRPr lang="en-US" dirty="0"/>
+          </a:p>
+        </p:txBody>
+      </p:sp>
+      <p:sp>
+        <p:nvSpPr>
+          <p:cNvPr id="5" name="Footer Placeholder 4">
+            <a:extLst>
+              <a:ext uri="{FF2B5EF4-FFF2-40B4-BE49-F238E27FC236}">
+                <a16:creationId xmlns:a16="http://schemas.microsoft.com/office/drawing/2014/main" id="{32D3AD75-5125-42F4-8C56-256B3E44A858}"/>
+              </a:ext>
+            </a:extLst>
+          </p:cNvPr>
+          <p:cNvSpPr>
+            <a:spLocks noGrp="1"/>
+          </p:cNvSpPr>
+          <p:nvPr>
+            <p:ph type="ftr" sz="quarter" idx="11"/>
+          </p:nvPr>
+        </p:nvSpPr>
+        <p:spPr/>
+        <p:txBody>
+          <a:bodyPr/>
+          <a:lstStyle/>
+          <a:p>
+            <a:r>
+              <a:rPr lang="nl-BE" dirty="0"/>
+              <a:t>Het onderhouden van kamerplanten automatiseren - Eduard Smet</a:t>
+            </a:r>
+            <a:endParaRPr lang="en-US" dirty="0"/>
+          </a:p>
+        </p:txBody>
+      </p:sp>
+      <p:sp>
+        <p:nvSpPr>
+          <p:cNvPr id="6" name="Date Placeholder 5">
+            <a:extLst>
+              <a:ext uri="{FF2B5EF4-FFF2-40B4-BE49-F238E27FC236}">
+                <a16:creationId xmlns:a16="http://schemas.microsoft.com/office/drawing/2014/main" id="{92A0768E-42FB-CF56-882C-72EF5CAB8F44}"/>
+              </a:ext>
+            </a:extLst>
+          </p:cNvPr>
+          <p:cNvSpPr>
+            <a:spLocks noGrp="1"/>
+          </p:cNvSpPr>
+          <p:nvPr>
+            <p:ph type="dt" sz="half" idx="10"/>
+          </p:nvPr>
+        </p:nvSpPr>
+        <p:spPr/>
+        <p:txBody>
+          <a:bodyPr/>
+          <a:lstStyle/>
+          <a:p>
+            <a:r>
+              <a:rPr lang="en-US" dirty="0"/>
+              <a:t>31/1/2023</a:t>
+            </a:r>
+          </a:p>
+        </p:txBody>
+      </p:sp>
+    </p:spTree>
+    <p:extLst>
+      <p:ext uri="{BB962C8B-B14F-4D97-AF65-F5344CB8AC3E}">
+        <p14:creationId xmlns:p14="http://schemas.microsoft.com/office/powerpoint/2010/main" val="3732866858"/>
+      </p:ext>
+    </p:extLst>
+  </p:cSld>
+  <p:clrMapOvr>
+    <a:masterClrMapping/>
+  </p:clrMapOvr>
+  <mc:AlternateContent xmlns:mc="http://schemas.openxmlformats.org/markup-compatibility/2006" xmlns:p14="http://schemas.microsoft.com/office/powerpoint/2010/main">
+    <mc:Choice Requires="p14">
+      <p:transition spd="med" p14:dur="700">
+        <p:fade/>
+      </p:transition>
+    </mc:Choice>
+    <mc:Fallback xmlns="">
+      <p:transition spd="med">
+        <p:fade/>
+      </p:transition>
+    </mc:Fallback>
+  </mc:AlternateContent>
+</p:sld>
+</file>
+
+<file path=ppt/slides/slide21.xml><?xml version="1.0" encoding="utf-8"?>
+<p:sld xmlns:a="http://schemas.openxmlformats.org/drawingml/2006/main" xmlns:r="http://schemas.openxmlformats.org/officeDocument/2006/relationships" xmlns:p="http://schemas.openxmlformats.org/presentationml/2006/main">
+  <p:cSld>
+    <p:spTree>
+      <p:nvGrpSpPr>
+        <p:cNvPr id="1" name=""/>
+        <p:cNvGrpSpPr/>
+        <p:nvPr/>
+      </p:nvGrpSpPr>
+      <p:grpSpPr>
+        <a:xfrm>
+          <a:off x="0" y="0"/>
+          <a:ext cx="0" cy="0"/>
+          <a:chOff x="0" y="0"/>
+          <a:chExt cx="0" cy="0"/>
+        </a:xfrm>
+      </p:grpSpPr>
+      <p:sp>
+        <p:nvSpPr>
+          <p:cNvPr id="2" name="Title 1">
+            <a:extLst>
+              <a:ext uri="{FF2B5EF4-FFF2-40B4-BE49-F238E27FC236}">
+                <a16:creationId xmlns:a16="http://schemas.microsoft.com/office/drawing/2014/main" id="{5A7265BD-9D76-B2B4-E1E4-0AA01C3A3E1F}"/>
+              </a:ext>
+            </a:extLst>
+          </p:cNvPr>
+          <p:cNvSpPr>
+            <a:spLocks noGrp="1"/>
+          </p:cNvSpPr>
+          <p:nvPr>
+            <p:ph type="title"/>
+          </p:nvPr>
+        </p:nvSpPr>
+        <p:spPr/>
+        <p:txBody>
+          <a:bodyPr/>
+          <a:lstStyle/>
+          <a:p>
+            <a:r>
+              <a:rPr lang="nl-BE" dirty="0"/>
+              <a:t>3. De praktische proef</a:t>
+            </a:r>
+          </a:p>
+        </p:txBody>
+      </p:sp>
+      <p:sp>
+        <p:nvSpPr>
+          <p:cNvPr id="3" name="Content Placeholder 2">
+            <a:extLst>
+              <a:ext uri="{FF2B5EF4-FFF2-40B4-BE49-F238E27FC236}">
+                <a16:creationId xmlns:a16="http://schemas.microsoft.com/office/drawing/2014/main" id="{6E25F141-97FE-D4F8-A34E-A4989E36CF8A}"/>
+              </a:ext>
+            </a:extLst>
+          </p:cNvPr>
+          <p:cNvSpPr>
+            <a:spLocks noGrp="1"/>
+          </p:cNvSpPr>
+          <p:nvPr>
+            <p:ph idx="1"/>
+          </p:nvPr>
+        </p:nvSpPr>
+        <p:spPr>
+          <a:xfrm>
+            <a:off x="1088136" y="2062768"/>
+            <a:ext cx="9922764" cy="3838722"/>
+          </a:xfrm>
+        </p:spPr>
+        <p:txBody>
+          <a:bodyPr>
+            <a:normAutofit/>
+          </a:bodyPr>
+          <a:lstStyle/>
+          <a:p>
+            <a:r>
+              <a:rPr lang="nl-BE" u="sng" dirty="0"/>
+              <a:t>De huidige voortgang:</a:t>
+            </a:r>
+          </a:p>
+          <a:p>
+            <a:r>
+              <a:rPr lang="nl-BE" dirty="0"/>
+              <a:t>Heb zo goed als alle componenten al.</a:t>
+            </a:r>
+          </a:p>
+          <a:p>
+            <a:r>
+              <a:rPr lang="nl-BE" dirty="0"/>
+              <a:t>Begonnen met testen en bouwen van het systeem.</a:t>
+            </a:r>
+          </a:p>
+          <a:p>
+            <a:endParaRPr lang="nl-BE" u="sng" dirty="0"/>
+          </a:p>
+          <a:p>
+            <a:r>
+              <a:rPr lang="nl-BE" u="sng" dirty="0"/>
+              <a:t>De moeilijkheden:</a:t>
+            </a:r>
+          </a:p>
+          <a:p>
+            <a:r>
+              <a:rPr lang="nl-BE" dirty="0"/>
+              <a:t>Weinig kennis met het werken met een Raspberry Pi en de sensoren.</a:t>
+            </a:r>
+          </a:p>
+          <a:p>
+            <a:r>
+              <a:rPr lang="nl-BE" dirty="0"/>
+              <a:t>Research doen </a:t>
+            </a:r>
+            <a:r>
+              <a:rPr lang="nl-BE" dirty="0" err="1"/>
+              <a:t>ivm</a:t>
+            </a:r>
+            <a:r>
+              <a:rPr lang="nl-BE" dirty="0"/>
+              <a:t> de Raspberry Pi.</a:t>
+            </a:r>
+          </a:p>
+        </p:txBody>
+      </p:sp>
+      <p:sp>
+        <p:nvSpPr>
+          <p:cNvPr id="4" name="Slide Number Placeholder 3">
+            <a:extLst>
+              <a:ext uri="{FF2B5EF4-FFF2-40B4-BE49-F238E27FC236}">
+                <a16:creationId xmlns:a16="http://schemas.microsoft.com/office/drawing/2014/main" id="{BE21E36D-9ADE-B65E-255D-F7D686638201}"/>
+              </a:ext>
+            </a:extLst>
+          </p:cNvPr>
+          <p:cNvSpPr>
+            <a:spLocks noGrp="1"/>
+          </p:cNvSpPr>
+          <p:nvPr>
+            <p:ph type="sldNum" sz="quarter" idx="12"/>
+          </p:nvPr>
+        </p:nvSpPr>
+        <p:spPr/>
+        <p:txBody>
+          <a:bodyPr/>
+          <a:lstStyle/>
+          <a:p>
+            <a:fld id="{719D7796-F675-488F-AC46-C88938C80352}" type="slidenum">
+              <a:rPr lang="en-US" smtClean="0"/>
+              <a:t>21</a:t>
+            </a:fld>
+            <a:endParaRPr lang="en-US" dirty="0"/>
+          </a:p>
+        </p:txBody>
+      </p:sp>
+      <p:sp>
+        <p:nvSpPr>
+          <p:cNvPr id="5" name="Footer Placeholder 4">
+            <a:extLst>
+              <a:ext uri="{FF2B5EF4-FFF2-40B4-BE49-F238E27FC236}">
+                <a16:creationId xmlns:a16="http://schemas.microsoft.com/office/drawing/2014/main" id="{32D3AD75-5125-42F4-8C56-256B3E44A858}"/>
+              </a:ext>
+            </a:extLst>
+          </p:cNvPr>
+          <p:cNvSpPr>
+            <a:spLocks noGrp="1"/>
+          </p:cNvSpPr>
+          <p:nvPr>
+            <p:ph type="ftr" sz="quarter" idx="11"/>
+          </p:nvPr>
+        </p:nvSpPr>
+        <p:spPr/>
+        <p:txBody>
+          <a:bodyPr/>
+          <a:lstStyle/>
+          <a:p>
+            <a:r>
+              <a:rPr lang="nl-BE" dirty="0"/>
+              <a:t>Het onderhouden van kamerplanten automatiseren - Eduard Smet</a:t>
+            </a:r>
+            <a:endParaRPr lang="en-US" dirty="0"/>
+          </a:p>
+        </p:txBody>
+      </p:sp>
+      <p:sp>
+        <p:nvSpPr>
+          <p:cNvPr id="6" name="Date Placeholder 5">
+            <a:extLst>
+              <a:ext uri="{FF2B5EF4-FFF2-40B4-BE49-F238E27FC236}">
+                <a16:creationId xmlns:a16="http://schemas.microsoft.com/office/drawing/2014/main" id="{92A0768E-42FB-CF56-882C-72EF5CAB8F44}"/>
+              </a:ext>
+            </a:extLst>
+          </p:cNvPr>
+          <p:cNvSpPr>
+            <a:spLocks noGrp="1"/>
+          </p:cNvSpPr>
+          <p:nvPr>
+            <p:ph type="dt" sz="half" idx="10"/>
+          </p:nvPr>
+        </p:nvSpPr>
+        <p:spPr/>
+        <p:txBody>
+          <a:bodyPr/>
+          <a:lstStyle/>
+          <a:p>
+            <a:r>
+              <a:rPr lang="en-US" dirty="0"/>
+              <a:t>31/1/2023</a:t>
+            </a:r>
+          </a:p>
+        </p:txBody>
+      </p:sp>
+    </p:spTree>
+    <p:extLst>
+      <p:ext uri="{BB962C8B-B14F-4D97-AF65-F5344CB8AC3E}">
+        <p14:creationId xmlns:p14="http://schemas.microsoft.com/office/powerpoint/2010/main" val="33546057"/>
+      </p:ext>
+    </p:extLst>
+  </p:cSld>
+  <p:clrMapOvr>
+    <a:masterClrMapping/>
+  </p:clrMapOvr>
+  <mc:AlternateContent xmlns:mc="http://schemas.openxmlformats.org/markup-compatibility/2006">
+    <mc:Choice xmlns:p14="http://schemas.microsoft.com/office/powerpoint/2010/main" Requires="p14">
+      <p:transition spd="med" p14:dur="700">
+        <p:fade/>
+      </p:transition>
+    </mc:Choice>
+    <mc:Fallback>
+      <p:transition spd="med">
+        <p:fade/>
+      </p:transition>
+    </mc:Fallback>
+  </mc:AlternateContent>
+</p:sld>
+</file>
+
+<file path=ppt/slides/slide22.xml><?xml version="1.0" encoding="utf-8"?>
+<p:sld xmlns:a="http://schemas.openxmlformats.org/drawingml/2006/main" xmlns:r="http://schemas.openxmlformats.org/officeDocument/2006/relationships" xmlns:p="http://schemas.openxmlformats.org/presentationml/2006/main">
+  <p:cSld>
+    <p:spTree>
+      <p:nvGrpSpPr>
+        <p:cNvPr id="1" name=""/>
+        <p:cNvGrpSpPr/>
+        <p:nvPr/>
+      </p:nvGrpSpPr>
+      <p:grpSpPr>
+        <a:xfrm>
+          <a:off x="0" y="0"/>
+          <a:ext cx="0" cy="0"/>
+          <a:chOff x="0" y="0"/>
+          <a:chExt cx="0" cy="0"/>
+        </a:xfrm>
+      </p:grpSpPr>
+      <p:sp>
+        <p:nvSpPr>
+          <p:cNvPr id="2" name="Title 1">
+            <a:extLst>
+              <a:ext uri="{FF2B5EF4-FFF2-40B4-BE49-F238E27FC236}">
+                <a16:creationId xmlns:a16="http://schemas.microsoft.com/office/drawing/2014/main" id="{5A7265BD-9D76-B2B4-E1E4-0AA01C3A3E1F}"/>
+              </a:ext>
+            </a:extLst>
+          </p:cNvPr>
+          <p:cNvSpPr>
+            <a:spLocks noGrp="1"/>
+          </p:cNvSpPr>
+          <p:nvPr>
+            <p:ph type="title"/>
+          </p:nvPr>
+        </p:nvSpPr>
+        <p:spPr/>
+        <p:txBody>
+          <a:bodyPr/>
+          <a:lstStyle/>
+          <a:p>
+            <a:r>
+              <a:rPr lang="nl-BE" dirty="0"/>
+              <a:t>4. Voorlopige conclusie</a:t>
+            </a:r>
+          </a:p>
+        </p:txBody>
+      </p:sp>
+      <p:sp>
+        <p:nvSpPr>
+          <p:cNvPr id="3" name="Content Placeholder 2">
+            <a:extLst>
+              <a:ext uri="{FF2B5EF4-FFF2-40B4-BE49-F238E27FC236}">
+                <a16:creationId xmlns:a16="http://schemas.microsoft.com/office/drawing/2014/main" id="{6E25F141-97FE-D4F8-A34E-A4989E36CF8A}"/>
+              </a:ext>
+            </a:extLst>
+          </p:cNvPr>
+          <p:cNvSpPr>
+            <a:spLocks noGrp="1"/>
+          </p:cNvSpPr>
+          <p:nvPr>
+            <p:ph idx="1"/>
+          </p:nvPr>
+        </p:nvSpPr>
+        <p:spPr>
+          <a:xfrm>
+            <a:off x="1088136" y="2062768"/>
+            <a:ext cx="9922764" cy="3838722"/>
+          </a:xfrm>
+        </p:spPr>
+        <p:txBody>
+          <a:bodyPr>
+            <a:normAutofit fontScale="85000" lnSpcReduction="20000"/>
+          </a:bodyPr>
+          <a:lstStyle/>
+          <a:p>
+            <a:r>
+              <a:rPr lang="nl-BE" u="sng" dirty="0"/>
+              <a:t>Wat ik al heb bijgeleerd:</a:t>
+            </a:r>
+          </a:p>
+          <a:p>
+            <a:r>
+              <a:rPr lang="nl-BE" dirty="0"/>
+              <a:t>Veel over Raspberry Pi en alles in verband met dat.</a:t>
+            </a:r>
+          </a:p>
+          <a:p>
+            <a:endParaRPr lang="nl-BE" u="sng" dirty="0"/>
+          </a:p>
+          <a:p>
+            <a:r>
+              <a:rPr lang="nl-BE" u="sng" dirty="0"/>
+              <a:t>Wat ik nog moet doen:</a:t>
+            </a:r>
+          </a:p>
+          <a:p>
+            <a:r>
+              <a:rPr lang="nl-BE" dirty="0"/>
+              <a:t>Nog de theorie achter dit alles verder onderzoeken.</a:t>
+            </a:r>
+          </a:p>
+          <a:p>
+            <a:r>
+              <a:rPr lang="nl-BE" dirty="0"/>
+              <a:t>Nog wat dingen oplossen met de Raspberry Pi.</a:t>
+            </a:r>
+          </a:p>
+          <a:p>
+            <a:r>
+              <a:rPr lang="nl-BE" dirty="0"/>
+              <a:t>De praktische proef zelf uitvoeren.</a:t>
+            </a:r>
+          </a:p>
+          <a:p>
+            <a:endParaRPr lang="nl-BE" u="sng" dirty="0"/>
+          </a:p>
+          <a:p>
+            <a:r>
+              <a:rPr lang="nl-BE" u="sng" dirty="0"/>
+              <a:t>Zelfreflectie:</a:t>
+            </a:r>
+          </a:p>
+          <a:p>
+            <a:r>
+              <a:rPr lang="nl-BE" dirty="0"/>
+              <a:t>Gaat in het </a:t>
+            </a:r>
+            <a:r>
+              <a:rPr lang="nl-BE"/>
+              <a:t>algemeen wel vlot</a:t>
+            </a:r>
+            <a:r>
+              <a:rPr lang="nl-BE" dirty="0"/>
+              <a:t>.</a:t>
+            </a:r>
+          </a:p>
+        </p:txBody>
+      </p:sp>
+      <p:sp>
+        <p:nvSpPr>
+          <p:cNvPr id="4" name="Slide Number Placeholder 3">
+            <a:extLst>
+              <a:ext uri="{FF2B5EF4-FFF2-40B4-BE49-F238E27FC236}">
+                <a16:creationId xmlns:a16="http://schemas.microsoft.com/office/drawing/2014/main" id="{BE21E36D-9ADE-B65E-255D-F7D686638201}"/>
+              </a:ext>
+            </a:extLst>
+          </p:cNvPr>
+          <p:cNvSpPr>
+            <a:spLocks noGrp="1"/>
+          </p:cNvSpPr>
+          <p:nvPr>
+            <p:ph type="sldNum" sz="quarter" idx="12"/>
+          </p:nvPr>
+        </p:nvSpPr>
+        <p:spPr/>
+        <p:txBody>
+          <a:bodyPr/>
+          <a:lstStyle/>
+          <a:p>
+            <a:fld id="{719D7796-F675-488F-AC46-C88938C80352}" type="slidenum">
+              <a:rPr lang="en-US" smtClean="0"/>
+              <a:t>22</a:t>
+            </a:fld>
+            <a:endParaRPr lang="en-US" dirty="0"/>
+          </a:p>
+        </p:txBody>
+      </p:sp>
+      <p:sp>
+        <p:nvSpPr>
+          <p:cNvPr id="5" name="Footer Placeholder 4">
+            <a:extLst>
+              <a:ext uri="{FF2B5EF4-FFF2-40B4-BE49-F238E27FC236}">
+                <a16:creationId xmlns:a16="http://schemas.microsoft.com/office/drawing/2014/main" id="{32D3AD75-5125-42F4-8C56-256B3E44A858}"/>
+              </a:ext>
+            </a:extLst>
+          </p:cNvPr>
+          <p:cNvSpPr>
+            <a:spLocks noGrp="1"/>
+          </p:cNvSpPr>
+          <p:nvPr>
+            <p:ph type="ftr" sz="quarter" idx="11"/>
+          </p:nvPr>
+        </p:nvSpPr>
+        <p:spPr/>
+        <p:txBody>
+          <a:bodyPr/>
+          <a:lstStyle/>
+          <a:p>
+            <a:r>
+              <a:rPr lang="nl-BE" dirty="0"/>
+              <a:t>Het onderhouden van kamerplanten automatiseren - Eduard Smet</a:t>
+            </a:r>
+            <a:endParaRPr lang="en-US" dirty="0"/>
+          </a:p>
+        </p:txBody>
+      </p:sp>
+      <p:sp>
+        <p:nvSpPr>
+          <p:cNvPr id="6" name="Date Placeholder 5">
+            <a:extLst>
+              <a:ext uri="{FF2B5EF4-FFF2-40B4-BE49-F238E27FC236}">
+                <a16:creationId xmlns:a16="http://schemas.microsoft.com/office/drawing/2014/main" id="{92A0768E-42FB-CF56-882C-72EF5CAB8F44}"/>
+              </a:ext>
+            </a:extLst>
+          </p:cNvPr>
+          <p:cNvSpPr>
+            <a:spLocks noGrp="1"/>
+          </p:cNvSpPr>
+          <p:nvPr>
+            <p:ph type="dt" sz="half" idx="10"/>
+          </p:nvPr>
+        </p:nvSpPr>
+        <p:spPr/>
+        <p:txBody>
+          <a:bodyPr/>
+          <a:lstStyle/>
+          <a:p>
+            <a:r>
+              <a:rPr lang="en-US" dirty="0"/>
+              <a:t>31/1/2023</a:t>
+            </a:r>
+          </a:p>
+        </p:txBody>
+      </p:sp>
+    </p:spTree>
+    <p:extLst>
+      <p:ext uri="{BB962C8B-B14F-4D97-AF65-F5344CB8AC3E}">
+        <p14:creationId xmlns:p14="http://schemas.microsoft.com/office/powerpoint/2010/main" val="3371319163"/>
+      </p:ext>
+    </p:extLst>
+  </p:cSld>
+  <p:clrMapOvr>
+    <a:masterClrMapping/>
+  </p:clrMapOvr>
+  <mc:AlternateContent xmlns:mc="http://schemas.openxmlformats.org/markup-compatibility/2006" xmlns:p14="http://schemas.microsoft.com/office/powerpoint/2010/main">
+    <mc:Choice Requires="p14">
+      <p:transition spd="med" p14:dur="700">
+        <p:fade/>
+      </p:transition>
+    </mc:Choice>
+    <mc:Fallback xmlns="">
+      <p:transition spd="med">
+        <p:fade/>
+      </p:transition>
+    </mc:Fallback>
+  </mc:AlternateContent>
 </p:sld>
 </file>
 
@@ -4830,10 +9399,9 @@
           <a:lstStyle/>
           <a:p>
             <a:r>
-              <a:rPr lang="en-BE" dirty="0" err="1"/>
+              <a:rPr lang="nl-BE" dirty="0"/>
               <a:t>Inhoud</a:t>
             </a:r>
-            <a:endParaRPr lang="nl-BE" dirty="0"/>
           </a:p>
         </p:txBody>
       </p:sp>
@@ -4853,7 +9421,12 @@
             <p:ph idx="1"/>
           </p:nvPr>
         </p:nvSpPr>
-        <p:spPr/>
+        <p:spPr>
+          <a:xfrm>
+            <a:off x="1088136" y="2062768"/>
+            <a:ext cx="9922764" cy="3838722"/>
+          </a:xfrm>
+        </p:spPr>
         <p:txBody>
           <a:bodyPr>
             <a:normAutofit/>
@@ -4865,66 +9438,30 @@
               <a:buAutoNum type="arabicPeriod" startAt="3"/>
             </a:pPr>
             <a:r>
-              <a:rPr lang="en-BE" dirty="0"/>
-              <a:t>De </a:t>
-            </a:r>
-            <a:r>
-              <a:rPr lang="en-BE" dirty="0" err="1"/>
-              <a:t>praktische</a:t>
-            </a:r>
-            <a:r>
-              <a:rPr lang="en-BE" dirty="0"/>
-              <a:t> </a:t>
-            </a:r>
-            <a:r>
-              <a:rPr lang="en-BE" dirty="0" err="1"/>
-              <a:t>proef</a:t>
-            </a:r>
-            <a:endParaRPr lang="en-BE" dirty="0"/>
+              <a:rPr lang="nl-BE" dirty="0"/>
+              <a:t>De praktische proef</a:t>
+            </a:r>
           </a:p>
           <a:p>
             <a:pPr lvl="1"/>
             <a:r>
-              <a:rPr lang="en-BE" dirty="0"/>
-              <a:t>De </a:t>
-            </a:r>
-            <a:r>
-              <a:rPr lang="en-BE" dirty="0" err="1"/>
-              <a:t>methode</a:t>
-            </a:r>
-            <a:endParaRPr lang="en-BE" dirty="0"/>
+              <a:rPr lang="nl-BE" dirty="0"/>
+              <a:t>De methode</a:t>
+            </a:r>
           </a:p>
           <a:p>
             <a:pPr lvl="1"/>
             <a:r>
-              <a:rPr lang="en-BE" dirty="0"/>
-              <a:t>De </a:t>
-            </a:r>
-            <a:r>
-              <a:rPr lang="en-BE" dirty="0" err="1"/>
-              <a:t>huidige</a:t>
-            </a:r>
-            <a:r>
-              <a:rPr lang="en-BE" dirty="0"/>
-              <a:t> </a:t>
-            </a:r>
-            <a:r>
-              <a:rPr lang="en-BE" dirty="0" err="1"/>
-              <a:t>voortgang</a:t>
-            </a:r>
-            <a:endParaRPr lang="en-BE" dirty="0"/>
+              <a:rPr lang="nl-BE" dirty="0"/>
+              <a:t>De huidige voortgang</a:t>
+            </a:r>
           </a:p>
           <a:p>
             <a:pPr lvl="1"/>
             <a:r>
-              <a:rPr lang="en-BE" dirty="0"/>
-              <a:t>De </a:t>
-            </a:r>
-            <a:r>
-              <a:rPr lang="en-BE" dirty="0" err="1"/>
-              <a:t>moeilijkheden</a:t>
-            </a:r>
-            <a:endParaRPr lang="en-BE" dirty="0"/>
+              <a:rPr lang="nl-BE" dirty="0"/>
+              <a:t>De moeilijkheden</a:t>
+            </a:r>
           </a:p>
           <a:p>
             <a:pPr marL="342900" indent="-342900">
@@ -4932,90 +9469,30 @@
               <a:buAutoNum type="arabicPeriod" startAt="3"/>
             </a:pPr>
             <a:r>
-              <a:rPr lang="en-BE" dirty="0" err="1"/>
-              <a:t>Voorlopige</a:t>
-            </a:r>
-            <a:r>
-              <a:rPr lang="en-BE" dirty="0"/>
-              <a:t> </a:t>
-            </a:r>
-            <a:r>
-              <a:rPr lang="en-BE" dirty="0" err="1"/>
-              <a:t>conclusies</a:t>
-            </a:r>
-            <a:endParaRPr lang="en-BE" dirty="0"/>
+              <a:rPr lang="nl-BE" dirty="0"/>
+              <a:t>Voorlopige conclusies</a:t>
+            </a:r>
           </a:p>
           <a:p>
             <a:pPr lvl="1"/>
             <a:r>
-              <a:rPr lang="en-BE" dirty="0"/>
-              <a:t>Wat </a:t>
-            </a:r>
-            <a:r>
-              <a:rPr lang="en-BE" dirty="0" err="1"/>
-              <a:t>ik</a:t>
-            </a:r>
-            <a:r>
-              <a:rPr lang="en-BE" dirty="0"/>
-              <a:t> al </a:t>
-            </a:r>
-            <a:r>
-              <a:rPr lang="en-BE" dirty="0" err="1"/>
-              <a:t>heb</a:t>
-            </a:r>
-            <a:r>
-              <a:rPr lang="en-BE" dirty="0"/>
-              <a:t> </a:t>
-            </a:r>
-            <a:r>
-              <a:rPr lang="en-BE" dirty="0" err="1"/>
-              <a:t>bijgeleerd</a:t>
-            </a:r>
-            <a:endParaRPr lang="en-BE" dirty="0"/>
+              <a:rPr lang="nl-BE" dirty="0"/>
+              <a:t>Wat ik al heb bijgeleerd</a:t>
+            </a:r>
           </a:p>
           <a:p>
             <a:pPr lvl="1"/>
             <a:r>
-              <a:rPr lang="en-BE" dirty="0"/>
-              <a:t>Wat </a:t>
-            </a:r>
-            <a:r>
-              <a:rPr lang="en-BE" dirty="0" err="1"/>
-              <a:t>ik</a:t>
-            </a:r>
-            <a:r>
-              <a:rPr lang="en-BE" dirty="0"/>
-              <a:t> </a:t>
-            </a:r>
-            <a:r>
-              <a:rPr lang="en-BE" dirty="0" err="1"/>
-              <a:t>nog</a:t>
-            </a:r>
-            <a:r>
-              <a:rPr lang="en-BE" dirty="0"/>
-              <a:t> </a:t>
-            </a:r>
-            <a:r>
-              <a:rPr lang="en-BE" dirty="0" err="1"/>
-              <a:t>moet</a:t>
-            </a:r>
-            <a:r>
-              <a:rPr lang="en-BE" dirty="0"/>
-              <a:t> </a:t>
-            </a:r>
-            <a:r>
-              <a:rPr lang="en-BE" dirty="0" err="1"/>
-              <a:t>doen</a:t>
-            </a:r>
-            <a:endParaRPr lang="en-BE" dirty="0"/>
+              <a:rPr lang="nl-BE" dirty="0"/>
+              <a:t>Wat ik nog moet doen</a:t>
+            </a:r>
           </a:p>
           <a:p>
             <a:pPr lvl="1"/>
             <a:r>
-              <a:rPr lang="en-BE" dirty="0" err="1"/>
+              <a:rPr lang="nl-BE" dirty="0"/>
               <a:t>Zelfreflectie</a:t>
             </a:r>
-            <a:endParaRPr lang="en-BE" dirty="0"/>
           </a:p>
         </p:txBody>
       </p:sp>
@@ -5024,7 +9501,7 @@
           <p:cNvPr id="4" name="Slide Number Placeholder 3">
             <a:extLst>
               <a:ext uri="{FF2B5EF4-FFF2-40B4-BE49-F238E27FC236}">
-                <a16:creationId xmlns:a16="http://schemas.microsoft.com/office/drawing/2014/main" id="{0006B4CE-1968-D335-9199-0C324229184F}"/>
+                <a16:creationId xmlns:a16="http://schemas.microsoft.com/office/drawing/2014/main" id="{BE21E36D-9ADE-B65E-255D-F7D686638201}"/>
               </a:ext>
             </a:extLst>
           </p:cNvPr>
@@ -5044,7 +9521,7 @@
               <a:rPr lang="en-US" smtClean="0"/>
               <a:t>3</a:t>
             </a:fld>
-            <a:endParaRPr lang="en-US"/>
+            <a:endParaRPr lang="en-US" dirty="0"/>
           </a:p>
         </p:txBody>
       </p:sp>
@@ -5053,7 +9530,7 @@
           <p:cNvPr id="5" name="Footer Placeholder 4">
             <a:extLst>
               <a:ext uri="{FF2B5EF4-FFF2-40B4-BE49-F238E27FC236}">
-                <a16:creationId xmlns:a16="http://schemas.microsoft.com/office/drawing/2014/main" id="{FA65188A-982F-4AC1-2A07-31B2D75225C8}"/>
+                <a16:creationId xmlns:a16="http://schemas.microsoft.com/office/drawing/2014/main" id="{32D3AD75-5125-42F4-8C56-256B3E44A858}"/>
               </a:ext>
             </a:extLst>
           </p:cNvPr>
@@ -5070,10 +9547,10 @@
           <a:lstStyle/>
           <a:p>
             <a:r>
-              <a:rPr lang="nl-BE"/>
-              <a:t>Het onderhouden van kamerlanten automatiseren - Eduard Smet</a:t>
-            </a:r>
-            <a:endParaRPr lang="en-US"/>
+              <a:rPr lang="nl-BE" dirty="0"/>
+              <a:t>Het onderhouden van kamerplanten automatiseren - Eduard Smet</a:t>
+            </a:r>
+            <a:endParaRPr lang="en-US" dirty="0"/>
           </a:p>
         </p:txBody>
       </p:sp>
@@ -5082,7 +9559,7 @@
           <p:cNvPr id="6" name="Date Placeholder 5">
             <a:extLst>
               <a:ext uri="{FF2B5EF4-FFF2-40B4-BE49-F238E27FC236}">
-                <a16:creationId xmlns:a16="http://schemas.microsoft.com/office/drawing/2014/main" id="{7B477585-CE1F-2EA6-A6A8-9BBEBDF9B964}"/>
+                <a16:creationId xmlns:a16="http://schemas.microsoft.com/office/drawing/2014/main" id="{92A0768E-42FB-CF56-882C-72EF5CAB8F44}"/>
               </a:ext>
             </a:extLst>
           </p:cNvPr>
@@ -5099,7 +9576,7 @@
           <a:lstStyle/>
           <a:p>
             <a:r>
-              <a:rPr lang="en-US"/>
+              <a:rPr lang="en-US" dirty="0"/>
               <a:t>31/1/2023</a:t>
             </a:r>
           </a:p>
@@ -5108,13 +9585,25 @@
     </p:spTree>
     <p:extLst>
       <p:ext uri="{BB962C8B-B14F-4D97-AF65-F5344CB8AC3E}">
-        <p14:creationId xmlns:p14="http://schemas.microsoft.com/office/powerpoint/2010/main" val="3517074873"/>
+        <p14:creationId xmlns:p14="http://schemas.microsoft.com/office/powerpoint/2010/main" val="528228046"/>
       </p:ext>
     </p:extLst>
   </p:cSld>
   <p:clrMapOvr>
     <a:masterClrMapping/>
   </p:clrMapOvr>
+  <mc:AlternateContent xmlns:mc="http://schemas.openxmlformats.org/markup-compatibility/2006" xmlns:p14="http://schemas.microsoft.com/office/powerpoint/2010/main">
+    <mc:Choice Requires="p14">
+      <p:transition spd="med" p14:dur="700">
+        <p:fade/>
+      </p:transition>
+    </mc:Choice>
+    <mc:Fallback xmlns="">
+      <p:transition spd="med">
+        <p:fade/>
+      </p:transition>
+    </mc:Fallback>
+  </mc:AlternateContent>
 </p:sld>
 </file>
 
@@ -5140,7 +9629,7 @@
           <p:cNvPr id="2" name="Title 1">
             <a:extLst>
               <a:ext uri="{FF2B5EF4-FFF2-40B4-BE49-F238E27FC236}">
-                <a16:creationId xmlns:a16="http://schemas.microsoft.com/office/drawing/2014/main" id="{37DB6E5D-F63B-5AD9-5625-F48A199B88F0}"/>
+                <a16:creationId xmlns:a16="http://schemas.microsoft.com/office/drawing/2014/main" id="{5A7265BD-9D76-B2B4-E1E4-0AA01C3A3E1F}"/>
               </a:ext>
             </a:extLst>
           </p:cNvPr>
@@ -5152,6 +9641,43 @@
           </p:nvPr>
         </p:nvSpPr>
         <p:spPr/>
+        <p:txBody>
+          <a:bodyPr/>
+          <a:lstStyle/>
+          <a:p>
+            <a:r>
+              <a:rPr lang="en-BE" dirty="0"/>
+              <a:t>1. Het </a:t>
+            </a:r>
+            <a:r>
+              <a:rPr lang="nl-BE" dirty="0"/>
+              <a:t>onderwerp</a:t>
+            </a:r>
+          </a:p>
+        </p:txBody>
+      </p:sp>
+      <p:sp>
+        <p:nvSpPr>
+          <p:cNvPr id="3" name="Content Placeholder 2">
+            <a:extLst>
+              <a:ext uri="{FF2B5EF4-FFF2-40B4-BE49-F238E27FC236}">
+                <a16:creationId xmlns:a16="http://schemas.microsoft.com/office/drawing/2014/main" id="{6E25F141-97FE-D4F8-A34E-A4989E36CF8A}"/>
+              </a:ext>
+            </a:extLst>
+          </p:cNvPr>
+          <p:cNvSpPr>
+            <a:spLocks noGrp="1"/>
+          </p:cNvSpPr>
+          <p:nvPr>
+            <p:ph idx="1"/>
+          </p:nvPr>
+        </p:nvSpPr>
+        <p:spPr>
+          <a:xfrm>
+            <a:off x="1088136" y="2062768"/>
+            <a:ext cx="9922764" cy="3838722"/>
+          </a:xfrm>
+        </p:spPr>
         <p:txBody>
           <a:bodyPr>
             <a:normAutofit/>
@@ -5159,115 +9685,53 @@
           <a:lstStyle/>
           <a:p>
             <a:r>
-              <a:rPr lang="en-BE" dirty="0"/>
-              <a:t>1. Het </a:t>
-            </a:r>
-            <a:r>
-              <a:rPr lang="en-BE" dirty="0" err="1"/>
-              <a:t>onderwerp</a:t>
-            </a:r>
-            <a:br>
-              <a:rPr lang="en-BE" dirty="0"/>
-            </a:br>
+              <a:rPr lang="nl-BE" u="sng" dirty="0"/>
+              <a:t>Het probleem</a:t>
+            </a:r>
+          </a:p>
+          <a:p>
+            <a:endParaRPr lang="nl-BE" u="sng" dirty="0"/>
+          </a:p>
+          <a:p>
+            <a:r>
+              <a:rPr lang="nl-BE" u="sng" dirty="0"/>
+              <a:t>De onderzoeksvraag:</a:t>
+            </a:r>
+            <a:r>
+              <a:rPr lang="nl-BE" dirty="0"/>
+              <a:t> Hoe kan je het onderhouden van kamerplanten automatiseren?</a:t>
+            </a:r>
+          </a:p>
+          <a:p>
             <a:endParaRPr lang="nl-BE" dirty="0"/>
           </a:p>
-        </p:txBody>
-      </p:sp>
-      <p:sp>
-        <p:nvSpPr>
-          <p:cNvPr id="3" name="Content Placeholder 2">
-            <a:extLst>
-              <a:ext uri="{FF2B5EF4-FFF2-40B4-BE49-F238E27FC236}">
-                <a16:creationId xmlns:a16="http://schemas.microsoft.com/office/drawing/2014/main" id="{C622AD41-31E2-F167-8562-15A4DD1701A8}"/>
-              </a:ext>
-            </a:extLst>
-          </p:cNvPr>
-          <p:cNvSpPr>
-            <a:spLocks noGrp="1"/>
-          </p:cNvSpPr>
-          <p:nvPr>
-            <p:ph idx="1"/>
-          </p:nvPr>
-        </p:nvSpPr>
-        <p:spPr/>
-        <p:txBody>
-          <a:bodyPr/>
-          <a:lstStyle/>
-          <a:p>
-            <a:r>
-              <a:rPr lang="en-BE" u="sng" dirty="0"/>
-              <a:t>De </a:t>
-            </a:r>
-            <a:r>
-              <a:rPr lang="en-BE" u="sng" dirty="0" err="1"/>
-              <a:t>onderzoeksvraag</a:t>
-            </a:r>
-            <a:r>
-              <a:rPr lang="en-BE" u="sng" dirty="0"/>
-              <a:t>:</a:t>
-            </a:r>
-            <a:r>
-              <a:rPr lang="en-BE" dirty="0"/>
-              <a:t> Hoe </a:t>
-            </a:r>
-            <a:r>
-              <a:rPr lang="en-BE" dirty="0" err="1"/>
-              <a:t>kan</a:t>
-            </a:r>
-            <a:r>
-              <a:rPr lang="en-BE" dirty="0"/>
-              <a:t> je het </a:t>
-            </a:r>
-            <a:r>
-              <a:rPr lang="en-BE" dirty="0" err="1"/>
-              <a:t>onderhouden</a:t>
-            </a:r>
-            <a:r>
-              <a:rPr lang="en-BE" dirty="0"/>
-              <a:t> van </a:t>
-            </a:r>
-            <a:r>
-              <a:rPr lang="en-BE" dirty="0" err="1"/>
-              <a:t>kamerplanten</a:t>
-            </a:r>
-            <a:r>
-              <a:rPr lang="en-BE" dirty="0"/>
-              <a:t> </a:t>
-            </a:r>
-            <a:r>
-              <a:rPr lang="en-BE" dirty="0" err="1"/>
-              <a:t>automatiseren</a:t>
-            </a:r>
-            <a:r>
-              <a:rPr lang="en-BE" dirty="0"/>
-              <a:t>?</a:t>
-            </a:r>
-          </a:p>
-          <a:p>
-            <a:r>
-              <a:rPr lang="en-BE" u="sng" dirty="0"/>
-              <a:t>De </a:t>
-            </a:r>
-            <a:r>
-              <a:rPr lang="en-BE" u="sng" dirty="0" err="1"/>
-              <a:t>maatschappelijke</a:t>
-            </a:r>
-            <a:r>
-              <a:rPr lang="en-BE" u="sng" dirty="0"/>
-              <a:t> </a:t>
-            </a:r>
-            <a:r>
-              <a:rPr lang="en-BE" u="sng" dirty="0" err="1"/>
-              <a:t>relevantie</a:t>
-            </a:r>
-            <a:r>
-              <a:rPr lang="en-BE" u="sng"/>
-              <a:t>:</a:t>
-            </a:r>
-            <a:r>
-              <a:rPr lang="en-BE"/>
-              <a:t> LI</a:t>
-            </a:r>
+          <a:p>
+            <a:r>
+              <a:rPr lang="nl-BE" u="sng" dirty="0"/>
+              <a:t>De maatschappelijke relevantie:</a:t>
+            </a:r>
+            <a:r>
+              <a:rPr lang="nl-BE" dirty="0"/>
+              <a:t> Het besparen van tijd voor mensen met veel planten.</a:t>
+            </a:r>
+          </a:p>
+          <a:p>
+            <a:endParaRPr lang="nl-BE" dirty="0"/>
+          </a:p>
+          <a:p>
+            <a:r>
+              <a:rPr lang="nl-BE" u="sng" dirty="0"/>
+              <a:t>Toelichting keuze:</a:t>
+            </a:r>
+            <a:r>
+              <a:rPr lang="nl-BE" dirty="0"/>
+              <a:t> De combinatie van Biologie en Fysica met web development.</a:t>
+            </a:r>
+          </a:p>
+          <a:p>
+            <a:pPr marL="0" indent="0">
+              <a:buNone/>
+            </a:pPr>
             <a:endParaRPr lang="nl-BE" u="sng" dirty="0"/>
           </a:p>
         </p:txBody>
@@ -5277,7 +9741,7 @@
           <p:cNvPr id="4" name="Slide Number Placeholder 3">
             <a:extLst>
               <a:ext uri="{FF2B5EF4-FFF2-40B4-BE49-F238E27FC236}">
-                <a16:creationId xmlns:a16="http://schemas.microsoft.com/office/drawing/2014/main" id="{969F26B4-5F4F-79B2-7552-CEEFE301EA8A}"/>
+                <a16:creationId xmlns:a16="http://schemas.microsoft.com/office/drawing/2014/main" id="{BE21E36D-9ADE-B65E-255D-F7D686638201}"/>
               </a:ext>
             </a:extLst>
           </p:cNvPr>
@@ -5297,7 +9761,7 @@
               <a:rPr lang="en-US" smtClean="0"/>
               <a:t>4</a:t>
             </a:fld>
-            <a:endParaRPr lang="en-US"/>
+            <a:endParaRPr lang="en-US" dirty="0"/>
           </a:p>
         </p:txBody>
       </p:sp>
@@ -5306,7 +9770,7 @@
           <p:cNvPr id="5" name="Footer Placeholder 4">
             <a:extLst>
               <a:ext uri="{FF2B5EF4-FFF2-40B4-BE49-F238E27FC236}">
-                <a16:creationId xmlns:a16="http://schemas.microsoft.com/office/drawing/2014/main" id="{4932B6EF-6175-FB9C-D503-54FBACD2C9DE}"/>
+                <a16:creationId xmlns:a16="http://schemas.microsoft.com/office/drawing/2014/main" id="{32D3AD75-5125-42F4-8C56-256B3E44A858}"/>
               </a:ext>
             </a:extLst>
           </p:cNvPr>
@@ -5323,10 +9787,10 @@
           <a:lstStyle/>
           <a:p>
             <a:r>
-              <a:rPr lang="nl-BE"/>
-              <a:t>Het onderhouden van kamerlanten automatiseren - Eduard Smet</a:t>
-            </a:r>
-            <a:endParaRPr lang="en-US"/>
+              <a:rPr lang="nl-BE" dirty="0"/>
+              <a:t>Het onderhouden van kamerplanten automatiseren - Eduard Smet</a:t>
+            </a:r>
+            <a:endParaRPr lang="en-US" dirty="0"/>
           </a:p>
         </p:txBody>
       </p:sp>
@@ -5335,7 +9799,7 @@
           <p:cNvPr id="6" name="Date Placeholder 5">
             <a:extLst>
               <a:ext uri="{FF2B5EF4-FFF2-40B4-BE49-F238E27FC236}">
-                <a16:creationId xmlns:a16="http://schemas.microsoft.com/office/drawing/2014/main" id="{69DCB2FC-1780-C6ED-001F-99A44E69F3BF}"/>
+                <a16:creationId xmlns:a16="http://schemas.microsoft.com/office/drawing/2014/main" id="{92A0768E-42FB-CF56-882C-72EF5CAB8F44}"/>
               </a:ext>
             </a:extLst>
           </p:cNvPr>
@@ -5352,7 +9816,7 @@
           <a:lstStyle/>
           <a:p>
             <a:r>
-              <a:rPr lang="en-US"/>
+              <a:rPr lang="en-US" dirty="0"/>
               <a:t>31/1/2023</a:t>
             </a:r>
           </a:p>
@@ -5361,13 +9825,1840 @@
     </p:spTree>
     <p:extLst>
       <p:ext uri="{BB962C8B-B14F-4D97-AF65-F5344CB8AC3E}">
-        <p14:creationId xmlns:p14="http://schemas.microsoft.com/office/powerpoint/2010/main" val="2934695177"/>
+        <p14:creationId xmlns:p14="http://schemas.microsoft.com/office/powerpoint/2010/main" val="2085698948"/>
       </p:ext>
     </p:extLst>
   </p:cSld>
   <p:clrMapOvr>
     <a:masterClrMapping/>
   </p:clrMapOvr>
+  <mc:AlternateContent xmlns:mc="http://schemas.openxmlformats.org/markup-compatibility/2006" xmlns:p14="http://schemas.microsoft.com/office/powerpoint/2010/main">
+    <mc:Choice Requires="p14">
+      <p:transition spd="med" p14:dur="700">
+        <p:fade/>
+      </p:transition>
+    </mc:Choice>
+    <mc:Fallback xmlns="">
+      <p:transition spd="med">
+        <p:fade/>
+      </p:transition>
+    </mc:Fallback>
+  </mc:AlternateContent>
+</p:sld>
+</file>
+
+<file path=ppt/slides/slide5.xml><?xml version="1.0" encoding="utf-8"?>
+<p:sld xmlns:a="http://schemas.openxmlformats.org/drawingml/2006/main" xmlns:r="http://schemas.openxmlformats.org/officeDocument/2006/relationships" xmlns:p="http://schemas.openxmlformats.org/presentationml/2006/main">
+  <p:cSld>
+    <p:spTree>
+      <p:nvGrpSpPr>
+        <p:cNvPr id="1" name=""/>
+        <p:cNvGrpSpPr/>
+        <p:nvPr/>
+      </p:nvGrpSpPr>
+      <p:grpSpPr>
+        <a:xfrm>
+          <a:off x="0" y="0"/>
+          <a:ext cx="0" cy="0"/>
+          <a:chOff x="0" y="0"/>
+          <a:chExt cx="0" cy="0"/>
+        </a:xfrm>
+      </p:grpSpPr>
+      <p:sp>
+        <p:nvSpPr>
+          <p:cNvPr id="2" name="Title 1">
+            <a:extLst>
+              <a:ext uri="{FF2B5EF4-FFF2-40B4-BE49-F238E27FC236}">
+                <a16:creationId xmlns:a16="http://schemas.microsoft.com/office/drawing/2014/main" id="{5A7265BD-9D76-B2B4-E1E4-0AA01C3A3E1F}"/>
+              </a:ext>
+            </a:extLst>
+          </p:cNvPr>
+          <p:cNvSpPr>
+            <a:spLocks noGrp="1"/>
+          </p:cNvSpPr>
+          <p:nvPr>
+            <p:ph type="title"/>
+          </p:nvPr>
+        </p:nvSpPr>
+        <p:spPr/>
+        <p:txBody>
+          <a:bodyPr/>
+          <a:lstStyle/>
+          <a:p>
+            <a:r>
+              <a:rPr lang="en-BE" dirty="0"/>
+              <a:t>1. Het </a:t>
+            </a:r>
+            <a:r>
+              <a:rPr lang="nl-BE" dirty="0"/>
+              <a:t>onderwerp</a:t>
+            </a:r>
+          </a:p>
+        </p:txBody>
+      </p:sp>
+      <p:sp>
+        <p:nvSpPr>
+          <p:cNvPr id="3" name="Content Placeholder 2">
+            <a:extLst>
+              <a:ext uri="{FF2B5EF4-FFF2-40B4-BE49-F238E27FC236}">
+                <a16:creationId xmlns:a16="http://schemas.microsoft.com/office/drawing/2014/main" id="{6E25F141-97FE-D4F8-A34E-A4989E36CF8A}"/>
+              </a:ext>
+            </a:extLst>
+          </p:cNvPr>
+          <p:cNvSpPr>
+            <a:spLocks noGrp="1"/>
+          </p:cNvSpPr>
+          <p:nvPr>
+            <p:ph idx="1"/>
+          </p:nvPr>
+        </p:nvSpPr>
+        <p:spPr>
+          <a:xfrm>
+            <a:off x="1088136" y="2062768"/>
+            <a:ext cx="9922764" cy="3838722"/>
+          </a:xfrm>
+        </p:spPr>
+        <p:txBody>
+          <a:bodyPr>
+            <a:normAutofit/>
+          </a:bodyPr>
+          <a:lstStyle/>
+          <a:p>
+            <a:r>
+              <a:rPr lang="nl-BE" u="sng" dirty="0"/>
+              <a:t>Toelichting oplossing:</a:t>
+            </a:r>
+          </a:p>
+          <a:p>
+            <a:pPr lvl="1"/>
+            <a:r>
+              <a:rPr lang="nl-BE" u="sng" dirty="0"/>
+              <a:t>Het meten:</a:t>
+            </a:r>
+            <a:r>
+              <a:rPr lang="nl-BE" dirty="0"/>
+              <a:t> Aan de hand van meetsensoren.</a:t>
+            </a:r>
+          </a:p>
+          <a:p>
+            <a:pPr lvl="1"/>
+            <a:endParaRPr lang="nl-BE" u="sng" dirty="0"/>
+          </a:p>
+          <a:p>
+            <a:pPr lvl="1"/>
+            <a:r>
+              <a:rPr lang="nl-BE" u="sng" dirty="0"/>
+              <a:t>Het reageren:</a:t>
+            </a:r>
+          </a:p>
+          <a:p>
+            <a:pPr lvl="2"/>
+            <a:r>
+              <a:rPr lang="nl-BE" u="sng" dirty="0"/>
+              <a:t>Automatisch:</a:t>
+            </a:r>
+            <a:r>
+              <a:rPr lang="nl-BE" dirty="0"/>
+              <a:t> Aan de hand van een waterpomp.</a:t>
+            </a:r>
+          </a:p>
+          <a:p>
+            <a:pPr lvl="2"/>
+            <a:r>
+              <a:rPr lang="nl-BE" u="sng" dirty="0"/>
+              <a:t>Manueel:</a:t>
+            </a:r>
+            <a:r>
+              <a:rPr lang="nl-BE" dirty="0"/>
+              <a:t> Aan de hand van een melding of email.</a:t>
+            </a:r>
+            <a:endParaRPr lang="nl-BE" u="sng" dirty="0"/>
+          </a:p>
+          <a:p>
+            <a:pPr lvl="1"/>
+            <a:endParaRPr lang="nl-BE" u="sng" dirty="0"/>
+          </a:p>
+          <a:p>
+            <a:r>
+              <a:rPr lang="nl-BE" u="sng" dirty="0"/>
+              <a:t>Huidige hypothese:</a:t>
+            </a:r>
+            <a:r>
+              <a:rPr lang="nl-BE" dirty="0"/>
+              <a:t> Dit zal lukken aan de hand van een Raspberry Pi en een website.</a:t>
+            </a:r>
+            <a:endParaRPr lang="nl-BE" u="sng" dirty="0"/>
+          </a:p>
+          <a:p>
+            <a:pPr marL="274320" lvl="1" indent="0">
+              <a:buNone/>
+            </a:pPr>
+            <a:endParaRPr lang="nl-BE" u="sng" dirty="0"/>
+          </a:p>
+          <a:p>
+            <a:pPr marL="0" indent="0">
+              <a:buNone/>
+            </a:pPr>
+            <a:endParaRPr lang="nl-BE" u="sng" dirty="0"/>
+          </a:p>
+        </p:txBody>
+      </p:sp>
+      <p:sp>
+        <p:nvSpPr>
+          <p:cNvPr id="4" name="Slide Number Placeholder 3">
+            <a:extLst>
+              <a:ext uri="{FF2B5EF4-FFF2-40B4-BE49-F238E27FC236}">
+                <a16:creationId xmlns:a16="http://schemas.microsoft.com/office/drawing/2014/main" id="{BE21E36D-9ADE-B65E-255D-F7D686638201}"/>
+              </a:ext>
+            </a:extLst>
+          </p:cNvPr>
+          <p:cNvSpPr>
+            <a:spLocks noGrp="1"/>
+          </p:cNvSpPr>
+          <p:nvPr>
+            <p:ph type="sldNum" sz="quarter" idx="12"/>
+          </p:nvPr>
+        </p:nvSpPr>
+        <p:spPr/>
+        <p:txBody>
+          <a:bodyPr/>
+          <a:lstStyle/>
+          <a:p>
+            <a:fld id="{719D7796-F675-488F-AC46-C88938C80352}" type="slidenum">
+              <a:rPr lang="en-US" smtClean="0"/>
+              <a:t>5</a:t>
+            </a:fld>
+            <a:endParaRPr lang="en-US" dirty="0"/>
+          </a:p>
+        </p:txBody>
+      </p:sp>
+      <p:sp>
+        <p:nvSpPr>
+          <p:cNvPr id="5" name="Footer Placeholder 4">
+            <a:extLst>
+              <a:ext uri="{FF2B5EF4-FFF2-40B4-BE49-F238E27FC236}">
+                <a16:creationId xmlns:a16="http://schemas.microsoft.com/office/drawing/2014/main" id="{32D3AD75-5125-42F4-8C56-256B3E44A858}"/>
+              </a:ext>
+            </a:extLst>
+          </p:cNvPr>
+          <p:cNvSpPr>
+            <a:spLocks noGrp="1"/>
+          </p:cNvSpPr>
+          <p:nvPr>
+            <p:ph type="ftr" sz="quarter" idx="11"/>
+          </p:nvPr>
+        </p:nvSpPr>
+        <p:spPr/>
+        <p:txBody>
+          <a:bodyPr/>
+          <a:lstStyle/>
+          <a:p>
+            <a:r>
+              <a:rPr lang="nl-BE" dirty="0"/>
+              <a:t>Het onderhouden van kamerplanten automatiseren - Eduard Smet</a:t>
+            </a:r>
+            <a:endParaRPr lang="en-US" dirty="0"/>
+          </a:p>
+        </p:txBody>
+      </p:sp>
+      <p:sp>
+        <p:nvSpPr>
+          <p:cNvPr id="6" name="Date Placeholder 5">
+            <a:extLst>
+              <a:ext uri="{FF2B5EF4-FFF2-40B4-BE49-F238E27FC236}">
+                <a16:creationId xmlns:a16="http://schemas.microsoft.com/office/drawing/2014/main" id="{92A0768E-42FB-CF56-882C-72EF5CAB8F44}"/>
+              </a:ext>
+            </a:extLst>
+          </p:cNvPr>
+          <p:cNvSpPr>
+            <a:spLocks noGrp="1"/>
+          </p:cNvSpPr>
+          <p:nvPr>
+            <p:ph type="dt" sz="half" idx="10"/>
+          </p:nvPr>
+        </p:nvSpPr>
+        <p:spPr/>
+        <p:txBody>
+          <a:bodyPr/>
+          <a:lstStyle/>
+          <a:p>
+            <a:r>
+              <a:rPr lang="en-US" dirty="0"/>
+              <a:t>31/1/2023</a:t>
+            </a:r>
+          </a:p>
+        </p:txBody>
+      </p:sp>
+    </p:spTree>
+    <p:extLst>
+      <p:ext uri="{BB962C8B-B14F-4D97-AF65-F5344CB8AC3E}">
+        <p14:creationId xmlns:p14="http://schemas.microsoft.com/office/powerpoint/2010/main" val="1181276330"/>
+      </p:ext>
+    </p:extLst>
+  </p:cSld>
+  <p:clrMapOvr>
+    <a:masterClrMapping/>
+  </p:clrMapOvr>
+  <mc:AlternateContent xmlns:mc="http://schemas.openxmlformats.org/markup-compatibility/2006" xmlns:p14="http://schemas.microsoft.com/office/powerpoint/2010/main">
+    <mc:Choice Requires="p14">
+      <p:transition spd="med" p14:dur="700">
+        <p:fade/>
+      </p:transition>
+    </mc:Choice>
+    <mc:Fallback xmlns="">
+      <p:transition spd="med">
+        <p:fade/>
+      </p:transition>
+    </mc:Fallback>
+  </mc:AlternateContent>
+</p:sld>
+</file>
+
+<file path=ppt/slides/slide6.xml><?xml version="1.0" encoding="utf-8"?>
+<p:sld xmlns:a="http://schemas.openxmlformats.org/drawingml/2006/main" xmlns:r="http://schemas.openxmlformats.org/officeDocument/2006/relationships" xmlns:p="http://schemas.openxmlformats.org/presentationml/2006/main">
+  <p:cSld>
+    <p:spTree>
+      <p:nvGrpSpPr>
+        <p:cNvPr id="1" name=""/>
+        <p:cNvGrpSpPr/>
+        <p:nvPr/>
+      </p:nvGrpSpPr>
+      <p:grpSpPr>
+        <a:xfrm>
+          <a:off x="0" y="0"/>
+          <a:ext cx="0" cy="0"/>
+          <a:chOff x="0" y="0"/>
+          <a:chExt cx="0" cy="0"/>
+        </a:xfrm>
+      </p:grpSpPr>
+      <p:sp>
+        <p:nvSpPr>
+          <p:cNvPr id="2" name="Title 1">
+            <a:extLst>
+              <a:ext uri="{FF2B5EF4-FFF2-40B4-BE49-F238E27FC236}">
+                <a16:creationId xmlns:a16="http://schemas.microsoft.com/office/drawing/2014/main" id="{5A7265BD-9D76-B2B4-E1E4-0AA01C3A3E1F}"/>
+              </a:ext>
+            </a:extLst>
+          </p:cNvPr>
+          <p:cNvSpPr>
+            <a:spLocks noGrp="1"/>
+          </p:cNvSpPr>
+          <p:nvPr>
+            <p:ph type="title"/>
+          </p:nvPr>
+        </p:nvSpPr>
+        <p:spPr/>
+        <p:txBody>
+          <a:bodyPr/>
+          <a:lstStyle/>
+          <a:p>
+            <a:r>
+              <a:rPr lang="en-US" dirty="0"/>
+              <a:t>2. De </a:t>
+            </a:r>
+            <a:r>
+              <a:rPr lang="nl-BE" dirty="0"/>
+              <a:t>theorie</a:t>
+            </a:r>
+          </a:p>
+        </p:txBody>
+      </p:sp>
+      <p:sp>
+        <p:nvSpPr>
+          <p:cNvPr id="3" name="Content Placeholder 2">
+            <a:extLst>
+              <a:ext uri="{FF2B5EF4-FFF2-40B4-BE49-F238E27FC236}">
+                <a16:creationId xmlns:a16="http://schemas.microsoft.com/office/drawing/2014/main" id="{6E25F141-97FE-D4F8-A34E-A4989E36CF8A}"/>
+              </a:ext>
+            </a:extLst>
+          </p:cNvPr>
+          <p:cNvSpPr>
+            <a:spLocks noGrp="1"/>
+          </p:cNvSpPr>
+          <p:nvPr>
+            <p:ph idx="1"/>
+          </p:nvPr>
+        </p:nvSpPr>
+        <p:spPr>
+          <a:xfrm>
+            <a:off x="1088136" y="2062768"/>
+            <a:ext cx="9922764" cy="3838722"/>
+          </a:xfrm>
+        </p:spPr>
+        <p:txBody>
+          <a:bodyPr>
+            <a:normAutofit/>
+          </a:bodyPr>
+          <a:lstStyle/>
+          <a:p>
+            <a:r>
+              <a:rPr lang="nl-BE" u="sng" dirty="0"/>
+              <a:t>De plant:</a:t>
+            </a:r>
+          </a:p>
+          <a:p>
+            <a:r>
+              <a:rPr lang="nl-BE" dirty="0"/>
+              <a:t>Levend wezen</a:t>
+            </a:r>
+          </a:p>
+          <a:p>
+            <a:r>
+              <a:rPr lang="nl-BE" dirty="0"/>
+              <a:t>Vaste staanplaats</a:t>
+            </a:r>
+          </a:p>
+          <a:p>
+            <a:r>
+              <a:rPr lang="nl-BE" dirty="0"/>
+              <a:t>Creëert eigen voedsel aan</a:t>
+            </a:r>
+            <a:br>
+              <a:rPr lang="nl-BE" dirty="0"/>
+            </a:br>
+            <a:r>
+              <a:rPr lang="nl-BE" dirty="0"/>
+              <a:t>de hand van fotosynthese (autotroof).</a:t>
+            </a:r>
+          </a:p>
+        </p:txBody>
+      </p:sp>
+      <p:sp>
+        <p:nvSpPr>
+          <p:cNvPr id="4" name="Slide Number Placeholder 3">
+            <a:extLst>
+              <a:ext uri="{FF2B5EF4-FFF2-40B4-BE49-F238E27FC236}">
+                <a16:creationId xmlns:a16="http://schemas.microsoft.com/office/drawing/2014/main" id="{BE21E36D-9ADE-B65E-255D-F7D686638201}"/>
+              </a:ext>
+            </a:extLst>
+          </p:cNvPr>
+          <p:cNvSpPr>
+            <a:spLocks noGrp="1"/>
+          </p:cNvSpPr>
+          <p:nvPr>
+            <p:ph type="sldNum" sz="quarter" idx="12"/>
+          </p:nvPr>
+        </p:nvSpPr>
+        <p:spPr/>
+        <p:txBody>
+          <a:bodyPr/>
+          <a:lstStyle/>
+          <a:p>
+            <a:fld id="{719D7796-F675-488F-AC46-C88938C80352}" type="slidenum">
+              <a:rPr lang="en-US" smtClean="0"/>
+              <a:t>6</a:t>
+            </a:fld>
+            <a:endParaRPr lang="en-US" dirty="0"/>
+          </a:p>
+        </p:txBody>
+      </p:sp>
+      <p:sp>
+        <p:nvSpPr>
+          <p:cNvPr id="5" name="Footer Placeholder 4">
+            <a:extLst>
+              <a:ext uri="{FF2B5EF4-FFF2-40B4-BE49-F238E27FC236}">
+                <a16:creationId xmlns:a16="http://schemas.microsoft.com/office/drawing/2014/main" id="{32D3AD75-5125-42F4-8C56-256B3E44A858}"/>
+              </a:ext>
+            </a:extLst>
+          </p:cNvPr>
+          <p:cNvSpPr>
+            <a:spLocks noGrp="1"/>
+          </p:cNvSpPr>
+          <p:nvPr>
+            <p:ph type="ftr" sz="quarter" idx="11"/>
+          </p:nvPr>
+        </p:nvSpPr>
+        <p:spPr/>
+        <p:txBody>
+          <a:bodyPr/>
+          <a:lstStyle/>
+          <a:p>
+            <a:r>
+              <a:rPr lang="nl-BE" dirty="0"/>
+              <a:t>Het onderhouden van kamerplanten automatiseren - Eduard Smet</a:t>
+            </a:r>
+            <a:endParaRPr lang="en-US" dirty="0"/>
+          </a:p>
+        </p:txBody>
+      </p:sp>
+      <p:sp>
+        <p:nvSpPr>
+          <p:cNvPr id="6" name="Date Placeholder 5">
+            <a:extLst>
+              <a:ext uri="{FF2B5EF4-FFF2-40B4-BE49-F238E27FC236}">
+                <a16:creationId xmlns:a16="http://schemas.microsoft.com/office/drawing/2014/main" id="{92A0768E-42FB-CF56-882C-72EF5CAB8F44}"/>
+              </a:ext>
+            </a:extLst>
+          </p:cNvPr>
+          <p:cNvSpPr>
+            <a:spLocks noGrp="1"/>
+          </p:cNvSpPr>
+          <p:nvPr>
+            <p:ph type="dt" sz="half" idx="10"/>
+          </p:nvPr>
+        </p:nvSpPr>
+        <p:spPr/>
+        <p:txBody>
+          <a:bodyPr/>
+          <a:lstStyle/>
+          <a:p>
+            <a:r>
+              <a:rPr lang="en-US" dirty="0"/>
+              <a:t>31/1/2023</a:t>
+            </a:r>
+          </a:p>
+        </p:txBody>
+      </p:sp>
+      <p:pic>
+        <p:nvPicPr>
+          <p:cNvPr id="19" name="Picture 18">
+            <a:extLst>
+              <a:ext uri="{FF2B5EF4-FFF2-40B4-BE49-F238E27FC236}">
+                <a16:creationId xmlns:a16="http://schemas.microsoft.com/office/drawing/2014/main" id="{ACCB1BE5-7DBF-216E-D1D6-3C9064DBB459}"/>
+              </a:ext>
+            </a:extLst>
+          </p:cNvPr>
+          <p:cNvPicPr>
+            <a:picLocks noChangeAspect="1"/>
+          </p:cNvPicPr>
+          <p:nvPr/>
+        </p:nvPicPr>
+        <p:blipFill>
+          <a:blip r:embed="rId2" cstate="print">
+            <a:extLst>
+              <a:ext uri="{28A0092B-C50C-407E-A947-70E740481C1C}">
+                <a14:useLocalDpi xmlns:a14="http://schemas.microsoft.com/office/drawing/2010/main" val="0"/>
+              </a:ext>
+            </a:extLst>
+          </a:blip>
+          <a:srcRect/>
+          <a:stretch>
+            <a:fillRect/>
+          </a:stretch>
+        </p:blipFill>
+        <p:spPr bwMode="auto">
+          <a:xfrm>
+            <a:off x="7594202" y="2471146"/>
+            <a:ext cx="3416300" cy="3021965"/>
+          </a:xfrm>
+          <a:prstGeom prst="rect">
+            <a:avLst/>
+          </a:prstGeom>
+          <a:noFill/>
+          <a:ln>
+            <a:noFill/>
+          </a:ln>
+        </p:spPr>
+      </p:pic>
+    </p:spTree>
+    <p:extLst>
+      <p:ext uri="{BB962C8B-B14F-4D97-AF65-F5344CB8AC3E}">
+        <p14:creationId xmlns:p14="http://schemas.microsoft.com/office/powerpoint/2010/main" val="2544947178"/>
+      </p:ext>
+    </p:extLst>
+  </p:cSld>
+  <p:clrMapOvr>
+    <a:masterClrMapping/>
+  </p:clrMapOvr>
+  <mc:AlternateContent xmlns:mc="http://schemas.openxmlformats.org/markup-compatibility/2006" xmlns:p14="http://schemas.microsoft.com/office/powerpoint/2010/main">
+    <mc:Choice Requires="p14">
+      <p:transition spd="med" p14:dur="700">
+        <p:fade/>
+      </p:transition>
+    </mc:Choice>
+    <mc:Fallback xmlns="">
+      <p:transition spd="med">
+        <p:fade/>
+      </p:transition>
+    </mc:Fallback>
+  </mc:AlternateContent>
+</p:sld>
+</file>
+
+<file path=ppt/slides/slide7.xml><?xml version="1.0" encoding="utf-8"?>
+<p:sld xmlns:a="http://schemas.openxmlformats.org/drawingml/2006/main" xmlns:r="http://schemas.openxmlformats.org/officeDocument/2006/relationships" xmlns:p="http://schemas.openxmlformats.org/presentationml/2006/main">
+  <p:cSld>
+    <p:spTree>
+      <p:nvGrpSpPr>
+        <p:cNvPr id="1" name=""/>
+        <p:cNvGrpSpPr/>
+        <p:nvPr/>
+      </p:nvGrpSpPr>
+      <p:grpSpPr>
+        <a:xfrm>
+          <a:off x="0" y="0"/>
+          <a:ext cx="0" cy="0"/>
+          <a:chOff x="0" y="0"/>
+          <a:chExt cx="0" cy="0"/>
+        </a:xfrm>
+      </p:grpSpPr>
+      <p:sp>
+        <p:nvSpPr>
+          <p:cNvPr id="2" name="Title 1">
+            <a:extLst>
+              <a:ext uri="{FF2B5EF4-FFF2-40B4-BE49-F238E27FC236}">
+                <a16:creationId xmlns:a16="http://schemas.microsoft.com/office/drawing/2014/main" id="{5A7265BD-9D76-B2B4-E1E4-0AA01C3A3E1F}"/>
+              </a:ext>
+            </a:extLst>
+          </p:cNvPr>
+          <p:cNvSpPr>
+            <a:spLocks noGrp="1"/>
+          </p:cNvSpPr>
+          <p:nvPr>
+            <p:ph type="title"/>
+          </p:nvPr>
+        </p:nvSpPr>
+        <p:spPr/>
+        <p:txBody>
+          <a:bodyPr/>
+          <a:lstStyle/>
+          <a:p>
+            <a:r>
+              <a:rPr lang="en-US" dirty="0"/>
+              <a:t>2. De </a:t>
+            </a:r>
+            <a:r>
+              <a:rPr lang="nl-BE" dirty="0"/>
+              <a:t>theorie</a:t>
+            </a:r>
+          </a:p>
+        </p:txBody>
+      </p:sp>
+      <p:sp>
+        <p:nvSpPr>
+          <p:cNvPr id="3" name="Content Placeholder 2">
+            <a:extLst>
+              <a:ext uri="{FF2B5EF4-FFF2-40B4-BE49-F238E27FC236}">
+                <a16:creationId xmlns:a16="http://schemas.microsoft.com/office/drawing/2014/main" id="{6E25F141-97FE-D4F8-A34E-A4989E36CF8A}"/>
+              </a:ext>
+            </a:extLst>
+          </p:cNvPr>
+          <p:cNvSpPr>
+            <a:spLocks noGrp="1"/>
+          </p:cNvSpPr>
+          <p:nvPr>
+            <p:ph idx="1"/>
+          </p:nvPr>
+        </p:nvSpPr>
+        <p:spPr>
+          <a:xfrm>
+            <a:off x="1088136" y="2062768"/>
+            <a:ext cx="9922764" cy="3838722"/>
+          </a:xfrm>
+        </p:spPr>
+        <p:txBody>
+          <a:bodyPr>
+            <a:normAutofit/>
+          </a:bodyPr>
+          <a:lstStyle/>
+          <a:p>
+            <a:r>
+              <a:rPr lang="nl-BE" u="sng" dirty="0"/>
+              <a:t>De plant:</a:t>
+            </a:r>
+          </a:p>
+          <a:p>
+            <a:pPr lvl="1"/>
+            <a:r>
+              <a:rPr lang="nl-BE" u="sng" dirty="0"/>
+              <a:t>Soorten kamerplanten:</a:t>
+            </a:r>
+          </a:p>
+          <a:p>
+            <a:pPr lvl="2"/>
+            <a:r>
+              <a:rPr lang="nl-BE" dirty="0"/>
+              <a:t>Bloeiende planten</a:t>
+            </a:r>
+          </a:p>
+          <a:p>
+            <a:pPr lvl="2"/>
+            <a:r>
+              <a:rPr lang="nl-BE" dirty="0"/>
+              <a:t>Bladplanten</a:t>
+            </a:r>
+          </a:p>
+          <a:p>
+            <a:pPr lvl="2"/>
+            <a:r>
+              <a:rPr lang="nl-BE" dirty="0"/>
+              <a:t>Palmen</a:t>
+            </a:r>
+          </a:p>
+          <a:p>
+            <a:pPr lvl="2"/>
+            <a:r>
+              <a:rPr lang="nl-BE" dirty="0"/>
+              <a:t>Klim- en hangplanten</a:t>
+            </a:r>
+          </a:p>
+          <a:p>
+            <a:pPr lvl="2"/>
+            <a:r>
+              <a:rPr lang="nl-BE" i="1" dirty="0"/>
+              <a:t>Succulenten</a:t>
+            </a:r>
+          </a:p>
+          <a:p>
+            <a:pPr lvl="2"/>
+            <a:r>
+              <a:rPr lang="nl-BE" i="1" dirty="0"/>
+              <a:t>Cactussen</a:t>
+            </a:r>
+          </a:p>
+        </p:txBody>
+      </p:sp>
+      <p:sp>
+        <p:nvSpPr>
+          <p:cNvPr id="4" name="Slide Number Placeholder 3">
+            <a:extLst>
+              <a:ext uri="{FF2B5EF4-FFF2-40B4-BE49-F238E27FC236}">
+                <a16:creationId xmlns:a16="http://schemas.microsoft.com/office/drawing/2014/main" id="{BE21E36D-9ADE-B65E-255D-F7D686638201}"/>
+              </a:ext>
+            </a:extLst>
+          </p:cNvPr>
+          <p:cNvSpPr>
+            <a:spLocks noGrp="1"/>
+          </p:cNvSpPr>
+          <p:nvPr>
+            <p:ph type="sldNum" sz="quarter" idx="12"/>
+          </p:nvPr>
+        </p:nvSpPr>
+        <p:spPr/>
+        <p:txBody>
+          <a:bodyPr/>
+          <a:lstStyle/>
+          <a:p>
+            <a:fld id="{719D7796-F675-488F-AC46-C88938C80352}" type="slidenum">
+              <a:rPr lang="en-US" smtClean="0"/>
+              <a:t>7</a:t>
+            </a:fld>
+            <a:endParaRPr lang="en-US" dirty="0"/>
+          </a:p>
+        </p:txBody>
+      </p:sp>
+      <p:sp>
+        <p:nvSpPr>
+          <p:cNvPr id="5" name="Footer Placeholder 4">
+            <a:extLst>
+              <a:ext uri="{FF2B5EF4-FFF2-40B4-BE49-F238E27FC236}">
+                <a16:creationId xmlns:a16="http://schemas.microsoft.com/office/drawing/2014/main" id="{32D3AD75-5125-42F4-8C56-256B3E44A858}"/>
+              </a:ext>
+            </a:extLst>
+          </p:cNvPr>
+          <p:cNvSpPr>
+            <a:spLocks noGrp="1"/>
+          </p:cNvSpPr>
+          <p:nvPr>
+            <p:ph type="ftr" sz="quarter" idx="11"/>
+          </p:nvPr>
+        </p:nvSpPr>
+        <p:spPr/>
+        <p:txBody>
+          <a:bodyPr/>
+          <a:lstStyle/>
+          <a:p>
+            <a:r>
+              <a:rPr lang="nl-BE" dirty="0"/>
+              <a:t>Het onderhouden van kamerplanten automatiseren - Eduard Smet</a:t>
+            </a:r>
+            <a:endParaRPr lang="en-US" dirty="0"/>
+          </a:p>
+        </p:txBody>
+      </p:sp>
+      <p:sp>
+        <p:nvSpPr>
+          <p:cNvPr id="6" name="Date Placeholder 5">
+            <a:extLst>
+              <a:ext uri="{FF2B5EF4-FFF2-40B4-BE49-F238E27FC236}">
+                <a16:creationId xmlns:a16="http://schemas.microsoft.com/office/drawing/2014/main" id="{92A0768E-42FB-CF56-882C-72EF5CAB8F44}"/>
+              </a:ext>
+            </a:extLst>
+          </p:cNvPr>
+          <p:cNvSpPr>
+            <a:spLocks noGrp="1"/>
+          </p:cNvSpPr>
+          <p:nvPr>
+            <p:ph type="dt" sz="half" idx="10"/>
+          </p:nvPr>
+        </p:nvSpPr>
+        <p:spPr/>
+        <p:txBody>
+          <a:bodyPr/>
+          <a:lstStyle/>
+          <a:p>
+            <a:r>
+              <a:rPr lang="en-US" dirty="0"/>
+              <a:t>31/1/2023</a:t>
+            </a:r>
+          </a:p>
+        </p:txBody>
+      </p:sp>
+      <p:pic>
+        <p:nvPicPr>
+          <p:cNvPr id="7" name="Picture 6" descr="Begonia">
+            <a:extLst>
+              <a:ext uri="{FF2B5EF4-FFF2-40B4-BE49-F238E27FC236}">
+                <a16:creationId xmlns:a16="http://schemas.microsoft.com/office/drawing/2014/main" id="{22AA3C0D-8757-22BB-164B-E5559A781E6D}"/>
+              </a:ext>
+            </a:extLst>
+          </p:cNvPr>
+          <p:cNvPicPr>
+            <a:picLocks noChangeAspect="1"/>
+          </p:cNvPicPr>
+          <p:nvPr/>
+        </p:nvPicPr>
+        <p:blipFill>
+          <a:blip r:embed="rId2">
+            <a:extLst>
+              <a:ext uri="{28A0092B-C50C-407E-A947-70E740481C1C}">
+                <a14:useLocalDpi xmlns:a14="http://schemas.microsoft.com/office/drawing/2010/main" val="0"/>
+              </a:ext>
+            </a:extLst>
+          </a:blip>
+          <a:srcRect/>
+          <a:stretch>
+            <a:fillRect/>
+          </a:stretch>
+        </p:blipFill>
+        <p:spPr bwMode="auto">
+          <a:xfrm>
+            <a:off x="5814811" y="187141"/>
+            <a:ext cx="2535555" cy="2120265"/>
+          </a:xfrm>
+          <a:prstGeom prst="rect">
+            <a:avLst/>
+          </a:prstGeom>
+          <a:noFill/>
+          <a:ln>
+            <a:noFill/>
+          </a:ln>
+        </p:spPr>
+      </p:pic>
+      <p:pic>
+        <p:nvPicPr>
+          <p:cNvPr id="8" name="Picture 7">
+            <a:extLst>
+              <a:ext uri="{FF2B5EF4-FFF2-40B4-BE49-F238E27FC236}">
+                <a16:creationId xmlns:a16="http://schemas.microsoft.com/office/drawing/2014/main" id="{C069D5C5-F1A3-6E9C-C2EB-A317B18E20BB}"/>
+              </a:ext>
+            </a:extLst>
+          </p:cNvPr>
+          <p:cNvPicPr>
+            <a:picLocks noChangeAspect="1"/>
+          </p:cNvPicPr>
+          <p:nvPr/>
+        </p:nvPicPr>
+        <p:blipFill>
+          <a:blip r:embed="rId3">
+            <a:extLst>
+              <a:ext uri="{28A0092B-C50C-407E-A947-70E740481C1C}">
+                <a14:useLocalDpi xmlns:a14="http://schemas.microsoft.com/office/drawing/2010/main" val="0"/>
+              </a:ext>
+            </a:extLst>
+          </a:blip>
+          <a:srcRect/>
+          <a:stretch>
+            <a:fillRect/>
+          </a:stretch>
+        </p:blipFill>
+        <p:spPr bwMode="auto">
+          <a:xfrm>
+            <a:off x="8518809" y="187140"/>
+            <a:ext cx="2407912" cy="2120265"/>
+          </a:xfrm>
+          <a:prstGeom prst="rect">
+            <a:avLst/>
+          </a:prstGeom>
+          <a:noFill/>
+          <a:ln>
+            <a:noFill/>
+          </a:ln>
+        </p:spPr>
+      </p:pic>
+      <p:pic>
+        <p:nvPicPr>
+          <p:cNvPr id="9" name="Picture 8" descr="Rhapis excelsa">
+            <a:extLst>
+              <a:ext uri="{FF2B5EF4-FFF2-40B4-BE49-F238E27FC236}">
+                <a16:creationId xmlns:a16="http://schemas.microsoft.com/office/drawing/2014/main" id="{29458D32-E12B-A8C5-9375-CF424A16EA2D}"/>
+              </a:ext>
+            </a:extLst>
+          </p:cNvPr>
+          <p:cNvPicPr>
+            <a:picLocks noChangeAspect="1"/>
+          </p:cNvPicPr>
+          <p:nvPr/>
+        </p:nvPicPr>
+        <p:blipFill>
+          <a:blip r:embed="rId4">
+            <a:extLst>
+              <a:ext uri="{28A0092B-C50C-407E-A947-70E740481C1C}">
+                <a14:useLocalDpi xmlns:a14="http://schemas.microsoft.com/office/drawing/2010/main" val="0"/>
+              </a:ext>
+            </a:extLst>
+          </a:blip>
+          <a:srcRect/>
+          <a:stretch>
+            <a:fillRect/>
+          </a:stretch>
+        </p:blipFill>
+        <p:spPr bwMode="auto">
+          <a:xfrm>
+            <a:off x="5814811" y="2630220"/>
+            <a:ext cx="1681560" cy="2243189"/>
+          </a:xfrm>
+          <a:prstGeom prst="rect">
+            <a:avLst/>
+          </a:prstGeom>
+          <a:noFill/>
+          <a:ln>
+            <a:noFill/>
+          </a:ln>
+        </p:spPr>
+      </p:pic>
+      <p:pic>
+        <p:nvPicPr>
+          <p:cNvPr id="10" name="Picture 9">
+            <a:extLst>
+              <a:ext uri="{FF2B5EF4-FFF2-40B4-BE49-F238E27FC236}">
+                <a16:creationId xmlns:a16="http://schemas.microsoft.com/office/drawing/2014/main" id="{EE696913-6DDC-D990-BF1F-41F7CE1E6AB7}"/>
+              </a:ext>
+            </a:extLst>
+          </p:cNvPr>
+          <p:cNvPicPr>
+            <a:picLocks noChangeAspect="1"/>
+          </p:cNvPicPr>
+          <p:nvPr/>
+        </p:nvPicPr>
+        <p:blipFill>
+          <a:blip r:embed="rId5">
+            <a:extLst>
+              <a:ext uri="{28A0092B-C50C-407E-A947-70E740481C1C}">
+                <a14:useLocalDpi xmlns:a14="http://schemas.microsoft.com/office/drawing/2010/main" val="0"/>
+              </a:ext>
+            </a:extLst>
+          </a:blip>
+          <a:srcRect/>
+          <a:stretch>
+            <a:fillRect/>
+          </a:stretch>
+        </p:blipFill>
+        <p:spPr bwMode="auto">
+          <a:xfrm>
+            <a:off x="7706120" y="2630220"/>
+            <a:ext cx="1497585" cy="2243189"/>
+          </a:xfrm>
+          <a:prstGeom prst="rect">
+            <a:avLst/>
+          </a:prstGeom>
+          <a:noFill/>
+          <a:ln>
+            <a:noFill/>
+          </a:ln>
+        </p:spPr>
+      </p:pic>
+      <p:pic>
+        <p:nvPicPr>
+          <p:cNvPr id="11" name="Picture 10">
+            <a:extLst>
+              <a:ext uri="{FF2B5EF4-FFF2-40B4-BE49-F238E27FC236}">
+                <a16:creationId xmlns:a16="http://schemas.microsoft.com/office/drawing/2014/main" id="{AB275553-AA2A-A4E6-0541-997723E93836}"/>
+              </a:ext>
+            </a:extLst>
+          </p:cNvPr>
+          <p:cNvPicPr>
+            <a:picLocks noChangeAspect="1"/>
+          </p:cNvPicPr>
+          <p:nvPr/>
+        </p:nvPicPr>
+        <p:blipFill>
+          <a:blip r:embed="rId6">
+            <a:extLst>
+              <a:ext uri="{28A0092B-C50C-407E-A947-70E740481C1C}">
+                <a14:useLocalDpi xmlns:a14="http://schemas.microsoft.com/office/drawing/2010/main" val="0"/>
+              </a:ext>
+            </a:extLst>
+          </a:blip>
+          <a:srcRect/>
+          <a:stretch>
+            <a:fillRect/>
+          </a:stretch>
+        </p:blipFill>
+        <p:spPr bwMode="auto">
+          <a:xfrm>
+            <a:off x="9413454" y="2630221"/>
+            <a:ext cx="2524125" cy="1626870"/>
+          </a:xfrm>
+          <a:prstGeom prst="rect">
+            <a:avLst/>
+          </a:prstGeom>
+          <a:noFill/>
+          <a:ln>
+            <a:noFill/>
+          </a:ln>
+        </p:spPr>
+      </p:pic>
+      <p:pic>
+        <p:nvPicPr>
+          <p:cNvPr id="12" name="Picture 11">
+            <a:extLst>
+              <a:ext uri="{FF2B5EF4-FFF2-40B4-BE49-F238E27FC236}">
+                <a16:creationId xmlns:a16="http://schemas.microsoft.com/office/drawing/2014/main" id="{835187CB-6434-4901-CA89-1EBD68E30357}"/>
+              </a:ext>
+            </a:extLst>
+          </p:cNvPr>
+          <p:cNvPicPr>
+            <a:picLocks noChangeAspect="1"/>
+          </p:cNvPicPr>
+          <p:nvPr/>
+        </p:nvPicPr>
+        <p:blipFill>
+          <a:blip r:embed="rId7">
+            <a:extLst>
+              <a:ext uri="{28A0092B-C50C-407E-A947-70E740481C1C}">
+                <a14:useLocalDpi xmlns:a14="http://schemas.microsoft.com/office/drawing/2010/main" val="0"/>
+              </a:ext>
+            </a:extLst>
+          </a:blip>
+          <a:srcRect/>
+          <a:stretch>
+            <a:fillRect/>
+          </a:stretch>
+        </p:blipFill>
+        <p:spPr bwMode="auto">
+          <a:xfrm>
+            <a:off x="9685290" y="4569514"/>
+            <a:ext cx="1980451" cy="1779083"/>
+          </a:xfrm>
+          <a:prstGeom prst="rect">
+            <a:avLst/>
+          </a:prstGeom>
+          <a:noFill/>
+          <a:ln>
+            <a:noFill/>
+          </a:ln>
+        </p:spPr>
+      </p:pic>
+      <p:sp>
+        <p:nvSpPr>
+          <p:cNvPr id="13" name="TextBox 12">
+            <a:extLst>
+              <a:ext uri="{FF2B5EF4-FFF2-40B4-BE49-F238E27FC236}">
+                <a16:creationId xmlns:a16="http://schemas.microsoft.com/office/drawing/2014/main" id="{F3E439D1-0FFA-F997-12D2-5297B7865BAA}"/>
+              </a:ext>
+            </a:extLst>
+          </p:cNvPr>
+          <p:cNvSpPr txBox="1"/>
+          <p:nvPr/>
+        </p:nvSpPr>
+        <p:spPr>
+          <a:xfrm>
+            <a:off x="5761618" y="2280220"/>
+            <a:ext cx="575799" cy="215444"/>
+          </a:xfrm>
+          <a:prstGeom prst="rect">
+            <a:avLst/>
+          </a:prstGeom>
+          <a:noFill/>
+        </p:spPr>
+        <p:txBody>
+          <a:bodyPr wrap="none" rtlCol="0">
+            <a:spAutoFit/>
+          </a:bodyPr>
+          <a:lstStyle/>
+          <a:p>
+            <a:r>
+              <a:rPr lang="en-US" sz="800" dirty="0"/>
+              <a:t>Begonia</a:t>
+            </a:r>
+            <a:endParaRPr lang="nl-BE" sz="800" dirty="0"/>
+          </a:p>
+        </p:txBody>
+      </p:sp>
+      <p:sp>
+        <p:nvSpPr>
+          <p:cNvPr id="14" name="TextBox 13">
+            <a:extLst>
+              <a:ext uri="{FF2B5EF4-FFF2-40B4-BE49-F238E27FC236}">
+                <a16:creationId xmlns:a16="http://schemas.microsoft.com/office/drawing/2014/main" id="{5031D135-BCA7-477C-F429-9E551302E437}"/>
+              </a:ext>
+            </a:extLst>
+          </p:cNvPr>
+          <p:cNvSpPr txBox="1"/>
+          <p:nvPr/>
+        </p:nvSpPr>
+        <p:spPr>
+          <a:xfrm>
+            <a:off x="8483487" y="2305406"/>
+            <a:ext cx="816249" cy="215444"/>
+          </a:xfrm>
+          <a:prstGeom prst="rect">
+            <a:avLst/>
+          </a:prstGeom>
+          <a:noFill/>
+        </p:spPr>
+        <p:txBody>
+          <a:bodyPr wrap="none" rtlCol="0">
+            <a:spAutoFit/>
+          </a:bodyPr>
+          <a:lstStyle/>
+          <a:p>
+            <a:r>
+              <a:rPr lang="en-US" sz="800" dirty="0"/>
+              <a:t>Philodendron</a:t>
+            </a:r>
+            <a:endParaRPr lang="nl-BE" sz="800" dirty="0"/>
+          </a:p>
+        </p:txBody>
+      </p:sp>
+      <p:sp>
+        <p:nvSpPr>
+          <p:cNvPr id="15" name="TextBox 14">
+            <a:extLst>
+              <a:ext uri="{FF2B5EF4-FFF2-40B4-BE49-F238E27FC236}">
+                <a16:creationId xmlns:a16="http://schemas.microsoft.com/office/drawing/2014/main" id="{C630D9B3-8989-D124-3F82-AE34E54398EC}"/>
+              </a:ext>
+            </a:extLst>
+          </p:cNvPr>
+          <p:cNvSpPr txBox="1"/>
+          <p:nvPr/>
+        </p:nvSpPr>
+        <p:spPr>
+          <a:xfrm>
+            <a:off x="5761618" y="4840071"/>
+            <a:ext cx="915635" cy="215444"/>
+          </a:xfrm>
+          <a:prstGeom prst="rect">
+            <a:avLst/>
+          </a:prstGeom>
+          <a:noFill/>
+        </p:spPr>
+        <p:txBody>
+          <a:bodyPr wrap="none" rtlCol="0">
+            <a:spAutoFit/>
+          </a:bodyPr>
+          <a:lstStyle/>
+          <a:p>
+            <a:r>
+              <a:rPr lang="en-US" sz="800" dirty="0" err="1"/>
+              <a:t>Rhapis</a:t>
+            </a:r>
+            <a:r>
+              <a:rPr lang="en-US" sz="800" dirty="0"/>
+              <a:t> </a:t>
+            </a:r>
+            <a:r>
+              <a:rPr lang="en-US" sz="800" dirty="0" err="1"/>
+              <a:t>Excelsa</a:t>
+            </a:r>
+            <a:endParaRPr lang="nl-BE" sz="800" dirty="0"/>
+          </a:p>
+        </p:txBody>
+      </p:sp>
+      <p:sp>
+        <p:nvSpPr>
+          <p:cNvPr id="16" name="TextBox 15">
+            <a:extLst>
+              <a:ext uri="{FF2B5EF4-FFF2-40B4-BE49-F238E27FC236}">
+                <a16:creationId xmlns:a16="http://schemas.microsoft.com/office/drawing/2014/main" id="{978D4540-36E2-7B18-2044-BEEFADC29D66}"/>
+              </a:ext>
+            </a:extLst>
+          </p:cNvPr>
+          <p:cNvSpPr txBox="1"/>
+          <p:nvPr/>
+        </p:nvSpPr>
+        <p:spPr>
+          <a:xfrm>
+            <a:off x="7648997" y="4840071"/>
+            <a:ext cx="736099" cy="215444"/>
+          </a:xfrm>
+          <a:prstGeom prst="rect">
+            <a:avLst/>
+          </a:prstGeom>
+          <a:noFill/>
+        </p:spPr>
+        <p:txBody>
+          <a:bodyPr wrap="none" rtlCol="0">
+            <a:spAutoFit/>
+          </a:bodyPr>
+          <a:lstStyle/>
+          <a:p>
+            <a:r>
+              <a:rPr lang="en-US" sz="800" dirty="0"/>
+              <a:t>Scindapsus</a:t>
+            </a:r>
+            <a:endParaRPr lang="nl-BE" sz="800" dirty="0"/>
+          </a:p>
+        </p:txBody>
+      </p:sp>
+      <p:sp>
+        <p:nvSpPr>
+          <p:cNvPr id="17" name="TextBox 16">
+            <a:extLst>
+              <a:ext uri="{FF2B5EF4-FFF2-40B4-BE49-F238E27FC236}">
+                <a16:creationId xmlns:a16="http://schemas.microsoft.com/office/drawing/2014/main" id="{3DEE3DBD-9B26-C009-15CD-6897CB2B4CE4}"/>
+              </a:ext>
+            </a:extLst>
+          </p:cNvPr>
+          <p:cNvSpPr txBox="1"/>
+          <p:nvPr/>
+        </p:nvSpPr>
+        <p:spPr>
+          <a:xfrm>
+            <a:off x="9361323" y="4217693"/>
+            <a:ext cx="647934" cy="215444"/>
+          </a:xfrm>
+          <a:prstGeom prst="rect">
+            <a:avLst/>
+          </a:prstGeom>
+          <a:noFill/>
+        </p:spPr>
+        <p:txBody>
+          <a:bodyPr wrap="none" rtlCol="0">
+            <a:spAutoFit/>
+          </a:bodyPr>
+          <a:lstStyle/>
+          <a:p>
+            <a:r>
+              <a:rPr lang="en-US" sz="800" dirty="0" err="1"/>
+              <a:t>Lidcactus</a:t>
+            </a:r>
+            <a:endParaRPr lang="nl-BE" sz="800" dirty="0"/>
+          </a:p>
+        </p:txBody>
+      </p:sp>
+      <p:sp>
+        <p:nvSpPr>
+          <p:cNvPr id="18" name="TextBox 17">
+            <a:extLst>
+              <a:ext uri="{FF2B5EF4-FFF2-40B4-BE49-F238E27FC236}">
+                <a16:creationId xmlns:a16="http://schemas.microsoft.com/office/drawing/2014/main" id="{C7C37F86-2005-76EA-5B5F-A1D16B699D00}"/>
+              </a:ext>
+            </a:extLst>
+          </p:cNvPr>
+          <p:cNvSpPr txBox="1"/>
+          <p:nvPr/>
+        </p:nvSpPr>
+        <p:spPr>
+          <a:xfrm>
+            <a:off x="9618291" y="6312500"/>
+            <a:ext cx="1135247" cy="215444"/>
+          </a:xfrm>
+          <a:prstGeom prst="rect">
+            <a:avLst/>
+          </a:prstGeom>
+          <a:noFill/>
+        </p:spPr>
+        <p:txBody>
+          <a:bodyPr wrap="none" rtlCol="0">
+            <a:spAutoFit/>
+          </a:bodyPr>
+          <a:lstStyle/>
+          <a:p>
+            <a:r>
+              <a:rPr lang="en-US" sz="800" dirty="0"/>
+              <a:t>Opuntia </a:t>
+            </a:r>
+            <a:r>
+              <a:rPr lang="en-US" sz="800" dirty="0" err="1"/>
+              <a:t>microdasys</a:t>
+            </a:r>
+            <a:endParaRPr lang="nl-BE" sz="800" dirty="0"/>
+          </a:p>
+        </p:txBody>
+      </p:sp>
+    </p:spTree>
+    <p:extLst>
+      <p:ext uri="{BB962C8B-B14F-4D97-AF65-F5344CB8AC3E}">
+        <p14:creationId xmlns:p14="http://schemas.microsoft.com/office/powerpoint/2010/main" val="29323263"/>
+      </p:ext>
+    </p:extLst>
+  </p:cSld>
+  <p:clrMapOvr>
+    <a:masterClrMapping/>
+  </p:clrMapOvr>
+  <mc:AlternateContent xmlns:mc="http://schemas.openxmlformats.org/markup-compatibility/2006">
+    <mc:Choice xmlns:p14="http://schemas.microsoft.com/office/powerpoint/2010/main" Requires="p14">
+      <p:transition spd="med" p14:dur="700">
+        <p:fade/>
+      </p:transition>
+    </mc:Choice>
+    <mc:Fallback>
+      <p:transition spd="med">
+        <p:fade/>
+      </p:transition>
+    </mc:Fallback>
+  </mc:AlternateContent>
+</p:sld>
+</file>
+
+<file path=ppt/slides/slide8.xml><?xml version="1.0" encoding="utf-8"?>
+<p:sld xmlns:a="http://schemas.openxmlformats.org/drawingml/2006/main" xmlns:r="http://schemas.openxmlformats.org/officeDocument/2006/relationships" xmlns:p="http://schemas.openxmlformats.org/presentationml/2006/main">
+  <p:cSld>
+    <p:spTree>
+      <p:nvGrpSpPr>
+        <p:cNvPr id="1" name=""/>
+        <p:cNvGrpSpPr/>
+        <p:nvPr/>
+      </p:nvGrpSpPr>
+      <p:grpSpPr>
+        <a:xfrm>
+          <a:off x="0" y="0"/>
+          <a:ext cx="0" cy="0"/>
+          <a:chOff x="0" y="0"/>
+          <a:chExt cx="0" cy="0"/>
+        </a:xfrm>
+      </p:grpSpPr>
+      <p:sp>
+        <p:nvSpPr>
+          <p:cNvPr id="2" name="Title 1">
+            <a:extLst>
+              <a:ext uri="{FF2B5EF4-FFF2-40B4-BE49-F238E27FC236}">
+                <a16:creationId xmlns:a16="http://schemas.microsoft.com/office/drawing/2014/main" id="{5A7265BD-9D76-B2B4-E1E4-0AA01C3A3E1F}"/>
+              </a:ext>
+            </a:extLst>
+          </p:cNvPr>
+          <p:cNvSpPr>
+            <a:spLocks noGrp="1"/>
+          </p:cNvSpPr>
+          <p:nvPr>
+            <p:ph type="title"/>
+          </p:nvPr>
+        </p:nvSpPr>
+        <p:spPr/>
+        <p:txBody>
+          <a:bodyPr/>
+          <a:lstStyle/>
+          <a:p>
+            <a:r>
+              <a:rPr lang="en-US" dirty="0"/>
+              <a:t>2. De </a:t>
+            </a:r>
+            <a:r>
+              <a:rPr lang="nl-BE" dirty="0"/>
+              <a:t>theorie</a:t>
+            </a:r>
+          </a:p>
+        </p:txBody>
+      </p:sp>
+      <p:sp>
+        <p:nvSpPr>
+          <p:cNvPr id="3" name="Content Placeholder 2">
+            <a:extLst>
+              <a:ext uri="{FF2B5EF4-FFF2-40B4-BE49-F238E27FC236}">
+                <a16:creationId xmlns:a16="http://schemas.microsoft.com/office/drawing/2014/main" id="{6E25F141-97FE-D4F8-A34E-A4989E36CF8A}"/>
+              </a:ext>
+            </a:extLst>
+          </p:cNvPr>
+          <p:cNvSpPr>
+            <a:spLocks noGrp="1"/>
+          </p:cNvSpPr>
+          <p:nvPr>
+            <p:ph idx="1"/>
+          </p:nvPr>
+        </p:nvSpPr>
+        <p:spPr>
+          <a:xfrm>
+            <a:off x="1088136" y="2062768"/>
+            <a:ext cx="9922764" cy="3838722"/>
+          </a:xfrm>
+        </p:spPr>
+        <p:txBody>
+          <a:bodyPr>
+            <a:normAutofit/>
+          </a:bodyPr>
+          <a:lstStyle/>
+          <a:p>
+            <a:pPr lvl="1"/>
+            <a:r>
+              <a:rPr lang="nl-BE" u="sng" dirty="0"/>
+              <a:t>De opbouw:</a:t>
+            </a:r>
+          </a:p>
+          <a:p>
+            <a:pPr marL="274320" lvl="1" indent="0">
+              <a:buNone/>
+            </a:pPr>
+            <a:r>
+              <a:rPr lang="nl-BE" dirty="0"/>
+              <a:t>B</a:t>
+            </a:r>
+            <a:r>
+              <a:rPr lang="nl-BE" sz="1800" dirty="0"/>
+              <a:t>elangrijk om te begrijpen hoe ze werken.</a:t>
+            </a:r>
+          </a:p>
+          <a:p>
+            <a:pPr lvl="2"/>
+            <a:endParaRPr lang="nl-BE" sz="1800" dirty="0"/>
+          </a:p>
+          <a:p>
+            <a:pPr lvl="2"/>
+            <a:r>
+              <a:rPr lang="nl-BE" u="sng" dirty="0"/>
+              <a:t>Met het blote oog:</a:t>
+            </a:r>
+          </a:p>
+          <a:p>
+            <a:pPr lvl="3"/>
+            <a:r>
+              <a:rPr lang="nl-BE" dirty="0"/>
+              <a:t>De wortels</a:t>
+            </a:r>
+          </a:p>
+          <a:p>
+            <a:pPr lvl="3"/>
+            <a:r>
+              <a:rPr lang="nl-BE" dirty="0"/>
+              <a:t>De stengels</a:t>
+            </a:r>
+          </a:p>
+          <a:p>
+            <a:pPr lvl="3"/>
+            <a:r>
+              <a:rPr lang="nl-BE" dirty="0"/>
+              <a:t>De bladeren</a:t>
+            </a:r>
+          </a:p>
+          <a:p>
+            <a:pPr lvl="3"/>
+            <a:r>
+              <a:rPr lang="nl-BE" dirty="0"/>
+              <a:t>De bloemen</a:t>
+            </a:r>
+          </a:p>
+        </p:txBody>
+      </p:sp>
+      <p:sp>
+        <p:nvSpPr>
+          <p:cNvPr id="4" name="Slide Number Placeholder 3">
+            <a:extLst>
+              <a:ext uri="{FF2B5EF4-FFF2-40B4-BE49-F238E27FC236}">
+                <a16:creationId xmlns:a16="http://schemas.microsoft.com/office/drawing/2014/main" id="{BE21E36D-9ADE-B65E-255D-F7D686638201}"/>
+              </a:ext>
+            </a:extLst>
+          </p:cNvPr>
+          <p:cNvSpPr>
+            <a:spLocks noGrp="1"/>
+          </p:cNvSpPr>
+          <p:nvPr>
+            <p:ph type="sldNum" sz="quarter" idx="12"/>
+          </p:nvPr>
+        </p:nvSpPr>
+        <p:spPr/>
+        <p:txBody>
+          <a:bodyPr/>
+          <a:lstStyle/>
+          <a:p>
+            <a:fld id="{719D7796-F675-488F-AC46-C88938C80352}" type="slidenum">
+              <a:rPr lang="en-US" smtClean="0"/>
+              <a:t>8</a:t>
+            </a:fld>
+            <a:endParaRPr lang="en-US" dirty="0"/>
+          </a:p>
+        </p:txBody>
+      </p:sp>
+      <p:sp>
+        <p:nvSpPr>
+          <p:cNvPr id="5" name="Footer Placeholder 4">
+            <a:extLst>
+              <a:ext uri="{FF2B5EF4-FFF2-40B4-BE49-F238E27FC236}">
+                <a16:creationId xmlns:a16="http://schemas.microsoft.com/office/drawing/2014/main" id="{32D3AD75-5125-42F4-8C56-256B3E44A858}"/>
+              </a:ext>
+            </a:extLst>
+          </p:cNvPr>
+          <p:cNvSpPr>
+            <a:spLocks noGrp="1"/>
+          </p:cNvSpPr>
+          <p:nvPr>
+            <p:ph type="ftr" sz="quarter" idx="11"/>
+          </p:nvPr>
+        </p:nvSpPr>
+        <p:spPr/>
+        <p:txBody>
+          <a:bodyPr/>
+          <a:lstStyle/>
+          <a:p>
+            <a:r>
+              <a:rPr lang="nl-BE" dirty="0"/>
+              <a:t>Het onderhouden van kamerplanten automatiseren - Eduard Smet</a:t>
+            </a:r>
+            <a:endParaRPr lang="en-US" dirty="0"/>
+          </a:p>
+        </p:txBody>
+      </p:sp>
+      <p:sp>
+        <p:nvSpPr>
+          <p:cNvPr id="6" name="Date Placeholder 5">
+            <a:extLst>
+              <a:ext uri="{FF2B5EF4-FFF2-40B4-BE49-F238E27FC236}">
+                <a16:creationId xmlns:a16="http://schemas.microsoft.com/office/drawing/2014/main" id="{92A0768E-42FB-CF56-882C-72EF5CAB8F44}"/>
+              </a:ext>
+            </a:extLst>
+          </p:cNvPr>
+          <p:cNvSpPr>
+            <a:spLocks noGrp="1"/>
+          </p:cNvSpPr>
+          <p:nvPr>
+            <p:ph type="dt" sz="half" idx="10"/>
+          </p:nvPr>
+        </p:nvSpPr>
+        <p:spPr/>
+        <p:txBody>
+          <a:bodyPr/>
+          <a:lstStyle/>
+          <a:p>
+            <a:r>
+              <a:rPr lang="en-US" dirty="0"/>
+              <a:t>31/1/2023</a:t>
+            </a:r>
+          </a:p>
+        </p:txBody>
+      </p:sp>
+      <p:pic>
+        <p:nvPicPr>
+          <p:cNvPr id="7" name="Picture 6">
+            <a:extLst>
+              <a:ext uri="{FF2B5EF4-FFF2-40B4-BE49-F238E27FC236}">
+                <a16:creationId xmlns:a16="http://schemas.microsoft.com/office/drawing/2014/main" id="{E6EFA5D0-479D-62CB-2316-2B88A06444E6}"/>
+              </a:ext>
+            </a:extLst>
+          </p:cNvPr>
+          <p:cNvPicPr>
+            <a:picLocks noChangeAspect="1"/>
+          </p:cNvPicPr>
+          <p:nvPr/>
+        </p:nvPicPr>
+        <p:blipFill>
+          <a:blip r:embed="rId2" cstate="print">
+            <a:extLst>
+              <a:ext uri="{28A0092B-C50C-407E-A947-70E740481C1C}">
+                <a14:useLocalDpi xmlns:a14="http://schemas.microsoft.com/office/drawing/2010/main" val="0"/>
+              </a:ext>
+            </a:extLst>
+          </a:blip>
+          <a:stretch>
+            <a:fillRect/>
+          </a:stretch>
+        </p:blipFill>
+        <p:spPr>
+          <a:xfrm>
+            <a:off x="7532540" y="1574570"/>
+            <a:ext cx="3477962" cy="4324701"/>
+          </a:xfrm>
+          <a:prstGeom prst="rect">
+            <a:avLst/>
+          </a:prstGeom>
+        </p:spPr>
+      </p:pic>
+    </p:spTree>
+    <p:extLst>
+      <p:ext uri="{BB962C8B-B14F-4D97-AF65-F5344CB8AC3E}">
+        <p14:creationId xmlns:p14="http://schemas.microsoft.com/office/powerpoint/2010/main" val="1683592126"/>
+      </p:ext>
+    </p:extLst>
+  </p:cSld>
+  <p:clrMapOvr>
+    <a:masterClrMapping/>
+  </p:clrMapOvr>
+  <mc:AlternateContent xmlns:mc="http://schemas.openxmlformats.org/markup-compatibility/2006" xmlns:p14="http://schemas.microsoft.com/office/powerpoint/2010/main">
+    <mc:Choice Requires="p14">
+      <p:transition spd="med" p14:dur="700">
+        <p:fade/>
+      </p:transition>
+    </mc:Choice>
+    <mc:Fallback xmlns="">
+      <p:transition spd="med">
+        <p:fade/>
+      </p:transition>
+    </mc:Fallback>
+  </mc:AlternateContent>
+</p:sld>
+</file>
+
+<file path=ppt/slides/slide9.xml><?xml version="1.0" encoding="utf-8"?>
+<p:sld xmlns:a="http://schemas.openxmlformats.org/drawingml/2006/main" xmlns:r="http://schemas.openxmlformats.org/officeDocument/2006/relationships" xmlns:p="http://schemas.openxmlformats.org/presentationml/2006/main">
+  <p:cSld>
+    <p:spTree>
+      <p:nvGrpSpPr>
+        <p:cNvPr id="1" name=""/>
+        <p:cNvGrpSpPr/>
+        <p:nvPr/>
+      </p:nvGrpSpPr>
+      <p:grpSpPr>
+        <a:xfrm>
+          <a:off x="0" y="0"/>
+          <a:ext cx="0" cy="0"/>
+          <a:chOff x="0" y="0"/>
+          <a:chExt cx="0" cy="0"/>
+        </a:xfrm>
+      </p:grpSpPr>
+      <p:sp>
+        <p:nvSpPr>
+          <p:cNvPr id="2" name="Title 1">
+            <a:extLst>
+              <a:ext uri="{FF2B5EF4-FFF2-40B4-BE49-F238E27FC236}">
+                <a16:creationId xmlns:a16="http://schemas.microsoft.com/office/drawing/2014/main" id="{5A7265BD-9D76-B2B4-E1E4-0AA01C3A3E1F}"/>
+              </a:ext>
+            </a:extLst>
+          </p:cNvPr>
+          <p:cNvSpPr>
+            <a:spLocks noGrp="1"/>
+          </p:cNvSpPr>
+          <p:nvPr>
+            <p:ph type="title"/>
+          </p:nvPr>
+        </p:nvSpPr>
+        <p:spPr/>
+        <p:txBody>
+          <a:bodyPr/>
+          <a:lstStyle/>
+          <a:p>
+            <a:r>
+              <a:rPr lang="en-US" dirty="0"/>
+              <a:t>2. De </a:t>
+            </a:r>
+            <a:r>
+              <a:rPr lang="nl-BE" dirty="0"/>
+              <a:t>theorie</a:t>
+            </a:r>
+          </a:p>
+        </p:txBody>
+      </p:sp>
+      <p:sp>
+        <p:nvSpPr>
+          <p:cNvPr id="3" name="Content Placeholder 2">
+            <a:extLst>
+              <a:ext uri="{FF2B5EF4-FFF2-40B4-BE49-F238E27FC236}">
+                <a16:creationId xmlns:a16="http://schemas.microsoft.com/office/drawing/2014/main" id="{6E25F141-97FE-D4F8-A34E-A4989E36CF8A}"/>
+              </a:ext>
+            </a:extLst>
+          </p:cNvPr>
+          <p:cNvSpPr>
+            <a:spLocks noGrp="1"/>
+          </p:cNvSpPr>
+          <p:nvPr>
+            <p:ph idx="1"/>
+          </p:nvPr>
+        </p:nvSpPr>
+        <p:spPr>
+          <a:xfrm>
+            <a:off x="1088136" y="2062768"/>
+            <a:ext cx="9922764" cy="3838722"/>
+          </a:xfrm>
+        </p:spPr>
+        <p:txBody>
+          <a:bodyPr>
+            <a:normAutofit/>
+          </a:bodyPr>
+          <a:lstStyle/>
+          <a:p>
+            <a:pPr lvl="1"/>
+            <a:r>
+              <a:rPr lang="nl-BE" u="sng" dirty="0"/>
+              <a:t>De opbouw:</a:t>
+            </a:r>
+          </a:p>
+          <a:p>
+            <a:pPr marL="274320" lvl="1" indent="0">
+              <a:buNone/>
+            </a:pPr>
+            <a:r>
+              <a:rPr lang="nl-BE" sz="1800" dirty="0"/>
+              <a:t>Belangrijk om te begrijpen hoe ze werken.</a:t>
+            </a:r>
+          </a:p>
+          <a:p>
+            <a:pPr lvl="2"/>
+            <a:endParaRPr lang="nl-BE" sz="1800" dirty="0"/>
+          </a:p>
+          <a:p>
+            <a:pPr lvl="2"/>
+            <a:r>
+              <a:rPr lang="nl-BE" u="sng" dirty="0"/>
+              <a:t>Met het blote oog:</a:t>
+            </a:r>
+          </a:p>
+          <a:p>
+            <a:pPr lvl="3"/>
+            <a:r>
+              <a:rPr lang="nl-BE" dirty="0"/>
+              <a:t>De wortels</a:t>
+            </a:r>
+          </a:p>
+          <a:p>
+            <a:pPr lvl="3"/>
+            <a:r>
+              <a:rPr lang="nl-BE" dirty="0"/>
+              <a:t>De stengels</a:t>
+            </a:r>
+          </a:p>
+          <a:p>
+            <a:pPr lvl="3"/>
+            <a:r>
+              <a:rPr lang="nl-BE" dirty="0"/>
+              <a:t>De bladeren</a:t>
+            </a:r>
+          </a:p>
+          <a:p>
+            <a:pPr lvl="3"/>
+            <a:r>
+              <a:rPr lang="nl-BE" dirty="0"/>
+              <a:t>De bloemen</a:t>
+            </a:r>
+          </a:p>
+        </p:txBody>
+      </p:sp>
+      <p:sp>
+        <p:nvSpPr>
+          <p:cNvPr id="4" name="Slide Number Placeholder 3">
+            <a:extLst>
+              <a:ext uri="{FF2B5EF4-FFF2-40B4-BE49-F238E27FC236}">
+                <a16:creationId xmlns:a16="http://schemas.microsoft.com/office/drawing/2014/main" id="{BE21E36D-9ADE-B65E-255D-F7D686638201}"/>
+              </a:ext>
+            </a:extLst>
+          </p:cNvPr>
+          <p:cNvSpPr>
+            <a:spLocks noGrp="1"/>
+          </p:cNvSpPr>
+          <p:nvPr>
+            <p:ph type="sldNum" sz="quarter" idx="12"/>
+          </p:nvPr>
+        </p:nvSpPr>
+        <p:spPr/>
+        <p:txBody>
+          <a:bodyPr/>
+          <a:lstStyle/>
+          <a:p>
+            <a:fld id="{719D7796-F675-488F-AC46-C88938C80352}" type="slidenum">
+              <a:rPr lang="en-US" smtClean="0"/>
+              <a:t>9</a:t>
+            </a:fld>
+            <a:endParaRPr lang="en-US" dirty="0"/>
+          </a:p>
+        </p:txBody>
+      </p:sp>
+      <p:sp>
+        <p:nvSpPr>
+          <p:cNvPr id="5" name="Footer Placeholder 4">
+            <a:extLst>
+              <a:ext uri="{FF2B5EF4-FFF2-40B4-BE49-F238E27FC236}">
+                <a16:creationId xmlns:a16="http://schemas.microsoft.com/office/drawing/2014/main" id="{32D3AD75-5125-42F4-8C56-256B3E44A858}"/>
+              </a:ext>
+            </a:extLst>
+          </p:cNvPr>
+          <p:cNvSpPr>
+            <a:spLocks noGrp="1"/>
+          </p:cNvSpPr>
+          <p:nvPr>
+            <p:ph type="ftr" sz="quarter" idx="11"/>
+          </p:nvPr>
+        </p:nvSpPr>
+        <p:spPr/>
+        <p:txBody>
+          <a:bodyPr/>
+          <a:lstStyle/>
+          <a:p>
+            <a:r>
+              <a:rPr lang="nl-BE" dirty="0"/>
+              <a:t>Het onderhouden van kamerplanten automatiseren - Eduard Smet</a:t>
+            </a:r>
+            <a:endParaRPr lang="en-US" dirty="0"/>
+          </a:p>
+        </p:txBody>
+      </p:sp>
+      <p:sp>
+        <p:nvSpPr>
+          <p:cNvPr id="6" name="Date Placeholder 5">
+            <a:extLst>
+              <a:ext uri="{FF2B5EF4-FFF2-40B4-BE49-F238E27FC236}">
+                <a16:creationId xmlns:a16="http://schemas.microsoft.com/office/drawing/2014/main" id="{92A0768E-42FB-CF56-882C-72EF5CAB8F44}"/>
+              </a:ext>
+            </a:extLst>
+          </p:cNvPr>
+          <p:cNvSpPr>
+            <a:spLocks noGrp="1"/>
+          </p:cNvSpPr>
+          <p:nvPr>
+            <p:ph type="dt" sz="half" idx="10"/>
+          </p:nvPr>
+        </p:nvSpPr>
+        <p:spPr/>
+        <p:txBody>
+          <a:bodyPr/>
+          <a:lstStyle/>
+          <a:p>
+            <a:r>
+              <a:rPr lang="en-US" dirty="0"/>
+              <a:t>31/1/2023</a:t>
+            </a:r>
+          </a:p>
+        </p:txBody>
+      </p:sp>
+      <p:pic>
+        <p:nvPicPr>
+          <p:cNvPr id="8" name="Picture 7" descr="Plantenwerk - Wikiwijs Maken">
+            <a:extLst>
+              <a:ext uri="{FF2B5EF4-FFF2-40B4-BE49-F238E27FC236}">
+                <a16:creationId xmlns:a16="http://schemas.microsoft.com/office/drawing/2014/main" id="{F13930FD-1F0E-3867-6DDE-956F5FDA174E}"/>
+              </a:ext>
+            </a:extLst>
+          </p:cNvPr>
+          <p:cNvPicPr>
+            <a:picLocks noChangeAspect="1"/>
+          </p:cNvPicPr>
+          <p:nvPr/>
+        </p:nvPicPr>
+        <p:blipFill>
+          <a:blip r:embed="rId2">
+            <a:extLst>
+              <a:ext uri="{28A0092B-C50C-407E-A947-70E740481C1C}">
+                <a14:useLocalDpi xmlns:a14="http://schemas.microsoft.com/office/drawing/2010/main" val="0"/>
+              </a:ext>
+            </a:extLst>
+          </a:blip>
+          <a:srcRect/>
+          <a:stretch>
+            <a:fillRect/>
+          </a:stretch>
+        </p:blipFill>
+        <p:spPr bwMode="auto">
+          <a:xfrm>
+            <a:off x="7964407" y="2610529"/>
+            <a:ext cx="3046095" cy="2743200"/>
+          </a:xfrm>
+          <a:prstGeom prst="rect">
+            <a:avLst/>
+          </a:prstGeom>
+          <a:noFill/>
+          <a:ln>
+            <a:noFill/>
+          </a:ln>
+        </p:spPr>
+      </p:pic>
+    </p:spTree>
+    <p:extLst>
+      <p:ext uri="{BB962C8B-B14F-4D97-AF65-F5344CB8AC3E}">
+        <p14:creationId xmlns:p14="http://schemas.microsoft.com/office/powerpoint/2010/main" val="244971730"/>
+      </p:ext>
+    </p:extLst>
+  </p:cSld>
+  <p:clrMapOvr>
+    <a:masterClrMapping/>
+  </p:clrMapOvr>
+  <mc:AlternateContent xmlns:mc="http://schemas.openxmlformats.org/markup-compatibility/2006">
+    <mc:Choice xmlns:p14="http://schemas.microsoft.com/office/powerpoint/2010/main" Requires="p14">
+      <p:transition spd="med" p14:dur="700">
+        <p:fade/>
+      </p:transition>
+    </mc:Choice>
+    <mc:Fallback>
+      <p:transition spd="med">
+        <p:fade/>
+      </p:transition>
+    </mc:Fallback>
+  </mc:AlternateContent>
 </p:sld>
 </file>
 
